--- a/Präsentation.pptx
+++ b/Präsentation.pptx
@@ -5,7 +5,7 @@
     <p:sldMasterId id="2147483648" r:id="rId1"/>
   </p:sldMasterIdLst>
   <p:notesMasterIdLst>
-    <p:notesMasterId r:id="rId18"/>
+    <p:notesMasterId r:id="rId19"/>
   </p:notesMasterIdLst>
   <p:sldIdLst>
     <p:sldId id="276" r:id="rId2"/>
@@ -24,6 +24,7 @@
     <p:sldId id="270" r:id="rId15"/>
     <p:sldId id="272" r:id="rId16"/>
     <p:sldId id="274" r:id="rId17"/>
+    <p:sldId id="279" r:id="rId18"/>
   </p:sldIdLst>
   <p:sldSz cx="12192000" cy="6858000"/>
   <p:notesSz cx="6858000" cy="9144000"/>
@@ -125,6 +126,9 @@
   <p:extLst>
     <p:ext uri="{EFAFB233-063F-42B5-8137-9DF3F51BA10A}">
       <p15:sldGuideLst xmlns:p15="http://schemas.microsoft.com/office/powerpoint/2012/main"/>
+    </p:ext>
+    <p:ext uri="{2D200454-40CA-4A62-9FC3-DE9A4176ACB9}">
+      <p15:notesGuideLst xmlns:p15="http://schemas.microsoft.com/office/powerpoint/2012/main"/>
     </p:ext>
   </p:extLst>
 </p:presentation>
@@ -3708,7 +3712,7 @@
           <a:p>
             <a:fld id="{B699EEB3-672E-41AD-AF27-19E0A04A837A}" type="datetimeFigureOut">
               <a:rPr lang="en-US" smtClean="0"/>
-              <a:t>4/30/2023</a:t>
+              <a:t>5/1/2023</a:t>
             </a:fld>
             <a:endParaRPr lang="en-US"/>
           </a:p>
@@ -5785,7 +5789,7 @@
           <a:p>
             <a:fld id="{FB188550-3822-4E72-8518-357FC7BC8576}" type="datetime1">
               <a:rPr lang="en-US" smtClean="0"/>
-              <a:t>4/30/2023</a:t>
+              <a:t>5/1/2023</a:t>
             </a:fld>
             <a:endParaRPr lang="en-US"/>
           </a:p>
@@ -5987,7 +5991,7 @@
           <a:p>
             <a:fld id="{0D5EFCE2-676E-4A8C-B75B-56B27DA7CA23}" type="datetime1">
               <a:rPr lang="en-US" smtClean="0"/>
-              <a:t>4/30/2023</a:t>
+              <a:t>5/1/2023</a:t>
             </a:fld>
             <a:endParaRPr lang="en-US"/>
           </a:p>
@@ -6199,7 +6203,7 @@
           <a:p>
             <a:fld id="{C038A9A4-9F0E-4DBC-8123-F17B1F22CF0F}" type="datetime1">
               <a:rPr lang="en-US" smtClean="0"/>
-              <a:t>4/30/2023</a:t>
+              <a:t>5/1/2023</a:t>
             </a:fld>
             <a:endParaRPr lang="en-US"/>
           </a:p>
@@ -6401,7 +6405,7 @@
           <a:p>
             <a:fld id="{154CABC4-7B03-495A-9AFA-D4B9B0DC9A84}" type="datetime1">
               <a:rPr lang="en-US" smtClean="0"/>
-              <a:t>4/30/2023</a:t>
+              <a:t>5/1/2023</a:t>
             </a:fld>
             <a:endParaRPr lang="en-US"/>
           </a:p>
@@ -6680,7 +6684,7 @@
           <a:p>
             <a:fld id="{78192B49-66E0-4E1A-94F4-973D637B7DA2}" type="datetime1">
               <a:rPr lang="en-US" smtClean="0"/>
-              <a:t>4/30/2023</a:t>
+              <a:t>5/1/2023</a:t>
             </a:fld>
             <a:endParaRPr lang="en-US"/>
           </a:p>
@@ -6949,7 +6953,7 @@
           <a:p>
             <a:fld id="{2ECA240D-021D-4026-8FED-EFFD90335E41}" type="datetime1">
               <a:rPr lang="en-US" smtClean="0"/>
-              <a:t>4/30/2023</a:t>
+              <a:t>5/1/2023</a:t>
             </a:fld>
             <a:endParaRPr lang="en-US"/>
           </a:p>
@@ -7365,7 +7369,7 @@
           <a:p>
             <a:fld id="{B9F77142-2A5A-4429-B94C-6B1AC0BB33C7}" type="datetime1">
               <a:rPr lang="en-US" smtClean="0"/>
-              <a:t>4/30/2023</a:t>
+              <a:t>5/1/2023</a:t>
             </a:fld>
             <a:endParaRPr lang="en-US"/>
           </a:p>
@@ -7510,7 +7514,7 @@
           <a:p>
             <a:fld id="{D344FF2C-4999-425C-859C-90D84AE67B50}" type="datetime1">
               <a:rPr lang="en-US" smtClean="0"/>
-              <a:t>4/30/2023</a:t>
+              <a:t>5/1/2023</a:t>
             </a:fld>
             <a:endParaRPr lang="en-US"/>
           </a:p>
@@ -7627,7 +7631,7 @@
           <a:p>
             <a:fld id="{91A23E8F-5F80-4B65-91DE-6720E6D23E3A}" type="datetime1">
               <a:rPr lang="en-US" smtClean="0"/>
-              <a:t>4/30/2023</a:t>
+              <a:t>5/1/2023</a:t>
             </a:fld>
             <a:endParaRPr lang="en-US"/>
           </a:p>
@@ -7942,7 +7946,7 @@
           <a:p>
             <a:fld id="{70DECF2F-A177-4234-884F-D665E99597BF}" type="datetime1">
               <a:rPr lang="en-US" smtClean="0"/>
-              <a:t>4/30/2023</a:t>
+              <a:t>5/1/2023</a:t>
             </a:fld>
             <a:endParaRPr lang="en-US"/>
           </a:p>
@@ -8234,7 +8238,7 @@
           <a:p>
             <a:fld id="{E432B4FC-9111-4FA6-83D7-26158D9FFB01}" type="datetime1">
               <a:rPr lang="en-US" smtClean="0"/>
-              <a:t>4/30/2023</a:t>
+              <a:t>5/1/2023</a:t>
             </a:fld>
             <a:endParaRPr lang="en-US"/>
           </a:p>
@@ -8479,7 +8483,7 @@
           <a:p>
             <a:fld id="{108A961A-93B5-48C4-A464-A55C83187F94}" type="datetime1">
               <a:rPr lang="en-US" smtClean="0"/>
-              <a:t>4/30/2023</a:t>
+              <a:t>5/1/2023</a:t>
             </a:fld>
             <a:endParaRPr lang="en-US"/>
           </a:p>
@@ -9032,7 +9036,7 @@
           <a:lstStyle/>
           <a:p>
             <a:r>
-              <a:rPr lang="en-US" sz="9000" dirty="0">
+              <a:rPr lang="en-US" sz="9000">
                 <a:ln w="22225">
                   <a:solidFill>
                     <a:schemeClr val="tx1"/>
@@ -9170,7 +9174,7 @@
                   <a:srgbClr val="FFFFFF"/>
                 </a:solidFill>
               </a:rPr>
-              <a:t>4/30/2023</a:t>
+              <a:t>5/1/2023</a:t>
             </a:fld>
             <a:endParaRPr lang="en-US">
               <a:solidFill>
@@ -9214,7 +9218,7 @@
               </a:spcAft>
             </a:pPr>
             <a:r>
-              <a:rPr lang="de-DE" dirty="0">
+              <a:rPr lang="de-DE">
                 <a:solidFill>
                   <a:srgbClr val="FFFFFF"/>
                 </a:solidFill>
@@ -9263,7 +9267,7 @@
               </a:spcAft>
             </a:pPr>
             <a:fld id="{4A02C0CA-695B-4E24-A1D3-3DA5FEDE07AC}" type="slidenum">
-              <a:rPr lang="en-US">
+              <a:rPr lang="en-US" smtClean="0">
                 <a:solidFill>
                   <a:srgbClr val="FFFFFF"/>
                 </a:solidFill>
@@ -9779,7 +9783,7 @@
                 </a:solidFill>
                 <a:latin typeface="Calibri" panose="020F0502020204030204"/>
               </a:rPr>
-              <a:t>4/30/2023</a:t>
+              <a:t>5/1/2023</a:t>
             </a:fld>
             <a:endParaRPr lang="en-US">
               <a:solidFill>
@@ -10235,7 +10239,7 @@
           <a:p>
             <a:fld id="{615C672C-8BB3-41B4-B0FE-0881E05E57D5}" type="datetime1">
               <a:rPr lang="en-US" smtClean="0"/>
-              <a:t>4/30/2023</a:t>
+              <a:t>5/1/2023</a:t>
             </a:fld>
             <a:endParaRPr lang="en-US"/>
           </a:p>
@@ -10693,7 +10697,7 @@
           <a:p>
             <a:fld id="{C09D2358-4BC9-4C6D-BAB7-840D5BFD5432}" type="datetime1">
               <a:rPr lang="en-US" smtClean="0"/>
-              <a:t>4/30/2023</a:t>
+              <a:t>5/1/2023</a:t>
             </a:fld>
             <a:endParaRPr lang="en-US"/>
           </a:p>
@@ -11077,7 +11081,7 @@
           <a:p>
             <a:fld id="{3C028EAF-51DD-4B07-914F-DAAE205F3D33}" type="datetime1">
               <a:rPr lang="en-US" smtClean="0"/>
-              <a:t>4/30/2023</a:t>
+              <a:t>5/1/2023</a:t>
             </a:fld>
             <a:endParaRPr lang="en-US"/>
           </a:p>
@@ -11461,7 +11465,7 @@
           <a:p>
             <a:fld id="{AA26B459-5CF9-4FBD-A954-6AB72B68ECA7}" type="datetime1">
               <a:rPr lang="en-US" smtClean="0"/>
-              <a:t>4/30/2023</a:t>
+              <a:t>5/1/2023</a:t>
             </a:fld>
             <a:endParaRPr lang="en-US"/>
           </a:p>
@@ -11985,7 +11989,7 @@
                 </a:solidFill>
                 <a:latin typeface="Calibri" panose="020F0502020204030204"/>
               </a:rPr>
-              <a:t>4/30/2023</a:t>
+              <a:t>5/1/2023</a:t>
             </a:fld>
             <a:endParaRPr lang="en-US">
               <a:solidFill>
@@ -12598,7 +12602,7 @@
                 </a:solidFill>
                 <a:latin typeface="Calibri" panose="020F0502020204030204"/>
               </a:rPr>
-              <a:t>4/30/2023</a:t>
+              <a:t>5/1/2023</a:t>
             </a:fld>
             <a:endParaRPr lang="en-US">
               <a:solidFill>
@@ -12647,7 +12651,7 @@
               <a:defRPr/>
             </a:pPr>
             <a:r>
-              <a:rPr lang="en-US" kern="1200">
+              <a:rPr lang="en-US" kern="1200" dirty="0">
                 <a:solidFill>
                   <a:schemeClr val="tx1">
                     <a:lumMod val="50000"/>
@@ -12725,6 +12729,1026 @@
     <p:extLst>
       <p:ext uri="{BB962C8B-B14F-4D97-AF65-F5344CB8AC3E}">
         <p14:creationId xmlns:p14="http://schemas.microsoft.com/office/powerpoint/2010/main" val="3179838583"/>
+      </p:ext>
+    </p:extLst>
+  </p:cSld>
+  <p:clrMapOvr>
+    <a:masterClrMapping/>
+  </p:clrMapOvr>
+</p:sld>
+</file>
+
+<file path=ppt/slides/slide17.xml><?xml version="1.0" encoding="utf-8"?>
+<p:sld xmlns:a="http://schemas.openxmlformats.org/drawingml/2006/main" xmlns:r="http://schemas.openxmlformats.org/officeDocument/2006/relationships" xmlns:p="http://schemas.openxmlformats.org/presentationml/2006/main">
+  <p:cSld>
+    <p:bg>
+      <p:bgPr>
+        <a:solidFill>
+          <a:schemeClr val="bg1"/>
+        </a:solidFill>
+        <a:effectLst/>
+      </p:bgPr>
+    </p:bg>
+    <p:spTree>
+      <p:nvGrpSpPr>
+        <p:cNvPr id="1" name=""/>
+        <p:cNvGrpSpPr/>
+        <p:nvPr/>
+      </p:nvGrpSpPr>
+      <p:grpSpPr>
+        <a:xfrm>
+          <a:off x="0" y="0"/>
+          <a:ext cx="0" cy="0"/>
+          <a:chOff x="0" y="0"/>
+          <a:chExt cx="0" cy="0"/>
+        </a:xfrm>
+      </p:grpSpPr>
+      <p:sp useBgFill="1">
+        <p:nvSpPr>
+          <p:cNvPr id="11" name="Rectangle 10">
+            <a:extLst>
+              <a:ext uri="{FF2B5EF4-FFF2-40B4-BE49-F238E27FC236}">
+                <a16:creationId xmlns:a16="http://schemas.microsoft.com/office/drawing/2014/main" id="{8D1AA55E-40D5-461B-A5A8-4AE8AAB71B08}"/>
+              </a:ext>
+              <a:ext uri="{C183D7F6-B498-43B3-948B-1728B52AA6E4}">
+                <adec:decorative xmlns:adec="http://schemas.microsoft.com/office/drawing/2017/decorative" val="1"/>
+              </a:ext>
+            </a:extLst>
+          </p:cNvPr>
+          <p:cNvSpPr>
+            <a:spLocks noGrp="1" noRot="1" noChangeAspect="1" noMove="1" noResize="1" noEditPoints="1" noAdjustHandles="1" noChangeArrowheads="1" noChangeShapeType="1" noTextEdit="1"/>
+          </p:cNvSpPr>
+          <p:nvPr>
+            <p:extLst>
+              <p:ext uri="{386F3935-93C4-4BCD-93E2-E3B085C9AB24}">
+                <p16:designElem xmlns:p16="http://schemas.microsoft.com/office/powerpoint/2015/main" val="1"/>
+              </p:ext>
+            </p:extLst>
+          </p:nvPr>
+        </p:nvSpPr>
+        <p:spPr>
+          <a:xfrm>
+            <a:off x="0" y="0"/>
+            <a:ext cx="12192000" cy="6858000"/>
+          </a:xfrm>
+          <a:prstGeom prst="rect">
+            <a:avLst/>
+          </a:prstGeom>
+          <a:ln>
+            <a:noFill/>
+          </a:ln>
+        </p:spPr>
+        <p:style>
+          <a:lnRef idx="2">
+            <a:schemeClr val="accent1">
+              <a:shade val="50000"/>
+            </a:schemeClr>
+          </a:lnRef>
+          <a:fillRef idx="1">
+            <a:schemeClr val="accent1"/>
+          </a:fillRef>
+          <a:effectRef idx="0">
+            <a:schemeClr val="accent1"/>
+          </a:effectRef>
+          <a:fontRef idx="minor">
+            <a:schemeClr val="lt1"/>
+          </a:fontRef>
+        </p:style>
+        <p:txBody>
+          <a:bodyPr rtlCol="0" anchor="ctr"/>
+          <a:lstStyle/>
+          <a:p>
+            <a:pPr algn="ctr"/>
+            <a:endParaRPr lang="en-US"/>
+          </a:p>
+        </p:txBody>
+      </p:sp>
+      <p:sp>
+        <p:nvSpPr>
+          <p:cNvPr id="2" name="Title 1">
+            <a:extLst>
+              <a:ext uri="{FF2B5EF4-FFF2-40B4-BE49-F238E27FC236}">
+                <a16:creationId xmlns:a16="http://schemas.microsoft.com/office/drawing/2014/main" id="{AA5E6355-5EB3-704E-F717-0B77F6A4D92A}"/>
+              </a:ext>
+            </a:extLst>
+          </p:cNvPr>
+          <p:cNvSpPr>
+            <a:spLocks noGrp="1"/>
+          </p:cNvSpPr>
+          <p:nvPr>
+            <p:ph type="title"/>
+          </p:nvPr>
+        </p:nvSpPr>
+        <p:spPr>
+          <a:xfrm>
+            <a:off x="803775" y="1106007"/>
+            <a:ext cx="10550025" cy="1182927"/>
+          </a:xfrm>
+        </p:spPr>
+        <p:txBody>
+          <a:bodyPr anchor="b">
+            <a:normAutofit/>
+          </a:bodyPr>
+          <a:lstStyle/>
+          <a:p>
+            <a:r>
+              <a:rPr lang="de-DE" sz="5600" dirty="0"/>
+              <a:t>Fazit</a:t>
+            </a:r>
+            <a:endParaRPr lang="en-US" sz="5600" dirty="0"/>
+          </a:p>
+        </p:txBody>
+      </p:sp>
+      <p:cxnSp>
+        <p:nvCxnSpPr>
+          <p:cNvPr id="13" name="Straight Connector 12">
+            <a:extLst>
+              <a:ext uri="{FF2B5EF4-FFF2-40B4-BE49-F238E27FC236}">
+                <a16:creationId xmlns:a16="http://schemas.microsoft.com/office/drawing/2014/main" id="{7EB498BD-8089-4626-91EA-4978EBEF535E}"/>
+              </a:ext>
+              <a:ext uri="{C183D7F6-B498-43B3-948B-1728B52AA6E4}">
+                <adec:decorative xmlns:adec="http://schemas.microsoft.com/office/drawing/2017/decorative" val="1"/>
+              </a:ext>
+            </a:extLst>
+          </p:cNvPr>
+          <p:cNvCxnSpPr>
+            <a:cxnSpLocks noGrp="1" noRot="1" noChangeAspect="1" noMove="1" noResize="1" noEditPoints="1" noAdjustHandles="1" noChangeArrowheads="1" noChangeShapeType="1"/>
+          </p:cNvCxnSpPr>
+          <p:nvPr>
+            <p:extLst>
+              <p:ext uri="{386F3935-93C4-4BCD-93E2-E3B085C9AB24}">
+                <p16:designElem xmlns:p16="http://schemas.microsoft.com/office/powerpoint/2015/main" val="1"/>
+              </p:ext>
+            </p:extLst>
+          </p:nvPr>
+        </p:nvCxnSpPr>
+        <p:spPr>
+          <a:xfrm>
+            <a:off x="8878" y="806470"/>
+            <a:ext cx="7903723" cy="0"/>
+          </a:xfrm>
+          <a:prstGeom prst="line">
+            <a:avLst/>
+          </a:prstGeom>
+          <a:ln w="25400" cap="sq">
+            <a:gradFill flip="none" rotWithShape="1">
+              <a:gsLst>
+                <a:gs pos="0">
+                  <a:schemeClr val="accent1"/>
+                </a:gs>
+                <a:gs pos="100000">
+                  <a:schemeClr val="accent2"/>
+                </a:gs>
+              </a:gsLst>
+              <a:lin ang="10800000" scaled="0"/>
+              <a:tileRect/>
+            </a:gradFill>
+            <a:bevel/>
+          </a:ln>
+        </p:spPr>
+        <p:style>
+          <a:lnRef idx="1">
+            <a:schemeClr val="accent1"/>
+          </a:lnRef>
+          <a:fillRef idx="0">
+            <a:schemeClr val="accent1"/>
+          </a:fillRef>
+          <a:effectRef idx="0">
+            <a:schemeClr val="accent1"/>
+          </a:effectRef>
+          <a:fontRef idx="minor">
+            <a:schemeClr val="tx1"/>
+          </a:fontRef>
+        </p:style>
+      </p:cxnSp>
+      <p:sp>
+        <p:nvSpPr>
+          <p:cNvPr id="5" name="Footer Placeholder 4">
+            <a:extLst>
+              <a:ext uri="{FF2B5EF4-FFF2-40B4-BE49-F238E27FC236}">
+                <a16:creationId xmlns:a16="http://schemas.microsoft.com/office/drawing/2014/main" id="{41953BD3-3FF4-732C-CB56-69DD639D4FB9}"/>
+              </a:ext>
+            </a:extLst>
+          </p:cNvPr>
+          <p:cNvSpPr>
+            <a:spLocks noGrp="1"/>
+          </p:cNvSpPr>
+          <p:nvPr>
+            <p:ph type="ftr" sz="quarter" idx="11"/>
+          </p:nvPr>
+        </p:nvSpPr>
+        <p:spPr>
+          <a:xfrm>
+            <a:off x="7962190" y="623907"/>
+            <a:ext cx="4114800" cy="365125"/>
+          </a:xfrm>
+        </p:spPr>
+        <p:txBody>
+          <a:bodyPr>
+            <a:normAutofit/>
+          </a:bodyPr>
+          <a:lstStyle/>
+          <a:p>
+            <a:pPr>
+              <a:spcAft>
+                <a:spcPts val="600"/>
+              </a:spcAft>
+            </a:pPr>
+            <a:r>
+              <a:rPr lang="de-DE" dirty="0">
+                <a:solidFill>
+                  <a:schemeClr val="tx1">
+                    <a:alpha val="60000"/>
+                  </a:schemeClr>
+                </a:solidFill>
+              </a:rPr>
+              <a:t>Formel 1</a:t>
+            </a:r>
+            <a:endParaRPr lang="en-US" dirty="0">
+              <a:solidFill>
+                <a:schemeClr val="tx1">
+                  <a:alpha val="60000"/>
+                </a:schemeClr>
+              </a:solidFill>
+            </a:endParaRPr>
+          </a:p>
+        </p:txBody>
+      </p:sp>
+      <p:sp>
+        <p:nvSpPr>
+          <p:cNvPr id="3" name="Content Placeholder 2">
+            <a:extLst>
+              <a:ext uri="{FF2B5EF4-FFF2-40B4-BE49-F238E27FC236}">
+                <a16:creationId xmlns:a16="http://schemas.microsoft.com/office/drawing/2014/main" id="{A0650A77-1C76-0F94-1544-2F5EC4F2F087}"/>
+              </a:ext>
+            </a:extLst>
+          </p:cNvPr>
+          <p:cNvSpPr>
+            <a:spLocks noGrp="1"/>
+          </p:cNvSpPr>
+          <p:nvPr>
+            <p:ph idx="1"/>
+          </p:nvPr>
+        </p:nvSpPr>
+        <p:spPr>
+          <a:xfrm>
+            <a:off x="803775" y="2598947"/>
+            <a:ext cx="10550025" cy="3677348"/>
+          </a:xfrm>
+        </p:spPr>
+        <p:txBody>
+          <a:bodyPr anchor="t">
+            <a:normAutofit/>
+          </a:bodyPr>
+          <a:lstStyle/>
+          <a:p>
+            <a:r>
+              <a:rPr lang="de-DE" sz="2000" dirty="0">
+                <a:solidFill>
+                  <a:schemeClr val="tx1">
+                    <a:alpha val="80000"/>
+                  </a:schemeClr>
+                </a:solidFill>
+              </a:rPr>
+              <a:t>Graphische und SQL Views für unterschiedliche Zwecke sinnvoll</a:t>
+            </a:r>
+          </a:p>
+          <a:p>
+            <a:r>
+              <a:rPr lang="de-DE" sz="2000" dirty="0">
+                <a:solidFill>
+                  <a:schemeClr val="tx1">
+                    <a:alpha val="80000"/>
+                  </a:schemeClr>
+                </a:solidFill>
+              </a:rPr>
+              <a:t>Vorschau der Inhalte in Views vorteilhaft zur Gegenprüfung (SQL View / </a:t>
+            </a:r>
+            <a:r>
+              <a:rPr lang="de-DE" sz="2000" dirty="0" err="1">
+                <a:solidFill>
+                  <a:schemeClr val="tx1">
+                    <a:alpha val="80000"/>
+                  </a:schemeClr>
+                </a:solidFill>
+              </a:rPr>
+              <a:t>Joins</a:t>
+            </a:r>
+            <a:r>
+              <a:rPr lang="de-DE" sz="2000" dirty="0">
+                <a:solidFill>
+                  <a:schemeClr val="tx1">
+                    <a:alpha val="80000"/>
+                  </a:schemeClr>
+                </a:solidFill>
+              </a:rPr>
+              <a:t>)</a:t>
+            </a:r>
+          </a:p>
+          <a:p>
+            <a:r>
+              <a:rPr lang="de-DE" sz="2000" dirty="0">
+                <a:solidFill>
+                  <a:schemeClr val="tx1">
+                    <a:alpha val="80000"/>
+                  </a:schemeClr>
+                </a:solidFill>
+              </a:rPr>
+              <a:t>View Erstellung für Analysen nicht intuitiv / viele </a:t>
+            </a:r>
+            <a:r>
+              <a:rPr lang="de-DE" sz="2000" dirty="0" err="1">
+                <a:solidFill>
+                  <a:schemeClr val="tx1">
+                    <a:alpha val="80000"/>
+                  </a:schemeClr>
+                </a:solidFill>
+              </a:rPr>
+              <a:t>Einzelviews</a:t>
+            </a:r>
+            <a:r>
+              <a:rPr lang="de-DE" sz="2000" dirty="0">
+                <a:solidFill>
+                  <a:schemeClr val="tx1">
+                    <a:alpha val="80000"/>
+                  </a:schemeClr>
+                </a:solidFill>
+              </a:rPr>
+              <a:t> erstellt (Location und Hierarchien nur in Dimensionsview)</a:t>
+            </a:r>
+          </a:p>
+          <a:p>
+            <a:r>
+              <a:rPr lang="de-DE" sz="2000" dirty="0">
+                <a:solidFill>
+                  <a:schemeClr val="tx1">
+                    <a:alpha val="80000"/>
+                  </a:schemeClr>
+                </a:solidFill>
+              </a:rPr>
+              <a:t>Nur begrenzte SQL Funktionen in DWC vorhanden (z.B. für Umwandlung Zeitformat in </a:t>
+            </a:r>
+            <a:r>
+              <a:rPr lang="de-DE" sz="2000" dirty="0" err="1">
+                <a:solidFill>
+                  <a:schemeClr val="tx1">
+                    <a:alpha val="80000"/>
+                  </a:schemeClr>
+                </a:solidFill>
+              </a:rPr>
+              <a:t>millisekunden</a:t>
+            </a:r>
+            <a:r>
+              <a:rPr lang="de-DE" sz="2000" dirty="0">
+                <a:solidFill>
+                  <a:schemeClr val="tx1">
+                    <a:alpha val="80000"/>
+                  </a:schemeClr>
+                </a:solidFill>
+              </a:rPr>
+              <a:t>)</a:t>
+            </a:r>
+          </a:p>
+          <a:p>
+            <a:r>
+              <a:rPr lang="de-DE" sz="2000" dirty="0">
+                <a:solidFill>
+                  <a:schemeClr val="tx1">
+                    <a:alpha val="80000"/>
+                  </a:schemeClr>
+                </a:solidFill>
+              </a:rPr>
+              <a:t>Um Änderungen in SAC sichtbar zu machen müssen die Views neu deployt werden -&gt; Zeitaufwendig</a:t>
+            </a:r>
+            <a:endParaRPr lang="en-US" sz="2000" dirty="0">
+              <a:solidFill>
+                <a:schemeClr val="tx1">
+                  <a:alpha val="80000"/>
+                </a:schemeClr>
+              </a:solidFill>
+            </a:endParaRPr>
+          </a:p>
+        </p:txBody>
+      </p:sp>
+      <p:grpSp>
+        <p:nvGrpSpPr>
+          <p:cNvPr id="15" name="Group 14">
+            <a:extLst>
+              <a:ext uri="{FF2B5EF4-FFF2-40B4-BE49-F238E27FC236}">
+                <a16:creationId xmlns:a16="http://schemas.microsoft.com/office/drawing/2014/main" id="{78350D8D-73D6-4132-89B5-DD52F3962A76}"/>
+              </a:ext>
+              <a:ext uri="{C183D7F6-B498-43B3-948B-1728B52AA6E4}">
+                <adec:decorative xmlns:adec="http://schemas.microsoft.com/office/drawing/2017/decorative" val="1"/>
+              </a:ext>
+            </a:extLst>
+          </p:cNvPr>
+          <p:cNvGrpSpPr>
+            <a:grpSpLocks noGrp="1" noUngrp="1" noRot="1" noChangeAspect="1" noMove="1" noResize="1"/>
+          </p:cNvGrpSpPr>
+          <p:nvPr>
+            <p:extLst>
+              <p:ext uri="{386F3935-93C4-4BCD-93E2-E3B085C9AB24}">
+                <p16:designElem xmlns:p16="http://schemas.microsoft.com/office/powerpoint/2015/main" val="1"/>
+              </p:ext>
+            </p:extLst>
+          </p:nvPr>
+        </p:nvGrpSpPr>
+        <p:grpSpPr>
+          <a:xfrm>
+            <a:off x="11388224" y="2325422"/>
+            <a:ext cx="465458" cy="872153"/>
+            <a:chOff x="11388224" y="2325422"/>
+            <a:chExt cx="465458" cy="872153"/>
+          </a:xfrm>
+        </p:grpSpPr>
+        <p:sp>
+          <p:nvSpPr>
+            <p:cNvPr id="16" name="Graphic 11">
+              <a:extLst>
+                <a:ext uri="{FF2B5EF4-FFF2-40B4-BE49-F238E27FC236}">
+                  <a16:creationId xmlns:a16="http://schemas.microsoft.com/office/drawing/2014/main" id="{6CB927A4-E432-4310-9CD5-E89FF5063179}"/>
+                </a:ext>
+                <a:ext uri="{C183D7F6-B498-43B3-948B-1728B52AA6E4}">
+                  <adec:decorative xmlns:adec="http://schemas.microsoft.com/office/drawing/2017/decorative" val="1"/>
+                </a:ext>
+              </a:extLst>
+            </p:cNvPr>
+            <p:cNvSpPr/>
+            <p:nvPr>
+              <p:extLst>
+                <p:ext uri="{386F3935-93C4-4BCD-93E2-E3B085C9AB24}">
+                  <p16:designElem xmlns:p16="http://schemas.microsoft.com/office/powerpoint/2015/main" val="1"/>
+                </p:ext>
+              </p:extLst>
+            </p:nvPr>
+          </p:nvSpPr>
+          <p:spPr>
+            <a:xfrm>
+              <a:off x="11403764" y="2325422"/>
+              <a:ext cx="139039" cy="139039"/>
+            </a:xfrm>
+            <a:custGeom>
+              <a:avLst/>
+              <a:gdLst>
+                <a:gd name="connsiteX0" fmla="*/ 129602 w 139039"/>
+                <a:gd name="connsiteY0" fmla="*/ 60082 h 139039"/>
+                <a:gd name="connsiteX1" fmla="*/ 78957 w 139039"/>
+                <a:gd name="connsiteY1" fmla="*/ 60082 h 139039"/>
+                <a:gd name="connsiteX2" fmla="*/ 78957 w 139039"/>
+                <a:gd name="connsiteY2" fmla="*/ 9437 h 139039"/>
+                <a:gd name="connsiteX3" fmla="*/ 69520 w 139039"/>
+                <a:gd name="connsiteY3" fmla="*/ 0 h 139039"/>
+                <a:gd name="connsiteX4" fmla="*/ 60082 w 139039"/>
+                <a:gd name="connsiteY4" fmla="*/ 9437 h 139039"/>
+                <a:gd name="connsiteX5" fmla="*/ 60082 w 139039"/>
+                <a:gd name="connsiteY5" fmla="*/ 60082 h 139039"/>
+                <a:gd name="connsiteX6" fmla="*/ 9437 w 139039"/>
+                <a:gd name="connsiteY6" fmla="*/ 60082 h 139039"/>
+                <a:gd name="connsiteX7" fmla="*/ 0 w 139039"/>
+                <a:gd name="connsiteY7" fmla="*/ 69520 h 139039"/>
+                <a:gd name="connsiteX8" fmla="*/ 9437 w 139039"/>
+                <a:gd name="connsiteY8" fmla="*/ 78957 h 139039"/>
+                <a:gd name="connsiteX9" fmla="*/ 60082 w 139039"/>
+                <a:gd name="connsiteY9" fmla="*/ 78957 h 139039"/>
+                <a:gd name="connsiteX10" fmla="*/ 60082 w 139039"/>
+                <a:gd name="connsiteY10" fmla="*/ 129602 h 139039"/>
+                <a:gd name="connsiteX11" fmla="*/ 69520 w 139039"/>
+                <a:gd name="connsiteY11" fmla="*/ 139039 h 139039"/>
+                <a:gd name="connsiteX12" fmla="*/ 78957 w 139039"/>
+                <a:gd name="connsiteY12" fmla="*/ 129602 h 139039"/>
+                <a:gd name="connsiteX13" fmla="*/ 78957 w 139039"/>
+                <a:gd name="connsiteY13" fmla="*/ 78957 h 139039"/>
+                <a:gd name="connsiteX14" fmla="*/ 129602 w 139039"/>
+                <a:gd name="connsiteY14" fmla="*/ 78957 h 139039"/>
+                <a:gd name="connsiteX15" fmla="*/ 139039 w 139039"/>
+                <a:gd name="connsiteY15" fmla="*/ 69520 h 139039"/>
+                <a:gd name="connsiteX16" fmla="*/ 129602 w 139039"/>
+                <a:gd name="connsiteY16" fmla="*/ 60082 h 139039"/>
+              </a:gdLst>
+              <a:ahLst/>
+              <a:cxnLst>
+                <a:cxn ang="0">
+                  <a:pos x="connsiteX0" y="connsiteY0"/>
+                </a:cxn>
+                <a:cxn ang="0">
+                  <a:pos x="connsiteX1" y="connsiteY1"/>
+                </a:cxn>
+                <a:cxn ang="0">
+                  <a:pos x="connsiteX2" y="connsiteY2"/>
+                </a:cxn>
+                <a:cxn ang="0">
+                  <a:pos x="connsiteX3" y="connsiteY3"/>
+                </a:cxn>
+                <a:cxn ang="0">
+                  <a:pos x="connsiteX4" y="connsiteY4"/>
+                </a:cxn>
+                <a:cxn ang="0">
+                  <a:pos x="connsiteX5" y="connsiteY5"/>
+                </a:cxn>
+                <a:cxn ang="0">
+                  <a:pos x="connsiteX6" y="connsiteY6"/>
+                </a:cxn>
+                <a:cxn ang="0">
+                  <a:pos x="connsiteX7" y="connsiteY7"/>
+                </a:cxn>
+                <a:cxn ang="0">
+                  <a:pos x="connsiteX8" y="connsiteY8"/>
+                </a:cxn>
+                <a:cxn ang="0">
+                  <a:pos x="connsiteX9" y="connsiteY9"/>
+                </a:cxn>
+                <a:cxn ang="0">
+                  <a:pos x="connsiteX10" y="connsiteY10"/>
+                </a:cxn>
+                <a:cxn ang="0">
+                  <a:pos x="connsiteX11" y="connsiteY11"/>
+                </a:cxn>
+                <a:cxn ang="0">
+                  <a:pos x="connsiteX12" y="connsiteY12"/>
+                </a:cxn>
+                <a:cxn ang="0">
+                  <a:pos x="connsiteX13" y="connsiteY13"/>
+                </a:cxn>
+                <a:cxn ang="0">
+                  <a:pos x="connsiteX14" y="connsiteY14"/>
+                </a:cxn>
+                <a:cxn ang="0">
+                  <a:pos x="connsiteX15" y="connsiteY15"/>
+                </a:cxn>
+                <a:cxn ang="0">
+                  <a:pos x="connsiteX16" y="connsiteY16"/>
+                </a:cxn>
+              </a:cxnLst>
+              <a:rect l="l" t="t" r="r" b="b"/>
+              <a:pathLst>
+                <a:path w="139039" h="139039">
+                  <a:moveTo>
+                    <a:pt x="129602" y="60082"/>
+                  </a:moveTo>
+                  <a:lnTo>
+                    <a:pt x="78957" y="60082"/>
+                  </a:lnTo>
+                  <a:lnTo>
+                    <a:pt x="78957" y="9437"/>
+                  </a:lnTo>
+                  <a:cubicBezTo>
+                    <a:pt x="78957" y="4225"/>
+                    <a:pt x="74731" y="0"/>
+                    <a:pt x="69520" y="0"/>
+                  </a:cubicBezTo>
+                  <a:cubicBezTo>
+                    <a:pt x="64308" y="0"/>
+                    <a:pt x="60082" y="4225"/>
+                    <a:pt x="60082" y="9437"/>
+                  </a:cubicBezTo>
+                  <a:lnTo>
+                    <a:pt x="60082" y="60082"/>
+                  </a:lnTo>
+                  <a:lnTo>
+                    <a:pt x="9437" y="60082"/>
+                  </a:lnTo>
+                  <a:cubicBezTo>
+                    <a:pt x="4225" y="60082"/>
+                    <a:pt x="0" y="64308"/>
+                    <a:pt x="0" y="69520"/>
+                  </a:cubicBezTo>
+                  <a:cubicBezTo>
+                    <a:pt x="0" y="74731"/>
+                    <a:pt x="4225" y="78957"/>
+                    <a:pt x="9437" y="78957"/>
+                  </a:cubicBezTo>
+                  <a:lnTo>
+                    <a:pt x="60082" y="78957"/>
+                  </a:lnTo>
+                  <a:lnTo>
+                    <a:pt x="60082" y="129602"/>
+                  </a:lnTo>
+                  <a:cubicBezTo>
+                    <a:pt x="60082" y="134814"/>
+                    <a:pt x="64308" y="139039"/>
+                    <a:pt x="69520" y="139039"/>
+                  </a:cubicBezTo>
+                  <a:cubicBezTo>
+                    <a:pt x="74731" y="139039"/>
+                    <a:pt x="78957" y="134814"/>
+                    <a:pt x="78957" y="129602"/>
+                  </a:cubicBezTo>
+                  <a:lnTo>
+                    <a:pt x="78957" y="78957"/>
+                  </a:lnTo>
+                  <a:lnTo>
+                    <a:pt x="129602" y="78957"/>
+                  </a:lnTo>
+                  <a:cubicBezTo>
+                    <a:pt x="134814" y="78957"/>
+                    <a:pt x="139039" y="74731"/>
+                    <a:pt x="139039" y="69520"/>
+                  </a:cubicBezTo>
+                  <a:cubicBezTo>
+                    <a:pt x="139039" y="64308"/>
+                    <a:pt x="134814" y="60082"/>
+                    <a:pt x="129602" y="60082"/>
+                  </a:cubicBezTo>
+                  <a:close/>
+                </a:path>
+              </a:pathLst>
+            </a:custGeom>
+            <a:solidFill>
+              <a:schemeClr val="accent2"/>
+            </a:solidFill>
+            <a:ln w="603" cap="flat">
+              <a:noFill/>
+              <a:prstDash val="solid"/>
+              <a:miter/>
+            </a:ln>
+          </p:spPr>
+          <p:txBody>
+            <a:bodyPr rtlCol="0" anchor="ctr"/>
+            <a:lstStyle/>
+            <a:p>
+              <a:endParaRPr lang="en-US"/>
+            </a:p>
+          </p:txBody>
+        </p:sp>
+        <p:sp>
+          <p:nvSpPr>
+            <p:cNvPr id="17" name="Graphic 10">
+              <a:extLst>
+                <a:ext uri="{FF2B5EF4-FFF2-40B4-BE49-F238E27FC236}">
+                  <a16:creationId xmlns:a16="http://schemas.microsoft.com/office/drawing/2014/main" id="{E3020543-B24B-4EC4-8FFC-8DD88EEA91A8}"/>
+                </a:ext>
+                <a:ext uri="{C183D7F6-B498-43B3-948B-1728B52AA6E4}">
+                  <adec:decorative xmlns:adec="http://schemas.microsoft.com/office/drawing/2017/decorative" val="1"/>
+                </a:ext>
+              </a:extLst>
+            </p:cNvPr>
+            <p:cNvSpPr/>
+            <p:nvPr>
+              <p:extLst>
+                <p:ext uri="{386F3935-93C4-4BCD-93E2-E3B085C9AB24}">
+                  <p16:designElem xmlns:p16="http://schemas.microsoft.com/office/powerpoint/2015/main" val="1"/>
+                </p:ext>
+              </p:extLst>
+            </p:nvPr>
+          </p:nvSpPr>
+          <p:spPr>
+            <a:xfrm>
+              <a:off x="11762544" y="2554717"/>
+              <a:ext cx="91138" cy="91138"/>
+            </a:xfrm>
+            <a:custGeom>
+              <a:avLst/>
+              <a:gdLst>
+                <a:gd name="connsiteX0" fmla="*/ 91138 w 91138"/>
+                <a:gd name="connsiteY0" fmla="*/ 45569 h 91138"/>
+                <a:gd name="connsiteX1" fmla="*/ 45569 w 91138"/>
+                <a:gd name="connsiteY1" fmla="*/ 91138 h 91138"/>
+                <a:gd name="connsiteX2" fmla="*/ 0 w 91138"/>
+                <a:gd name="connsiteY2" fmla="*/ 45569 h 91138"/>
+                <a:gd name="connsiteX3" fmla="*/ 45569 w 91138"/>
+                <a:gd name="connsiteY3" fmla="*/ 0 h 91138"/>
+                <a:gd name="connsiteX4" fmla="*/ 91138 w 91138"/>
+                <a:gd name="connsiteY4" fmla="*/ 45569 h 91138"/>
+              </a:gdLst>
+              <a:ahLst/>
+              <a:cxnLst>
+                <a:cxn ang="0">
+                  <a:pos x="connsiteX0" y="connsiteY0"/>
+                </a:cxn>
+                <a:cxn ang="0">
+                  <a:pos x="connsiteX1" y="connsiteY1"/>
+                </a:cxn>
+                <a:cxn ang="0">
+                  <a:pos x="connsiteX2" y="connsiteY2"/>
+                </a:cxn>
+                <a:cxn ang="0">
+                  <a:pos x="connsiteX3" y="connsiteY3"/>
+                </a:cxn>
+                <a:cxn ang="0">
+                  <a:pos x="connsiteX4" y="connsiteY4"/>
+                </a:cxn>
+              </a:cxnLst>
+              <a:rect l="l" t="t" r="r" b="b"/>
+              <a:pathLst>
+                <a:path w="91138" h="91138">
+                  <a:moveTo>
+                    <a:pt x="91138" y="45569"/>
+                  </a:moveTo>
+                  <a:cubicBezTo>
+                    <a:pt x="91138" y="70736"/>
+                    <a:pt x="70736" y="91138"/>
+                    <a:pt x="45569" y="91138"/>
+                  </a:cubicBezTo>
+                  <a:cubicBezTo>
+                    <a:pt x="20402" y="91138"/>
+                    <a:pt x="0" y="70736"/>
+                    <a:pt x="0" y="45569"/>
+                  </a:cubicBezTo>
+                  <a:cubicBezTo>
+                    <a:pt x="0" y="20402"/>
+                    <a:pt x="20402" y="0"/>
+                    <a:pt x="45569" y="0"/>
+                  </a:cubicBezTo>
+                  <a:cubicBezTo>
+                    <a:pt x="70736" y="0"/>
+                    <a:pt x="91138" y="20402"/>
+                    <a:pt x="91138" y="45569"/>
+                  </a:cubicBezTo>
+                  <a:close/>
+                </a:path>
+              </a:pathLst>
+            </a:custGeom>
+            <a:solidFill>
+              <a:schemeClr val="accent2"/>
+            </a:solidFill>
+            <a:ln w="422" cap="flat">
+              <a:noFill/>
+              <a:prstDash val="solid"/>
+              <a:miter/>
+            </a:ln>
+          </p:spPr>
+          <p:txBody>
+            <a:bodyPr rtlCol="0" anchor="ctr"/>
+            <a:lstStyle/>
+            <a:p>
+              <a:endParaRPr lang="en-US"/>
+            </a:p>
+          </p:txBody>
+        </p:sp>
+        <p:sp>
+          <p:nvSpPr>
+            <p:cNvPr id="18" name="Graphic 12">
+              <a:extLst>
+                <a:ext uri="{FF2B5EF4-FFF2-40B4-BE49-F238E27FC236}">
+                  <a16:creationId xmlns:a16="http://schemas.microsoft.com/office/drawing/2014/main" id="{1453BF6C-B012-48B7-B4E8-6D7AC7C27D02}"/>
+                </a:ext>
+                <a:ext uri="{C183D7F6-B498-43B3-948B-1728B52AA6E4}">
+                  <adec:decorative xmlns:adec="http://schemas.microsoft.com/office/drawing/2017/decorative" val="1"/>
+                </a:ext>
+              </a:extLst>
+            </p:cNvPr>
+            <p:cNvSpPr/>
+            <p:nvPr>
+              <p:extLst>
+                <p:ext uri="{386F3935-93C4-4BCD-93E2-E3B085C9AB24}">
+                  <p16:designElem xmlns:p16="http://schemas.microsoft.com/office/powerpoint/2015/main" val="1"/>
+                </p:ext>
+              </p:extLst>
+            </p:nvPr>
+          </p:nvSpPr>
+          <p:spPr>
+            <a:xfrm>
+              <a:off x="11388224" y="3069861"/>
+              <a:ext cx="127714" cy="127714"/>
+            </a:xfrm>
+            <a:custGeom>
+              <a:avLst/>
+              <a:gdLst>
+                <a:gd name="connsiteX0" fmla="*/ 63857 w 127714"/>
+                <a:gd name="connsiteY0" fmla="*/ 18874 h 127714"/>
+                <a:gd name="connsiteX1" fmla="*/ 108840 w 127714"/>
+                <a:gd name="connsiteY1" fmla="*/ 63857 h 127714"/>
+                <a:gd name="connsiteX2" fmla="*/ 63857 w 127714"/>
+                <a:gd name="connsiteY2" fmla="*/ 108840 h 127714"/>
+                <a:gd name="connsiteX3" fmla="*/ 18874 w 127714"/>
+                <a:gd name="connsiteY3" fmla="*/ 63857 h 127714"/>
+                <a:gd name="connsiteX4" fmla="*/ 63857 w 127714"/>
+                <a:gd name="connsiteY4" fmla="*/ 18874 h 127714"/>
+                <a:gd name="connsiteX5" fmla="*/ 63857 w 127714"/>
+                <a:gd name="connsiteY5" fmla="*/ 0 h 127714"/>
+                <a:gd name="connsiteX6" fmla="*/ 0 w 127714"/>
+                <a:gd name="connsiteY6" fmla="*/ 63857 h 127714"/>
+                <a:gd name="connsiteX7" fmla="*/ 63857 w 127714"/>
+                <a:gd name="connsiteY7" fmla="*/ 127714 h 127714"/>
+                <a:gd name="connsiteX8" fmla="*/ 127714 w 127714"/>
+                <a:gd name="connsiteY8" fmla="*/ 63857 h 127714"/>
+                <a:gd name="connsiteX9" fmla="*/ 63857 w 127714"/>
+                <a:gd name="connsiteY9" fmla="*/ 0 h 127714"/>
+              </a:gdLst>
+              <a:ahLst/>
+              <a:cxnLst>
+                <a:cxn ang="0">
+                  <a:pos x="connsiteX0" y="connsiteY0"/>
+                </a:cxn>
+                <a:cxn ang="0">
+                  <a:pos x="connsiteX1" y="connsiteY1"/>
+                </a:cxn>
+                <a:cxn ang="0">
+                  <a:pos x="connsiteX2" y="connsiteY2"/>
+                </a:cxn>
+                <a:cxn ang="0">
+                  <a:pos x="connsiteX3" y="connsiteY3"/>
+                </a:cxn>
+                <a:cxn ang="0">
+                  <a:pos x="connsiteX4" y="connsiteY4"/>
+                </a:cxn>
+                <a:cxn ang="0">
+                  <a:pos x="connsiteX5" y="connsiteY5"/>
+                </a:cxn>
+                <a:cxn ang="0">
+                  <a:pos x="connsiteX6" y="connsiteY6"/>
+                </a:cxn>
+                <a:cxn ang="0">
+                  <a:pos x="connsiteX7" y="connsiteY7"/>
+                </a:cxn>
+                <a:cxn ang="0">
+                  <a:pos x="connsiteX8" y="connsiteY8"/>
+                </a:cxn>
+                <a:cxn ang="0">
+                  <a:pos x="connsiteX9" y="connsiteY9"/>
+                </a:cxn>
+              </a:cxnLst>
+              <a:rect l="l" t="t" r="r" b="b"/>
+              <a:pathLst>
+                <a:path w="127714" h="127714">
+                  <a:moveTo>
+                    <a:pt x="63857" y="18874"/>
+                  </a:moveTo>
+                  <a:cubicBezTo>
+                    <a:pt x="88700" y="18874"/>
+                    <a:pt x="108840" y="39014"/>
+                    <a:pt x="108840" y="63857"/>
+                  </a:cubicBezTo>
+                  <a:cubicBezTo>
+                    <a:pt x="108840" y="88700"/>
+                    <a:pt x="88700" y="108840"/>
+                    <a:pt x="63857" y="108840"/>
+                  </a:cubicBezTo>
+                  <a:cubicBezTo>
+                    <a:pt x="39014" y="108840"/>
+                    <a:pt x="18874" y="88700"/>
+                    <a:pt x="18874" y="63857"/>
+                  </a:cubicBezTo>
+                  <a:cubicBezTo>
+                    <a:pt x="18898" y="39024"/>
+                    <a:pt x="39024" y="18898"/>
+                    <a:pt x="63857" y="18874"/>
+                  </a:cubicBezTo>
+                  <a:moveTo>
+                    <a:pt x="63857" y="0"/>
+                  </a:moveTo>
+                  <a:cubicBezTo>
+                    <a:pt x="28590" y="0"/>
+                    <a:pt x="0" y="28590"/>
+                    <a:pt x="0" y="63857"/>
+                  </a:cubicBezTo>
+                  <a:cubicBezTo>
+                    <a:pt x="0" y="99124"/>
+                    <a:pt x="28590" y="127714"/>
+                    <a:pt x="63857" y="127714"/>
+                  </a:cubicBezTo>
+                  <a:cubicBezTo>
+                    <a:pt x="99124" y="127714"/>
+                    <a:pt x="127714" y="99124"/>
+                    <a:pt x="127714" y="63857"/>
+                  </a:cubicBezTo>
+                  <a:cubicBezTo>
+                    <a:pt x="127714" y="28590"/>
+                    <a:pt x="99124" y="0"/>
+                    <a:pt x="63857" y="0"/>
+                  </a:cubicBezTo>
+                  <a:close/>
+                </a:path>
+              </a:pathLst>
+            </a:custGeom>
+            <a:solidFill>
+              <a:schemeClr val="accent2"/>
+            </a:solidFill>
+            <a:ln w="610" cap="flat">
+              <a:noFill/>
+              <a:prstDash val="solid"/>
+              <a:miter/>
+            </a:ln>
+          </p:spPr>
+          <p:txBody>
+            <a:bodyPr rtlCol="0" anchor="ctr"/>
+            <a:lstStyle/>
+            <a:p>
+              <a:endParaRPr lang="en-US"/>
+            </a:p>
+          </p:txBody>
+        </p:sp>
+      </p:grpSp>
+      <p:sp>
+        <p:nvSpPr>
+          <p:cNvPr id="4" name="Date Placeholder 3">
+            <a:extLst>
+              <a:ext uri="{FF2B5EF4-FFF2-40B4-BE49-F238E27FC236}">
+                <a16:creationId xmlns:a16="http://schemas.microsoft.com/office/drawing/2014/main" id="{72D47CEF-B41D-0E7E-F8C3-7CF1EE86CD85}"/>
+              </a:ext>
+            </a:extLst>
+          </p:cNvPr>
+          <p:cNvSpPr>
+            <a:spLocks noGrp="1"/>
+          </p:cNvSpPr>
+          <p:nvPr>
+            <p:ph type="dt" sz="half" idx="10"/>
+          </p:nvPr>
+        </p:nvSpPr>
+        <p:spPr>
+          <a:xfrm>
+            <a:off x="838200" y="6356350"/>
+            <a:ext cx="2743200" cy="365125"/>
+          </a:xfrm>
+        </p:spPr>
+        <p:txBody>
+          <a:bodyPr>
+            <a:normAutofit/>
+          </a:bodyPr>
+          <a:lstStyle/>
+          <a:p>
+            <a:pPr>
+              <a:spcAft>
+                <a:spcPts val="600"/>
+              </a:spcAft>
+            </a:pPr>
+            <a:fld id="{154CABC4-7B03-495A-9AFA-D4B9B0DC9A84}" type="datetime1">
+              <a:rPr lang="en-US">
+                <a:solidFill>
+                  <a:schemeClr val="tx1">
+                    <a:alpha val="60000"/>
+                  </a:schemeClr>
+                </a:solidFill>
+              </a:rPr>
+              <a:pPr>
+                <a:spcAft>
+                  <a:spcPts val="600"/>
+                </a:spcAft>
+              </a:pPr>
+              <a:t>5/1/2023</a:t>
+            </a:fld>
+            <a:endParaRPr lang="en-US">
+              <a:solidFill>
+                <a:schemeClr val="tx1">
+                  <a:alpha val="60000"/>
+                </a:schemeClr>
+              </a:solidFill>
+            </a:endParaRPr>
+          </a:p>
+        </p:txBody>
+      </p:sp>
+      <p:sp>
+        <p:nvSpPr>
+          <p:cNvPr id="6" name="Slide Number Placeholder 5">
+            <a:extLst>
+              <a:ext uri="{FF2B5EF4-FFF2-40B4-BE49-F238E27FC236}">
+                <a16:creationId xmlns:a16="http://schemas.microsoft.com/office/drawing/2014/main" id="{F8603E93-6098-2FB5-466D-32CCA69281C3}"/>
+              </a:ext>
+            </a:extLst>
+          </p:cNvPr>
+          <p:cNvSpPr>
+            <a:spLocks noGrp="1"/>
+          </p:cNvSpPr>
+          <p:nvPr>
+            <p:ph type="sldNum" sz="quarter" idx="12"/>
+          </p:nvPr>
+        </p:nvSpPr>
+        <p:spPr>
+          <a:xfrm>
+            <a:off x="8610600" y="6356350"/>
+            <a:ext cx="2743200" cy="365125"/>
+          </a:xfrm>
+        </p:spPr>
+        <p:txBody>
+          <a:bodyPr>
+            <a:normAutofit/>
+          </a:bodyPr>
+          <a:lstStyle/>
+          <a:p>
+            <a:pPr>
+              <a:spcAft>
+                <a:spcPts val="600"/>
+              </a:spcAft>
+            </a:pPr>
+            <a:fld id="{4A02C0CA-695B-4E24-A1D3-3DA5FEDE07AC}" type="slidenum">
+              <a:rPr lang="en-US">
+                <a:solidFill>
+                  <a:schemeClr val="tx1">
+                    <a:alpha val="60000"/>
+                  </a:schemeClr>
+                </a:solidFill>
+              </a:rPr>
+              <a:pPr>
+                <a:spcAft>
+                  <a:spcPts val="600"/>
+                </a:spcAft>
+              </a:pPr>
+              <a:t>17</a:t>
+            </a:fld>
+            <a:endParaRPr lang="en-US">
+              <a:solidFill>
+                <a:schemeClr val="tx1">
+                  <a:alpha val="60000"/>
+                </a:schemeClr>
+              </a:solidFill>
+            </a:endParaRPr>
+          </a:p>
+        </p:txBody>
+      </p:sp>
+    </p:spTree>
+    <p:extLst>
+      <p:ext uri="{BB962C8B-B14F-4D97-AF65-F5344CB8AC3E}">
+        <p14:creationId xmlns:p14="http://schemas.microsoft.com/office/powerpoint/2010/main" val="1800114694"/>
       </p:ext>
     </p:extLst>
   </p:cSld>
@@ -13156,7 +14180,7 @@
                 </a:spcAft>
                 <a:defRPr/>
               </a:pPr>
-              <a:t>4/30/2023</a:t>
+              <a:t>5/1/2023</a:t>
             </a:fld>
             <a:endParaRPr lang="en-US">
               <a:solidFill>
@@ -13815,7 +14839,7 @@
                 </a:solidFill>
                 <a:latin typeface="Calibri" panose="020F0502020204030204"/>
               </a:rPr>
-              <a:t>4/30/2023</a:t>
+              <a:t>5/1/2023</a:t>
             </a:fld>
             <a:endParaRPr lang="en-US">
               <a:solidFill>
@@ -14903,7 +15927,7 @@
                   <a:spcPts val="600"/>
                 </a:spcAft>
               </a:pPr>
-              <a:t>4/30/2023</a:t>
+              <a:t>5/1/2023</a:t>
             </a:fld>
             <a:endParaRPr lang="en-US" dirty="0">
               <a:solidFill>
@@ -15882,7 +16906,7 @@
                   <a:spcPts val="600"/>
                 </a:spcAft>
               </a:pPr>
-              <a:t>4/30/2023</a:t>
+              <a:t>5/1/2023</a:t>
             </a:fld>
             <a:endParaRPr lang="en-US">
               <a:solidFill>
@@ -16887,7 +17911,7 @@
                   <a:spcPts val="600"/>
                 </a:spcAft>
               </a:pPr>
-              <a:t>4/30/2023</a:t>
+              <a:t>5/1/2023</a:t>
             </a:fld>
             <a:endParaRPr lang="en-US">
               <a:solidFill>
@@ -17508,7 +18532,7 @@
                 </a:solidFill>
                 <a:latin typeface="Calibri" panose="020F0502020204030204"/>
               </a:rPr>
-              <a:t>4/30/2023</a:t>
+              <a:t>5/1/2023</a:t>
             </a:fld>
             <a:endParaRPr lang="en-US">
               <a:solidFill>
@@ -18276,7 +19300,7 @@
                   </a:schemeClr>
                 </a:solidFill>
               </a:rPr>
-              <a:t>4/30/2023</a:t>
+              <a:t>5/1/2023</a:t>
             </a:fld>
             <a:endParaRPr lang="en-US">
               <a:solidFill>
@@ -18652,36 +19676,6 @@
           </a:p>
         </p:txBody>
       </p:sp>
-      <p:pic>
-        <p:nvPicPr>
-          <p:cNvPr id="7" name="Picture 6" descr="Diagram, schematic&#10;&#10;Description automatically generated">
-            <a:extLst>
-              <a:ext uri="{FF2B5EF4-FFF2-40B4-BE49-F238E27FC236}">
-                <a16:creationId xmlns:a16="http://schemas.microsoft.com/office/drawing/2014/main" id="{90880B79-EE84-9D46-689D-94B3EA6B7F3B}"/>
-              </a:ext>
-            </a:extLst>
-          </p:cNvPr>
-          <p:cNvPicPr>
-            <a:picLocks noChangeAspect="1"/>
-          </p:cNvPicPr>
-          <p:nvPr/>
-        </p:nvPicPr>
-        <p:blipFill>
-          <a:blip r:embed="rId2"/>
-          <a:stretch>
-            <a:fillRect/>
-          </a:stretch>
-        </p:blipFill>
-        <p:spPr>
-          <a:xfrm>
-            <a:off x="4621088" y="884185"/>
-            <a:ext cx="6303463" cy="5877978"/>
-          </a:xfrm>
-          <a:prstGeom prst="rect">
-            <a:avLst/>
-          </a:prstGeom>
-        </p:spPr>
-      </p:pic>
       <p:sp>
         <p:nvSpPr>
           <p:cNvPr id="16" name="Graphic 11">
@@ -19041,7 +20035,7 @@
                   </a:schemeClr>
                 </a:solidFill>
               </a:rPr>
-              <a:t>4/30/2023</a:t>
+              <a:t>5/1/2023</a:t>
             </a:fld>
             <a:endParaRPr lang="en-US">
               <a:solidFill>
@@ -19141,11 +20135,37 @@
           <a:p>
             <a:r>
               <a:rPr lang="en-US" sz="1800" dirty="0" err="1"/>
+              <a:t>Übernahme</a:t>
+            </a:r>
+            <a:r>
+              <a:rPr lang="en-US" sz="1800" dirty="0"/>
+              <a:t> </a:t>
+            </a:r>
+            <a:r>
+              <a:rPr lang="en-US" sz="1800" dirty="0" err="1"/>
+              <a:t>Logisches</a:t>
+            </a:r>
+            <a:r>
+              <a:rPr lang="en-US" sz="1800" dirty="0"/>
+              <a:t> Modell in DWC</a:t>
+            </a:r>
+          </a:p>
+          <a:p>
+            <a:r>
+              <a:rPr lang="en-US" sz="1800" dirty="0" err="1"/>
               <a:t>Ergänzung</a:t>
             </a:r>
             <a:r>
               <a:rPr lang="en-US" sz="1800" dirty="0"/>
-              <a:t> um Views für </a:t>
+              <a:t> um </a:t>
+            </a:r>
+            <a:r>
+              <a:rPr lang="en-US" sz="1800" dirty="0" err="1"/>
+              <a:t>erstellte</a:t>
+            </a:r>
+            <a:r>
+              <a:rPr lang="en-US" sz="1800" dirty="0"/>
+              <a:t> Views für </a:t>
             </a:r>
             <a:r>
               <a:rPr lang="en-US" sz="1800" dirty="0" err="1"/>

--- a/Präsentation.pptx
+++ b/Präsentation.pptx
@@ -1051,7 +1051,7 @@
           </a:r>
           <a:r>
             <a:rPr lang="en-US" dirty="0"/>
-            <a:t> in DWC</a:t>
+            <a:t> DWC</a:t>
           </a:r>
         </a:p>
       </dgm:t>
@@ -1087,23 +1087,7 @@
         <a:p>
           <a:r>
             <a:rPr lang="en-US" dirty="0" err="1"/>
-            <a:t>Prüfung</a:t>
-          </a:r>
-          <a:r>
-            <a:rPr lang="en-US" dirty="0"/>
-            <a:t> der </a:t>
-          </a:r>
-          <a:r>
-            <a:rPr lang="en-US" dirty="0" err="1"/>
             <a:t>Datenqualität</a:t>
-          </a:r>
-          <a:r>
-            <a:rPr lang="en-US" dirty="0"/>
-            <a:t> für die </a:t>
-          </a:r>
-          <a:r>
-            <a:rPr lang="en-US" dirty="0" err="1"/>
-            <a:t>Analyse</a:t>
           </a:r>
           <a:endParaRPr lang="en-US" dirty="0"/>
         </a:p>
@@ -1142,10 +1126,7 @@
             <a:rPr lang="en-US" dirty="0" err="1"/>
             <a:t>Transformationen</a:t>
           </a:r>
-          <a:r>
-            <a:rPr lang="en-US" dirty="0"/>
-            <a:t> und Views</a:t>
-          </a:r>
+          <a:endParaRPr lang="en-US" dirty="0"/>
         </a:p>
       </dgm:t>
     </dgm:pt>
@@ -1505,6 +1486,83 @@
         </a:p>
       </dgm:t>
     </dgm:pt>
+    <dgm:pt modelId="{6420089C-CFC4-4094-B2D0-AF94458806C6}">
+      <dgm:prSet/>
+      <dgm:spPr/>
+      <dgm:t>
+        <a:bodyPr/>
+        <a:lstStyle/>
+        <a:p>
+          <a:r>
+            <a:rPr lang="en-US" dirty="0" err="1"/>
+            <a:t>Dimensionsal</a:t>
+          </a:r>
+          <a:r>
+            <a:rPr lang="en-US" dirty="0"/>
+            <a:t> Views</a:t>
+          </a:r>
+        </a:p>
+      </dgm:t>
+    </dgm:pt>
+    <dgm:pt modelId="{1D420239-2B99-48C4-BAA2-8BB3238638B2}" type="parTrans" cxnId="{033B8EAA-6388-4F97-BBF5-D69159CEDAB7}">
+      <dgm:prSet/>
+      <dgm:spPr/>
+      <dgm:t>
+        <a:bodyPr/>
+        <a:lstStyle/>
+        <a:p>
+          <a:endParaRPr lang="en-US"/>
+        </a:p>
+      </dgm:t>
+    </dgm:pt>
+    <dgm:pt modelId="{B468B907-C38F-4E89-B737-B4E3CD0EFAAF}" type="sibTrans" cxnId="{033B8EAA-6388-4F97-BBF5-D69159CEDAB7}">
+      <dgm:prSet/>
+      <dgm:spPr/>
+      <dgm:t>
+        <a:bodyPr/>
+        <a:lstStyle/>
+        <a:p>
+          <a:endParaRPr lang="en-US"/>
+        </a:p>
+      </dgm:t>
+    </dgm:pt>
+    <dgm:pt modelId="{0C0036C5-DF3E-4C0D-9906-C75AD87052BB}">
+      <dgm:prSet/>
+      <dgm:spPr/>
+      <dgm:t>
+        <a:bodyPr/>
+        <a:lstStyle/>
+        <a:p>
+          <a:r>
+            <a:rPr lang="de-DE" dirty="0"/>
+            <a:t>Analytical Views</a:t>
+          </a:r>
+          <a:endParaRPr lang="en-US" dirty="0"/>
+        </a:p>
+      </dgm:t>
+    </dgm:pt>
+    <dgm:pt modelId="{BBD803E0-8C07-4E94-BF26-33980EAB6205}" type="parTrans" cxnId="{F769D21B-3EC2-451F-81FD-1FBA102E0ACF}">
+      <dgm:prSet/>
+      <dgm:spPr/>
+      <dgm:t>
+        <a:bodyPr/>
+        <a:lstStyle/>
+        <a:p>
+          <a:endParaRPr lang="en-US"/>
+        </a:p>
+      </dgm:t>
+    </dgm:pt>
+    <dgm:pt modelId="{737D066C-712D-400F-8758-A42B72ED2B6F}" type="sibTrans" cxnId="{F769D21B-3EC2-451F-81FD-1FBA102E0ACF}">
+      <dgm:prSet/>
+      <dgm:spPr/>
+      <dgm:t>
+        <a:bodyPr/>
+        <a:lstStyle/>
+        <a:p>
+          <a:endParaRPr lang="en-US"/>
+        </a:p>
+      </dgm:t>
+    </dgm:pt>
     <dgm:pt modelId="{0B6636C0-3D56-4456-B5DD-6A049C448040}" type="pres">
       <dgm:prSet presAssocID="{007C7899-CF9E-4155-80CE-633F715D17F8}" presName="linear" presStyleCnt="0">
         <dgm:presLayoutVars>
@@ -1597,12 +1655,14 @@
     <dgm:cxn modelId="{51EC920A-34BC-43E3-A76D-54B2B9D0B031}" srcId="{007C7899-CF9E-4155-80CE-633F715D17F8}" destId="{B57DFD4D-D62D-48CE-9D0F-604010CF0C60}" srcOrd="4" destOrd="0" parTransId="{A836E1C3-7DBC-4B35-A3AF-59BA61037C56}" sibTransId="{488A960C-8AFD-4664-ACBA-0B246658B957}"/>
     <dgm:cxn modelId="{2718880B-8255-4EF0-83F6-77E79041320E}" srcId="{5572D91E-0678-403F-A820-426B729C3B28}" destId="{0259A920-451D-44F5-B796-B49F17E38D87}" srcOrd="0" destOrd="0" parTransId="{8E2E767C-0626-4CDD-BF70-154946E2BAA7}" sibTransId="{1F5FFDFC-1336-4AA0-898E-295BEC6E7950}"/>
     <dgm:cxn modelId="{1F660C10-BADA-45AD-9C3B-1E56179879BB}" srcId="{007C7899-CF9E-4155-80CE-633F715D17F8}" destId="{5572D91E-0678-403F-A820-426B729C3B28}" srcOrd="0" destOrd="0" parTransId="{18F7045D-181D-4747-B471-895F65E26298}" sibTransId="{35F2360A-148E-43D1-ABFF-5378C98A3776}"/>
+    <dgm:cxn modelId="{F769D21B-3EC2-451F-81FD-1FBA102E0ACF}" srcId="{5729A1FF-1FA8-4832-9B91-44B93EEBADAF}" destId="{0C0036C5-DF3E-4C0D-9906-C75AD87052BB}" srcOrd="3" destOrd="0" parTransId="{BBD803E0-8C07-4E94-BF26-33980EAB6205}" sibTransId="{737D066C-712D-400F-8758-A42B72ED2B6F}"/>
     <dgm:cxn modelId="{DC380C27-C15E-4585-9D84-08DDFDBF8BBA}" type="presOf" srcId="{0FC29D1C-C58B-4546-A7A8-BA5EB0ACBBC0}" destId="{E21BB1DB-6076-439E-A861-16C1F860BA70}" srcOrd="0" destOrd="1" presId="urn:microsoft.com/office/officeart/2005/8/layout/vList2"/>
     <dgm:cxn modelId="{50DAAB2A-8D5E-4501-BD17-84D859688453}" type="presOf" srcId="{510263AC-4EF6-4E2A-BE31-011E2C78CFD4}" destId="{065605F1-2EE0-4D44-B6A6-7C7294D00B9B}" srcOrd="0" destOrd="2" presId="urn:microsoft.com/office/officeart/2005/8/layout/vList2"/>
     <dgm:cxn modelId="{CA5F5E2C-36A5-40C2-9948-6487FC840C2D}" type="presOf" srcId="{5572D91E-0678-403F-A820-426B729C3B28}" destId="{AB853637-D1CD-4C9B-AC3B-0EB6B06AFF31}" srcOrd="0" destOrd="0" presId="urn:microsoft.com/office/officeart/2005/8/layout/vList2"/>
     <dgm:cxn modelId="{943D5540-C0A2-48E4-ACA2-B4007AE38D43}" srcId="{34ECE0B7-A08D-4925-AC48-BC00972BCDD3}" destId="{B6FB829B-1C8E-40BE-8840-6599A9D5027D}" srcOrd="2" destOrd="0" parTransId="{321D24F3-CDD5-4430-BD78-701AB994A30D}" sibTransId="{BE8C5B32-A99E-427C-A4D3-D4E999B0FFEA}"/>
     <dgm:cxn modelId="{634F3B47-65C1-4654-8929-F908CC5D4211}" srcId="{4FB307FF-F82B-4E7A-B5B5-9B916B93C2BA}" destId="{F02762C5-8D77-4C0F-BF64-AC68FA2C6574}" srcOrd="1" destOrd="0" parTransId="{E339DA0C-A5C8-419F-AC32-031A8D74186A}" sibTransId="{8F70EF07-50BA-4AAB-84C3-4C72C9255B14}"/>
     <dgm:cxn modelId="{84A9BF52-ED47-4714-BE64-B0AA7F16EFF2}" srcId="{4FB307FF-F82B-4E7A-B5B5-9B916B93C2BA}" destId="{B331D674-071C-43DD-905E-38AAEFC35050}" srcOrd="0" destOrd="0" parTransId="{BCDB84F4-364C-4103-AF78-BCEC60A31598}" sibTransId="{647E35DA-802A-408D-B525-895CC12CD2E7}"/>
+    <dgm:cxn modelId="{03F50482-A156-41D7-9DE4-4C267CEFD9D8}" type="presOf" srcId="{6420089C-CFC4-4094-B2D0-AF94458806C6}" destId="{60E161DC-2AC8-4770-BE04-D11ACE42245C}" srcOrd="0" destOrd="2" presId="urn:microsoft.com/office/officeart/2005/8/layout/vList2"/>
     <dgm:cxn modelId="{2FD35E82-88C7-4EAD-A093-7A2FFC14901F}" type="presOf" srcId="{B57DFD4D-D62D-48CE-9D0F-604010CF0C60}" destId="{FEF78E86-4EF6-470F-B14F-440A59A0E3FD}" srcOrd="0" destOrd="0" presId="urn:microsoft.com/office/officeart/2005/8/layout/vList2"/>
     <dgm:cxn modelId="{EB4DEA83-402F-4E00-BE42-47AA27FAF8D1}" srcId="{5729A1FF-1FA8-4832-9B91-44B93EEBADAF}" destId="{36DFAF71-764C-4715-835A-AC4D266818E0}" srcOrd="1" destOrd="0" parTransId="{E6EA5EF7-A44C-4D44-83BD-51BE1E3F4F77}" sibTransId="{07462D45-FC9E-43FB-B03C-00F33351E9D5}"/>
     <dgm:cxn modelId="{B4C2138E-F5C3-4BFD-B51E-4277E3CD32EE}" type="presOf" srcId="{36DFAF71-764C-4715-835A-AC4D266818E0}" destId="{60E161DC-2AC8-4770-BE04-D11ACE42245C}" srcOrd="0" destOrd="1" presId="urn:microsoft.com/office/officeart/2005/8/layout/vList2"/>
@@ -1610,6 +1670,7 @@
     <dgm:cxn modelId="{D283439F-B1BB-4055-A79A-311528CDFBDF}" type="presOf" srcId="{007C7899-CF9E-4155-80CE-633F715D17F8}" destId="{0B6636C0-3D56-4456-B5DD-6A049C448040}" srcOrd="0" destOrd="0" presId="urn:microsoft.com/office/officeart/2005/8/layout/vList2"/>
     <dgm:cxn modelId="{E8855CA6-AFF7-47AF-A9A3-4FDFBCF264CB}" type="presOf" srcId="{4FB307FF-F82B-4E7A-B5B5-9B916B93C2BA}" destId="{706FE938-0B73-47CE-8993-59DC1E3A30A8}" srcOrd="0" destOrd="0" presId="urn:microsoft.com/office/officeart/2005/8/layout/vList2"/>
     <dgm:cxn modelId="{3AD353AA-2FCC-4625-B840-5063D3A48EC2}" srcId="{007C7899-CF9E-4155-80CE-633F715D17F8}" destId="{5729A1FF-1FA8-4832-9B91-44B93EEBADAF}" srcOrd="2" destOrd="0" parTransId="{539B2257-6919-4D75-929E-359BCEC75A58}" sibTransId="{38CD0969-E39A-4B59-8B3B-E02D1B900FD7}"/>
+    <dgm:cxn modelId="{033B8EAA-6388-4F97-BBF5-D69159CEDAB7}" srcId="{5729A1FF-1FA8-4832-9B91-44B93EEBADAF}" destId="{6420089C-CFC4-4094-B2D0-AF94458806C6}" srcOrd="2" destOrd="0" parTransId="{1D420239-2B99-48C4-BAA2-8BB3238638B2}" sibTransId="{B468B907-C38F-4E89-B737-B4E3CD0EFAAF}"/>
     <dgm:cxn modelId="{86B4C6AB-A3DD-41B6-9896-4B9C833897D2}" type="presOf" srcId="{5729A1FF-1FA8-4832-9B91-44B93EEBADAF}" destId="{DE7414DD-1EC8-48EE-BB55-13654641D677}" srcOrd="0" destOrd="0" presId="urn:microsoft.com/office/officeart/2005/8/layout/vList2"/>
     <dgm:cxn modelId="{55ECBCAD-E53D-4BDA-8780-98438DD274E9}" type="presOf" srcId="{8AEE0408-6C81-4CCA-89B1-01ACE996578A}" destId="{E21BB1DB-6076-439E-A861-16C1F860BA70}" srcOrd="0" destOrd="0" presId="urn:microsoft.com/office/officeart/2005/8/layout/vList2"/>
     <dgm:cxn modelId="{007D00B0-4F3B-45B5-8EF5-4F09205B60D6}" srcId="{007C7899-CF9E-4155-80CE-633F715D17F8}" destId="{34ECE0B7-A08D-4925-AC48-BC00972BCDD3}" srcOrd="3" destOrd="0" parTransId="{EF7D081E-C722-4091-B7C6-F407B3611264}" sibTransId="{D3F8BC8C-7EFD-4903-B97C-6DE76570AF23}"/>
@@ -1619,6 +1680,7 @@
     <dgm:cxn modelId="{F755B2E0-CEC0-4747-A713-724195CF5880}" srcId="{5572D91E-0678-403F-A820-426B729C3B28}" destId="{8E333811-3449-403E-B257-1AFAA9370F59}" srcOrd="1" destOrd="0" parTransId="{231F5BA6-399C-4BC7-B5EE-26CDC69E0F4A}" sibTransId="{8E81BC3D-A1DD-46C8-86CD-79B854982CC2}"/>
     <dgm:cxn modelId="{241B26E1-E737-4D8F-B6EF-F1EC124EF8C5}" type="presOf" srcId="{F02762C5-8D77-4C0F-BF64-AC68FA2C6574}" destId="{3D79D5D9-4D43-442B-95FA-579C6A9446FE}" srcOrd="0" destOrd="1" presId="urn:microsoft.com/office/officeart/2005/8/layout/vList2"/>
     <dgm:cxn modelId="{C7604AEC-ED19-42D3-9033-78E85377FDEA}" srcId="{5572D91E-0678-403F-A820-426B729C3B28}" destId="{510263AC-4EF6-4E2A-BE31-011E2C78CFD4}" srcOrd="2" destOrd="0" parTransId="{65A18CF6-4701-4792-81E3-EA9A8DF354F1}" sibTransId="{8C466BB8-C854-43A4-8E00-407255EDBEC1}"/>
+    <dgm:cxn modelId="{FB2299EC-D6AF-4FB9-9393-B1C8D918E251}" type="presOf" srcId="{0C0036C5-DF3E-4C0D-9906-C75AD87052BB}" destId="{60E161DC-2AC8-4770-BE04-D11ACE42245C}" srcOrd="0" destOrd="3" presId="urn:microsoft.com/office/officeart/2005/8/layout/vList2"/>
     <dgm:cxn modelId="{088AC8EE-9193-4FDD-8B60-BC99E23C4E19}" type="presOf" srcId="{077FD74D-09C2-4F11-ABC2-6117DD45DCD9}" destId="{60E161DC-2AC8-4770-BE04-D11ACE42245C}" srcOrd="0" destOrd="0" presId="urn:microsoft.com/office/officeart/2005/8/layout/vList2"/>
     <dgm:cxn modelId="{7EC1DEF5-35DC-4DD9-94EB-B09130AC27DF}" srcId="{007C7899-CF9E-4155-80CE-633F715D17F8}" destId="{4FB307FF-F82B-4E7A-B5B5-9B916B93C2BA}" srcOrd="1" destOrd="0" parTransId="{D6ED5491-F7AD-4732-8080-EA5FA51F1CB8}" sibTransId="{B7D3CA42-FEBE-49B8-AD54-26C953508DC2}"/>
     <dgm:cxn modelId="{FC35DCFB-49AE-4C0C-9078-910639140042}" type="presOf" srcId="{B331D674-071C-43DD-905E-38AAEFC35050}" destId="{3D79D5D9-4D43-442B-95FA-579C6A9446FE}" srcOrd="0" destOrd="0" presId="urn:microsoft.com/office/officeart/2005/8/layout/vList2"/>
@@ -1638,7 +1700,7 @@
   <dgm:whole/>
   <dgm:extLst>
     <a:ext uri="http://schemas.microsoft.com/office/drawing/2008/diagram">
-      <dsp:dataModelExt xmlns:dsp="http://schemas.microsoft.com/office/drawing/2008/diagram" relId="rId6" minVer="http://schemas.openxmlformats.org/drawingml/2006/diagram"/>
+      <dsp:dataModelExt xmlns:dsp="http://schemas.microsoft.com/office/drawing/2008/diagram" relId="rId7" minVer="http://schemas.openxmlformats.org/drawingml/2006/diagram"/>
     </a:ext>
   </dgm:extLst>
 </dgm:dataModel>
@@ -1659,8 +1721,8 @@
       </dsp:nvSpPr>
       <dsp:spPr>
         <a:xfrm>
-          <a:off x="0" y="155288"/>
-          <a:ext cx="6245265" cy="503685"/>
+          <a:off x="0" y="87102"/>
+          <a:ext cx="6245265" cy="455715"/>
         </a:xfrm>
         <a:prstGeom prst="roundRect">
           <a:avLst/>
@@ -1702,12 +1764,12 @@
         </a:fontRef>
       </dsp:style>
       <dsp:txBody>
-        <a:bodyPr spcFirstLastPara="0" vert="horz" wrap="square" lIns="80010" tIns="80010" rIns="80010" bIns="80010" numCol="1" spcCol="1270" anchor="ctr" anchorCtr="0">
+        <a:bodyPr spcFirstLastPara="0" vert="horz" wrap="square" lIns="72390" tIns="72390" rIns="72390" bIns="72390" numCol="1" spcCol="1270" anchor="ctr" anchorCtr="0">
           <a:noAutofit/>
         </a:bodyPr>
         <a:lstStyle/>
         <a:p>
-          <a:pPr marL="0" lvl="0" indent="0" algn="l" defTabSz="933450">
+          <a:pPr marL="0" lvl="0" indent="0" algn="l" defTabSz="844550">
             <a:lnSpc>
               <a:spcPct val="90000"/>
             </a:lnSpc>
@@ -1720,14 +1782,14 @@
             <a:buNone/>
           </a:pPr>
           <a:r>
-            <a:rPr lang="en-US" sz="2100" kern="1200"/>
+            <a:rPr lang="en-US" sz="1900" kern="1200"/>
             <a:t>Daten</a:t>
           </a:r>
         </a:p>
       </dsp:txBody>
       <dsp:txXfrm>
-        <a:off x="24588" y="179876"/>
-        <a:ext cx="6196089" cy="454509"/>
+        <a:off x="22246" y="109348"/>
+        <a:ext cx="6200773" cy="411223"/>
       </dsp:txXfrm>
     </dsp:sp>
     <dsp:sp modelId="{065605F1-2EE0-4D44-B6A6-7C7294D00B9B}">
@@ -1737,8 +1799,8 @@
       </dsp:nvSpPr>
       <dsp:spPr>
         <a:xfrm>
-          <a:off x="0" y="658973"/>
-          <a:ext cx="6245265" cy="825930"/>
+          <a:off x="0" y="542817"/>
+          <a:ext cx="6245265" cy="786599"/>
         </a:xfrm>
         <a:prstGeom prst="rect">
           <a:avLst/>
@@ -1762,12 +1824,12 @@
         <a:fontRef idx="minor"/>
       </dsp:style>
       <dsp:txBody>
-        <a:bodyPr spcFirstLastPara="0" vert="horz" wrap="square" lIns="198287" tIns="26670" rIns="149352" bIns="26670" numCol="1" spcCol="1270" anchor="t" anchorCtr="0">
+        <a:bodyPr spcFirstLastPara="0" vert="horz" wrap="square" lIns="198287" tIns="24130" rIns="135128" bIns="24130" numCol="1" spcCol="1270" anchor="t" anchorCtr="0">
           <a:noAutofit/>
         </a:bodyPr>
         <a:lstStyle/>
         <a:p>
-          <a:pPr marL="171450" lvl="1" indent="-171450" algn="l" defTabSz="711200">
+          <a:pPr marL="114300" lvl="1" indent="-114300" algn="l" defTabSz="666750">
             <a:lnSpc>
               <a:spcPct val="90000"/>
             </a:lnSpc>
@@ -1780,13 +1842,13 @@
             <a:buChar char="•"/>
           </a:pPr>
           <a:r>
-            <a:rPr lang="en-US" sz="1600" kern="1200" dirty="0" err="1"/>
+            <a:rPr lang="en-US" sz="1500" kern="1200" dirty="0" err="1"/>
             <a:t>Grundlage</a:t>
           </a:r>
-          <a:endParaRPr lang="en-US" sz="1600" kern="1200" dirty="0"/>
+          <a:endParaRPr lang="en-US" sz="1500" kern="1200" dirty="0"/>
         </a:p>
         <a:p>
-          <a:pPr marL="171450" lvl="1" indent="-171450" algn="l" defTabSz="711200">
+          <a:pPr marL="114300" lvl="1" indent="-114300" algn="l" defTabSz="666750">
             <a:lnSpc>
               <a:spcPct val="90000"/>
             </a:lnSpc>
@@ -1799,12 +1861,12 @@
             <a:buChar char="•"/>
           </a:pPr>
           <a:r>
-            <a:rPr lang="en-US" sz="1600" kern="1200" dirty="0"/>
+            <a:rPr lang="en-US" sz="1500" kern="1200" dirty="0"/>
             <a:t>Exploration</a:t>
           </a:r>
         </a:p>
         <a:p>
-          <a:pPr marL="171450" lvl="1" indent="-171450" algn="l" defTabSz="711200">
+          <a:pPr marL="114300" lvl="1" indent="-114300" algn="l" defTabSz="666750">
             <a:lnSpc>
               <a:spcPct val="90000"/>
             </a:lnSpc>
@@ -1817,14 +1879,14 @@
             <a:buChar char="•"/>
           </a:pPr>
           <a:r>
-            <a:rPr lang="en-US" sz="1600" kern="1200" dirty="0"/>
+            <a:rPr lang="en-US" sz="1500" kern="1200" dirty="0"/>
             <a:t>Wrangling</a:t>
           </a:r>
         </a:p>
       </dsp:txBody>
       <dsp:txXfrm>
-        <a:off x="0" y="658973"/>
-        <a:ext cx="6245265" cy="825930"/>
+        <a:off x="0" y="542817"/>
+        <a:ext cx="6245265" cy="786599"/>
       </dsp:txXfrm>
     </dsp:sp>
     <dsp:sp modelId="{706FE938-0B73-47CE-8993-59DC1E3A30A8}">
@@ -1834,8 +1896,8 @@
       </dsp:nvSpPr>
       <dsp:spPr>
         <a:xfrm>
-          <a:off x="0" y="1484903"/>
-          <a:ext cx="6245265" cy="503685"/>
+          <a:off x="0" y="1329417"/>
+          <a:ext cx="6245265" cy="455715"/>
         </a:xfrm>
         <a:prstGeom prst="roundRect">
           <a:avLst/>
@@ -1877,12 +1939,12 @@
         </a:fontRef>
       </dsp:style>
       <dsp:txBody>
-        <a:bodyPr spcFirstLastPara="0" vert="horz" wrap="square" lIns="80010" tIns="80010" rIns="80010" bIns="80010" numCol="1" spcCol="1270" anchor="ctr" anchorCtr="0">
+        <a:bodyPr spcFirstLastPara="0" vert="horz" wrap="square" lIns="72390" tIns="72390" rIns="72390" bIns="72390" numCol="1" spcCol="1270" anchor="ctr" anchorCtr="0">
           <a:noAutofit/>
         </a:bodyPr>
         <a:lstStyle/>
         <a:p>
-          <a:pPr marL="0" lvl="0" indent="0" algn="l" defTabSz="933450">
+          <a:pPr marL="0" lvl="0" indent="0" algn="l" defTabSz="844550">
             <a:lnSpc>
               <a:spcPct val="90000"/>
             </a:lnSpc>
@@ -1895,15 +1957,15 @@
             <a:buNone/>
           </a:pPr>
           <a:r>
-            <a:rPr lang="en-US" sz="2100" kern="1200" dirty="0" err="1"/>
+            <a:rPr lang="en-US" sz="1900" kern="1200" dirty="0" err="1"/>
             <a:t>Modelle</a:t>
           </a:r>
-          <a:endParaRPr lang="en-US" sz="2100" kern="1200" dirty="0"/>
+          <a:endParaRPr lang="en-US" sz="1900" kern="1200" dirty="0"/>
         </a:p>
       </dsp:txBody>
       <dsp:txXfrm>
-        <a:off x="24588" y="1509491"/>
-        <a:ext cx="6196089" cy="454509"/>
+        <a:off x="22246" y="1351663"/>
+        <a:ext cx="6200773" cy="411223"/>
       </dsp:txXfrm>
     </dsp:sp>
     <dsp:sp modelId="{3D79D5D9-4D43-442B-95FA-579C6A9446FE}">
@@ -1913,8 +1975,8 @@
       </dsp:nvSpPr>
       <dsp:spPr>
         <a:xfrm>
-          <a:off x="0" y="1988588"/>
-          <a:ext cx="6245265" cy="554242"/>
+          <a:off x="0" y="1785132"/>
+          <a:ext cx="6245265" cy="521122"/>
         </a:xfrm>
         <a:prstGeom prst="rect">
           <a:avLst/>
@@ -1938,12 +2000,12 @@
         <a:fontRef idx="minor"/>
       </dsp:style>
       <dsp:txBody>
-        <a:bodyPr spcFirstLastPara="0" vert="horz" wrap="square" lIns="198287" tIns="26670" rIns="149352" bIns="26670" numCol="1" spcCol="1270" anchor="t" anchorCtr="0">
+        <a:bodyPr spcFirstLastPara="0" vert="horz" wrap="square" lIns="198287" tIns="24130" rIns="135128" bIns="24130" numCol="1" spcCol="1270" anchor="t" anchorCtr="0">
           <a:noAutofit/>
         </a:bodyPr>
         <a:lstStyle/>
         <a:p>
-          <a:pPr marL="171450" lvl="1" indent="-171450" algn="l" defTabSz="711200">
+          <a:pPr marL="114300" lvl="1" indent="-114300" algn="l" defTabSz="666750">
             <a:lnSpc>
               <a:spcPct val="90000"/>
             </a:lnSpc>
@@ -1956,16 +2018,16 @@
             <a:buChar char="•"/>
           </a:pPr>
           <a:r>
-            <a:rPr lang="en-US" sz="1600" kern="1200" dirty="0" err="1"/>
+            <a:rPr lang="en-US" sz="1500" kern="1200" dirty="0" err="1"/>
             <a:t>Logisches</a:t>
           </a:r>
           <a:r>
-            <a:rPr lang="en-US" sz="1600" kern="1200" dirty="0"/>
+            <a:rPr lang="en-US" sz="1500" kern="1200" dirty="0"/>
             <a:t> Modell</a:t>
           </a:r>
         </a:p>
         <a:p>
-          <a:pPr marL="171450" lvl="1" indent="-171450" algn="l" defTabSz="711200">
+          <a:pPr marL="114300" lvl="1" indent="-114300" algn="l" defTabSz="666750">
             <a:lnSpc>
               <a:spcPct val="90000"/>
             </a:lnSpc>
@@ -1978,14 +2040,14 @@
             <a:buChar char="•"/>
           </a:pPr>
           <a:r>
-            <a:rPr lang="en-US" sz="1600" kern="1200" dirty="0"/>
+            <a:rPr lang="en-US" sz="1500" kern="1200" dirty="0"/>
             <a:t>E/R Modell</a:t>
           </a:r>
         </a:p>
       </dsp:txBody>
       <dsp:txXfrm>
-        <a:off x="0" y="1988588"/>
-        <a:ext cx="6245265" cy="554242"/>
+        <a:off x="0" y="1785132"/>
+        <a:ext cx="6245265" cy="521122"/>
       </dsp:txXfrm>
     </dsp:sp>
     <dsp:sp modelId="{DE7414DD-1EC8-48EE-BB55-13654641D677}">
@@ -1995,8 +2057,8 @@
       </dsp:nvSpPr>
       <dsp:spPr>
         <a:xfrm>
-          <a:off x="0" y="2542831"/>
-          <a:ext cx="6245265" cy="503685"/>
+          <a:off x="0" y="2306254"/>
+          <a:ext cx="6245265" cy="455715"/>
         </a:xfrm>
         <a:prstGeom prst="roundRect">
           <a:avLst/>
@@ -2038,12 +2100,12 @@
         </a:fontRef>
       </dsp:style>
       <dsp:txBody>
-        <a:bodyPr spcFirstLastPara="0" vert="horz" wrap="square" lIns="80010" tIns="80010" rIns="80010" bIns="80010" numCol="1" spcCol="1270" anchor="ctr" anchorCtr="0">
+        <a:bodyPr spcFirstLastPara="0" vert="horz" wrap="square" lIns="72390" tIns="72390" rIns="72390" bIns="72390" numCol="1" spcCol="1270" anchor="ctr" anchorCtr="0">
           <a:noAutofit/>
         </a:bodyPr>
         <a:lstStyle/>
         <a:p>
-          <a:pPr marL="0" lvl="0" indent="0" algn="l" defTabSz="933450">
+          <a:pPr marL="0" lvl="0" indent="0" algn="l" defTabSz="844550">
             <a:lnSpc>
               <a:spcPct val="90000"/>
             </a:lnSpc>
@@ -2056,18 +2118,18 @@
             <a:buNone/>
           </a:pPr>
           <a:r>
-            <a:rPr lang="en-US" sz="2100" kern="1200" dirty="0" err="1"/>
+            <a:rPr lang="en-US" sz="1900" kern="1200" dirty="0" err="1"/>
             <a:t>Implementierung</a:t>
           </a:r>
           <a:r>
-            <a:rPr lang="en-US" sz="2100" kern="1200" dirty="0"/>
-            <a:t> in DWC</a:t>
+            <a:rPr lang="en-US" sz="1900" kern="1200" dirty="0"/>
+            <a:t> DWC</a:t>
           </a:r>
         </a:p>
       </dsp:txBody>
       <dsp:txXfrm>
-        <a:off x="24588" y="2567419"/>
-        <a:ext cx="6196089" cy="454509"/>
+        <a:off x="22246" y="2328500"/>
+        <a:ext cx="6200773" cy="411223"/>
       </dsp:txXfrm>
     </dsp:sp>
     <dsp:sp modelId="{60E161DC-2AC8-4770-BE04-D11ACE42245C}">
@@ -2077,8 +2139,8 @@
       </dsp:nvSpPr>
       <dsp:spPr>
         <a:xfrm>
-          <a:off x="0" y="3046516"/>
-          <a:ext cx="6245265" cy="554242"/>
+          <a:off x="0" y="2761969"/>
+          <a:ext cx="6245265" cy="1042245"/>
         </a:xfrm>
         <a:prstGeom prst="rect">
           <a:avLst/>
@@ -2102,12 +2164,12 @@
         <a:fontRef idx="minor"/>
       </dsp:style>
       <dsp:txBody>
-        <a:bodyPr spcFirstLastPara="0" vert="horz" wrap="square" lIns="198287" tIns="26670" rIns="149352" bIns="26670" numCol="1" spcCol="1270" anchor="t" anchorCtr="0">
+        <a:bodyPr spcFirstLastPara="0" vert="horz" wrap="square" lIns="198287" tIns="24130" rIns="135128" bIns="24130" numCol="1" spcCol="1270" anchor="t" anchorCtr="0">
           <a:noAutofit/>
         </a:bodyPr>
         <a:lstStyle/>
         <a:p>
-          <a:pPr marL="171450" lvl="1" indent="-171450" algn="l" defTabSz="711200">
+          <a:pPr marL="114300" lvl="1" indent="-114300" algn="l" defTabSz="666750">
             <a:lnSpc>
               <a:spcPct val="90000"/>
             </a:lnSpc>
@@ -2120,29 +2182,13 @@
             <a:buChar char="•"/>
           </a:pPr>
           <a:r>
-            <a:rPr lang="en-US" sz="1600" kern="1200" dirty="0" err="1"/>
-            <a:t>Prüfung</a:t>
-          </a:r>
-          <a:r>
-            <a:rPr lang="en-US" sz="1600" kern="1200" dirty="0"/>
-            <a:t> der </a:t>
-          </a:r>
-          <a:r>
-            <a:rPr lang="en-US" sz="1600" kern="1200" dirty="0" err="1"/>
+            <a:rPr lang="en-US" sz="1500" kern="1200" dirty="0" err="1"/>
             <a:t>Datenqualität</a:t>
           </a:r>
-          <a:r>
-            <a:rPr lang="en-US" sz="1600" kern="1200" dirty="0"/>
-            <a:t> für die </a:t>
-          </a:r>
-          <a:r>
-            <a:rPr lang="en-US" sz="1600" kern="1200" dirty="0" err="1"/>
-            <a:t>Analyse</a:t>
-          </a:r>
-          <a:endParaRPr lang="en-US" sz="1600" kern="1200" dirty="0"/>
+          <a:endParaRPr lang="en-US" sz="1500" kern="1200" dirty="0"/>
         </a:p>
         <a:p>
-          <a:pPr marL="171450" lvl="1" indent="-171450" algn="l" defTabSz="711200">
+          <a:pPr marL="114300" lvl="1" indent="-114300" algn="l" defTabSz="666750">
             <a:lnSpc>
               <a:spcPct val="90000"/>
             </a:lnSpc>
@@ -2155,18 +2201,56 @@
             <a:buChar char="•"/>
           </a:pPr>
           <a:r>
-            <a:rPr lang="en-US" sz="1600" kern="1200" dirty="0" err="1"/>
+            <a:rPr lang="en-US" sz="1500" kern="1200" dirty="0" err="1"/>
             <a:t>Transformationen</a:t>
           </a:r>
+          <a:endParaRPr lang="en-US" sz="1500" kern="1200" dirty="0"/>
+        </a:p>
+        <a:p>
+          <a:pPr marL="114300" lvl="1" indent="-114300" algn="l" defTabSz="666750">
+            <a:lnSpc>
+              <a:spcPct val="90000"/>
+            </a:lnSpc>
+            <a:spcBef>
+              <a:spcPct val="0"/>
+            </a:spcBef>
+            <a:spcAft>
+              <a:spcPct val="20000"/>
+            </a:spcAft>
+            <a:buChar char="•"/>
+          </a:pPr>
           <a:r>
-            <a:rPr lang="en-US" sz="1600" kern="1200" dirty="0"/>
-            <a:t> und Views</a:t>
+            <a:rPr lang="en-US" sz="1500" kern="1200" dirty="0" err="1"/>
+            <a:t>Dimensionsal</a:t>
           </a:r>
+          <a:r>
+            <a:rPr lang="en-US" sz="1500" kern="1200" dirty="0"/>
+            <a:t> Views</a:t>
+          </a:r>
+        </a:p>
+        <a:p>
+          <a:pPr marL="114300" lvl="1" indent="-114300" algn="l" defTabSz="666750">
+            <a:lnSpc>
+              <a:spcPct val="90000"/>
+            </a:lnSpc>
+            <a:spcBef>
+              <a:spcPct val="0"/>
+            </a:spcBef>
+            <a:spcAft>
+              <a:spcPct val="20000"/>
+            </a:spcAft>
+            <a:buChar char="•"/>
+          </a:pPr>
+          <a:r>
+            <a:rPr lang="de-DE" sz="1500" kern="1200" dirty="0"/>
+            <a:t>Analytical Views</a:t>
+          </a:r>
+          <a:endParaRPr lang="en-US" sz="1500" kern="1200" dirty="0"/>
         </a:p>
       </dsp:txBody>
       <dsp:txXfrm>
-        <a:off x="0" y="3046516"/>
-        <a:ext cx="6245265" cy="554242"/>
+        <a:off x="0" y="2761969"/>
+        <a:ext cx="6245265" cy="1042245"/>
       </dsp:txXfrm>
     </dsp:sp>
     <dsp:sp modelId="{F6350E86-D9EF-4F1F-B9CB-E7890162E252}">
@@ -2176,8 +2260,8 @@
       </dsp:nvSpPr>
       <dsp:spPr>
         <a:xfrm>
-          <a:off x="0" y="3600758"/>
-          <a:ext cx="6245265" cy="503685"/>
+          <a:off x="0" y="3804214"/>
+          <a:ext cx="6245265" cy="455715"/>
         </a:xfrm>
         <a:prstGeom prst="roundRect">
           <a:avLst/>
@@ -2219,12 +2303,12 @@
         </a:fontRef>
       </dsp:style>
       <dsp:txBody>
-        <a:bodyPr spcFirstLastPara="0" vert="horz" wrap="square" lIns="80010" tIns="80010" rIns="80010" bIns="80010" numCol="1" spcCol="1270" anchor="ctr" anchorCtr="0">
+        <a:bodyPr spcFirstLastPara="0" vert="horz" wrap="square" lIns="72390" tIns="72390" rIns="72390" bIns="72390" numCol="1" spcCol="1270" anchor="ctr" anchorCtr="0">
           <a:noAutofit/>
         </a:bodyPr>
         <a:lstStyle/>
         <a:p>
-          <a:pPr marL="0" lvl="0" indent="0" algn="l" defTabSz="933450">
+          <a:pPr marL="0" lvl="0" indent="0" algn="l" defTabSz="844550">
             <a:lnSpc>
               <a:spcPct val="90000"/>
             </a:lnSpc>
@@ -2237,14 +2321,14 @@
             <a:buNone/>
           </a:pPr>
           <a:r>
-            <a:rPr lang="en-US" sz="2100" kern="1200" dirty="0"/>
+            <a:rPr lang="en-US" sz="1900" kern="1200" dirty="0"/>
             <a:t>Stories in SAC</a:t>
           </a:r>
         </a:p>
       </dsp:txBody>
       <dsp:txXfrm>
-        <a:off x="24588" y="3625346"/>
-        <a:ext cx="6196089" cy="454509"/>
+        <a:off x="22246" y="3826460"/>
+        <a:ext cx="6200773" cy="411223"/>
       </dsp:txXfrm>
     </dsp:sp>
     <dsp:sp modelId="{E21BB1DB-6076-439E-A861-16C1F860BA70}">
@@ -2254,8 +2338,8 @@
       </dsp:nvSpPr>
       <dsp:spPr>
         <a:xfrm>
-          <a:off x="0" y="4104443"/>
-          <a:ext cx="6245265" cy="825930"/>
+          <a:off x="0" y="4259929"/>
+          <a:ext cx="6245265" cy="786599"/>
         </a:xfrm>
         <a:prstGeom prst="rect">
           <a:avLst/>
@@ -2279,12 +2363,12 @@
         <a:fontRef idx="minor"/>
       </dsp:style>
       <dsp:txBody>
-        <a:bodyPr spcFirstLastPara="0" vert="horz" wrap="square" lIns="198287" tIns="26670" rIns="149352" bIns="26670" numCol="1" spcCol="1270" anchor="t" anchorCtr="0">
+        <a:bodyPr spcFirstLastPara="0" vert="horz" wrap="square" lIns="198287" tIns="24130" rIns="135128" bIns="24130" numCol="1" spcCol="1270" anchor="t" anchorCtr="0">
           <a:noAutofit/>
         </a:bodyPr>
         <a:lstStyle/>
         <a:p>
-          <a:pPr marL="171450" lvl="1" indent="-171450" algn="l" defTabSz="711200">
+          <a:pPr marL="114300" lvl="1" indent="-114300" algn="l" defTabSz="666750">
             <a:lnSpc>
               <a:spcPct val="90000"/>
             </a:lnSpc>
@@ -2297,13 +2381,13 @@
             <a:buChar char="•"/>
           </a:pPr>
           <a:r>
-            <a:rPr lang="de-DE" sz="1600" kern="1200" dirty="0"/>
+            <a:rPr lang="de-DE" sz="1500" kern="1200" dirty="0"/>
             <a:t>Fahrer und Hersteller</a:t>
           </a:r>
-          <a:endParaRPr lang="en-US" sz="1600" kern="1200" dirty="0"/>
+          <a:endParaRPr lang="en-US" sz="1500" kern="1200" dirty="0"/>
         </a:p>
         <a:p>
-          <a:pPr marL="171450" lvl="1" indent="-171450" algn="l" defTabSz="711200">
+          <a:pPr marL="114300" lvl="1" indent="-114300" algn="l" defTabSz="666750">
             <a:lnSpc>
               <a:spcPct val="90000"/>
             </a:lnSpc>
@@ -2316,13 +2400,13 @@
             <a:buChar char="•"/>
           </a:pPr>
           <a:r>
-            <a:rPr lang="de-DE" sz="1600" kern="1200" dirty="0"/>
+            <a:rPr lang="de-DE" sz="1500" kern="1200" dirty="0"/>
             <a:t>Statusauswertung</a:t>
           </a:r>
-          <a:endParaRPr lang="en-US" sz="1600" kern="1200" dirty="0"/>
+          <a:endParaRPr lang="en-US" sz="1500" kern="1200" dirty="0"/>
         </a:p>
         <a:p>
-          <a:pPr marL="171450" lvl="1" indent="-171450" algn="l" defTabSz="711200">
+          <a:pPr marL="114300" lvl="1" indent="-114300" algn="l" defTabSz="666750">
             <a:lnSpc>
               <a:spcPct val="90000"/>
             </a:lnSpc>
@@ -2335,15 +2419,15 @@
             <a:buChar char="•"/>
           </a:pPr>
           <a:r>
-            <a:rPr lang="de-DE" sz="1600" kern="1200" dirty="0"/>
+            <a:rPr lang="de-DE" sz="1500" kern="1200" dirty="0"/>
             <a:t>Zusätzliche Fahrdaten</a:t>
           </a:r>
-          <a:endParaRPr lang="en-US" sz="1600" kern="1200" dirty="0"/>
+          <a:endParaRPr lang="en-US" sz="1500" kern="1200" dirty="0"/>
         </a:p>
       </dsp:txBody>
       <dsp:txXfrm>
-        <a:off x="0" y="4104443"/>
-        <a:ext cx="6245265" cy="825930"/>
+        <a:off x="0" y="4259929"/>
+        <a:ext cx="6245265" cy="786599"/>
       </dsp:txXfrm>
     </dsp:sp>
     <dsp:sp modelId="{FEF78E86-4EF6-470F-B14F-440A59A0E3FD}">
@@ -2353,8 +2437,8 @@
       </dsp:nvSpPr>
       <dsp:spPr>
         <a:xfrm>
-          <a:off x="0" y="4930373"/>
-          <a:ext cx="6245265" cy="503685"/>
+          <a:off x="0" y="5046529"/>
+          <a:ext cx="6245265" cy="455715"/>
         </a:xfrm>
         <a:prstGeom prst="roundRect">
           <a:avLst/>
@@ -2396,12 +2480,12 @@
         </a:fontRef>
       </dsp:style>
       <dsp:txBody>
-        <a:bodyPr spcFirstLastPara="0" vert="horz" wrap="square" lIns="80010" tIns="80010" rIns="80010" bIns="80010" numCol="1" spcCol="1270" anchor="ctr" anchorCtr="0">
+        <a:bodyPr spcFirstLastPara="0" vert="horz" wrap="square" lIns="72390" tIns="72390" rIns="72390" bIns="72390" numCol="1" spcCol="1270" anchor="ctr" anchorCtr="0">
           <a:noAutofit/>
         </a:bodyPr>
         <a:lstStyle/>
         <a:p>
-          <a:pPr marL="0" lvl="0" indent="0" algn="l" defTabSz="933450">
+          <a:pPr marL="0" lvl="0" indent="0" algn="l" defTabSz="844550">
             <a:lnSpc>
               <a:spcPct val="90000"/>
             </a:lnSpc>
@@ -2414,15 +2498,15 @@
             <a:buNone/>
           </a:pPr>
           <a:r>
-            <a:rPr lang="de-DE" sz="2100" kern="1200" dirty="0"/>
+            <a:rPr lang="de-DE" sz="1900" kern="1200" dirty="0"/>
             <a:t>Fazit</a:t>
           </a:r>
-          <a:endParaRPr lang="en-US" sz="2100" kern="1200" dirty="0"/>
+          <a:endParaRPr lang="en-US" sz="1900" kern="1200" dirty="0"/>
         </a:p>
       </dsp:txBody>
       <dsp:txXfrm>
-        <a:off x="24588" y="4954961"/>
-        <a:ext cx="6196089" cy="454509"/>
+        <a:off x="22246" y="5068775"/>
+        <a:ext cx="6200773" cy="411223"/>
       </dsp:txXfrm>
     </dsp:sp>
   </dsp:spTree>
@@ -4044,7 +4128,7 @@
           <a:p>
             <a:fld id="{7BAD68DA-F5B3-4CD9-A6B8-9D4E67AD83C3}" type="slidenum">
               <a:rPr lang="en-US" smtClean="0"/>
-              <a:t>3</a:t>
+              <a:t>1</a:t>
             </a:fld>
             <a:endParaRPr lang="en-US"/>
           </a:p>
@@ -4053,7 +4137,739 @@
     </p:spTree>
     <p:extLst>
       <p:ext uri="{BB962C8B-B14F-4D97-AF65-F5344CB8AC3E}">
-        <p14:creationId xmlns:p14="http://schemas.microsoft.com/office/powerpoint/2010/main" val="236854984"/>
+        <p14:creationId xmlns:p14="http://schemas.microsoft.com/office/powerpoint/2010/main" val="318611483"/>
+      </p:ext>
+    </p:extLst>
+  </p:cSld>
+  <p:clrMapOvr>
+    <a:masterClrMapping/>
+  </p:clrMapOvr>
+</p:notes>
+</file>
+
+<file path=ppt/notesSlides/notesSlide10.xml><?xml version="1.0" encoding="utf-8"?>
+<p:notes xmlns:a="http://schemas.openxmlformats.org/drawingml/2006/main" xmlns:r="http://schemas.openxmlformats.org/officeDocument/2006/relationships" xmlns:p="http://schemas.openxmlformats.org/presentationml/2006/main">
+  <p:cSld>
+    <p:spTree>
+      <p:nvGrpSpPr>
+        <p:cNvPr id="1" name=""/>
+        <p:cNvGrpSpPr/>
+        <p:nvPr/>
+      </p:nvGrpSpPr>
+      <p:grpSpPr>
+        <a:xfrm>
+          <a:off x="0" y="0"/>
+          <a:ext cx="0" cy="0"/>
+          <a:chOff x="0" y="0"/>
+          <a:chExt cx="0" cy="0"/>
+        </a:xfrm>
+      </p:grpSpPr>
+      <p:sp>
+        <p:nvSpPr>
+          <p:cNvPr id="2" name="Slide Image Placeholder 1"/>
+          <p:cNvSpPr>
+            <a:spLocks noGrp="1" noRot="1" noChangeAspect="1"/>
+          </p:cNvSpPr>
+          <p:nvPr>
+            <p:ph type="sldImg"/>
+          </p:nvPr>
+        </p:nvSpPr>
+        <p:spPr/>
+      </p:sp>
+      <p:sp>
+        <p:nvSpPr>
+          <p:cNvPr id="3" name="Notes Placeholder 2"/>
+          <p:cNvSpPr>
+            <a:spLocks noGrp="1"/>
+          </p:cNvSpPr>
+          <p:nvPr>
+            <p:ph type="body" idx="1"/>
+          </p:nvPr>
+        </p:nvSpPr>
+        <p:spPr/>
+        <p:txBody>
+          <a:bodyPr/>
+          <a:lstStyle/>
+          <a:p>
+            <a:pPr marL="0" marR="0">
+              <a:lnSpc>
+                <a:spcPct val="115000"/>
+              </a:lnSpc>
+              <a:spcBef>
+                <a:spcPts val="0"/>
+              </a:spcBef>
+              <a:spcAft>
+                <a:spcPts val="1000"/>
+              </a:spcAft>
+            </a:pPr>
+            <a:r>
+              <a:rPr lang="de-DE" sz="1200" dirty="0">
+                <a:effectLst/>
+                <a:latin typeface="Calibri" panose="020F0502020204030204" pitchFamily="34" charset="0"/>
+                <a:ea typeface="Times New Roman" panose="02020603050405020304" pitchFamily="18" charset="0"/>
+                <a:cs typeface="Times New Roman" panose="02020603050405020304" pitchFamily="18" charset="0"/>
+              </a:rPr>
+              <a:t>Stri</a:t>
+            </a:r>
+            <a:r>
+              <a:rPr lang="de-DE" dirty="0">
+                <a:effectLst/>
+                <a:latin typeface="Calibri" panose="020F0502020204030204" pitchFamily="34" charset="0"/>
+                <a:ea typeface="Times New Roman" panose="02020603050405020304" pitchFamily="18" charset="0"/>
+                <a:cs typeface="Times New Roman" panose="02020603050405020304" pitchFamily="18" charset="0"/>
+              </a:rPr>
+              <a:t>ng Spalten mit Zeitwerten in das Format H:MM:SS transformiert, indem eine Berechnung genutzt wird:</a:t>
+            </a:r>
+            <a:br>
+              <a:rPr lang="de-DE" dirty="0">
+                <a:effectLst/>
+                <a:latin typeface="Calibri" panose="020F0502020204030204" pitchFamily="34" charset="0"/>
+                <a:ea typeface="Times New Roman" panose="02020603050405020304" pitchFamily="18" charset="0"/>
+                <a:cs typeface="Times New Roman" panose="02020603050405020304" pitchFamily="18" charset="0"/>
+              </a:rPr>
+            </a:br>
+            <a:r>
+              <a:rPr lang="de-DE" dirty="0">
+                <a:effectLst/>
+                <a:latin typeface="Calibri" panose="020F0502020204030204" pitchFamily="34" charset="0"/>
+                <a:ea typeface="Times New Roman" panose="02020603050405020304" pitchFamily="18" charset="0"/>
+                <a:cs typeface="Times New Roman" panose="02020603050405020304" pitchFamily="18" charset="0"/>
+              </a:rPr>
+              <a:t>TO_TIME(CONCAT('00:0',SUBSTRING(SPALTENNAME,1,4)))</a:t>
+            </a:r>
+            <a:endParaRPr lang="en-US" dirty="0">
+              <a:effectLst/>
+              <a:latin typeface="Calibri" panose="020F0502020204030204" pitchFamily="34" charset="0"/>
+              <a:ea typeface="Times New Roman" panose="02020603050405020304" pitchFamily="18" charset="0"/>
+              <a:cs typeface="Times New Roman" panose="02020603050405020304" pitchFamily="18" charset="0"/>
+            </a:endParaRPr>
+          </a:p>
+          <a:p>
+            <a:pPr marL="0" marR="0">
+              <a:lnSpc>
+                <a:spcPct val="115000"/>
+              </a:lnSpc>
+              <a:spcBef>
+                <a:spcPts val="0"/>
+              </a:spcBef>
+              <a:spcAft>
+                <a:spcPts val="1000"/>
+              </a:spcAft>
+            </a:pPr>
+            <a:r>
+              <a:rPr lang="de-DE" dirty="0">
+                <a:effectLst/>
+                <a:latin typeface="Calibri" panose="020F0502020204030204" pitchFamily="34" charset="0"/>
+                <a:ea typeface="Times New Roman" panose="02020603050405020304" pitchFamily="18" charset="0"/>
+                <a:cs typeface="Times New Roman" panose="02020603050405020304" pitchFamily="18" charset="0"/>
+              </a:rPr>
+              <a:t>Die Zeitwerte sind zusätzlich als Millisekunden in den entsprechenden Spalten in Integer Werten vorhanden. Diese konnten auch nach mehrfachen Versuchen nicht in das Format H:MM:SS transformiert werden, da die in DWC vorhandenen Funktionen nicht ausreichend waren, um die Transformation durchzuführen. </a:t>
+            </a:r>
+            <a:br>
+              <a:rPr lang="de-DE" dirty="0">
+                <a:effectLst/>
+                <a:latin typeface="Calibri" panose="020F0502020204030204" pitchFamily="34" charset="0"/>
+                <a:ea typeface="Times New Roman" panose="02020603050405020304" pitchFamily="18" charset="0"/>
+                <a:cs typeface="Times New Roman" panose="02020603050405020304" pitchFamily="18" charset="0"/>
+              </a:rPr>
+            </a:br>
+            <a:br>
+              <a:rPr lang="de-DE" dirty="0">
+                <a:effectLst/>
+                <a:latin typeface="Calibri" panose="020F0502020204030204" pitchFamily="34" charset="0"/>
+                <a:ea typeface="Times New Roman" panose="02020603050405020304" pitchFamily="18" charset="0"/>
+                <a:cs typeface="Times New Roman" panose="02020603050405020304" pitchFamily="18" charset="0"/>
+              </a:rPr>
+            </a:br>
+            <a:r>
+              <a:rPr lang="de-DE" dirty="0">
+                <a:effectLst/>
+                <a:latin typeface="Calibri" panose="020F0502020204030204" pitchFamily="34" charset="0"/>
+                <a:ea typeface="Times New Roman" panose="02020603050405020304" pitchFamily="18" charset="0"/>
+                <a:cs typeface="Times New Roman" panose="02020603050405020304" pitchFamily="18" charset="0"/>
+              </a:rPr>
+              <a:t>Zusätzlich gibt es Spalten mit Zahlen, die auf den ersten Blick wie Integer aussehen, nach dem Import jedoch </a:t>
+            </a:r>
+            <a:r>
+              <a:rPr lang="de-DE" dirty="0" err="1">
+                <a:effectLst/>
+                <a:latin typeface="Calibri" panose="020F0502020204030204" pitchFamily="34" charset="0"/>
+                <a:ea typeface="Times New Roman" panose="02020603050405020304" pitchFamily="18" charset="0"/>
+                <a:cs typeface="Times New Roman" panose="02020603050405020304" pitchFamily="18" charset="0"/>
+              </a:rPr>
+              <a:t>Float</a:t>
+            </a:r>
+            <a:r>
+              <a:rPr lang="de-DE" dirty="0">
+                <a:effectLst/>
+                <a:latin typeface="Calibri" panose="020F0502020204030204" pitchFamily="34" charset="0"/>
+                <a:ea typeface="Times New Roman" panose="02020603050405020304" pitchFamily="18" charset="0"/>
+                <a:cs typeface="Times New Roman" panose="02020603050405020304" pitchFamily="18" charset="0"/>
+              </a:rPr>
+              <a:t> sind, was wir auch anpassen mussten (z.B. </a:t>
+            </a:r>
+            <a:r>
+              <a:rPr lang="de-DE" dirty="0" err="1">
+                <a:effectLst/>
+                <a:latin typeface="Calibri" panose="020F0502020204030204" pitchFamily="34" charset="0"/>
+                <a:ea typeface="Times New Roman" panose="02020603050405020304" pitchFamily="18" charset="0"/>
+                <a:cs typeface="Times New Roman" panose="02020603050405020304" pitchFamily="18" charset="0"/>
+              </a:rPr>
+              <a:t>points</a:t>
+            </a:r>
+            <a:r>
+              <a:rPr lang="de-DE" dirty="0">
+                <a:effectLst/>
+                <a:latin typeface="Calibri" panose="020F0502020204030204" pitchFamily="34" charset="0"/>
+                <a:ea typeface="Times New Roman" panose="02020603050405020304" pitchFamily="18" charset="0"/>
+                <a:cs typeface="Times New Roman" panose="02020603050405020304" pitchFamily="18" charset="0"/>
+              </a:rPr>
+              <a:t> Spalte in results.csv).</a:t>
+            </a:r>
+            <a:endParaRPr lang="en-US" dirty="0">
+              <a:effectLst/>
+              <a:latin typeface="Calibri" panose="020F0502020204030204" pitchFamily="34" charset="0"/>
+              <a:ea typeface="Times New Roman" panose="02020603050405020304" pitchFamily="18" charset="0"/>
+              <a:cs typeface="Times New Roman" panose="02020603050405020304" pitchFamily="18" charset="0"/>
+            </a:endParaRPr>
+          </a:p>
+          <a:p>
+            <a:r>
+              <a:rPr lang="de-DE" dirty="0">
+                <a:effectLst/>
+                <a:latin typeface="Calibri" panose="020F0502020204030204" pitchFamily="34" charset="0"/>
+                <a:ea typeface="Times New Roman" panose="02020603050405020304" pitchFamily="18" charset="0"/>
+                <a:cs typeface="Times New Roman" panose="02020603050405020304" pitchFamily="18" charset="0"/>
+              </a:rPr>
+              <a:t>Aggregierte Rundenzeiten in der SQL View 180_FormulaOneAVGLapTimeAnalysis erstellt. In dieser haben wir pro Fahrer je Rennen die einzelnen Rundenzeiten und Rundenpositionen als Mittelwert aggregiert</a:t>
+            </a:r>
+            <a:endParaRPr lang="en-US" dirty="0"/>
+          </a:p>
+        </p:txBody>
+      </p:sp>
+      <p:sp>
+        <p:nvSpPr>
+          <p:cNvPr id="4" name="Slide Number Placeholder 3"/>
+          <p:cNvSpPr>
+            <a:spLocks noGrp="1"/>
+          </p:cNvSpPr>
+          <p:nvPr>
+            <p:ph type="sldNum" sz="quarter" idx="5"/>
+          </p:nvPr>
+        </p:nvSpPr>
+        <p:spPr/>
+        <p:txBody>
+          <a:bodyPr/>
+          <a:lstStyle/>
+          <a:p>
+            <a:fld id="{7BAD68DA-F5B3-4CD9-A6B8-9D4E67AD83C3}" type="slidenum">
+              <a:rPr lang="en-US" smtClean="0"/>
+              <a:t>12</a:t>
+            </a:fld>
+            <a:endParaRPr lang="en-US" dirty="0"/>
+          </a:p>
+        </p:txBody>
+      </p:sp>
+    </p:spTree>
+    <p:extLst>
+      <p:ext uri="{BB962C8B-B14F-4D97-AF65-F5344CB8AC3E}">
+        <p14:creationId xmlns:p14="http://schemas.microsoft.com/office/powerpoint/2010/main" val="2801715974"/>
+      </p:ext>
+    </p:extLst>
+  </p:cSld>
+  <p:clrMapOvr>
+    <a:masterClrMapping/>
+  </p:clrMapOvr>
+</p:notes>
+</file>
+
+<file path=ppt/notesSlides/notesSlide11.xml><?xml version="1.0" encoding="utf-8"?>
+<p:notes xmlns:a="http://schemas.openxmlformats.org/drawingml/2006/main" xmlns:r="http://schemas.openxmlformats.org/officeDocument/2006/relationships" xmlns:p="http://schemas.openxmlformats.org/presentationml/2006/main">
+  <p:cSld>
+    <p:spTree>
+      <p:nvGrpSpPr>
+        <p:cNvPr id="1" name=""/>
+        <p:cNvGrpSpPr/>
+        <p:nvPr/>
+      </p:nvGrpSpPr>
+      <p:grpSpPr>
+        <a:xfrm>
+          <a:off x="0" y="0"/>
+          <a:ext cx="0" cy="0"/>
+          <a:chOff x="0" y="0"/>
+          <a:chExt cx="0" cy="0"/>
+        </a:xfrm>
+      </p:grpSpPr>
+      <p:sp>
+        <p:nvSpPr>
+          <p:cNvPr id="2" name="Slide Image Placeholder 1"/>
+          <p:cNvSpPr>
+            <a:spLocks noGrp="1" noRot="1" noChangeAspect="1"/>
+          </p:cNvSpPr>
+          <p:nvPr>
+            <p:ph type="sldImg"/>
+          </p:nvPr>
+        </p:nvSpPr>
+        <p:spPr/>
+      </p:sp>
+      <p:sp>
+        <p:nvSpPr>
+          <p:cNvPr id="3" name="Notes Placeholder 2"/>
+          <p:cNvSpPr>
+            <a:spLocks noGrp="1"/>
+          </p:cNvSpPr>
+          <p:nvPr>
+            <p:ph type="body" idx="1"/>
+          </p:nvPr>
+        </p:nvSpPr>
+        <p:spPr/>
+        <p:txBody>
+          <a:bodyPr/>
+          <a:lstStyle/>
+          <a:p>
+            <a:pPr marL="342900" marR="0" lvl="0" indent="-342900">
+              <a:lnSpc>
+                <a:spcPct val="115000"/>
+              </a:lnSpc>
+              <a:spcBef>
+                <a:spcPts val="1200"/>
+              </a:spcBef>
+              <a:spcAft>
+                <a:spcPts val="0"/>
+              </a:spcAft>
+              <a:buFont typeface="Symbol" panose="05050102010706020507" pitchFamily="18" charset="2"/>
+              <a:buChar char=""/>
+            </a:pPr>
+            <a:r>
+              <a:rPr lang="de-DE" dirty="0">
+                <a:effectLst/>
+                <a:latin typeface="Calibri" panose="020F0502020204030204" pitchFamily="34" charset="0"/>
+                <a:ea typeface="Times New Roman" panose="02020603050405020304" pitchFamily="18" charset="0"/>
+                <a:cs typeface="Times New Roman" panose="02020603050405020304" pitchFamily="18" charset="0"/>
+              </a:rPr>
+              <a:t>180_FormulaOneStatusHierarchy – Dimensional View, bildet die Hierarchie von Status zu </a:t>
+            </a:r>
+            <a:r>
+              <a:rPr lang="de-DE" dirty="0" err="1">
+                <a:effectLst/>
+                <a:latin typeface="Calibri" panose="020F0502020204030204" pitchFamily="34" charset="0"/>
+                <a:ea typeface="Times New Roman" panose="02020603050405020304" pitchFamily="18" charset="0"/>
+                <a:cs typeface="Times New Roman" panose="02020603050405020304" pitchFamily="18" charset="0"/>
+              </a:rPr>
+              <a:t>Konstruktueur</a:t>
+            </a:r>
+            <a:r>
+              <a:rPr lang="de-DE" dirty="0">
+                <a:effectLst/>
+                <a:latin typeface="Calibri" panose="020F0502020204030204" pitchFamily="34" charset="0"/>
+                <a:ea typeface="Times New Roman" panose="02020603050405020304" pitchFamily="18" charset="0"/>
+                <a:cs typeface="Times New Roman" panose="02020603050405020304" pitchFamily="18" charset="0"/>
+              </a:rPr>
+              <a:t>, sowie Driver und </a:t>
+            </a:r>
+            <a:r>
+              <a:rPr lang="de-DE" dirty="0" err="1">
+                <a:effectLst/>
+                <a:latin typeface="Calibri" panose="020F0502020204030204" pitchFamily="34" charset="0"/>
+                <a:ea typeface="Times New Roman" panose="02020603050405020304" pitchFamily="18" charset="0"/>
+                <a:cs typeface="Times New Roman" panose="02020603050405020304" pitchFamily="18" charset="0"/>
+              </a:rPr>
+              <a:t>Contsructor</a:t>
+            </a:r>
+            <a:r>
+              <a:rPr lang="de-DE" dirty="0">
+                <a:effectLst/>
+                <a:latin typeface="Calibri" panose="020F0502020204030204" pitchFamily="34" charset="0"/>
+                <a:ea typeface="Times New Roman" panose="02020603050405020304" pitchFamily="18" charset="0"/>
+                <a:cs typeface="Times New Roman" panose="02020603050405020304" pitchFamily="18" charset="0"/>
+              </a:rPr>
+              <a:t> zum Land ab.</a:t>
+            </a:r>
+            <a:br>
+              <a:rPr lang="de-DE" dirty="0">
+                <a:effectLst/>
+                <a:latin typeface="Calibri" panose="020F0502020204030204" pitchFamily="34" charset="0"/>
+                <a:ea typeface="Times New Roman" panose="02020603050405020304" pitchFamily="18" charset="0"/>
+                <a:cs typeface="Times New Roman" panose="02020603050405020304" pitchFamily="18" charset="0"/>
+              </a:rPr>
+            </a:br>
+            <a:br>
+              <a:rPr lang="de-DE" dirty="0">
+                <a:effectLst/>
+                <a:latin typeface="Calibri" panose="020F0502020204030204" pitchFamily="34" charset="0"/>
+                <a:ea typeface="Times New Roman" panose="02020603050405020304" pitchFamily="18" charset="0"/>
+                <a:cs typeface="Times New Roman" panose="02020603050405020304" pitchFamily="18" charset="0"/>
+              </a:rPr>
+            </a:br>
+            <a:r>
+              <a:rPr lang="de-DE" dirty="0">
+                <a:effectLst/>
+                <a:latin typeface="Calibri" panose="020F0502020204030204" pitchFamily="34" charset="0"/>
+                <a:ea typeface="Times New Roman" panose="02020603050405020304" pitchFamily="18" charset="0"/>
+                <a:cs typeface="Times New Roman" panose="02020603050405020304" pitchFamily="18" charset="0"/>
+              </a:rPr>
+              <a:t>Zu analytischen Views assoziiert, um Drill Down in SAC abzubilden.</a:t>
+            </a:r>
+          </a:p>
+          <a:p>
+            <a:pPr marL="342900" marR="0" lvl="0" indent="-342900">
+              <a:lnSpc>
+                <a:spcPct val="115000"/>
+              </a:lnSpc>
+              <a:spcBef>
+                <a:spcPts val="1200"/>
+              </a:spcBef>
+              <a:spcAft>
+                <a:spcPts val="0"/>
+              </a:spcAft>
+              <a:buFont typeface="Symbol" panose="05050102010706020507" pitchFamily="18" charset="2"/>
+              <a:buChar char=""/>
+            </a:pPr>
+            <a:endParaRPr lang="en-US" dirty="0">
+              <a:effectLst/>
+              <a:latin typeface="Calibri" panose="020F0502020204030204" pitchFamily="34" charset="0"/>
+              <a:ea typeface="Times New Roman" panose="02020603050405020304" pitchFamily="18" charset="0"/>
+              <a:cs typeface="Times New Roman" panose="02020603050405020304" pitchFamily="18" charset="0"/>
+            </a:endParaRPr>
+          </a:p>
+          <a:p>
+            <a:pPr marL="342900" marR="0" lvl="0" indent="-342900">
+              <a:lnSpc>
+                <a:spcPct val="115000"/>
+              </a:lnSpc>
+              <a:spcBef>
+                <a:spcPts val="0"/>
+              </a:spcBef>
+              <a:spcAft>
+                <a:spcPts val="1000"/>
+              </a:spcAft>
+              <a:buFont typeface="Symbol" panose="05050102010706020507" pitchFamily="18" charset="2"/>
+              <a:buChar char=""/>
+            </a:pPr>
+            <a:r>
+              <a:rPr lang="de-DE" dirty="0">
+                <a:effectLst/>
+                <a:latin typeface="Calibri" panose="020F0502020204030204" pitchFamily="34" charset="0"/>
+                <a:ea typeface="Times New Roman" panose="02020603050405020304" pitchFamily="18" charset="0"/>
+                <a:cs typeface="Times New Roman" panose="02020603050405020304" pitchFamily="18" charset="0"/>
+              </a:rPr>
+              <a:t>180_FormulaOneGeoDim – Dimensional View, zur Erstellung der Location Dimension.</a:t>
+            </a:r>
+            <a:br>
+              <a:rPr lang="de-DE" dirty="0">
+                <a:effectLst/>
+                <a:latin typeface="Calibri" panose="020F0502020204030204" pitchFamily="34" charset="0"/>
+                <a:ea typeface="Times New Roman" panose="02020603050405020304" pitchFamily="18" charset="0"/>
+                <a:cs typeface="Times New Roman" panose="02020603050405020304" pitchFamily="18" charset="0"/>
+              </a:rPr>
+            </a:br>
+            <a:r>
+              <a:rPr lang="de-DE" dirty="0">
+                <a:latin typeface="Calibri" panose="020F0502020204030204" pitchFamily="34" charset="0"/>
+                <a:ea typeface="Times New Roman" panose="02020603050405020304" pitchFamily="18" charset="0"/>
+                <a:cs typeface="Times New Roman" panose="02020603050405020304" pitchFamily="18" charset="0"/>
+              </a:rPr>
+              <a:t>In </a:t>
+            </a:r>
+            <a:r>
+              <a:rPr lang="de-DE" dirty="0" err="1">
+                <a:latin typeface="Calibri" panose="020F0502020204030204" pitchFamily="34" charset="0"/>
+                <a:ea typeface="Times New Roman" panose="02020603050405020304" pitchFamily="18" charset="0"/>
+                <a:cs typeface="Times New Roman" panose="02020603050405020304" pitchFamily="18" charset="0"/>
+              </a:rPr>
+              <a:t>Map</a:t>
+            </a:r>
+            <a:r>
+              <a:rPr lang="de-DE" dirty="0">
+                <a:latin typeface="Calibri" panose="020F0502020204030204" pitchFamily="34" charset="0"/>
+                <a:ea typeface="Times New Roman" panose="02020603050405020304" pitchFamily="18" charset="0"/>
+                <a:cs typeface="Times New Roman" panose="02020603050405020304" pitchFamily="18" charset="0"/>
+              </a:rPr>
+              <a:t> Analysis View assoziiert, um Karten Darstellungen zu ermöglichen.</a:t>
+            </a:r>
+            <a:endParaRPr lang="en-US" dirty="0">
+              <a:effectLst/>
+              <a:latin typeface="Calibri" panose="020F0502020204030204" pitchFamily="34" charset="0"/>
+              <a:ea typeface="Times New Roman" panose="02020603050405020304" pitchFamily="18" charset="0"/>
+              <a:cs typeface="Times New Roman" panose="02020603050405020304" pitchFamily="18" charset="0"/>
+            </a:endParaRPr>
+          </a:p>
+          <a:p>
+            <a:endParaRPr lang="en-US" dirty="0"/>
+          </a:p>
+        </p:txBody>
+      </p:sp>
+      <p:sp>
+        <p:nvSpPr>
+          <p:cNvPr id="4" name="Slide Number Placeholder 3"/>
+          <p:cNvSpPr>
+            <a:spLocks noGrp="1"/>
+          </p:cNvSpPr>
+          <p:nvPr>
+            <p:ph type="sldNum" sz="quarter" idx="5"/>
+          </p:nvPr>
+        </p:nvSpPr>
+        <p:spPr/>
+        <p:txBody>
+          <a:bodyPr/>
+          <a:lstStyle/>
+          <a:p>
+            <a:fld id="{7BAD68DA-F5B3-4CD9-A6B8-9D4E67AD83C3}" type="slidenum">
+              <a:rPr lang="en-US" smtClean="0"/>
+              <a:t>13</a:t>
+            </a:fld>
+            <a:endParaRPr lang="en-US"/>
+          </a:p>
+        </p:txBody>
+      </p:sp>
+    </p:spTree>
+    <p:extLst>
+      <p:ext uri="{BB962C8B-B14F-4D97-AF65-F5344CB8AC3E}">
+        <p14:creationId xmlns:p14="http://schemas.microsoft.com/office/powerpoint/2010/main" val="1685816488"/>
+      </p:ext>
+    </p:extLst>
+  </p:cSld>
+  <p:clrMapOvr>
+    <a:masterClrMapping/>
+  </p:clrMapOvr>
+</p:notes>
+</file>
+
+<file path=ppt/notesSlides/notesSlide12.xml><?xml version="1.0" encoding="utf-8"?>
+<p:notes xmlns:a="http://schemas.openxmlformats.org/drawingml/2006/main" xmlns:r="http://schemas.openxmlformats.org/officeDocument/2006/relationships" xmlns:p="http://schemas.openxmlformats.org/presentationml/2006/main">
+  <p:cSld>
+    <p:spTree>
+      <p:nvGrpSpPr>
+        <p:cNvPr id="1" name=""/>
+        <p:cNvGrpSpPr/>
+        <p:nvPr/>
+      </p:nvGrpSpPr>
+      <p:grpSpPr>
+        <a:xfrm>
+          <a:off x="0" y="0"/>
+          <a:ext cx="0" cy="0"/>
+          <a:chOff x="0" y="0"/>
+          <a:chExt cx="0" cy="0"/>
+        </a:xfrm>
+      </p:grpSpPr>
+      <p:sp>
+        <p:nvSpPr>
+          <p:cNvPr id="2" name="Slide Image Placeholder 1"/>
+          <p:cNvSpPr>
+            <a:spLocks noGrp="1" noRot="1" noChangeAspect="1"/>
+          </p:cNvSpPr>
+          <p:nvPr>
+            <p:ph type="sldImg"/>
+          </p:nvPr>
+        </p:nvSpPr>
+        <p:spPr/>
+      </p:sp>
+      <p:sp>
+        <p:nvSpPr>
+          <p:cNvPr id="3" name="Notes Placeholder 2"/>
+          <p:cNvSpPr>
+            <a:spLocks noGrp="1"/>
+          </p:cNvSpPr>
+          <p:nvPr>
+            <p:ph type="body" idx="1"/>
+          </p:nvPr>
+        </p:nvSpPr>
+        <p:spPr/>
+        <p:txBody>
+          <a:bodyPr/>
+          <a:lstStyle/>
+          <a:p>
+            <a:pPr marL="342900" marR="0" lvl="0" indent="-342900">
+              <a:lnSpc>
+                <a:spcPct val="115000"/>
+              </a:lnSpc>
+              <a:spcBef>
+                <a:spcPts val="1200"/>
+              </a:spcBef>
+              <a:spcAft>
+                <a:spcPts val="0"/>
+              </a:spcAft>
+              <a:buFont typeface="Symbol" panose="05050102010706020507" pitchFamily="18" charset="2"/>
+              <a:buChar char=""/>
+            </a:pPr>
+            <a:r>
+              <a:rPr lang="de-DE" dirty="0">
+                <a:effectLst/>
+                <a:latin typeface="Calibri" panose="020F0502020204030204" pitchFamily="34" charset="0"/>
+                <a:ea typeface="Times New Roman" panose="02020603050405020304" pitchFamily="18" charset="0"/>
+                <a:cs typeface="Times New Roman" panose="02020603050405020304" pitchFamily="18" charset="0"/>
+              </a:rPr>
+              <a:t>180_FormulaOneDriverStandingsFirstAnalysis – Eingrenzung auf </a:t>
+            </a:r>
+            <a:r>
+              <a:rPr lang="de-DE" dirty="0" err="1">
+                <a:effectLst/>
+                <a:latin typeface="Calibri" panose="020F0502020204030204" pitchFamily="34" charset="0"/>
+                <a:ea typeface="Times New Roman" panose="02020603050405020304" pitchFamily="18" charset="0"/>
+                <a:cs typeface="Times New Roman" panose="02020603050405020304" pitchFamily="18" charset="0"/>
+              </a:rPr>
+              <a:t>FinalPosition</a:t>
+            </a:r>
+            <a:r>
+              <a:rPr lang="de-DE" dirty="0">
+                <a:effectLst/>
+                <a:latin typeface="Calibri" panose="020F0502020204030204" pitchFamily="34" charset="0"/>
+                <a:ea typeface="Times New Roman" panose="02020603050405020304" pitchFamily="18" charset="0"/>
+                <a:cs typeface="Times New Roman" panose="02020603050405020304" pitchFamily="18" charset="0"/>
+              </a:rPr>
+              <a:t> = 1 (Fahrer, die erster wurden im jeweiligen Rennen). Hierarchien sind eingebaut.</a:t>
+            </a:r>
+            <a:endParaRPr lang="en-US" dirty="0">
+              <a:effectLst/>
+              <a:latin typeface="Calibri" panose="020F0502020204030204" pitchFamily="34" charset="0"/>
+              <a:ea typeface="Times New Roman" panose="02020603050405020304" pitchFamily="18" charset="0"/>
+              <a:cs typeface="Times New Roman" panose="02020603050405020304" pitchFamily="18" charset="0"/>
+            </a:endParaRPr>
+          </a:p>
+          <a:p>
+            <a:pPr marL="342900" marR="0" lvl="0" indent="-342900">
+              <a:lnSpc>
+                <a:spcPct val="115000"/>
+              </a:lnSpc>
+              <a:spcBef>
+                <a:spcPts val="0"/>
+              </a:spcBef>
+              <a:spcAft>
+                <a:spcPts val="0"/>
+              </a:spcAft>
+              <a:buFont typeface="Symbol" panose="05050102010706020507" pitchFamily="18" charset="2"/>
+              <a:buChar char=""/>
+            </a:pPr>
+            <a:r>
+              <a:rPr lang="de-DE" dirty="0">
+                <a:effectLst/>
+                <a:latin typeface="Calibri" panose="020F0502020204030204" pitchFamily="34" charset="0"/>
+                <a:ea typeface="Times New Roman" panose="02020603050405020304" pitchFamily="18" charset="0"/>
+                <a:cs typeface="Times New Roman" panose="02020603050405020304" pitchFamily="18" charset="0"/>
+              </a:rPr>
+              <a:t>180_FormulaOneRaceResultsAnalysis – Analyse aller Rennergebnisse pro Fahrer und Konstrukteur auf jeder Strecke ab 1950 bis 2022.</a:t>
+            </a:r>
+            <a:endParaRPr lang="en-US" dirty="0">
+              <a:effectLst/>
+              <a:latin typeface="Calibri" panose="020F0502020204030204" pitchFamily="34" charset="0"/>
+              <a:ea typeface="Times New Roman" panose="02020603050405020304" pitchFamily="18" charset="0"/>
+              <a:cs typeface="Times New Roman" panose="02020603050405020304" pitchFamily="18" charset="0"/>
+            </a:endParaRPr>
+          </a:p>
+          <a:p>
+            <a:pPr marL="342900" marR="0" lvl="0" indent="-342900">
+              <a:lnSpc>
+                <a:spcPct val="115000"/>
+              </a:lnSpc>
+              <a:spcBef>
+                <a:spcPts val="0"/>
+              </a:spcBef>
+              <a:spcAft>
+                <a:spcPts val="0"/>
+              </a:spcAft>
+              <a:buFont typeface="Symbol" panose="05050102010706020507" pitchFamily="18" charset="2"/>
+              <a:buChar char=""/>
+            </a:pPr>
+            <a:r>
+              <a:rPr lang="de-DE" dirty="0">
+                <a:effectLst/>
+                <a:latin typeface="Calibri" panose="020F0502020204030204" pitchFamily="34" charset="0"/>
+                <a:ea typeface="Times New Roman" panose="02020603050405020304" pitchFamily="18" charset="0"/>
+                <a:cs typeface="Times New Roman" panose="02020603050405020304" pitchFamily="18" charset="0"/>
+              </a:rPr>
+              <a:t>180_FormulaOneAVGLapTimeAnalysis – Analyse der Durchschnittlichen Rundenzeit pro Fahrer pro Strecke. Auflistung der Jahre, um Werte vergleichbar zu machen.</a:t>
+            </a:r>
+            <a:endParaRPr lang="en-US" dirty="0">
+              <a:effectLst/>
+              <a:latin typeface="Calibri" panose="020F0502020204030204" pitchFamily="34" charset="0"/>
+              <a:ea typeface="Times New Roman" panose="02020603050405020304" pitchFamily="18" charset="0"/>
+              <a:cs typeface="Times New Roman" panose="02020603050405020304" pitchFamily="18" charset="0"/>
+            </a:endParaRPr>
+          </a:p>
+          <a:p>
+            <a:pPr marL="342900" marR="0" lvl="0" indent="-342900">
+              <a:lnSpc>
+                <a:spcPct val="115000"/>
+              </a:lnSpc>
+              <a:spcBef>
+                <a:spcPts val="0"/>
+              </a:spcBef>
+              <a:spcAft>
+                <a:spcPts val="1000"/>
+              </a:spcAft>
+              <a:buFont typeface="Symbol" panose="05050102010706020507" pitchFamily="18" charset="2"/>
+              <a:buChar char=""/>
+            </a:pPr>
+            <a:r>
+              <a:rPr lang="de-DE" dirty="0">
+                <a:effectLst/>
+                <a:latin typeface="Calibri" panose="020F0502020204030204" pitchFamily="34" charset="0"/>
+                <a:ea typeface="Times New Roman" panose="02020603050405020304" pitchFamily="18" charset="0"/>
+                <a:cs typeface="Times New Roman" panose="02020603050405020304" pitchFamily="18" charset="0"/>
+              </a:rPr>
+              <a:t>180_FormulaOneMapAnalysis – Assoziation von 180_FormulaOneGeoDim zur Erstellung einer Karte.</a:t>
+            </a:r>
+          </a:p>
+          <a:p>
+            <a:pPr marR="0" lvl="0">
+              <a:lnSpc>
+                <a:spcPct val="115000"/>
+              </a:lnSpc>
+              <a:spcBef>
+                <a:spcPts val="0"/>
+              </a:spcBef>
+              <a:spcAft>
+                <a:spcPts val="1000"/>
+              </a:spcAft>
+            </a:pPr>
+            <a:r>
+              <a:rPr lang="de-DE" dirty="0">
+                <a:effectLst/>
+                <a:latin typeface="Calibri" panose="020F0502020204030204" pitchFamily="34" charset="0"/>
+                <a:ea typeface="Times New Roman" panose="02020603050405020304" pitchFamily="18" charset="0"/>
+                <a:cs typeface="Times New Roman" panose="02020603050405020304" pitchFamily="18" charset="0"/>
+              </a:rPr>
+              <a:t>Zu Beginn haben wir Views erstellt, ohne die Hierarchien abzubilden. Nachdem wir die Hierarchien eingebauten haben, mussten wir einige Auswertungen neu erstellen.</a:t>
+            </a:r>
+            <a:endParaRPr lang="en-US" dirty="0">
+              <a:effectLst/>
+              <a:latin typeface="Calibri" panose="020F0502020204030204" pitchFamily="34" charset="0"/>
+              <a:ea typeface="Times New Roman" panose="02020603050405020304" pitchFamily="18" charset="0"/>
+              <a:cs typeface="Times New Roman" panose="02020603050405020304" pitchFamily="18" charset="0"/>
+            </a:endParaRPr>
+          </a:p>
+          <a:p>
+            <a:endParaRPr lang="en-US" dirty="0"/>
+          </a:p>
+        </p:txBody>
+      </p:sp>
+      <p:sp>
+        <p:nvSpPr>
+          <p:cNvPr id="4" name="Slide Number Placeholder 3"/>
+          <p:cNvSpPr>
+            <a:spLocks noGrp="1"/>
+          </p:cNvSpPr>
+          <p:nvPr>
+            <p:ph type="sldNum" sz="quarter" idx="5"/>
+          </p:nvPr>
+        </p:nvSpPr>
+        <p:spPr/>
+        <p:txBody>
+          <a:bodyPr/>
+          <a:lstStyle/>
+          <a:p>
+            <a:fld id="{7BAD68DA-F5B3-4CD9-A6B8-9D4E67AD83C3}" type="slidenum">
+              <a:rPr lang="en-US" smtClean="0"/>
+              <a:t>14</a:t>
+            </a:fld>
+            <a:endParaRPr lang="en-US"/>
+          </a:p>
+        </p:txBody>
+      </p:sp>
+    </p:spTree>
+    <p:extLst>
+      <p:ext uri="{BB962C8B-B14F-4D97-AF65-F5344CB8AC3E}">
+        <p14:creationId xmlns:p14="http://schemas.microsoft.com/office/powerpoint/2010/main" val="2309698907"/>
       </p:ext>
     </p:extLst>
   </p:cSld>
@@ -4107,195 +4923,7 @@
           <a:bodyPr/>
           <a:lstStyle/>
           <a:p>
-            <a:pPr>
-              <a:lnSpc>
-                <a:spcPct val="115000"/>
-              </a:lnSpc>
-              <a:spcAft>
-                <a:spcPts val="1000"/>
-              </a:spcAft>
-            </a:pPr>
-            <a:r>
-              <a:rPr lang="de-DE" dirty="0">
-                <a:latin typeface="Calibri" panose="020F0502020204030204" pitchFamily="34" charset="0"/>
-                <a:ea typeface="Times New Roman" panose="02020603050405020304" pitchFamily="18" charset="0"/>
-                <a:cs typeface="Times New Roman" panose="02020603050405020304" pitchFamily="18" charset="0"/>
-              </a:rPr>
-              <a:t>D</a:t>
-            </a:r>
-            <a:r>
-              <a:rPr lang="de-DE" dirty="0">
-                <a:effectLst/>
-                <a:latin typeface="Calibri" panose="020F0502020204030204" pitchFamily="34" charset="0"/>
-                <a:ea typeface="Times New Roman" panose="02020603050405020304" pitchFamily="18" charset="0"/>
-                <a:cs typeface="Times New Roman" panose="02020603050405020304" pitchFamily="18" charset="0"/>
-              </a:rPr>
-              <a:t>ie Datensätze stammen von </a:t>
-            </a:r>
-            <a:r>
-              <a:rPr lang="de-DE" dirty="0" err="1">
-                <a:effectLst/>
-                <a:latin typeface="Calibri" panose="020F0502020204030204" pitchFamily="34" charset="0"/>
-                <a:ea typeface="Times New Roman" panose="02020603050405020304" pitchFamily="18" charset="0"/>
-                <a:cs typeface="Times New Roman" panose="02020603050405020304" pitchFamily="18" charset="0"/>
-              </a:rPr>
-              <a:t>Kaggle</a:t>
-            </a:r>
-            <a:r>
-              <a:rPr lang="de-DE" dirty="0">
-                <a:effectLst/>
-                <a:latin typeface="Calibri" panose="020F0502020204030204" pitchFamily="34" charset="0"/>
-                <a:ea typeface="Times New Roman" panose="02020603050405020304" pitchFamily="18" charset="0"/>
-                <a:cs typeface="Times New Roman" panose="02020603050405020304" pitchFamily="18" charset="0"/>
-              </a:rPr>
-              <a:t>. Inhalt sind die Weltmeisterschaften der Formel 1 im Zeitraum von 1950 bis 2023. Die Daten sind durch die </a:t>
-            </a:r>
-            <a:r>
-              <a:rPr lang="de-DE" dirty="0" err="1">
-                <a:effectLst/>
-                <a:latin typeface="Calibri" panose="020F0502020204030204" pitchFamily="34" charset="0"/>
-                <a:ea typeface="Times New Roman" panose="02020603050405020304" pitchFamily="18" charset="0"/>
-                <a:cs typeface="Times New Roman" panose="02020603050405020304" pitchFamily="18" charset="0"/>
-              </a:rPr>
-              <a:t>Ergast</a:t>
-            </a:r>
-            <a:r>
-              <a:rPr lang="de-DE" dirty="0">
-                <a:effectLst/>
-                <a:latin typeface="Calibri" panose="020F0502020204030204" pitchFamily="34" charset="0"/>
-                <a:ea typeface="Times New Roman" panose="02020603050405020304" pitchFamily="18" charset="0"/>
-                <a:cs typeface="Times New Roman" panose="02020603050405020304" pitchFamily="18" charset="0"/>
-              </a:rPr>
-              <a:t> Developer API zusammengestellt worden, die Renndaten für nicht kommerzielle Zwecke zur Verfügung stellt. </a:t>
-            </a:r>
-            <a:br>
-              <a:rPr lang="de-DE" dirty="0">
-                <a:effectLst/>
-                <a:latin typeface="Calibri" panose="020F0502020204030204" pitchFamily="34" charset="0"/>
-                <a:ea typeface="Times New Roman" panose="02020603050405020304" pitchFamily="18" charset="0"/>
-                <a:cs typeface="Times New Roman" panose="02020603050405020304" pitchFamily="18" charset="0"/>
-              </a:rPr>
-            </a:br>
-            <a:r>
-              <a:rPr lang="de-DE" dirty="0">
-                <a:effectLst/>
-                <a:latin typeface="Calibri" panose="020F0502020204030204" pitchFamily="34" charset="0"/>
-                <a:ea typeface="Times New Roman" panose="02020603050405020304" pitchFamily="18" charset="0"/>
-                <a:cs typeface="Times New Roman" panose="02020603050405020304" pitchFamily="18" charset="0"/>
-              </a:rPr>
-              <a:t>Die Daten beinhalten alle Informationen der Formel 1 Weltmeisterschaften seit 1950:</a:t>
-            </a:r>
-            <a:br>
-              <a:rPr lang="de-DE" dirty="0">
-                <a:effectLst/>
-                <a:latin typeface="Calibri" panose="020F0502020204030204" pitchFamily="34" charset="0"/>
-                <a:ea typeface="Times New Roman" panose="02020603050405020304" pitchFamily="18" charset="0"/>
-                <a:cs typeface="Times New Roman" panose="02020603050405020304" pitchFamily="18" charset="0"/>
-              </a:rPr>
-            </a:br>
-            <a:r>
-              <a:rPr lang="de-DE" dirty="0">
-                <a:effectLst/>
-                <a:latin typeface="Calibri" panose="020F0502020204030204" pitchFamily="34" charset="0"/>
-                <a:ea typeface="Times New Roman" panose="02020603050405020304" pitchFamily="18" charset="0"/>
-                <a:cs typeface="Times New Roman" panose="02020603050405020304" pitchFamily="18" charset="0"/>
-              </a:rPr>
-              <a:t>Rennen, Fahrer, Konstrukteure, Qualifizierungen, Rennstrecken, Rundenzeiten, Boxenstopps und Ergebnisse. Diese Informationen sind in 14 Datensätze aufgeteilt</a:t>
-            </a:r>
-            <a:endParaRPr lang="en-US" dirty="0">
-              <a:effectLst/>
-              <a:latin typeface="Calibri" panose="020F0502020204030204" pitchFamily="34" charset="0"/>
-              <a:ea typeface="Times New Roman" panose="02020603050405020304" pitchFamily="18" charset="0"/>
-              <a:cs typeface="Times New Roman" panose="02020603050405020304" pitchFamily="18" charset="0"/>
-            </a:endParaRPr>
-          </a:p>
-          <a:p>
-            <a:pPr marL="0" marR="0">
-              <a:lnSpc>
-                <a:spcPct val="115000"/>
-              </a:lnSpc>
-              <a:spcBef>
-                <a:spcPts val="0"/>
-              </a:spcBef>
-              <a:spcAft>
-                <a:spcPts val="1000"/>
-              </a:spcAft>
-            </a:pPr>
-            <a:r>
-              <a:rPr lang="de-DE" dirty="0">
-                <a:effectLst/>
-                <a:latin typeface="Calibri" panose="020F0502020204030204" pitchFamily="34" charset="0"/>
-                <a:ea typeface="Times New Roman" panose="02020603050405020304" pitchFamily="18" charset="0"/>
-                <a:cs typeface="Times New Roman" panose="02020603050405020304" pitchFamily="18" charset="0"/>
-              </a:rPr>
-              <a:t>Die Formel 1 (Formelserie), ist durch den Automobil Dachverband Fédération Internationale de </a:t>
-            </a:r>
-            <a:r>
-              <a:rPr lang="de-DE" dirty="0" err="1">
-                <a:effectLst/>
-                <a:latin typeface="Calibri" panose="020F0502020204030204" pitchFamily="34" charset="0"/>
-                <a:ea typeface="Times New Roman" panose="02020603050405020304" pitchFamily="18" charset="0"/>
-                <a:cs typeface="Times New Roman" panose="02020603050405020304" pitchFamily="18" charset="0"/>
-              </a:rPr>
-              <a:t>l’Automobile</a:t>
-            </a:r>
-            <a:r>
-              <a:rPr lang="de-DE" dirty="0">
-                <a:effectLst/>
-                <a:latin typeface="Calibri" panose="020F0502020204030204" pitchFamily="34" charset="0"/>
-                <a:ea typeface="Times New Roman" panose="02020603050405020304" pitchFamily="18" charset="0"/>
-                <a:cs typeface="Times New Roman" panose="02020603050405020304" pitchFamily="18" charset="0"/>
-              </a:rPr>
-              <a:t> (FIA) autorisiert. Formelserie bedeutet, dass bestimmte Regeln (Formeln) auf technischer Ebene für die Leistungsfähigkeit der Fahrzeuge festgelegt wurden, um einen Wettkampf unter gleichbleibenden Bedingungen zu ermöglichen. Die Formel 1 Weltmeisterschaft fand erstmals 1950 statt und besteht pro Saison aus bis zu 23 Grand Prix (französisch für „Großer Preis) Rennen. Dies sind Einzelrennen auf ausgewählten Rennstrecken in jeweils unterschiedlichen Ländern. Dabei sammeln die Fahrer abhängig von ihrer Endposition bei diesen Rennen Punkte. Am Ende der Saison gewinnt der Fahrer mit den meisten Punkten.</a:t>
-            </a:r>
-            <a:br>
-              <a:rPr lang="de-DE" dirty="0">
-                <a:effectLst/>
-                <a:latin typeface="Calibri" panose="020F0502020204030204" pitchFamily="34" charset="0"/>
-                <a:ea typeface="Times New Roman" panose="02020603050405020304" pitchFamily="18" charset="0"/>
-                <a:cs typeface="Times New Roman" panose="02020603050405020304" pitchFamily="18" charset="0"/>
-              </a:rPr>
-            </a:br>
-            <a:r>
-              <a:rPr lang="de-DE" dirty="0">
-                <a:effectLst/>
-                <a:latin typeface="Calibri" panose="020F0502020204030204" pitchFamily="34" charset="0"/>
-                <a:ea typeface="Times New Roman" panose="02020603050405020304" pitchFamily="18" charset="0"/>
-                <a:cs typeface="Times New Roman" panose="02020603050405020304" pitchFamily="18" charset="0"/>
-              </a:rPr>
-              <a:t>Außerdem erhalten die Konstrukteure der Wagen Punkte, die ebenfalls am Ende der Saison ausgewertet werden.</a:t>
-            </a:r>
-            <a:br>
-              <a:rPr lang="de-DE" dirty="0">
-                <a:effectLst/>
-                <a:latin typeface="Calibri" panose="020F0502020204030204" pitchFamily="34" charset="0"/>
-                <a:ea typeface="Times New Roman" panose="02020603050405020304" pitchFamily="18" charset="0"/>
-                <a:cs typeface="Times New Roman" panose="02020603050405020304" pitchFamily="18" charset="0"/>
-              </a:rPr>
-            </a:br>
-            <a:r>
-              <a:rPr lang="de-DE" dirty="0">
-                <a:effectLst/>
-                <a:latin typeface="Calibri" panose="020F0502020204030204" pitchFamily="34" charset="0"/>
-                <a:ea typeface="Times New Roman" panose="02020603050405020304" pitchFamily="18" charset="0"/>
-                <a:cs typeface="Times New Roman" panose="02020603050405020304" pitchFamily="18" charset="0"/>
-              </a:rPr>
-              <a:t>Weitere Werte, wie z.B</a:t>
-            </a:r>
-            <a:r>
-              <a:rPr lang="de-DE" dirty="0">
-                <a:latin typeface="Calibri" panose="020F0502020204030204" pitchFamily="34" charset="0"/>
-                <a:ea typeface="Times New Roman" panose="02020603050405020304" pitchFamily="18" charset="0"/>
-                <a:cs typeface="Times New Roman" panose="02020603050405020304" pitchFamily="18" charset="0"/>
-              </a:rPr>
-              <a:t>. Rundenzeiten, Status, Geschwindigkeiten …</a:t>
-            </a:r>
-            <a:endParaRPr lang="en-US" dirty="0">
-              <a:effectLst/>
-              <a:latin typeface="Calibri" panose="020F0502020204030204" pitchFamily="34" charset="0"/>
-              <a:ea typeface="Times New Roman" panose="02020603050405020304" pitchFamily="18" charset="0"/>
-              <a:cs typeface="Times New Roman" panose="02020603050405020304" pitchFamily="18" charset="0"/>
-            </a:endParaRPr>
+            <a:endParaRPr lang="en-US"/>
           </a:p>
         </p:txBody>
       </p:sp>
@@ -4316,7 +4944,7 @@
           <a:p>
             <a:fld id="{7BAD68DA-F5B3-4CD9-A6B8-9D4E67AD83C3}" type="slidenum">
               <a:rPr lang="en-US" smtClean="0"/>
-              <a:t>4</a:t>
+              <a:t>2</a:t>
             </a:fld>
             <a:endParaRPr lang="en-US"/>
           </a:p>
@@ -4325,7 +4953,7 @@
     </p:spTree>
     <p:extLst>
       <p:ext uri="{BB962C8B-B14F-4D97-AF65-F5344CB8AC3E}">
-        <p14:creationId xmlns:p14="http://schemas.microsoft.com/office/powerpoint/2010/main" val="3263342561"/>
+        <p14:creationId xmlns:p14="http://schemas.microsoft.com/office/powerpoint/2010/main" val="952510567"/>
       </p:ext>
     </p:extLst>
   </p:cSld>
@@ -4374,436 +5002,12 @@
             <p:ph type="body" idx="1"/>
           </p:nvPr>
         </p:nvSpPr>
-        <p:spPr>
-          <a:xfrm>
-            <a:off x="685800" y="4400550"/>
-            <a:ext cx="5486400" cy="4125612"/>
-          </a:xfrm>
-        </p:spPr>
+        <p:spPr/>
         <p:txBody>
           <a:bodyPr/>
           <a:lstStyle/>
           <a:p>
-            <a:pPr marL="0" marR="0">
-              <a:lnSpc>
-                <a:spcPct val="115000"/>
-              </a:lnSpc>
-              <a:spcBef>
-                <a:spcPts val="0"/>
-              </a:spcBef>
-              <a:spcAft>
-                <a:spcPts val="1000"/>
-              </a:spcAft>
-            </a:pPr>
-            <a:r>
-              <a:rPr lang="de-DE" dirty="0">
-                <a:effectLst/>
-                <a:latin typeface="Calibri" panose="020F0502020204030204" pitchFamily="34" charset="0"/>
-                <a:ea typeface="Times New Roman" panose="02020603050405020304" pitchFamily="18" charset="0"/>
-                <a:cs typeface="Times New Roman" panose="02020603050405020304" pitchFamily="18" charset="0"/>
-              </a:rPr>
-              <a:t>Erste Übersicht der Daten in Python findet sich im </a:t>
-            </a:r>
-            <a:r>
-              <a:rPr lang="de-DE" dirty="0" err="1">
-                <a:effectLst/>
-                <a:latin typeface="Calibri" panose="020F0502020204030204" pitchFamily="34" charset="0"/>
-                <a:ea typeface="Times New Roman" panose="02020603050405020304" pitchFamily="18" charset="0"/>
-                <a:cs typeface="Times New Roman" panose="02020603050405020304" pitchFamily="18" charset="0"/>
-              </a:rPr>
-              <a:t>DataExploration.ipynb</a:t>
-            </a:r>
-            <a:r>
-              <a:rPr lang="de-DE" dirty="0">
-                <a:effectLst/>
-                <a:latin typeface="Calibri" panose="020F0502020204030204" pitchFamily="34" charset="0"/>
-                <a:ea typeface="Times New Roman" panose="02020603050405020304" pitchFamily="18" charset="0"/>
-                <a:cs typeface="Times New Roman" panose="02020603050405020304" pitchFamily="18" charset="0"/>
-              </a:rPr>
-              <a:t>. </a:t>
-            </a:r>
-            <a:r>
-              <a:rPr lang="de-DE" sz="1200" dirty="0">
-                <a:effectLst/>
-                <a:latin typeface="Calibri" panose="020F0502020204030204" pitchFamily="34" charset="0"/>
-                <a:ea typeface="Times New Roman" panose="02020603050405020304" pitchFamily="18" charset="0"/>
-                <a:cs typeface="Times New Roman" panose="02020603050405020304" pitchFamily="18" charset="0"/>
-              </a:rPr>
-              <a:t>Die Daten wurden in einer flachen Form zusammengeführt. Dabei haben wir uns auf die Fahrer Daten fokussiert und die </a:t>
-            </a:r>
-            <a:r>
-              <a:rPr lang="de-DE" sz="1200" dirty="0" err="1">
-                <a:effectLst/>
-                <a:latin typeface="Calibri" panose="020F0502020204030204" pitchFamily="34" charset="0"/>
-                <a:ea typeface="Times New Roman" panose="02020603050405020304" pitchFamily="18" charset="0"/>
-                <a:cs typeface="Times New Roman" panose="02020603050405020304" pitchFamily="18" charset="0"/>
-              </a:rPr>
-              <a:t>Id</a:t>
-            </a:r>
-            <a:r>
-              <a:rPr lang="de-DE" sz="1200" dirty="0">
-                <a:effectLst/>
-                <a:latin typeface="Calibri" panose="020F0502020204030204" pitchFamily="34" charset="0"/>
-                <a:ea typeface="Times New Roman" panose="02020603050405020304" pitchFamily="18" charset="0"/>
-                <a:cs typeface="Times New Roman" panose="02020603050405020304" pitchFamily="18" charset="0"/>
-              </a:rPr>
-              <a:t> Spalten genutzt, um die unterschiedlichen Datensätze miteinander zu </a:t>
-            </a:r>
-            <a:r>
-              <a:rPr lang="de-DE" sz="1200" dirty="0" err="1">
-                <a:effectLst/>
-                <a:latin typeface="Calibri" panose="020F0502020204030204" pitchFamily="34" charset="0"/>
-                <a:ea typeface="Times New Roman" panose="02020603050405020304" pitchFamily="18" charset="0"/>
-                <a:cs typeface="Times New Roman" panose="02020603050405020304" pitchFamily="18" charset="0"/>
-              </a:rPr>
-              <a:t>joinen</a:t>
-            </a:r>
-            <a:r>
-              <a:rPr lang="de-DE" sz="1200" dirty="0">
-                <a:effectLst/>
-                <a:latin typeface="Calibri" panose="020F0502020204030204" pitchFamily="34" charset="0"/>
-                <a:ea typeface="Times New Roman" panose="02020603050405020304" pitchFamily="18" charset="0"/>
-                <a:cs typeface="Times New Roman" panose="02020603050405020304" pitchFamily="18" charset="0"/>
-              </a:rPr>
-              <a:t>. Die Struktur dient zur ersten Übersicht, sowie beispielhaften Verbindung der Datensätze zu einem finalen Datensatz. Damit wurden beispielhafte Auswertungen im Python Skript umgesetzt</a:t>
-            </a:r>
-            <a:br>
-              <a:rPr lang="de-DE" dirty="0">
-                <a:effectLst/>
-                <a:latin typeface="Calibri" panose="020F0502020204030204" pitchFamily="34" charset="0"/>
-                <a:ea typeface="Times New Roman" panose="02020603050405020304" pitchFamily="18" charset="0"/>
-                <a:cs typeface="Times New Roman" panose="02020603050405020304" pitchFamily="18" charset="0"/>
-              </a:rPr>
-            </a:br>
-            <a:r>
-              <a:rPr lang="de-DE" dirty="0">
-                <a:effectLst/>
-                <a:latin typeface="Calibri" panose="020F0502020204030204" pitchFamily="34" charset="0"/>
-                <a:ea typeface="Times New Roman" panose="02020603050405020304" pitchFamily="18" charset="0"/>
-                <a:cs typeface="Times New Roman" panose="02020603050405020304" pitchFamily="18" charset="0"/>
-              </a:rPr>
-              <a:t>Die wichtigsten Erkenntnisse:</a:t>
-            </a:r>
-            <a:endParaRPr lang="en-US" dirty="0">
-              <a:effectLst/>
-              <a:latin typeface="Calibri" panose="020F0502020204030204" pitchFamily="34" charset="0"/>
-              <a:ea typeface="Times New Roman" panose="02020603050405020304" pitchFamily="18" charset="0"/>
-              <a:cs typeface="Times New Roman" panose="02020603050405020304" pitchFamily="18" charset="0"/>
-            </a:endParaRPr>
-          </a:p>
-          <a:p>
-            <a:pPr marL="342900" marR="0" lvl="0" indent="-342900">
-              <a:lnSpc>
-                <a:spcPct val="115000"/>
-              </a:lnSpc>
-              <a:spcBef>
-                <a:spcPts val="0"/>
-              </a:spcBef>
-              <a:spcAft>
-                <a:spcPts val="0"/>
-              </a:spcAft>
-              <a:buFont typeface="Symbol" panose="05050102010706020507" pitchFamily="18" charset="2"/>
-              <a:buChar char=""/>
-            </a:pPr>
-            <a:r>
-              <a:rPr lang="de-DE" dirty="0">
-                <a:effectLst/>
-                <a:latin typeface="Calibri" panose="020F0502020204030204" pitchFamily="34" charset="0"/>
-                <a:ea typeface="Times New Roman" panose="02020603050405020304" pitchFamily="18" charset="0"/>
-                <a:cs typeface="Times New Roman" panose="02020603050405020304" pitchFamily="18" charset="0"/>
-              </a:rPr>
-              <a:t>Die Daten sind bereits „</a:t>
-            </a:r>
-            <a:r>
-              <a:rPr lang="de-DE" dirty="0" err="1">
-                <a:effectLst/>
-                <a:latin typeface="Calibri" panose="020F0502020204030204" pitchFamily="34" charset="0"/>
-                <a:ea typeface="Times New Roman" panose="02020603050405020304" pitchFamily="18" charset="0"/>
-                <a:cs typeface="Times New Roman" panose="02020603050405020304" pitchFamily="18" charset="0"/>
-              </a:rPr>
-              <a:t>tidy</a:t>
-            </a:r>
-            <a:r>
-              <a:rPr lang="de-DE" dirty="0">
-                <a:effectLst/>
-                <a:latin typeface="Calibri" panose="020F0502020204030204" pitchFamily="34" charset="0"/>
-                <a:ea typeface="Times New Roman" panose="02020603050405020304" pitchFamily="18" charset="0"/>
-                <a:cs typeface="Times New Roman" panose="02020603050405020304" pitchFamily="18" charset="0"/>
-              </a:rPr>
-              <a:t>“:</a:t>
-            </a:r>
-            <a:br>
-              <a:rPr lang="de-DE" dirty="0">
-                <a:effectLst/>
-                <a:latin typeface="Calibri" panose="020F0502020204030204" pitchFamily="34" charset="0"/>
-                <a:ea typeface="Times New Roman" panose="02020603050405020304" pitchFamily="18" charset="0"/>
-                <a:cs typeface="Times New Roman" panose="02020603050405020304" pitchFamily="18" charset="0"/>
-              </a:rPr>
-            </a:br>
-            <a:r>
-              <a:rPr lang="de-DE" dirty="0">
-                <a:effectLst/>
-                <a:latin typeface="Calibri" panose="020F0502020204030204" pitchFamily="34" charset="0"/>
-                <a:ea typeface="Times New Roman" panose="02020603050405020304" pitchFamily="18" charset="0"/>
-                <a:cs typeface="Times New Roman" panose="02020603050405020304" pitchFamily="18" charset="0"/>
-              </a:rPr>
-              <a:t>Jede Zeile beinhaltet eine Beobachtung, </a:t>
-            </a:r>
-            <a:br>
-              <a:rPr lang="de-DE" dirty="0">
-                <a:effectLst/>
-                <a:latin typeface="Calibri" panose="020F0502020204030204" pitchFamily="34" charset="0"/>
-                <a:ea typeface="Times New Roman" panose="02020603050405020304" pitchFamily="18" charset="0"/>
-                <a:cs typeface="Times New Roman" panose="02020603050405020304" pitchFamily="18" charset="0"/>
-              </a:rPr>
-            </a:br>
-            <a:r>
-              <a:rPr lang="de-DE" dirty="0">
-                <a:effectLst/>
-                <a:latin typeface="Calibri" panose="020F0502020204030204" pitchFamily="34" charset="0"/>
-                <a:ea typeface="Times New Roman" panose="02020603050405020304" pitchFamily="18" charset="0"/>
-                <a:cs typeface="Times New Roman" panose="02020603050405020304" pitchFamily="18" charset="0"/>
-              </a:rPr>
-              <a:t>jede Spalte beschreibt eine Variable, </a:t>
-            </a:r>
-            <a:br>
-              <a:rPr lang="de-DE" dirty="0">
-                <a:effectLst/>
-                <a:latin typeface="Calibri" panose="020F0502020204030204" pitchFamily="34" charset="0"/>
-                <a:ea typeface="Times New Roman" panose="02020603050405020304" pitchFamily="18" charset="0"/>
-                <a:cs typeface="Times New Roman" panose="02020603050405020304" pitchFamily="18" charset="0"/>
-              </a:rPr>
-            </a:br>
-            <a:r>
-              <a:rPr lang="de-DE" dirty="0">
-                <a:effectLst/>
-                <a:latin typeface="Calibri" panose="020F0502020204030204" pitchFamily="34" charset="0"/>
-                <a:ea typeface="Times New Roman" panose="02020603050405020304" pitchFamily="18" charset="0"/>
-                <a:cs typeface="Times New Roman" panose="02020603050405020304" pitchFamily="18" charset="0"/>
-              </a:rPr>
-              <a:t>in jeder Zelle ist genau ein Wert (und nicht mehrere).</a:t>
-            </a:r>
-            <a:br>
-              <a:rPr lang="de-DE" dirty="0">
-                <a:effectLst/>
-                <a:latin typeface="Calibri" panose="020F0502020204030204" pitchFamily="34" charset="0"/>
-                <a:ea typeface="Times New Roman" panose="02020603050405020304" pitchFamily="18" charset="0"/>
-                <a:cs typeface="Times New Roman" panose="02020603050405020304" pitchFamily="18" charset="0"/>
-              </a:rPr>
-            </a:br>
-            <a:r>
-              <a:rPr lang="de-DE" dirty="0">
-                <a:effectLst/>
-                <a:latin typeface="Calibri" panose="020F0502020204030204" pitchFamily="34" charset="0"/>
-                <a:ea typeface="Times New Roman" panose="02020603050405020304" pitchFamily="18" charset="0"/>
-                <a:cs typeface="Times New Roman" panose="02020603050405020304" pitchFamily="18" charset="0"/>
-              </a:rPr>
-              <a:t>Ausnahme hierzu bilden die Tabellen „</a:t>
-            </a:r>
-            <a:r>
-              <a:rPr lang="de-DE" dirty="0" err="1">
-                <a:effectLst/>
-                <a:latin typeface="Calibri" panose="020F0502020204030204" pitchFamily="34" charset="0"/>
-                <a:ea typeface="Times New Roman" panose="02020603050405020304" pitchFamily="18" charset="0"/>
-                <a:cs typeface="Times New Roman" panose="02020603050405020304" pitchFamily="18" charset="0"/>
-              </a:rPr>
-              <a:t>races</a:t>
-            </a:r>
-            <a:r>
-              <a:rPr lang="de-DE" dirty="0">
-                <a:effectLst/>
-                <a:latin typeface="Calibri" panose="020F0502020204030204" pitchFamily="34" charset="0"/>
-                <a:ea typeface="Times New Roman" panose="02020603050405020304" pitchFamily="18" charset="0"/>
-                <a:cs typeface="Times New Roman" panose="02020603050405020304" pitchFamily="18" charset="0"/>
-              </a:rPr>
-              <a:t>“ und „</a:t>
-            </a:r>
-            <a:r>
-              <a:rPr lang="de-DE" dirty="0" err="1">
-                <a:effectLst/>
-                <a:latin typeface="Calibri" panose="020F0502020204030204" pitchFamily="34" charset="0"/>
-                <a:ea typeface="Times New Roman" panose="02020603050405020304" pitchFamily="18" charset="0"/>
-                <a:cs typeface="Times New Roman" panose="02020603050405020304" pitchFamily="18" charset="0"/>
-              </a:rPr>
-              <a:t>qualifying</a:t>
-            </a:r>
-            <a:r>
-              <a:rPr lang="de-DE" dirty="0">
-                <a:effectLst/>
-                <a:latin typeface="Calibri" panose="020F0502020204030204" pitchFamily="34" charset="0"/>
-                <a:ea typeface="Times New Roman" panose="02020603050405020304" pitchFamily="18" charset="0"/>
-                <a:cs typeface="Times New Roman" panose="02020603050405020304" pitchFamily="18" charset="0"/>
-              </a:rPr>
-              <a:t>“, in der einige Werte fehlen.</a:t>
-            </a:r>
-            <a:br>
-              <a:rPr lang="de-DE" dirty="0">
-                <a:effectLst/>
-                <a:latin typeface="Calibri" panose="020F0502020204030204" pitchFamily="34" charset="0"/>
-                <a:ea typeface="Times New Roman" panose="02020603050405020304" pitchFamily="18" charset="0"/>
-                <a:cs typeface="Times New Roman" panose="02020603050405020304" pitchFamily="18" charset="0"/>
-              </a:rPr>
-            </a:br>
-            <a:r>
-              <a:rPr lang="de-DE" dirty="0">
-                <a:effectLst/>
-                <a:latin typeface="Calibri" panose="020F0502020204030204" pitchFamily="34" charset="0"/>
-                <a:ea typeface="Times New Roman" panose="02020603050405020304" pitchFamily="18" charset="0"/>
-                <a:cs typeface="Times New Roman" panose="02020603050405020304" pitchFamily="18" charset="0"/>
-              </a:rPr>
-              <a:t>Das wird im Data </a:t>
-            </a:r>
-            <a:r>
-              <a:rPr lang="de-DE" dirty="0" err="1">
-                <a:effectLst/>
-                <a:latin typeface="Calibri" panose="020F0502020204030204" pitchFamily="34" charset="0"/>
-                <a:ea typeface="Times New Roman" panose="02020603050405020304" pitchFamily="18" charset="0"/>
-                <a:cs typeface="Times New Roman" panose="02020603050405020304" pitchFamily="18" charset="0"/>
-              </a:rPr>
-              <a:t>Wrangling</a:t>
-            </a:r>
-            <a:r>
-              <a:rPr lang="de-DE" dirty="0">
-                <a:effectLst/>
-                <a:latin typeface="Calibri" panose="020F0502020204030204" pitchFamily="34" charset="0"/>
-                <a:ea typeface="Times New Roman" panose="02020603050405020304" pitchFamily="18" charset="0"/>
-                <a:cs typeface="Times New Roman" panose="02020603050405020304" pitchFamily="18" charset="0"/>
-              </a:rPr>
-              <a:t> behoben</a:t>
-            </a:r>
-            <a:endParaRPr lang="en-US" dirty="0">
-              <a:effectLst/>
-              <a:latin typeface="Calibri" panose="020F0502020204030204" pitchFamily="34" charset="0"/>
-              <a:ea typeface="Times New Roman" panose="02020603050405020304" pitchFamily="18" charset="0"/>
-              <a:cs typeface="Times New Roman" panose="02020603050405020304" pitchFamily="18" charset="0"/>
-            </a:endParaRPr>
-          </a:p>
-          <a:p>
-            <a:pPr marL="342900" marR="0" lvl="0" indent="-342900">
-              <a:lnSpc>
-                <a:spcPct val="115000"/>
-              </a:lnSpc>
-              <a:spcBef>
-                <a:spcPts val="0"/>
-              </a:spcBef>
-              <a:spcAft>
-                <a:spcPts val="1000"/>
-              </a:spcAft>
-              <a:buFont typeface="Symbol" panose="05050102010706020507" pitchFamily="18" charset="2"/>
-              <a:buChar char=""/>
-            </a:pPr>
-            <a:r>
-              <a:rPr lang="de-DE" dirty="0">
-                <a:effectLst/>
-                <a:latin typeface="Calibri" panose="020F0502020204030204" pitchFamily="34" charset="0"/>
-                <a:ea typeface="Times New Roman" panose="02020603050405020304" pitchFamily="18" charset="0"/>
-                <a:cs typeface="Times New Roman" panose="02020603050405020304" pitchFamily="18" charset="0"/>
-              </a:rPr>
-              <a:t>Die Datensätze besitzen mindestens eine </a:t>
-            </a:r>
-            <a:r>
-              <a:rPr lang="de-DE" dirty="0" err="1">
-                <a:effectLst/>
-                <a:latin typeface="Calibri" panose="020F0502020204030204" pitchFamily="34" charset="0"/>
-                <a:ea typeface="Times New Roman" panose="02020603050405020304" pitchFamily="18" charset="0"/>
-                <a:cs typeface="Times New Roman" panose="02020603050405020304" pitchFamily="18" charset="0"/>
-              </a:rPr>
-              <a:t>Id</a:t>
-            </a:r>
-            <a:r>
-              <a:rPr lang="de-DE" dirty="0">
-                <a:effectLst/>
-                <a:latin typeface="Calibri" panose="020F0502020204030204" pitchFamily="34" charset="0"/>
-                <a:ea typeface="Times New Roman" panose="02020603050405020304" pitchFamily="18" charset="0"/>
-                <a:cs typeface="Times New Roman" panose="02020603050405020304" pitchFamily="18" charset="0"/>
-              </a:rPr>
-              <a:t> Spalte (Primärschlüssel). wodurch sich die Daten leicht referenzieren lassen. Manche Datensätze haben weitere </a:t>
-            </a:r>
-            <a:r>
-              <a:rPr lang="de-DE" dirty="0" err="1">
-                <a:effectLst/>
-                <a:latin typeface="Calibri" panose="020F0502020204030204" pitchFamily="34" charset="0"/>
-                <a:ea typeface="Times New Roman" panose="02020603050405020304" pitchFamily="18" charset="0"/>
-                <a:cs typeface="Times New Roman" panose="02020603050405020304" pitchFamily="18" charset="0"/>
-              </a:rPr>
-              <a:t>Id</a:t>
-            </a:r>
-            <a:r>
-              <a:rPr lang="de-DE" dirty="0">
-                <a:effectLst/>
-                <a:latin typeface="Calibri" panose="020F0502020204030204" pitchFamily="34" charset="0"/>
-                <a:ea typeface="Times New Roman" panose="02020603050405020304" pitchFamily="18" charset="0"/>
-                <a:cs typeface="Times New Roman" panose="02020603050405020304" pitchFamily="18" charset="0"/>
-              </a:rPr>
-              <a:t> Spalten aufgelistet, die als Fremdschlüssel verwendet werden können.</a:t>
-            </a:r>
-            <a:endParaRPr lang="en-US" dirty="0">
-              <a:effectLst/>
-              <a:latin typeface="Calibri" panose="020F0502020204030204" pitchFamily="34" charset="0"/>
-              <a:ea typeface="Times New Roman" panose="02020603050405020304" pitchFamily="18" charset="0"/>
-              <a:cs typeface="Times New Roman" panose="02020603050405020304" pitchFamily="18" charset="0"/>
-            </a:endParaRPr>
-          </a:p>
-          <a:p>
-            <a:pPr marL="0" marR="0">
-              <a:lnSpc>
-                <a:spcPct val="115000"/>
-              </a:lnSpc>
-              <a:spcBef>
-                <a:spcPts val="0"/>
-              </a:spcBef>
-              <a:spcAft>
-                <a:spcPts val="1000"/>
-              </a:spcAft>
-            </a:pPr>
-            <a:r>
-              <a:rPr lang="de-DE" dirty="0">
-                <a:effectLst/>
-                <a:latin typeface="Calibri" panose="020F0502020204030204" pitchFamily="34" charset="0"/>
-                <a:ea typeface="Times New Roman" panose="02020603050405020304" pitchFamily="18" charset="0"/>
-                <a:cs typeface="Times New Roman" panose="02020603050405020304" pitchFamily="18" charset="0"/>
-              </a:rPr>
-              <a:t>Zusätzlich haben wir eine Tabelle zum Mapping der Länder und Nationalitäten genutzt. Die Daten dazu haben wir von einem öffentlichen GitHub Repository heruntergeladen:</a:t>
-            </a:r>
-            <a:br>
-              <a:rPr lang="de-DE" dirty="0">
-                <a:effectLst/>
-                <a:latin typeface="Calibri" panose="020F0502020204030204" pitchFamily="34" charset="0"/>
-                <a:ea typeface="Times New Roman" panose="02020603050405020304" pitchFamily="18" charset="0"/>
-                <a:cs typeface="Times New Roman" panose="02020603050405020304" pitchFamily="18" charset="0"/>
-              </a:rPr>
-            </a:br>
-            <a:r>
-              <a:rPr lang="de-DE" u="sng" dirty="0">
-                <a:solidFill>
-                  <a:srgbClr val="0000FF"/>
-                </a:solidFill>
-                <a:effectLst/>
-                <a:latin typeface="Calibri" panose="020F0502020204030204" pitchFamily="34" charset="0"/>
-                <a:ea typeface="Times New Roman" panose="02020603050405020304" pitchFamily="18" charset="0"/>
-                <a:cs typeface="Times New Roman" panose="02020603050405020304" pitchFamily="18" charset="0"/>
-                <a:hlinkClick r:id="rId3"/>
-              </a:rPr>
-              <a:t>https://github.com/Imagin-io/country-nationality-list/blob/master/countries.csv</a:t>
-            </a:r>
-            <a:r>
-              <a:rPr lang="de-DE" dirty="0">
-                <a:effectLst/>
-                <a:latin typeface="Calibri" panose="020F0502020204030204" pitchFamily="34" charset="0"/>
-                <a:ea typeface="Times New Roman" panose="02020603050405020304" pitchFamily="18" charset="0"/>
-                <a:cs typeface="Times New Roman" panose="02020603050405020304" pitchFamily="18" charset="0"/>
-              </a:rPr>
-              <a:t> </a:t>
-            </a:r>
-            <a:endParaRPr lang="en-US" dirty="0">
-              <a:effectLst/>
-              <a:latin typeface="Calibri" panose="020F0502020204030204" pitchFamily="34" charset="0"/>
-              <a:ea typeface="Times New Roman" panose="02020603050405020304" pitchFamily="18" charset="0"/>
-              <a:cs typeface="Times New Roman" panose="02020603050405020304" pitchFamily="18" charset="0"/>
-            </a:endParaRPr>
-          </a:p>
-          <a:p>
-            <a:endParaRPr lang="en-US" dirty="0"/>
+            <a:endParaRPr lang="en-US"/>
           </a:p>
         </p:txBody>
       </p:sp>
@@ -4824,7 +5028,7 @@
           <a:p>
             <a:fld id="{7BAD68DA-F5B3-4CD9-A6B8-9D4E67AD83C3}" type="slidenum">
               <a:rPr lang="en-US" smtClean="0"/>
-              <a:t>5</a:t>
+              <a:t>3</a:t>
             </a:fld>
             <a:endParaRPr lang="en-US"/>
           </a:p>
@@ -4833,7 +5037,7 @@
     </p:spTree>
     <p:extLst>
       <p:ext uri="{BB962C8B-B14F-4D97-AF65-F5344CB8AC3E}">
-        <p14:creationId xmlns:p14="http://schemas.microsoft.com/office/powerpoint/2010/main" val="4238283095"/>
+        <p14:creationId xmlns:p14="http://schemas.microsoft.com/office/powerpoint/2010/main" val="236854984"/>
       </p:ext>
     </p:extLst>
   </p:cSld>
@@ -4887,6 +5091,109 @@
           <a:bodyPr/>
           <a:lstStyle/>
           <a:p>
+            <a:pPr>
+              <a:lnSpc>
+                <a:spcPct val="115000"/>
+              </a:lnSpc>
+              <a:spcAft>
+                <a:spcPts val="1000"/>
+              </a:spcAft>
+            </a:pPr>
+            <a:r>
+              <a:rPr lang="de-DE" dirty="0">
+                <a:latin typeface="Calibri" panose="020F0502020204030204" pitchFamily="34" charset="0"/>
+                <a:ea typeface="Times New Roman" panose="02020603050405020304" pitchFamily="18" charset="0"/>
+                <a:cs typeface="Times New Roman" panose="02020603050405020304" pitchFamily="18" charset="0"/>
+              </a:rPr>
+              <a:t>D</a:t>
+            </a:r>
+            <a:r>
+              <a:rPr lang="de-DE" dirty="0">
+                <a:effectLst/>
+                <a:latin typeface="Calibri" panose="020F0502020204030204" pitchFamily="34" charset="0"/>
+                <a:ea typeface="Times New Roman" panose="02020603050405020304" pitchFamily="18" charset="0"/>
+                <a:cs typeface="Times New Roman" panose="02020603050405020304" pitchFamily="18" charset="0"/>
+              </a:rPr>
+              <a:t>ie Datensätze stammen von </a:t>
+            </a:r>
+            <a:r>
+              <a:rPr lang="de-DE" dirty="0" err="1">
+                <a:effectLst/>
+                <a:latin typeface="Calibri" panose="020F0502020204030204" pitchFamily="34" charset="0"/>
+                <a:ea typeface="Times New Roman" panose="02020603050405020304" pitchFamily="18" charset="0"/>
+                <a:cs typeface="Times New Roman" panose="02020603050405020304" pitchFamily="18" charset="0"/>
+              </a:rPr>
+              <a:t>Kaggle</a:t>
+            </a:r>
+            <a:r>
+              <a:rPr lang="de-DE" dirty="0">
+                <a:effectLst/>
+                <a:latin typeface="Calibri" panose="020F0502020204030204" pitchFamily="34" charset="0"/>
+                <a:ea typeface="Times New Roman" panose="02020603050405020304" pitchFamily="18" charset="0"/>
+                <a:cs typeface="Times New Roman" panose="02020603050405020304" pitchFamily="18" charset="0"/>
+              </a:rPr>
+              <a:t>. Inhalt sind die Weltmeisterschaften der Formel 1 im Zeitraum von 1950 bis 2023. Die Daten sind durch die </a:t>
+            </a:r>
+            <a:r>
+              <a:rPr lang="de-DE" dirty="0" err="1">
+                <a:effectLst/>
+                <a:latin typeface="Calibri" panose="020F0502020204030204" pitchFamily="34" charset="0"/>
+                <a:ea typeface="Times New Roman" panose="02020603050405020304" pitchFamily="18" charset="0"/>
+                <a:cs typeface="Times New Roman" panose="02020603050405020304" pitchFamily="18" charset="0"/>
+              </a:rPr>
+              <a:t>Ergast</a:t>
+            </a:r>
+            <a:r>
+              <a:rPr lang="de-DE" dirty="0">
+                <a:effectLst/>
+                <a:latin typeface="Calibri" panose="020F0502020204030204" pitchFamily="34" charset="0"/>
+                <a:ea typeface="Times New Roman" panose="02020603050405020304" pitchFamily="18" charset="0"/>
+                <a:cs typeface="Times New Roman" panose="02020603050405020304" pitchFamily="18" charset="0"/>
+              </a:rPr>
+              <a:t> Developer API zusammengestellt worden, die Renndaten für nicht kommerzielle Zwecke zur Verfügung stellt. </a:t>
+            </a:r>
+            <a:br>
+              <a:rPr lang="de-DE" dirty="0">
+                <a:effectLst/>
+                <a:latin typeface="Calibri" panose="020F0502020204030204" pitchFamily="34" charset="0"/>
+                <a:ea typeface="Times New Roman" panose="02020603050405020304" pitchFamily="18" charset="0"/>
+                <a:cs typeface="Times New Roman" panose="02020603050405020304" pitchFamily="18" charset="0"/>
+              </a:rPr>
+            </a:br>
+            <a:r>
+              <a:rPr lang="de-DE" dirty="0">
+                <a:effectLst/>
+                <a:latin typeface="Calibri" panose="020F0502020204030204" pitchFamily="34" charset="0"/>
+                <a:ea typeface="Times New Roman" panose="02020603050405020304" pitchFamily="18" charset="0"/>
+                <a:cs typeface="Times New Roman" panose="02020603050405020304" pitchFamily="18" charset="0"/>
+              </a:rPr>
+              <a:t>Die Daten beinhalten alle Informationen der Formel 1 Weltmeisterschaften seit 1950:</a:t>
+            </a:r>
+            <a:br>
+              <a:rPr lang="de-DE" dirty="0">
+                <a:effectLst/>
+                <a:latin typeface="Calibri" panose="020F0502020204030204" pitchFamily="34" charset="0"/>
+                <a:ea typeface="Times New Roman" panose="02020603050405020304" pitchFamily="18" charset="0"/>
+                <a:cs typeface="Times New Roman" panose="02020603050405020304" pitchFamily="18" charset="0"/>
+              </a:rPr>
+            </a:br>
+            <a:r>
+              <a:rPr lang="de-DE" dirty="0">
+                <a:effectLst/>
+                <a:latin typeface="Calibri" panose="020F0502020204030204" pitchFamily="34" charset="0"/>
+                <a:ea typeface="Times New Roman" panose="02020603050405020304" pitchFamily="18" charset="0"/>
+                <a:cs typeface="Times New Roman" panose="02020603050405020304" pitchFamily="18" charset="0"/>
+              </a:rPr>
+              <a:t>Rennen, Fahrer, Konstrukteure, Qualifizierungen, Rennstrecken, Rundenzeiten, Boxenstopps und Ergebnisse. Diese Informationen sind in 14 Datensätze aufgeteilt</a:t>
+            </a:r>
+            <a:endParaRPr lang="en-US" dirty="0">
+              <a:effectLst/>
+              <a:latin typeface="Calibri" panose="020F0502020204030204" pitchFamily="34" charset="0"/>
+              <a:ea typeface="Times New Roman" panose="02020603050405020304" pitchFamily="18" charset="0"/>
+              <a:cs typeface="Times New Roman" panose="02020603050405020304" pitchFamily="18" charset="0"/>
+            </a:endParaRPr>
+          </a:p>
+          <a:p>
             <a:pPr marL="0" marR="0">
               <a:lnSpc>
                 <a:spcPct val="115000"/>
@@ -4899,451 +5206,80 @@
               </a:spcAft>
             </a:pPr>
             <a:r>
-              <a:rPr lang="de-DE" sz="1200" dirty="0">
+              <a:rPr lang="de-DE" dirty="0">
                 <a:effectLst/>
                 <a:latin typeface="Calibri" panose="020F0502020204030204" pitchFamily="34" charset="0"/>
                 <a:ea typeface="Times New Roman" panose="02020603050405020304" pitchFamily="18" charset="0"/>
                 <a:cs typeface="Times New Roman" panose="02020603050405020304" pitchFamily="18" charset="0"/>
               </a:rPr>
-              <a:t>Zum initialen Laden der Tabellen in DWC wurde eine JSON-Datei erstellt (180_FormulaOne.json), die die Tabellen und Verbindungen anlegt.</a:t>
-            </a:r>
-            <a:br>
-              <a:rPr lang="de-DE" sz="1200" dirty="0">
+              <a:t>Die Formel 1 (Formelserie), ist durch den Automobil Dachverband Fédération Internationale de </a:t>
+            </a:r>
+            <a:r>
+              <a:rPr lang="de-DE" dirty="0" err="1">
                 <a:effectLst/>
                 <a:latin typeface="Calibri" panose="020F0502020204030204" pitchFamily="34" charset="0"/>
                 <a:ea typeface="Times New Roman" panose="02020603050405020304" pitchFamily="18" charset="0"/>
                 <a:cs typeface="Times New Roman" panose="02020603050405020304" pitchFamily="18" charset="0"/>
               </a:rPr>
-            </a:br>
-            <a:r>
-              <a:rPr lang="de-DE" sz="1200" dirty="0">
+              <a:t>l’Automobile</a:t>
+            </a:r>
+            <a:r>
+              <a:rPr lang="de-DE" dirty="0">
                 <a:effectLst/>
                 <a:latin typeface="Calibri" panose="020F0502020204030204" pitchFamily="34" charset="0"/>
                 <a:ea typeface="Times New Roman" panose="02020603050405020304" pitchFamily="18" charset="0"/>
                 <a:cs typeface="Times New Roman" panose="02020603050405020304" pitchFamily="18" charset="0"/>
               </a:rPr>
-              <a:t>Folgende Anpassungen haben wir vorgenommen:</a:t>
-            </a:r>
-            <a:endParaRPr lang="en-US" sz="1200" dirty="0">
+              <a:t> (FIA) autorisiert. Formelserie bedeutet, dass bestimmte Regeln (Formeln) auf technischer Ebene für die Leistungsfähigkeit der Fahrzeuge festgelegt wurden, um einen Wettkampf unter gleichbleibenden Bedingungen zu ermöglichen. Die Formel 1 Weltmeisterschaft fand erstmals 1950 statt und besteht pro Saison aus bis zu 23 Grand Prix (französisch für „Großer Preis) Rennen. Dies sind Einzelrennen auf ausgewählten Rennstrecken in jeweils unterschiedlichen Ländern. Dabei sammeln die Fahrer abhängig von ihrer Endposition bei diesen Rennen Punkte. Am Ende der Saison gewinnt der Fahrer mit den meisten Punkten.</a:t>
+            </a:r>
+            <a:br>
+              <a:rPr lang="de-DE" dirty="0">
+                <a:effectLst/>
+                <a:latin typeface="Calibri" panose="020F0502020204030204" pitchFamily="34" charset="0"/>
+                <a:ea typeface="Times New Roman" panose="02020603050405020304" pitchFamily="18" charset="0"/>
+                <a:cs typeface="Times New Roman" panose="02020603050405020304" pitchFamily="18" charset="0"/>
+              </a:rPr>
+            </a:br>
+            <a:r>
+              <a:rPr lang="de-DE" dirty="0">
+                <a:effectLst/>
+                <a:latin typeface="Calibri" panose="020F0502020204030204" pitchFamily="34" charset="0"/>
+                <a:ea typeface="Times New Roman" panose="02020603050405020304" pitchFamily="18" charset="0"/>
+                <a:cs typeface="Times New Roman" panose="02020603050405020304" pitchFamily="18" charset="0"/>
+              </a:rPr>
+              <a:t>Außerdem erhalten die Konstrukteure der Wagen Punkte, die ebenfalls am Ende der Saison ausgewertet werden.</a:t>
+            </a:r>
+            <a:br>
+              <a:rPr lang="de-DE" dirty="0">
+                <a:effectLst/>
+                <a:latin typeface="Calibri" panose="020F0502020204030204" pitchFamily="34" charset="0"/>
+                <a:ea typeface="Times New Roman" panose="02020603050405020304" pitchFamily="18" charset="0"/>
+                <a:cs typeface="Times New Roman" panose="02020603050405020304" pitchFamily="18" charset="0"/>
+              </a:rPr>
+            </a:br>
+            <a:r>
+              <a:rPr lang="de-DE" dirty="0">
+                <a:effectLst/>
+                <a:latin typeface="Calibri" panose="020F0502020204030204" pitchFamily="34" charset="0"/>
+                <a:ea typeface="Times New Roman" panose="02020603050405020304" pitchFamily="18" charset="0"/>
+                <a:cs typeface="Times New Roman" panose="02020603050405020304" pitchFamily="18" charset="0"/>
+              </a:rPr>
+              <a:t>Weitere Werte, wie z.B</a:t>
+            </a:r>
+            <a:r>
+              <a:rPr lang="de-DE" dirty="0">
+                <a:latin typeface="Calibri" panose="020F0502020204030204" pitchFamily="34" charset="0"/>
+                <a:ea typeface="Times New Roman" panose="02020603050405020304" pitchFamily="18" charset="0"/>
+                <a:cs typeface="Times New Roman" panose="02020603050405020304" pitchFamily="18" charset="0"/>
+              </a:rPr>
+              <a:t>. Rundenzeiten, Status, Geschwindigkeiten …</a:t>
+            </a:r>
+            <a:endParaRPr lang="en-US" dirty="0">
               <a:effectLst/>
               <a:latin typeface="Calibri" panose="020F0502020204030204" pitchFamily="34" charset="0"/>
               <a:ea typeface="Times New Roman" panose="02020603050405020304" pitchFamily="18" charset="0"/>
               <a:cs typeface="Times New Roman" panose="02020603050405020304" pitchFamily="18" charset="0"/>
             </a:endParaRPr>
-          </a:p>
-          <a:p>
-            <a:pPr marL="342900" marR="0" lvl="0" indent="-342900">
-              <a:lnSpc>
-                <a:spcPct val="115000"/>
-              </a:lnSpc>
-              <a:spcBef>
-                <a:spcPts val="0"/>
-              </a:spcBef>
-              <a:spcAft>
-                <a:spcPts val="0"/>
-              </a:spcAft>
-              <a:buFont typeface="Symbol" panose="05050102010706020507" pitchFamily="18" charset="2"/>
-              <a:buChar char=""/>
-            </a:pPr>
-            <a:r>
-              <a:rPr lang="de-DE" sz="1200" dirty="0">
-                <a:effectLst/>
-                <a:latin typeface="Calibri" panose="020F0502020204030204" pitchFamily="34" charset="0"/>
-                <a:ea typeface="Times New Roman" panose="02020603050405020304" pitchFamily="18" charset="0"/>
-                <a:cs typeface="Times New Roman" panose="02020603050405020304" pitchFamily="18" charset="0"/>
-              </a:rPr>
-              <a:t>Driver_standings.csv	-	</a:t>
-            </a:r>
-            <a:r>
-              <a:rPr lang="de-DE" sz="1200" dirty="0" err="1">
-                <a:effectLst/>
-                <a:latin typeface="Calibri" panose="020F0502020204030204" pitchFamily="34" charset="0"/>
-                <a:ea typeface="Times New Roman" panose="02020603050405020304" pitchFamily="18" charset="0"/>
-                <a:cs typeface="Times New Roman" panose="02020603050405020304" pitchFamily="18" charset="0"/>
-              </a:rPr>
-              <a:t>positionText</a:t>
-            </a:r>
-            <a:r>
-              <a:rPr lang="de-DE" sz="1200" dirty="0">
-                <a:effectLst/>
-                <a:latin typeface="Calibri" panose="020F0502020204030204" pitchFamily="34" charset="0"/>
-                <a:ea typeface="Times New Roman" panose="02020603050405020304" pitchFamily="18" charset="0"/>
-                <a:cs typeface="Times New Roman" panose="02020603050405020304" pitchFamily="18" charset="0"/>
-              </a:rPr>
-              <a:t> Spalte entfernt</a:t>
-            </a:r>
-            <a:endParaRPr lang="en-US" sz="1200" dirty="0">
-              <a:effectLst/>
-              <a:latin typeface="Calibri" panose="020F0502020204030204" pitchFamily="34" charset="0"/>
-              <a:ea typeface="Times New Roman" panose="02020603050405020304" pitchFamily="18" charset="0"/>
-              <a:cs typeface="Times New Roman" panose="02020603050405020304" pitchFamily="18" charset="0"/>
-            </a:endParaRPr>
-          </a:p>
-          <a:p>
-            <a:pPr marL="342900" marR="0" lvl="0" indent="-342900">
-              <a:lnSpc>
-                <a:spcPct val="115000"/>
-              </a:lnSpc>
-              <a:spcBef>
-                <a:spcPts val="0"/>
-              </a:spcBef>
-              <a:spcAft>
-                <a:spcPts val="0"/>
-              </a:spcAft>
-              <a:buFont typeface="Symbol" panose="05050102010706020507" pitchFamily="18" charset="2"/>
-              <a:buChar char=""/>
-            </a:pPr>
-            <a:r>
-              <a:rPr lang="de-DE" sz="1200" dirty="0">
-                <a:effectLst/>
-                <a:latin typeface="Calibri" panose="020F0502020204030204" pitchFamily="34" charset="0"/>
-                <a:ea typeface="Times New Roman" panose="02020603050405020304" pitchFamily="18" charset="0"/>
-                <a:cs typeface="Times New Roman" panose="02020603050405020304" pitchFamily="18" charset="0"/>
-              </a:rPr>
-              <a:t>Pit_stops.csv	-	</a:t>
-            </a:r>
-            <a:r>
-              <a:rPr lang="de-DE" sz="1200" dirty="0" err="1">
-                <a:effectLst/>
-                <a:latin typeface="Calibri" panose="020F0502020204030204" pitchFamily="34" charset="0"/>
-                <a:ea typeface="Times New Roman" panose="02020603050405020304" pitchFamily="18" charset="0"/>
-                <a:cs typeface="Times New Roman" panose="02020603050405020304" pitchFamily="18" charset="0"/>
-              </a:rPr>
-              <a:t>duration</a:t>
-            </a:r>
-            <a:r>
-              <a:rPr lang="de-DE" sz="1200" dirty="0">
-                <a:effectLst/>
-                <a:latin typeface="Calibri" panose="020F0502020204030204" pitchFamily="34" charset="0"/>
-                <a:ea typeface="Times New Roman" panose="02020603050405020304" pitchFamily="18" charset="0"/>
-                <a:cs typeface="Times New Roman" panose="02020603050405020304" pitchFamily="18" charset="0"/>
-              </a:rPr>
-              <a:t> Spalte entfernt</a:t>
-            </a:r>
-            <a:endParaRPr lang="en-US" sz="1200" dirty="0">
-              <a:effectLst/>
-              <a:latin typeface="Calibri" panose="020F0502020204030204" pitchFamily="34" charset="0"/>
-              <a:ea typeface="Times New Roman" panose="02020603050405020304" pitchFamily="18" charset="0"/>
-              <a:cs typeface="Times New Roman" panose="02020603050405020304" pitchFamily="18" charset="0"/>
-            </a:endParaRPr>
-          </a:p>
-          <a:p>
-            <a:pPr marL="342900" marR="0" lvl="0" indent="-342900">
-              <a:lnSpc>
-                <a:spcPct val="115000"/>
-              </a:lnSpc>
-              <a:spcBef>
-                <a:spcPts val="0"/>
-              </a:spcBef>
-              <a:spcAft>
-                <a:spcPts val="0"/>
-              </a:spcAft>
-              <a:buFont typeface="Symbol" panose="05050102010706020507" pitchFamily="18" charset="2"/>
-              <a:buChar char=""/>
-            </a:pPr>
-            <a:r>
-              <a:rPr lang="de-DE" sz="1200" dirty="0">
-                <a:effectLst/>
-                <a:latin typeface="Calibri" panose="020F0502020204030204" pitchFamily="34" charset="0"/>
-                <a:ea typeface="Times New Roman" panose="02020603050405020304" pitchFamily="18" charset="0"/>
-                <a:cs typeface="Times New Roman" panose="02020603050405020304" pitchFamily="18" charset="0"/>
-              </a:rPr>
-              <a:t>Results.csv	-	</a:t>
-            </a:r>
-            <a:r>
-              <a:rPr lang="de-DE" sz="1200" dirty="0" err="1">
-                <a:effectLst/>
-                <a:latin typeface="Calibri" panose="020F0502020204030204" pitchFamily="34" charset="0"/>
-                <a:ea typeface="Times New Roman" panose="02020603050405020304" pitchFamily="18" charset="0"/>
-                <a:cs typeface="Times New Roman" panose="02020603050405020304" pitchFamily="18" charset="0"/>
-              </a:rPr>
-              <a:t>positon</a:t>
-            </a:r>
-            <a:r>
-              <a:rPr lang="de-DE" sz="1200" dirty="0">
-                <a:effectLst/>
-                <a:latin typeface="Calibri" panose="020F0502020204030204" pitchFamily="34" charset="0"/>
-                <a:ea typeface="Times New Roman" panose="02020603050405020304" pitchFamily="18" charset="0"/>
-                <a:cs typeface="Times New Roman" panose="02020603050405020304" pitchFamily="18" charset="0"/>
-              </a:rPr>
-              <a:t>, </a:t>
-            </a:r>
-            <a:r>
-              <a:rPr lang="de-DE" sz="1200" dirty="0" err="1">
-                <a:effectLst/>
-                <a:latin typeface="Calibri" panose="020F0502020204030204" pitchFamily="34" charset="0"/>
-                <a:ea typeface="Times New Roman" panose="02020603050405020304" pitchFamily="18" charset="0"/>
-                <a:cs typeface="Times New Roman" panose="02020603050405020304" pitchFamily="18" charset="0"/>
-              </a:rPr>
-              <a:t>positionText</a:t>
-            </a:r>
-            <a:r>
-              <a:rPr lang="de-DE" sz="1200" dirty="0">
-                <a:effectLst/>
-                <a:latin typeface="Calibri" panose="020F0502020204030204" pitchFamily="34" charset="0"/>
-                <a:ea typeface="Times New Roman" panose="02020603050405020304" pitchFamily="18" charset="0"/>
-                <a:cs typeface="Times New Roman" panose="02020603050405020304" pitchFamily="18" charset="0"/>
-              </a:rPr>
-              <a:t> Spalte entfernt</a:t>
-            </a:r>
-            <a:endParaRPr lang="en-US" sz="1200" dirty="0">
-              <a:effectLst/>
-              <a:latin typeface="Calibri" panose="020F0502020204030204" pitchFamily="34" charset="0"/>
-              <a:ea typeface="Times New Roman" panose="02020603050405020304" pitchFamily="18" charset="0"/>
-              <a:cs typeface="Times New Roman" panose="02020603050405020304" pitchFamily="18" charset="0"/>
-            </a:endParaRPr>
-          </a:p>
-          <a:p>
-            <a:pPr marL="342900" marR="0" lvl="0" indent="-342900">
-              <a:lnSpc>
-                <a:spcPct val="115000"/>
-              </a:lnSpc>
-              <a:spcBef>
-                <a:spcPts val="0"/>
-              </a:spcBef>
-              <a:spcAft>
-                <a:spcPts val="0"/>
-              </a:spcAft>
-              <a:buFont typeface="Symbol" panose="05050102010706020507" pitchFamily="18" charset="2"/>
-              <a:buChar char=""/>
-            </a:pPr>
-            <a:r>
-              <a:rPr lang="en-US" sz="1200" dirty="0">
-                <a:effectLst/>
-                <a:latin typeface="Calibri" panose="020F0502020204030204" pitchFamily="34" charset="0"/>
-                <a:ea typeface="Times New Roman" panose="02020603050405020304" pitchFamily="18" charset="0"/>
-                <a:cs typeface="Times New Roman" panose="02020603050405020304" pitchFamily="18" charset="0"/>
-              </a:rPr>
-              <a:t>Constructor_standings.csv - 	</a:t>
-            </a:r>
-            <a:r>
-              <a:rPr lang="en-US" sz="1200" dirty="0" err="1">
-                <a:effectLst/>
-                <a:latin typeface="Calibri" panose="020F0502020204030204" pitchFamily="34" charset="0"/>
-                <a:ea typeface="Times New Roman" panose="02020603050405020304" pitchFamily="18" charset="0"/>
-                <a:cs typeface="Times New Roman" panose="02020603050405020304" pitchFamily="18" charset="0"/>
-              </a:rPr>
-              <a:t>positionText</a:t>
-            </a:r>
-            <a:r>
-              <a:rPr lang="en-US" sz="1200" dirty="0">
-                <a:effectLst/>
-                <a:latin typeface="Calibri" panose="020F0502020204030204" pitchFamily="34" charset="0"/>
-                <a:ea typeface="Times New Roman" panose="02020603050405020304" pitchFamily="18" charset="0"/>
-                <a:cs typeface="Times New Roman" panose="02020603050405020304" pitchFamily="18" charset="0"/>
-              </a:rPr>
-              <a:t> </a:t>
-            </a:r>
-            <a:r>
-              <a:rPr lang="en-US" sz="1200" dirty="0" err="1">
-                <a:effectLst/>
-                <a:latin typeface="Calibri" panose="020F0502020204030204" pitchFamily="34" charset="0"/>
-                <a:ea typeface="Times New Roman" panose="02020603050405020304" pitchFamily="18" charset="0"/>
-                <a:cs typeface="Times New Roman" panose="02020603050405020304" pitchFamily="18" charset="0"/>
-              </a:rPr>
-              <a:t>Spalte</a:t>
-            </a:r>
-            <a:r>
-              <a:rPr lang="en-US" sz="1200" dirty="0">
-                <a:effectLst/>
-                <a:latin typeface="Calibri" panose="020F0502020204030204" pitchFamily="34" charset="0"/>
-                <a:ea typeface="Times New Roman" panose="02020603050405020304" pitchFamily="18" charset="0"/>
-                <a:cs typeface="Times New Roman" panose="02020603050405020304" pitchFamily="18" charset="0"/>
-              </a:rPr>
-              <a:t> </a:t>
-            </a:r>
-            <a:r>
-              <a:rPr lang="en-US" sz="1200" dirty="0" err="1">
-                <a:effectLst/>
-                <a:latin typeface="Calibri" panose="020F0502020204030204" pitchFamily="34" charset="0"/>
-                <a:ea typeface="Times New Roman" panose="02020603050405020304" pitchFamily="18" charset="0"/>
-                <a:cs typeface="Times New Roman" panose="02020603050405020304" pitchFamily="18" charset="0"/>
-              </a:rPr>
-              <a:t>entfernt</a:t>
-            </a:r>
-            <a:endParaRPr lang="en-US" sz="1200" dirty="0">
-              <a:effectLst/>
-              <a:latin typeface="Calibri" panose="020F0502020204030204" pitchFamily="34" charset="0"/>
-              <a:ea typeface="Times New Roman" panose="02020603050405020304" pitchFamily="18" charset="0"/>
-              <a:cs typeface="Times New Roman" panose="02020603050405020304" pitchFamily="18" charset="0"/>
-            </a:endParaRPr>
-          </a:p>
-          <a:p>
-            <a:pPr marL="342900" marR="0" lvl="0" indent="-342900">
-              <a:lnSpc>
-                <a:spcPct val="115000"/>
-              </a:lnSpc>
-              <a:spcBef>
-                <a:spcPts val="0"/>
-              </a:spcBef>
-              <a:spcAft>
-                <a:spcPts val="0"/>
-              </a:spcAft>
-              <a:buFont typeface="Symbol" panose="05050102010706020507" pitchFamily="18" charset="2"/>
-              <a:buChar char=""/>
-            </a:pPr>
-            <a:r>
-              <a:rPr lang="de-DE" sz="1200" dirty="0">
-                <a:effectLst/>
-                <a:latin typeface="Calibri" panose="020F0502020204030204" pitchFamily="34" charset="0"/>
-                <a:ea typeface="Times New Roman" panose="02020603050405020304" pitchFamily="18" charset="0"/>
-                <a:cs typeface="Times New Roman" panose="02020603050405020304" pitchFamily="18" charset="0"/>
-              </a:rPr>
-              <a:t>Sprint_results.csv	-	</a:t>
-            </a:r>
-            <a:r>
-              <a:rPr lang="de-DE" sz="1200" dirty="0" err="1">
-                <a:effectLst/>
-                <a:latin typeface="Calibri" panose="020F0502020204030204" pitchFamily="34" charset="0"/>
-                <a:ea typeface="Times New Roman" panose="02020603050405020304" pitchFamily="18" charset="0"/>
-                <a:cs typeface="Times New Roman" panose="02020603050405020304" pitchFamily="18" charset="0"/>
-              </a:rPr>
-              <a:t>positon</a:t>
-            </a:r>
-            <a:r>
-              <a:rPr lang="de-DE" sz="1200" dirty="0">
-                <a:effectLst/>
-                <a:latin typeface="Calibri" panose="020F0502020204030204" pitchFamily="34" charset="0"/>
-                <a:ea typeface="Times New Roman" panose="02020603050405020304" pitchFamily="18" charset="0"/>
-                <a:cs typeface="Times New Roman" panose="02020603050405020304" pitchFamily="18" charset="0"/>
-              </a:rPr>
-              <a:t>, </a:t>
-            </a:r>
-            <a:r>
-              <a:rPr lang="de-DE" sz="1200" dirty="0" err="1">
-                <a:effectLst/>
-                <a:latin typeface="Calibri" panose="020F0502020204030204" pitchFamily="34" charset="0"/>
-                <a:ea typeface="Times New Roman" panose="02020603050405020304" pitchFamily="18" charset="0"/>
-                <a:cs typeface="Times New Roman" panose="02020603050405020304" pitchFamily="18" charset="0"/>
-              </a:rPr>
-              <a:t>positionText</a:t>
-            </a:r>
-            <a:r>
-              <a:rPr lang="de-DE" sz="1200" dirty="0">
-                <a:effectLst/>
-                <a:latin typeface="Calibri" panose="020F0502020204030204" pitchFamily="34" charset="0"/>
-                <a:ea typeface="Times New Roman" panose="02020603050405020304" pitchFamily="18" charset="0"/>
-                <a:cs typeface="Times New Roman" panose="02020603050405020304" pitchFamily="18" charset="0"/>
-              </a:rPr>
-              <a:t> Spalte entfernt</a:t>
-            </a:r>
-            <a:endParaRPr lang="en-US" sz="1200" dirty="0">
-              <a:effectLst/>
-              <a:latin typeface="Calibri" panose="020F0502020204030204" pitchFamily="34" charset="0"/>
-              <a:ea typeface="Times New Roman" panose="02020603050405020304" pitchFamily="18" charset="0"/>
-              <a:cs typeface="Times New Roman" panose="02020603050405020304" pitchFamily="18" charset="0"/>
-            </a:endParaRPr>
-          </a:p>
-          <a:p>
-            <a:pPr marL="342900" marR="0" lvl="0" indent="-342900">
-              <a:lnSpc>
-                <a:spcPct val="115000"/>
-              </a:lnSpc>
-              <a:spcBef>
-                <a:spcPts val="0"/>
-              </a:spcBef>
-              <a:spcAft>
-                <a:spcPts val="0"/>
-              </a:spcAft>
-              <a:buFont typeface="Symbol" panose="05050102010706020507" pitchFamily="18" charset="2"/>
-              <a:buChar char=""/>
-            </a:pPr>
-            <a:r>
-              <a:rPr lang="de-DE" sz="1200" dirty="0">
-                <a:effectLst/>
-                <a:latin typeface="Calibri" panose="020F0502020204030204" pitchFamily="34" charset="0"/>
-                <a:ea typeface="Times New Roman" panose="02020603050405020304" pitchFamily="18" charset="0"/>
-                <a:cs typeface="Times New Roman" panose="02020603050405020304" pitchFamily="18" charset="0"/>
-              </a:rPr>
-              <a:t>Alle „URL“ Spalten in jedem Datensatz entfernt (für die Auswertung nicht relevant)</a:t>
-            </a:r>
-            <a:endParaRPr lang="en-US" sz="1200" dirty="0">
-              <a:effectLst/>
-              <a:latin typeface="Calibri" panose="020F0502020204030204" pitchFamily="34" charset="0"/>
-              <a:ea typeface="Times New Roman" panose="02020603050405020304" pitchFamily="18" charset="0"/>
-              <a:cs typeface="Times New Roman" panose="02020603050405020304" pitchFamily="18" charset="0"/>
-            </a:endParaRPr>
-          </a:p>
-          <a:p>
-            <a:endParaRPr lang="de-DE" sz="1200" dirty="0">
-              <a:effectLst/>
-              <a:latin typeface="Calibri" panose="020F0502020204030204" pitchFamily="34" charset="0"/>
-              <a:ea typeface="Times New Roman" panose="02020603050405020304" pitchFamily="18" charset="0"/>
-              <a:cs typeface="Times New Roman" panose="02020603050405020304" pitchFamily="18" charset="0"/>
-            </a:endParaRPr>
-          </a:p>
-          <a:p>
-            <a:r>
-              <a:rPr lang="de-DE" dirty="0">
-                <a:latin typeface="Calibri" panose="020F0502020204030204" pitchFamily="34" charset="0"/>
-                <a:ea typeface="Times New Roman" panose="02020603050405020304" pitchFamily="18" charset="0"/>
-                <a:cs typeface="Times New Roman" panose="02020603050405020304" pitchFamily="18" charset="0"/>
-              </a:rPr>
-              <a:t>Season.csv nicht genutzt, da hier keine neuen Informationen enthalten sind, die nicht bereits durch einen </a:t>
-            </a:r>
-            <a:r>
-              <a:rPr lang="de-DE" dirty="0" err="1">
-                <a:latin typeface="Calibri" panose="020F0502020204030204" pitchFamily="34" charset="0"/>
-                <a:ea typeface="Times New Roman" panose="02020603050405020304" pitchFamily="18" charset="0"/>
-                <a:cs typeface="Times New Roman" panose="02020603050405020304" pitchFamily="18" charset="0"/>
-              </a:rPr>
-              <a:t>Join</a:t>
-            </a:r>
-            <a:r>
-              <a:rPr lang="de-DE" dirty="0">
-                <a:latin typeface="Calibri" panose="020F0502020204030204" pitchFamily="34" charset="0"/>
-                <a:ea typeface="Times New Roman" panose="02020603050405020304" pitchFamily="18" charset="0"/>
-                <a:cs typeface="Times New Roman" panose="02020603050405020304" pitchFamily="18" charset="0"/>
-              </a:rPr>
-              <a:t> in den anderen Datensätzen vorhanden sind.</a:t>
-            </a:r>
-            <a:endParaRPr lang="de-DE" sz="1200" dirty="0">
-              <a:effectLst/>
-              <a:latin typeface="Calibri" panose="020F0502020204030204" pitchFamily="34" charset="0"/>
-              <a:ea typeface="Times New Roman" panose="02020603050405020304" pitchFamily="18" charset="0"/>
-              <a:cs typeface="Times New Roman" panose="02020603050405020304" pitchFamily="18" charset="0"/>
-            </a:endParaRPr>
-          </a:p>
-          <a:p>
-            <a:endParaRPr lang="de-DE" sz="1200" dirty="0">
-              <a:effectLst/>
-              <a:latin typeface="Calibri" panose="020F0502020204030204" pitchFamily="34" charset="0"/>
-              <a:ea typeface="Times New Roman" panose="02020603050405020304" pitchFamily="18" charset="0"/>
-              <a:cs typeface="Times New Roman" panose="02020603050405020304" pitchFamily="18" charset="0"/>
-            </a:endParaRPr>
-          </a:p>
-          <a:p>
-            <a:r>
-              <a:rPr lang="de-DE" sz="1200" dirty="0">
-                <a:effectLst/>
-                <a:latin typeface="Calibri" panose="020F0502020204030204" pitchFamily="34" charset="0"/>
-                <a:ea typeface="Times New Roman" panose="02020603050405020304" pitchFamily="18" charset="0"/>
-                <a:cs typeface="Times New Roman" panose="02020603050405020304" pitchFamily="18" charset="0"/>
-              </a:rPr>
-              <a:t>Die entfernten Spalten haben keinen Mehrwert geboten, da alle Informationen bereits in anderen Spalten vorhanden waren. Die konkreten Schritte sind im </a:t>
-            </a:r>
-            <a:r>
-              <a:rPr lang="de-DE" sz="1200" dirty="0" err="1">
-                <a:effectLst/>
-                <a:latin typeface="Calibri" panose="020F0502020204030204" pitchFamily="34" charset="0"/>
-                <a:ea typeface="Times New Roman" panose="02020603050405020304" pitchFamily="18" charset="0"/>
-                <a:cs typeface="Times New Roman" panose="02020603050405020304" pitchFamily="18" charset="0"/>
-              </a:rPr>
-              <a:t>DataWrangling.ipynb</a:t>
-            </a:r>
-            <a:r>
-              <a:rPr lang="de-DE" sz="1200" dirty="0">
-                <a:effectLst/>
-                <a:latin typeface="Calibri" panose="020F0502020204030204" pitchFamily="34" charset="0"/>
-                <a:ea typeface="Times New Roman" panose="02020603050405020304" pitchFamily="18" charset="0"/>
-                <a:cs typeface="Times New Roman" panose="02020603050405020304" pitchFamily="18" charset="0"/>
-              </a:rPr>
-              <a:t> nachzuvollziehen. </a:t>
-            </a:r>
-            <a:endParaRPr lang="en-US" dirty="0"/>
-          </a:p>
-          <a:p>
-            <a:endParaRPr lang="en-US" dirty="0"/>
           </a:p>
         </p:txBody>
       </p:sp>
@@ -5364,7 +5300,7 @@
           <a:p>
             <a:fld id="{7BAD68DA-F5B3-4CD9-A6B8-9D4E67AD83C3}" type="slidenum">
               <a:rPr lang="en-US" smtClean="0"/>
-              <a:t>6</a:t>
+              <a:t>4</a:t>
             </a:fld>
             <a:endParaRPr lang="en-US"/>
           </a:p>
@@ -5373,7 +5309,7 @@
     </p:spTree>
     <p:extLst>
       <p:ext uri="{BB962C8B-B14F-4D97-AF65-F5344CB8AC3E}">
-        <p14:creationId xmlns:p14="http://schemas.microsoft.com/office/powerpoint/2010/main" val="2927535744"/>
+        <p14:creationId xmlns:p14="http://schemas.microsoft.com/office/powerpoint/2010/main" val="3263342561"/>
       </p:ext>
     </p:extLst>
   </p:cSld>
@@ -5422,12 +5358,436 @@
             <p:ph type="body" idx="1"/>
           </p:nvPr>
         </p:nvSpPr>
-        <p:spPr/>
+        <p:spPr>
+          <a:xfrm>
+            <a:off x="685800" y="4400550"/>
+            <a:ext cx="5486400" cy="4125612"/>
+          </a:xfrm>
+        </p:spPr>
         <p:txBody>
           <a:bodyPr/>
           <a:lstStyle/>
           <a:p>
-            <a:endParaRPr lang="en-US"/>
+            <a:pPr marL="0" marR="0">
+              <a:lnSpc>
+                <a:spcPct val="115000"/>
+              </a:lnSpc>
+              <a:spcBef>
+                <a:spcPts val="0"/>
+              </a:spcBef>
+              <a:spcAft>
+                <a:spcPts val="1000"/>
+              </a:spcAft>
+            </a:pPr>
+            <a:r>
+              <a:rPr lang="de-DE" dirty="0">
+                <a:effectLst/>
+                <a:latin typeface="Calibri" panose="020F0502020204030204" pitchFamily="34" charset="0"/>
+                <a:ea typeface="Times New Roman" panose="02020603050405020304" pitchFamily="18" charset="0"/>
+                <a:cs typeface="Times New Roman" panose="02020603050405020304" pitchFamily="18" charset="0"/>
+              </a:rPr>
+              <a:t>Erste Übersicht der Daten in Python findet sich im </a:t>
+            </a:r>
+            <a:r>
+              <a:rPr lang="de-DE" dirty="0" err="1">
+                <a:effectLst/>
+                <a:latin typeface="Calibri" panose="020F0502020204030204" pitchFamily="34" charset="0"/>
+                <a:ea typeface="Times New Roman" panose="02020603050405020304" pitchFamily="18" charset="0"/>
+                <a:cs typeface="Times New Roman" panose="02020603050405020304" pitchFamily="18" charset="0"/>
+              </a:rPr>
+              <a:t>DataExploration.ipynb</a:t>
+            </a:r>
+            <a:r>
+              <a:rPr lang="de-DE" dirty="0">
+                <a:effectLst/>
+                <a:latin typeface="Calibri" panose="020F0502020204030204" pitchFamily="34" charset="0"/>
+                <a:ea typeface="Times New Roman" panose="02020603050405020304" pitchFamily="18" charset="0"/>
+                <a:cs typeface="Times New Roman" panose="02020603050405020304" pitchFamily="18" charset="0"/>
+              </a:rPr>
+              <a:t>. </a:t>
+            </a:r>
+            <a:r>
+              <a:rPr lang="de-DE" sz="1200" dirty="0">
+                <a:effectLst/>
+                <a:latin typeface="Calibri" panose="020F0502020204030204" pitchFamily="34" charset="0"/>
+                <a:ea typeface="Times New Roman" panose="02020603050405020304" pitchFamily="18" charset="0"/>
+                <a:cs typeface="Times New Roman" panose="02020603050405020304" pitchFamily="18" charset="0"/>
+              </a:rPr>
+              <a:t>Die Daten wurden in einer flachen Form zusammengeführt. Dabei haben wir uns auf die Fahrer Daten fokussiert und die </a:t>
+            </a:r>
+            <a:r>
+              <a:rPr lang="de-DE" sz="1200" dirty="0" err="1">
+                <a:effectLst/>
+                <a:latin typeface="Calibri" panose="020F0502020204030204" pitchFamily="34" charset="0"/>
+                <a:ea typeface="Times New Roman" panose="02020603050405020304" pitchFamily="18" charset="0"/>
+                <a:cs typeface="Times New Roman" panose="02020603050405020304" pitchFamily="18" charset="0"/>
+              </a:rPr>
+              <a:t>Id</a:t>
+            </a:r>
+            <a:r>
+              <a:rPr lang="de-DE" sz="1200" dirty="0">
+                <a:effectLst/>
+                <a:latin typeface="Calibri" panose="020F0502020204030204" pitchFamily="34" charset="0"/>
+                <a:ea typeface="Times New Roman" panose="02020603050405020304" pitchFamily="18" charset="0"/>
+                <a:cs typeface="Times New Roman" panose="02020603050405020304" pitchFamily="18" charset="0"/>
+              </a:rPr>
+              <a:t> Spalten genutzt, um die unterschiedlichen Datensätze miteinander zu </a:t>
+            </a:r>
+            <a:r>
+              <a:rPr lang="de-DE" sz="1200" dirty="0" err="1">
+                <a:effectLst/>
+                <a:latin typeface="Calibri" panose="020F0502020204030204" pitchFamily="34" charset="0"/>
+                <a:ea typeface="Times New Roman" panose="02020603050405020304" pitchFamily="18" charset="0"/>
+                <a:cs typeface="Times New Roman" panose="02020603050405020304" pitchFamily="18" charset="0"/>
+              </a:rPr>
+              <a:t>joinen</a:t>
+            </a:r>
+            <a:r>
+              <a:rPr lang="de-DE" sz="1200" dirty="0">
+                <a:effectLst/>
+                <a:latin typeface="Calibri" panose="020F0502020204030204" pitchFamily="34" charset="0"/>
+                <a:ea typeface="Times New Roman" panose="02020603050405020304" pitchFamily="18" charset="0"/>
+                <a:cs typeface="Times New Roman" panose="02020603050405020304" pitchFamily="18" charset="0"/>
+              </a:rPr>
+              <a:t>. Die Struktur dient zur ersten Übersicht, sowie beispielhaften Verbindung der Datensätze zu einem finalen Datensatz. Damit wurden beispielhafte Auswertungen im Python Skript umgesetzt</a:t>
+            </a:r>
+            <a:br>
+              <a:rPr lang="de-DE" dirty="0">
+                <a:effectLst/>
+                <a:latin typeface="Calibri" panose="020F0502020204030204" pitchFamily="34" charset="0"/>
+                <a:ea typeface="Times New Roman" panose="02020603050405020304" pitchFamily="18" charset="0"/>
+                <a:cs typeface="Times New Roman" panose="02020603050405020304" pitchFamily="18" charset="0"/>
+              </a:rPr>
+            </a:br>
+            <a:r>
+              <a:rPr lang="de-DE" dirty="0">
+                <a:effectLst/>
+                <a:latin typeface="Calibri" panose="020F0502020204030204" pitchFamily="34" charset="0"/>
+                <a:ea typeface="Times New Roman" panose="02020603050405020304" pitchFamily="18" charset="0"/>
+                <a:cs typeface="Times New Roman" panose="02020603050405020304" pitchFamily="18" charset="0"/>
+              </a:rPr>
+              <a:t>Die wichtigsten Erkenntnisse:</a:t>
+            </a:r>
+            <a:endParaRPr lang="en-US" dirty="0">
+              <a:effectLst/>
+              <a:latin typeface="Calibri" panose="020F0502020204030204" pitchFamily="34" charset="0"/>
+              <a:ea typeface="Times New Roman" panose="02020603050405020304" pitchFamily="18" charset="0"/>
+              <a:cs typeface="Times New Roman" panose="02020603050405020304" pitchFamily="18" charset="0"/>
+            </a:endParaRPr>
+          </a:p>
+          <a:p>
+            <a:pPr marL="342900" marR="0" lvl="0" indent="-342900">
+              <a:lnSpc>
+                <a:spcPct val="115000"/>
+              </a:lnSpc>
+              <a:spcBef>
+                <a:spcPts val="0"/>
+              </a:spcBef>
+              <a:spcAft>
+                <a:spcPts val="0"/>
+              </a:spcAft>
+              <a:buFont typeface="Symbol" panose="05050102010706020507" pitchFamily="18" charset="2"/>
+              <a:buChar char=""/>
+            </a:pPr>
+            <a:r>
+              <a:rPr lang="de-DE" dirty="0">
+                <a:effectLst/>
+                <a:latin typeface="Calibri" panose="020F0502020204030204" pitchFamily="34" charset="0"/>
+                <a:ea typeface="Times New Roman" panose="02020603050405020304" pitchFamily="18" charset="0"/>
+                <a:cs typeface="Times New Roman" panose="02020603050405020304" pitchFamily="18" charset="0"/>
+              </a:rPr>
+              <a:t>Die Daten sind bereits „</a:t>
+            </a:r>
+            <a:r>
+              <a:rPr lang="de-DE" dirty="0" err="1">
+                <a:effectLst/>
+                <a:latin typeface="Calibri" panose="020F0502020204030204" pitchFamily="34" charset="0"/>
+                <a:ea typeface="Times New Roman" panose="02020603050405020304" pitchFamily="18" charset="0"/>
+                <a:cs typeface="Times New Roman" panose="02020603050405020304" pitchFamily="18" charset="0"/>
+              </a:rPr>
+              <a:t>tidy</a:t>
+            </a:r>
+            <a:r>
+              <a:rPr lang="de-DE" dirty="0">
+                <a:effectLst/>
+                <a:latin typeface="Calibri" panose="020F0502020204030204" pitchFamily="34" charset="0"/>
+                <a:ea typeface="Times New Roman" panose="02020603050405020304" pitchFamily="18" charset="0"/>
+                <a:cs typeface="Times New Roman" panose="02020603050405020304" pitchFamily="18" charset="0"/>
+              </a:rPr>
+              <a:t>“:</a:t>
+            </a:r>
+            <a:br>
+              <a:rPr lang="de-DE" dirty="0">
+                <a:effectLst/>
+                <a:latin typeface="Calibri" panose="020F0502020204030204" pitchFamily="34" charset="0"/>
+                <a:ea typeface="Times New Roman" panose="02020603050405020304" pitchFamily="18" charset="0"/>
+                <a:cs typeface="Times New Roman" panose="02020603050405020304" pitchFamily="18" charset="0"/>
+              </a:rPr>
+            </a:br>
+            <a:r>
+              <a:rPr lang="de-DE" dirty="0">
+                <a:effectLst/>
+                <a:latin typeface="Calibri" panose="020F0502020204030204" pitchFamily="34" charset="0"/>
+                <a:ea typeface="Times New Roman" panose="02020603050405020304" pitchFamily="18" charset="0"/>
+                <a:cs typeface="Times New Roman" panose="02020603050405020304" pitchFamily="18" charset="0"/>
+              </a:rPr>
+              <a:t>Jede Zeile beinhaltet eine Beobachtung, </a:t>
+            </a:r>
+            <a:br>
+              <a:rPr lang="de-DE" dirty="0">
+                <a:effectLst/>
+                <a:latin typeface="Calibri" panose="020F0502020204030204" pitchFamily="34" charset="0"/>
+                <a:ea typeface="Times New Roman" panose="02020603050405020304" pitchFamily="18" charset="0"/>
+                <a:cs typeface="Times New Roman" panose="02020603050405020304" pitchFamily="18" charset="0"/>
+              </a:rPr>
+            </a:br>
+            <a:r>
+              <a:rPr lang="de-DE" dirty="0">
+                <a:effectLst/>
+                <a:latin typeface="Calibri" panose="020F0502020204030204" pitchFamily="34" charset="0"/>
+                <a:ea typeface="Times New Roman" panose="02020603050405020304" pitchFamily="18" charset="0"/>
+                <a:cs typeface="Times New Roman" panose="02020603050405020304" pitchFamily="18" charset="0"/>
+              </a:rPr>
+              <a:t>jede Spalte beschreibt eine Variable, </a:t>
+            </a:r>
+            <a:br>
+              <a:rPr lang="de-DE" dirty="0">
+                <a:effectLst/>
+                <a:latin typeface="Calibri" panose="020F0502020204030204" pitchFamily="34" charset="0"/>
+                <a:ea typeface="Times New Roman" panose="02020603050405020304" pitchFamily="18" charset="0"/>
+                <a:cs typeface="Times New Roman" panose="02020603050405020304" pitchFamily="18" charset="0"/>
+              </a:rPr>
+            </a:br>
+            <a:r>
+              <a:rPr lang="de-DE" dirty="0">
+                <a:effectLst/>
+                <a:latin typeface="Calibri" panose="020F0502020204030204" pitchFamily="34" charset="0"/>
+                <a:ea typeface="Times New Roman" panose="02020603050405020304" pitchFamily="18" charset="0"/>
+                <a:cs typeface="Times New Roman" panose="02020603050405020304" pitchFamily="18" charset="0"/>
+              </a:rPr>
+              <a:t>in jeder Zelle ist genau ein Wert (und nicht mehrere).</a:t>
+            </a:r>
+            <a:br>
+              <a:rPr lang="de-DE" dirty="0">
+                <a:effectLst/>
+                <a:latin typeface="Calibri" panose="020F0502020204030204" pitchFamily="34" charset="0"/>
+                <a:ea typeface="Times New Roman" panose="02020603050405020304" pitchFamily="18" charset="0"/>
+                <a:cs typeface="Times New Roman" panose="02020603050405020304" pitchFamily="18" charset="0"/>
+              </a:rPr>
+            </a:br>
+            <a:r>
+              <a:rPr lang="de-DE" dirty="0">
+                <a:effectLst/>
+                <a:latin typeface="Calibri" panose="020F0502020204030204" pitchFamily="34" charset="0"/>
+                <a:ea typeface="Times New Roman" panose="02020603050405020304" pitchFamily="18" charset="0"/>
+                <a:cs typeface="Times New Roman" panose="02020603050405020304" pitchFamily="18" charset="0"/>
+              </a:rPr>
+              <a:t>Ausnahme hierzu bilden die Tabellen „</a:t>
+            </a:r>
+            <a:r>
+              <a:rPr lang="de-DE" dirty="0" err="1">
+                <a:effectLst/>
+                <a:latin typeface="Calibri" panose="020F0502020204030204" pitchFamily="34" charset="0"/>
+                <a:ea typeface="Times New Roman" panose="02020603050405020304" pitchFamily="18" charset="0"/>
+                <a:cs typeface="Times New Roman" panose="02020603050405020304" pitchFamily="18" charset="0"/>
+              </a:rPr>
+              <a:t>races</a:t>
+            </a:r>
+            <a:r>
+              <a:rPr lang="de-DE" dirty="0">
+                <a:effectLst/>
+                <a:latin typeface="Calibri" panose="020F0502020204030204" pitchFamily="34" charset="0"/>
+                <a:ea typeface="Times New Roman" panose="02020603050405020304" pitchFamily="18" charset="0"/>
+                <a:cs typeface="Times New Roman" panose="02020603050405020304" pitchFamily="18" charset="0"/>
+              </a:rPr>
+              <a:t>“ und „</a:t>
+            </a:r>
+            <a:r>
+              <a:rPr lang="de-DE" dirty="0" err="1">
+                <a:effectLst/>
+                <a:latin typeface="Calibri" panose="020F0502020204030204" pitchFamily="34" charset="0"/>
+                <a:ea typeface="Times New Roman" panose="02020603050405020304" pitchFamily="18" charset="0"/>
+                <a:cs typeface="Times New Roman" panose="02020603050405020304" pitchFamily="18" charset="0"/>
+              </a:rPr>
+              <a:t>qualifying</a:t>
+            </a:r>
+            <a:r>
+              <a:rPr lang="de-DE" dirty="0">
+                <a:effectLst/>
+                <a:latin typeface="Calibri" panose="020F0502020204030204" pitchFamily="34" charset="0"/>
+                <a:ea typeface="Times New Roman" panose="02020603050405020304" pitchFamily="18" charset="0"/>
+                <a:cs typeface="Times New Roman" panose="02020603050405020304" pitchFamily="18" charset="0"/>
+              </a:rPr>
+              <a:t>“, in der einige Werte fehlen.</a:t>
+            </a:r>
+            <a:br>
+              <a:rPr lang="de-DE" dirty="0">
+                <a:effectLst/>
+                <a:latin typeface="Calibri" panose="020F0502020204030204" pitchFamily="34" charset="0"/>
+                <a:ea typeface="Times New Roman" panose="02020603050405020304" pitchFamily="18" charset="0"/>
+                <a:cs typeface="Times New Roman" panose="02020603050405020304" pitchFamily="18" charset="0"/>
+              </a:rPr>
+            </a:br>
+            <a:r>
+              <a:rPr lang="de-DE" dirty="0">
+                <a:effectLst/>
+                <a:latin typeface="Calibri" panose="020F0502020204030204" pitchFamily="34" charset="0"/>
+                <a:ea typeface="Times New Roman" panose="02020603050405020304" pitchFamily="18" charset="0"/>
+                <a:cs typeface="Times New Roman" panose="02020603050405020304" pitchFamily="18" charset="0"/>
+              </a:rPr>
+              <a:t>Das wird im Data </a:t>
+            </a:r>
+            <a:r>
+              <a:rPr lang="de-DE" dirty="0" err="1">
+                <a:effectLst/>
+                <a:latin typeface="Calibri" panose="020F0502020204030204" pitchFamily="34" charset="0"/>
+                <a:ea typeface="Times New Roman" panose="02020603050405020304" pitchFamily="18" charset="0"/>
+                <a:cs typeface="Times New Roman" panose="02020603050405020304" pitchFamily="18" charset="0"/>
+              </a:rPr>
+              <a:t>Wrangling</a:t>
+            </a:r>
+            <a:r>
+              <a:rPr lang="de-DE" dirty="0">
+                <a:effectLst/>
+                <a:latin typeface="Calibri" panose="020F0502020204030204" pitchFamily="34" charset="0"/>
+                <a:ea typeface="Times New Roman" panose="02020603050405020304" pitchFamily="18" charset="0"/>
+                <a:cs typeface="Times New Roman" panose="02020603050405020304" pitchFamily="18" charset="0"/>
+              </a:rPr>
+              <a:t> behoben</a:t>
+            </a:r>
+            <a:endParaRPr lang="en-US" dirty="0">
+              <a:effectLst/>
+              <a:latin typeface="Calibri" panose="020F0502020204030204" pitchFamily="34" charset="0"/>
+              <a:ea typeface="Times New Roman" panose="02020603050405020304" pitchFamily="18" charset="0"/>
+              <a:cs typeface="Times New Roman" panose="02020603050405020304" pitchFamily="18" charset="0"/>
+            </a:endParaRPr>
+          </a:p>
+          <a:p>
+            <a:pPr marL="342900" marR="0" lvl="0" indent="-342900">
+              <a:lnSpc>
+                <a:spcPct val="115000"/>
+              </a:lnSpc>
+              <a:spcBef>
+                <a:spcPts val="0"/>
+              </a:spcBef>
+              <a:spcAft>
+                <a:spcPts val="1000"/>
+              </a:spcAft>
+              <a:buFont typeface="Symbol" panose="05050102010706020507" pitchFamily="18" charset="2"/>
+              <a:buChar char=""/>
+            </a:pPr>
+            <a:r>
+              <a:rPr lang="de-DE" dirty="0">
+                <a:effectLst/>
+                <a:latin typeface="Calibri" panose="020F0502020204030204" pitchFamily="34" charset="0"/>
+                <a:ea typeface="Times New Roman" panose="02020603050405020304" pitchFamily="18" charset="0"/>
+                <a:cs typeface="Times New Roman" panose="02020603050405020304" pitchFamily="18" charset="0"/>
+              </a:rPr>
+              <a:t>Die Datensätze besitzen mindestens eine </a:t>
+            </a:r>
+            <a:r>
+              <a:rPr lang="de-DE" dirty="0" err="1">
+                <a:effectLst/>
+                <a:latin typeface="Calibri" panose="020F0502020204030204" pitchFamily="34" charset="0"/>
+                <a:ea typeface="Times New Roman" panose="02020603050405020304" pitchFamily="18" charset="0"/>
+                <a:cs typeface="Times New Roman" panose="02020603050405020304" pitchFamily="18" charset="0"/>
+              </a:rPr>
+              <a:t>Id</a:t>
+            </a:r>
+            <a:r>
+              <a:rPr lang="de-DE" dirty="0">
+                <a:effectLst/>
+                <a:latin typeface="Calibri" panose="020F0502020204030204" pitchFamily="34" charset="0"/>
+                <a:ea typeface="Times New Roman" panose="02020603050405020304" pitchFamily="18" charset="0"/>
+                <a:cs typeface="Times New Roman" panose="02020603050405020304" pitchFamily="18" charset="0"/>
+              </a:rPr>
+              <a:t> Spalte (Primärschlüssel). wodurch sich die Daten leicht referenzieren lassen. Manche Datensätze haben weitere </a:t>
+            </a:r>
+            <a:r>
+              <a:rPr lang="de-DE" dirty="0" err="1">
+                <a:effectLst/>
+                <a:latin typeface="Calibri" panose="020F0502020204030204" pitchFamily="34" charset="0"/>
+                <a:ea typeface="Times New Roman" panose="02020603050405020304" pitchFamily="18" charset="0"/>
+                <a:cs typeface="Times New Roman" panose="02020603050405020304" pitchFamily="18" charset="0"/>
+              </a:rPr>
+              <a:t>Id</a:t>
+            </a:r>
+            <a:r>
+              <a:rPr lang="de-DE" dirty="0">
+                <a:effectLst/>
+                <a:latin typeface="Calibri" panose="020F0502020204030204" pitchFamily="34" charset="0"/>
+                <a:ea typeface="Times New Roman" panose="02020603050405020304" pitchFamily="18" charset="0"/>
+                <a:cs typeface="Times New Roman" panose="02020603050405020304" pitchFamily="18" charset="0"/>
+              </a:rPr>
+              <a:t> Spalten aufgelistet, die als Fremdschlüssel verwendet werden können.</a:t>
+            </a:r>
+            <a:endParaRPr lang="en-US" dirty="0">
+              <a:effectLst/>
+              <a:latin typeface="Calibri" panose="020F0502020204030204" pitchFamily="34" charset="0"/>
+              <a:ea typeface="Times New Roman" panose="02020603050405020304" pitchFamily="18" charset="0"/>
+              <a:cs typeface="Times New Roman" panose="02020603050405020304" pitchFamily="18" charset="0"/>
+            </a:endParaRPr>
+          </a:p>
+          <a:p>
+            <a:pPr marL="0" marR="0">
+              <a:lnSpc>
+                <a:spcPct val="115000"/>
+              </a:lnSpc>
+              <a:spcBef>
+                <a:spcPts val="0"/>
+              </a:spcBef>
+              <a:spcAft>
+                <a:spcPts val="1000"/>
+              </a:spcAft>
+            </a:pPr>
+            <a:r>
+              <a:rPr lang="de-DE" dirty="0">
+                <a:effectLst/>
+                <a:latin typeface="Calibri" panose="020F0502020204030204" pitchFamily="34" charset="0"/>
+                <a:ea typeface="Times New Roman" panose="02020603050405020304" pitchFamily="18" charset="0"/>
+                <a:cs typeface="Times New Roman" panose="02020603050405020304" pitchFamily="18" charset="0"/>
+              </a:rPr>
+              <a:t>Zusätzlich haben wir eine Tabelle zum Mapping der Länder und Nationalitäten genutzt. Die Daten dazu haben wir von einem öffentlichen GitHub Repository heruntergeladen:</a:t>
+            </a:r>
+            <a:br>
+              <a:rPr lang="de-DE" dirty="0">
+                <a:effectLst/>
+                <a:latin typeface="Calibri" panose="020F0502020204030204" pitchFamily="34" charset="0"/>
+                <a:ea typeface="Times New Roman" panose="02020603050405020304" pitchFamily="18" charset="0"/>
+                <a:cs typeface="Times New Roman" panose="02020603050405020304" pitchFamily="18" charset="0"/>
+              </a:rPr>
+            </a:br>
+            <a:r>
+              <a:rPr lang="de-DE" u="sng" dirty="0">
+                <a:solidFill>
+                  <a:srgbClr val="0000FF"/>
+                </a:solidFill>
+                <a:effectLst/>
+                <a:latin typeface="Calibri" panose="020F0502020204030204" pitchFamily="34" charset="0"/>
+                <a:ea typeface="Times New Roman" panose="02020603050405020304" pitchFamily="18" charset="0"/>
+                <a:cs typeface="Times New Roman" panose="02020603050405020304" pitchFamily="18" charset="0"/>
+                <a:hlinkClick r:id="rId3"/>
+              </a:rPr>
+              <a:t>https://github.com/Imagin-io/country-nationality-list/blob/master/countries.csv</a:t>
+            </a:r>
+            <a:r>
+              <a:rPr lang="de-DE" dirty="0">
+                <a:effectLst/>
+                <a:latin typeface="Calibri" panose="020F0502020204030204" pitchFamily="34" charset="0"/>
+                <a:ea typeface="Times New Roman" panose="02020603050405020304" pitchFamily="18" charset="0"/>
+                <a:cs typeface="Times New Roman" panose="02020603050405020304" pitchFamily="18" charset="0"/>
+              </a:rPr>
+              <a:t> </a:t>
+            </a:r>
+            <a:endParaRPr lang="en-US" dirty="0">
+              <a:effectLst/>
+              <a:latin typeface="Calibri" panose="020F0502020204030204" pitchFamily="34" charset="0"/>
+              <a:ea typeface="Times New Roman" panose="02020603050405020304" pitchFamily="18" charset="0"/>
+              <a:cs typeface="Times New Roman" panose="02020603050405020304" pitchFamily="18" charset="0"/>
+            </a:endParaRPr>
+          </a:p>
+          <a:p>
+            <a:endParaRPr lang="en-US" dirty="0"/>
           </a:p>
         </p:txBody>
       </p:sp>
@@ -5448,7 +5808,7 @@
           <a:p>
             <a:fld id="{7BAD68DA-F5B3-4CD9-A6B8-9D4E67AD83C3}" type="slidenum">
               <a:rPr lang="en-US" smtClean="0"/>
-              <a:t>7</a:t>
+              <a:t>5</a:t>
             </a:fld>
             <a:endParaRPr lang="en-US"/>
           </a:p>
@@ -5457,7 +5817,7 @@
     </p:spTree>
     <p:extLst>
       <p:ext uri="{BB962C8B-B14F-4D97-AF65-F5344CB8AC3E}">
-        <p14:creationId xmlns:p14="http://schemas.microsoft.com/office/powerpoint/2010/main" val="487229981"/>
+        <p14:creationId xmlns:p14="http://schemas.microsoft.com/office/powerpoint/2010/main" val="4238283095"/>
       </p:ext>
     </p:extLst>
   </p:cSld>
@@ -5511,98 +5871,463 @@
           <a:bodyPr/>
           <a:lstStyle/>
           <a:p>
-            <a:r>
-              <a:rPr lang="de-DE" dirty="0"/>
-              <a:t>Übersicht der Primär- und Sekundärschlüssel der einzelnen Datensätze.</a:t>
-            </a:r>
-          </a:p>
-          <a:p>
-            <a:r>
-              <a:rPr lang="en-US" dirty="0" err="1"/>
-              <a:t>Haupttabellen</a:t>
-            </a:r>
-            <a:r>
-              <a:rPr lang="en-US" dirty="0"/>
-              <a:t> für die </a:t>
-            </a:r>
-            <a:r>
-              <a:rPr lang="en-US" dirty="0" err="1"/>
-              <a:t>Auswertungen</a:t>
-            </a:r>
-            <a:r>
-              <a:rPr lang="en-US" dirty="0"/>
+            <a:pPr marL="0" marR="0">
+              <a:lnSpc>
+                <a:spcPct val="115000"/>
+              </a:lnSpc>
+              <a:spcBef>
+                <a:spcPts val="0"/>
+              </a:spcBef>
+              <a:spcAft>
+                <a:spcPts val="1000"/>
+              </a:spcAft>
+            </a:pPr>
+            <a:r>
+              <a:rPr lang="de-DE" sz="1200" dirty="0">
+                <a:effectLst/>
+                <a:latin typeface="Calibri" panose="020F0502020204030204" pitchFamily="34" charset="0"/>
+                <a:ea typeface="Times New Roman" panose="02020603050405020304" pitchFamily="18" charset="0"/>
+                <a:cs typeface="Times New Roman" panose="02020603050405020304" pitchFamily="18" charset="0"/>
+              </a:rPr>
+              <a:t>Zum initialen Laden der Tabellen in DWC wurde eine JSON-Datei erstellt (180_FormulaOne.json), die die Tabellen und Verbindungen anlegt.</a:t>
+            </a:r>
+            <a:br>
+              <a:rPr lang="de-DE" sz="1200" dirty="0">
+                <a:effectLst/>
+                <a:latin typeface="Calibri" panose="020F0502020204030204" pitchFamily="34" charset="0"/>
+                <a:ea typeface="Times New Roman" panose="02020603050405020304" pitchFamily="18" charset="0"/>
+                <a:cs typeface="Times New Roman" panose="02020603050405020304" pitchFamily="18" charset="0"/>
+              </a:rPr>
+            </a:br>
+            <a:r>
+              <a:rPr lang="de-DE" sz="1200" dirty="0">
+                <a:effectLst/>
+                <a:latin typeface="Calibri" panose="020F0502020204030204" pitchFamily="34" charset="0"/>
+                <a:ea typeface="Times New Roman" panose="02020603050405020304" pitchFamily="18" charset="0"/>
+                <a:cs typeface="Times New Roman" panose="02020603050405020304" pitchFamily="18" charset="0"/>
+              </a:rPr>
+              <a:t>Folgende Anpassungen haben wir vorgenommen:</a:t>
+            </a:r>
+            <a:endParaRPr lang="en-US" sz="1200" dirty="0">
+              <a:effectLst/>
+              <a:latin typeface="Calibri" panose="020F0502020204030204" pitchFamily="34" charset="0"/>
+              <a:ea typeface="Times New Roman" panose="02020603050405020304" pitchFamily="18" charset="0"/>
+              <a:cs typeface="Times New Roman" panose="02020603050405020304" pitchFamily="18" charset="0"/>
+            </a:endParaRPr>
+          </a:p>
+          <a:p>
+            <a:pPr marL="342900" marR="0" lvl="0" indent="-342900">
+              <a:lnSpc>
+                <a:spcPct val="115000"/>
+              </a:lnSpc>
+              <a:spcBef>
+                <a:spcPts val="0"/>
+              </a:spcBef>
+              <a:spcAft>
+                <a:spcPts val="0"/>
+              </a:spcAft>
+              <a:buFont typeface="Symbol" panose="05050102010706020507" pitchFamily="18" charset="2"/>
+              <a:buChar char=""/>
+            </a:pPr>
+            <a:r>
+              <a:rPr lang="de-DE" sz="1200" dirty="0">
+                <a:effectLst/>
+                <a:latin typeface="Calibri" panose="020F0502020204030204" pitchFamily="34" charset="0"/>
+                <a:ea typeface="Times New Roman" panose="02020603050405020304" pitchFamily="18" charset="0"/>
+                <a:cs typeface="Times New Roman" panose="02020603050405020304" pitchFamily="18" charset="0"/>
+              </a:rPr>
+              <a:t>Driver_standings.csv	-	</a:t>
+            </a:r>
+            <a:r>
+              <a:rPr lang="de-DE" sz="1200" dirty="0" err="1">
+                <a:effectLst/>
+                <a:latin typeface="Calibri" panose="020F0502020204030204" pitchFamily="34" charset="0"/>
+                <a:ea typeface="Times New Roman" panose="02020603050405020304" pitchFamily="18" charset="0"/>
+                <a:cs typeface="Times New Roman" panose="02020603050405020304" pitchFamily="18" charset="0"/>
+              </a:rPr>
+              <a:t>positionText</a:t>
+            </a:r>
+            <a:r>
+              <a:rPr lang="de-DE" sz="1200" dirty="0">
+                <a:effectLst/>
+                <a:latin typeface="Calibri" panose="020F0502020204030204" pitchFamily="34" charset="0"/>
+                <a:ea typeface="Times New Roman" panose="02020603050405020304" pitchFamily="18" charset="0"/>
+                <a:cs typeface="Times New Roman" panose="02020603050405020304" pitchFamily="18" charset="0"/>
+              </a:rPr>
+              <a:t> Spalte entfernt</a:t>
+            </a:r>
+            <a:endParaRPr lang="en-US" sz="1200" dirty="0">
+              <a:effectLst/>
+              <a:latin typeface="Calibri" panose="020F0502020204030204" pitchFamily="34" charset="0"/>
+              <a:ea typeface="Times New Roman" panose="02020603050405020304" pitchFamily="18" charset="0"/>
+              <a:cs typeface="Times New Roman" panose="02020603050405020304" pitchFamily="18" charset="0"/>
+            </a:endParaRPr>
+          </a:p>
+          <a:p>
+            <a:pPr marL="342900" marR="0" lvl="0" indent="-342900">
+              <a:lnSpc>
+                <a:spcPct val="115000"/>
+              </a:lnSpc>
+              <a:spcBef>
+                <a:spcPts val="0"/>
+              </a:spcBef>
+              <a:spcAft>
+                <a:spcPts val="0"/>
+              </a:spcAft>
+              <a:buFont typeface="Symbol" panose="05050102010706020507" pitchFamily="18" charset="2"/>
+              <a:buChar char=""/>
+            </a:pPr>
+            <a:r>
+              <a:rPr lang="de-DE" sz="1200" dirty="0">
+                <a:effectLst/>
+                <a:latin typeface="Calibri" panose="020F0502020204030204" pitchFamily="34" charset="0"/>
+                <a:ea typeface="Times New Roman" panose="02020603050405020304" pitchFamily="18" charset="0"/>
+                <a:cs typeface="Times New Roman" panose="02020603050405020304" pitchFamily="18" charset="0"/>
+              </a:rPr>
+              <a:t>Pit_stops.csv	-	</a:t>
+            </a:r>
+            <a:r>
+              <a:rPr lang="de-DE" sz="1200" dirty="0" err="1">
+                <a:effectLst/>
+                <a:latin typeface="Calibri" panose="020F0502020204030204" pitchFamily="34" charset="0"/>
+                <a:ea typeface="Times New Roman" panose="02020603050405020304" pitchFamily="18" charset="0"/>
+                <a:cs typeface="Times New Roman" panose="02020603050405020304" pitchFamily="18" charset="0"/>
+              </a:rPr>
+              <a:t>duration</a:t>
+            </a:r>
+            <a:r>
+              <a:rPr lang="de-DE" sz="1200" dirty="0">
+                <a:effectLst/>
+                <a:latin typeface="Calibri" panose="020F0502020204030204" pitchFamily="34" charset="0"/>
+                <a:ea typeface="Times New Roman" panose="02020603050405020304" pitchFamily="18" charset="0"/>
+                <a:cs typeface="Times New Roman" panose="02020603050405020304" pitchFamily="18" charset="0"/>
+              </a:rPr>
+              <a:t> Spalte entfernt</a:t>
+            </a:r>
+            <a:endParaRPr lang="en-US" sz="1200" dirty="0">
+              <a:effectLst/>
+              <a:latin typeface="Calibri" panose="020F0502020204030204" pitchFamily="34" charset="0"/>
+              <a:ea typeface="Times New Roman" panose="02020603050405020304" pitchFamily="18" charset="0"/>
+              <a:cs typeface="Times New Roman" panose="02020603050405020304" pitchFamily="18" charset="0"/>
+            </a:endParaRPr>
+          </a:p>
+          <a:p>
+            <a:pPr marL="342900" marR="0" lvl="0" indent="-342900">
+              <a:lnSpc>
+                <a:spcPct val="115000"/>
+              </a:lnSpc>
+              <a:spcBef>
+                <a:spcPts val="0"/>
+              </a:spcBef>
+              <a:spcAft>
+                <a:spcPts val="0"/>
+              </a:spcAft>
+              <a:buFont typeface="Symbol" panose="05050102010706020507" pitchFamily="18" charset="2"/>
+              <a:buChar char=""/>
+            </a:pPr>
+            <a:r>
+              <a:rPr lang="de-DE" sz="1200" dirty="0">
+                <a:effectLst/>
+                <a:latin typeface="Calibri" panose="020F0502020204030204" pitchFamily="34" charset="0"/>
+                <a:ea typeface="Times New Roman" panose="02020603050405020304" pitchFamily="18" charset="0"/>
+                <a:cs typeface="Times New Roman" panose="02020603050405020304" pitchFamily="18" charset="0"/>
+              </a:rPr>
+              <a:t>Results.csv	-	</a:t>
+            </a:r>
+            <a:r>
+              <a:rPr lang="de-DE" sz="1200" dirty="0" err="1">
+                <a:effectLst/>
+                <a:latin typeface="Calibri" panose="020F0502020204030204" pitchFamily="34" charset="0"/>
+                <a:ea typeface="Times New Roman" panose="02020603050405020304" pitchFamily="18" charset="0"/>
+                <a:cs typeface="Times New Roman" panose="02020603050405020304" pitchFamily="18" charset="0"/>
+              </a:rPr>
+              <a:t>positon</a:t>
+            </a:r>
+            <a:r>
+              <a:rPr lang="de-DE" sz="1200" dirty="0">
+                <a:effectLst/>
+                <a:latin typeface="Calibri" panose="020F0502020204030204" pitchFamily="34" charset="0"/>
+                <a:ea typeface="Times New Roman" panose="02020603050405020304" pitchFamily="18" charset="0"/>
+                <a:cs typeface="Times New Roman" panose="02020603050405020304" pitchFamily="18" charset="0"/>
+              </a:rPr>
+              <a:t>, </a:t>
+            </a:r>
+            <a:r>
+              <a:rPr lang="de-DE" sz="1200" dirty="0" err="1">
+                <a:effectLst/>
+                <a:latin typeface="Calibri" panose="020F0502020204030204" pitchFamily="34" charset="0"/>
+                <a:ea typeface="Times New Roman" panose="02020603050405020304" pitchFamily="18" charset="0"/>
+                <a:cs typeface="Times New Roman" panose="02020603050405020304" pitchFamily="18" charset="0"/>
+              </a:rPr>
+              <a:t>positionText</a:t>
+            </a:r>
+            <a:r>
+              <a:rPr lang="de-DE" sz="1200" dirty="0">
+                <a:effectLst/>
+                <a:latin typeface="Calibri" panose="020F0502020204030204" pitchFamily="34" charset="0"/>
+                <a:ea typeface="Times New Roman" panose="02020603050405020304" pitchFamily="18" charset="0"/>
+                <a:cs typeface="Times New Roman" panose="02020603050405020304" pitchFamily="18" charset="0"/>
+              </a:rPr>
+              <a:t> Spalte entfernt</a:t>
+            </a:r>
+            <a:endParaRPr lang="en-US" sz="1200" dirty="0">
+              <a:effectLst/>
+              <a:latin typeface="Calibri" panose="020F0502020204030204" pitchFamily="34" charset="0"/>
+              <a:ea typeface="Times New Roman" panose="02020603050405020304" pitchFamily="18" charset="0"/>
+              <a:cs typeface="Times New Roman" panose="02020603050405020304" pitchFamily="18" charset="0"/>
+            </a:endParaRPr>
+          </a:p>
+          <a:p>
+            <a:pPr marL="342900" marR="0" lvl="0" indent="-342900">
+              <a:lnSpc>
+                <a:spcPct val="115000"/>
+              </a:lnSpc>
+              <a:spcBef>
+                <a:spcPts val="0"/>
+              </a:spcBef>
+              <a:spcAft>
+                <a:spcPts val="0"/>
+              </a:spcAft>
+              <a:buFont typeface="Symbol" panose="05050102010706020507" pitchFamily="18" charset="2"/>
+              <a:buChar char=""/>
+            </a:pPr>
+            <a:r>
+              <a:rPr lang="en-US" sz="1200" dirty="0">
+                <a:effectLst/>
+                <a:latin typeface="Calibri" panose="020F0502020204030204" pitchFamily="34" charset="0"/>
+                <a:ea typeface="Times New Roman" panose="02020603050405020304" pitchFamily="18" charset="0"/>
+                <a:cs typeface="Times New Roman" panose="02020603050405020304" pitchFamily="18" charset="0"/>
+              </a:rPr>
+              <a:t>Constructor_standings.csv - 	</a:t>
+            </a:r>
+            <a:r>
+              <a:rPr lang="en-US" sz="1200" dirty="0" err="1">
+                <a:effectLst/>
+                <a:latin typeface="Calibri" panose="020F0502020204030204" pitchFamily="34" charset="0"/>
+                <a:ea typeface="Times New Roman" panose="02020603050405020304" pitchFamily="18" charset="0"/>
+                <a:cs typeface="Times New Roman" panose="02020603050405020304" pitchFamily="18" charset="0"/>
+              </a:rPr>
+              <a:t>positionText</a:t>
+            </a:r>
+            <a:r>
+              <a:rPr lang="en-US" sz="1200" dirty="0">
+                <a:effectLst/>
+                <a:latin typeface="Calibri" panose="020F0502020204030204" pitchFamily="34" charset="0"/>
+                <a:ea typeface="Times New Roman" panose="02020603050405020304" pitchFamily="18" charset="0"/>
+                <a:cs typeface="Times New Roman" panose="02020603050405020304" pitchFamily="18" charset="0"/>
+              </a:rPr>
               <a:t> </a:t>
             </a:r>
             <a:r>
-              <a:rPr lang="en-US" dirty="0" err="1"/>
-              <a:t>sind</a:t>
-            </a:r>
-            <a:r>
-              <a:rPr lang="en-US" dirty="0"/>
-              <a:t> Driver, races und constructor.</a:t>
-            </a:r>
-          </a:p>
-          <a:p>
-            <a:r>
-              <a:rPr lang="en-US" dirty="0"/>
-              <a:t>Die </a:t>
-            </a:r>
-            <a:r>
-              <a:rPr lang="en-US" dirty="0" err="1"/>
-              <a:t>Linien</a:t>
-            </a:r>
-            <a:r>
-              <a:rPr lang="en-US" dirty="0"/>
+              <a:rPr lang="en-US" sz="1200" dirty="0" err="1">
+                <a:effectLst/>
+                <a:latin typeface="Calibri" panose="020F0502020204030204" pitchFamily="34" charset="0"/>
+                <a:ea typeface="Times New Roman" panose="02020603050405020304" pitchFamily="18" charset="0"/>
+                <a:cs typeface="Times New Roman" panose="02020603050405020304" pitchFamily="18" charset="0"/>
+              </a:rPr>
+              <a:t>Spalte</a:t>
+            </a:r>
+            <a:r>
+              <a:rPr lang="en-US" sz="1200" dirty="0">
+                <a:effectLst/>
+                <a:latin typeface="Calibri" panose="020F0502020204030204" pitchFamily="34" charset="0"/>
+                <a:ea typeface="Times New Roman" panose="02020603050405020304" pitchFamily="18" charset="0"/>
+                <a:cs typeface="Times New Roman" panose="02020603050405020304" pitchFamily="18" charset="0"/>
+              </a:rPr>
               <a:t> </a:t>
             </a:r>
             <a:r>
-              <a:rPr lang="en-US" dirty="0" err="1"/>
-              <a:t>bilden</a:t>
-            </a:r>
-            <a:r>
-              <a:rPr lang="en-US" dirty="0"/>
-              <a:t> die </a:t>
-            </a:r>
-            <a:r>
-              <a:rPr lang="en-US" dirty="0" err="1"/>
-              <a:t>Kardinalitäten</a:t>
-            </a:r>
-            <a:r>
-              <a:rPr lang="en-US" dirty="0"/>
-              <a:t> </a:t>
-            </a:r>
-            <a:r>
-              <a:rPr lang="en-US" dirty="0" err="1"/>
-              <a:t>zwischen</a:t>
-            </a:r>
-            <a:r>
-              <a:rPr lang="en-US" dirty="0"/>
-              <a:t> den </a:t>
-            </a:r>
-            <a:r>
-              <a:rPr lang="en-US" dirty="0" err="1"/>
-              <a:t>Tabellen</a:t>
-            </a:r>
-            <a:r>
-              <a:rPr lang="en-US" dirty="0"/>
-              <a:t> ab, die in den Joins </a:t>
-            </a:r>
-            <a:r>
-              <a:rPr lang="en-US" dirty="0" err="1"/>
-              <a:t>berücksichtig</a:t>
-            </a:r>
-            <a:r>
-              <a:rPr lang="en-US" dirty="0"/>
-              <a:t> warden </a:t>
-            </a:r>
-            <a:r>
-              <a:rPr lang="en-US" dirty="0" err="1"/>
-              <a:t>müssen</a:t>
-            </a:r>
-            <a:r>
-              <a:rPr lang="en-US" dirty="0"/>
-              <a:t>.</a:t>
-            </a:r>
+              <a:rPr lang="en-US" sz="1200" dirty="0" err="1">
+                <a:effectLst/>
+                <a:latin typeface="Calibri" panose="020F0502020204030204" pitchFamily="34" charset="0"/>
+                <a:ea typeface="Times New Roman" panose="02020603050405020304" pitchFamily="18" charset="0"/>
+                <a:cs typeface="Times New Roman" panose="02020603050405020304" pitchFamily="18" charset="0"/>
+              </a:rPr>
+              <a:t>entfernt</a:t>
+            </a:r>
+            <a:endParaRPr lang="en-US" sz="1200" dirty="0">
+              <a:effectLst/>
+              <a:latin typeface="Calibri" panose="020F0502020204030204" pitchFamily="34" charset="0"/>
+              <a:ea typeface="Times New Roman" panose="02020603050405020304" pitchFamily="18" charset="0"/>
+              <a:cs typeface="Times New Roman" panose="02020603050405020304" pitchFamily="18" charset="0"/>
+            </a:endParaRPr>
+          </a:p>
+          <a:p>
+            <a:pPr marL="342900" marR="0" lvl="0" indent="-342900">
+              <a:lnSpc>
+                <a:spcPct val="115000"/>
+              </a:lnSpc>
+              <a:spcBef>
+                <a:spcPts val="0"/>
+              </a:spcBef>
+              <a:spcAft>
+                <a:spcPts val="0"/>
+              </a:spcAft>
+              <a:buFont typeface="Symbol" panose="05050102010706020507" pitchFamily="18" charset="2"/>
+              <a:buChar char=""/>
+            </a:pPr>
+            <a:r>
+              <a:rPr lang="de-DE" sz="1200" dirty="0">
+                <a:effectLst/>
+                <a:latin typeface="Calibri" panose="020F0502020204030204" pitchFamily="34" charset="0"/>
+                <a:ea typeface="Times New Roman" panose="02020603050405020304" pitchFamily="18" charset="0"/>
+                <a:cs typeface="Times New Roman" panose="02020603050405020304" pitchFamily="18" charset="0"/>
+              </a:rPr>
+              <a:t>Sprint_results.csv	-	</a:t>
+            </a:r>
+            <a:r>
+              <a:rPr lang="de-DE" sz="1200" dirty="0" err="1">
+                <a:effectLst/>
+                <a:latin typeface="Calibri" panose="020F0502020204030204" pitchFamily="34" charset="0"/>
+                <a:ea typeface="Times New Roman" panose="02020603050405020304" pitchFamily="18" charset="0"/>
+                <a:cs typeface="Times New Roman" panose="02020603050405020304" pitchFamily="18" charset="0"/>
+              </a:rPr>
+              <a:t>positon</a:t>
+            </a:r>
+            <a:r>
+              <a:rPr lang="de-DE" sz="1200" dirty="0">
+                <a:effectLst/>
+                <a:latin typeface="Calibri" panose="020F0502020204030204" pitchFamily="34" charset="0"/>
+                <a:ea typeface="Times New Roman" panose="02020603050405020304" pitchFamily="18" charset="0"/>
+                <a:cs typeface="Times New Roman" panose="02020603050405020304" pitchFamily="18" charset="0"/>
+              </a:rPr>
+              <a:t>, </a:t>
+            </a:r>
+            <a:r>
+              <a:rPr lang="de-DE" sz="1200" dirty="0" err="1">
+                <a:effectLst/>
+                <a:latin typeface="Calibri" panose="020F0502020204030204" pitchFamily="34" charset="0"/>
+                <a:ea typeface="Times New Roman" panose="02020603050405020304" pitchFamily="18" charset="0"/>
+                <a:cs typeface="Times New Roman" panose="02020603050405020304" pitchFamily="18" charset="0"/>
+              </a:rPr>
+              <a:t>positionText</a:t>
+            </a:r>
+            <a:r>
+              <a:rPr lang="de-DE" sz="1200" dirty="0">
+                <a:effectLst/>
+                <a:latin typeface="Calibri" panose="020F0502020204030204" pitchFamily="34" charset="0"/>
+                <a:ea typeface="Times New Roman" panose="02020603050405020304" pitchFamily="18" charset="0"/>
+                <a:cs typeface="Times New Roman" panose="02020603050405020304" pitchFamily="18" charset="0"/>
+              </a:rPr>
+              <a:t> Spalte entfernt</a:t>
+            </a:r>
+            <a:endParaRPr lang="en-US" sz="1200" dirty="0">
+              <a:effectLst/>
+              <a:latin typeface="Calibri" panose="020F0502020204030204" pitchFamily="34" charset="0"/>
+              <a:ea typeface="Times New Roman" panose="02020603050405020304" pitchFamily="18" charset="0"/>
+              <a:cs typeface="Times New Roman" panose="02020603050405020304" pitchFamily="18" charset="0"/>
+            </a:endParaRPr>
+          </a:p>
+          <a:p>
+            <a:pPr marL="342900" marR="0" lvl="0" indent="-342900">
+              <a:lnSpc>
+                <a:spcPct val="115000"/>
+              </a:lnSpc>
+              <a:spcBef>
+                <a:spcPts val="0"/>
+              </a:spcBef>
+              <a:spcAft>
+                <a:spcPts val="0"/>
+              </a:spcAft>
+              <a:buFont typeface="Symbol" panose="05050102010706020507" pitchFamily="18" charset="2"/>
+              <a:buChar char=""/>
+            </a:pPr>
+            <a:r>
+              <a:rPr lang="de-DE" sz="1200" dirty="0">
+                <a:effectLst/>
+                <a:latin typeface="Calibri" panose="020F0502020204030204" pitchFamily="34" charset="0"/>
+                <a:ea typeface="Times New Roman" panose="02020603050405020304" pitchFamily="18" charset="0"/>
+                <a:cs typeface="Times New Roman" panose="02020603050405020304" pitchFamily="18" charset="0"/>
+              </a:rPr>
+              <a:t>Alle „URL“ Spalten in jedem Datensatz entfernt (für die Auswertung nicht relevant)</a:t>
+            </a:r>
+            <a:endParaRPr lang="en-US" sz="1200" dirty="0">
+              <a:effectLst/>
+              <a:latin typeface="Calibri" panose="020F0502020204030204" pitchFamily="34" charset="0"/>
+              <a:ea typeface="Times New Roman" panose="02020603050405020304" pitchFamily="18" charset="0"/>
+              <a:cs typeface="Times New Roman" panose="02020603050405020304" pitchFamily="18" charset="0"/>
+            </a:endParaRPr>
+          </a:p>
+          <a:p>
+            <a:endParaRPr lang="de-DE" sz="1200" dirty="0">
+              <a:effectLst/>
+              <a:latin typeface="Calibri" panose="020F0502020204030204" pitchFamily="34" charset="0"/>
+              <a:ea typeface="Times New Roman" panose="02020603050405020304" pitchFamily="18" charset="0"/>
+              <a:cs typeface="Times New Roman" panose="02020603050405020304" pitchFamily="18" charset="0"/>
+            </a:endParaRPr>
+          </a:p>
+          <a:p>
+            <a:r>
+              <a:rPr lang="de-DE" dirty="0">
+                <a:latin typeface="Calibri" panose="020F0502020204030204" pitchFamily="34" charset="0"/>
+                <a:ea typeface="Times New Roman" panose="02020603050405020304" pitchFamily="18" charset="0"/>
+                <a:cs typeface="Times New Roman" panose="02020603050405020304" pitchFamily="18" charset="0"/>
+              </a:rPr>
+              <a:t>Season.csv nicht genutzt, da hier keine neuen Informationen enthalten sind, die nicht bereits durch einen </a:t>
+            </a:r>
+            <a:r>
+              <a:rPr lang="de-DE" dirty="0" err="1">
+                <a:latin typeface="Calibri" panose="020F0502020204030204" pitchFamily="34" charset="0"/>
+                <a:ea typeface="Times New Roman" panose="02020603050405020304" pitchFamily="18" charset="0"/>
+                <a:cs typeface="Times New Roman" panose="02020603050405020304" pitchFamily="18" charset="0"/>
+              </a:rPr>
+              <a:t>Join</a:t>
+            </a:r>
+            <a:r>
+              <a:rPr lang="de-DE" dirty="0">
+                <a:latin typeface="Calibri" panose="020F0502020204030204" pitchFamily="34" charset="0"/>
+                <a:ea typeface="Times New Roman" panose="02020603050405020304" pitchFamily="18" charset="0"/>
+                <a:cs typeface="Times New Roman" panose="02020603050405020304" pitchFamily="18" charset="0"/>
+              </a:rPr>
+              <a:t> in den anderen Datensätzen vorhanden sind.</a:t>
+            </a:r>
+            <a:endParaRPr lang="de-DE" sz="1200" dirty="0">
+              <a:effectLst/>
+              <a:latin typeface="Calibri" panose="020F0502020204030204" pitchFamily="34" charset="0"/>
+              <a:ea typeface="Times New Roman" panose="02020603050405020304" pitchFamily="18" charset="0"/>
+              <a:cs typeface="Times New Roman" panose="02020603050405020304" pitchFamily="18" charset="0"/>
+            </a:endParaRPr>
+          </a:p>
+          <a:p>
+            <a:endParaRPr lang="de-DE" sz="1200" dirty="0">
+              <a:effectLst/>
+              <a:latin typeface="Calibri" panose="020F0502020204030204" pitchFamily="34" charset="0"/>
+              <a:ea typeface="Times New Roman" panose="02020603050405020304" pitchFamily="18" charset="0"/>
+              <a:cs typeface="Times New Roman" panose="02020603050405020304" pitchFamily="18" charset="0"/>
+            </a:endParaRPr>
+          </a:p>
+          <a:p>
+            <a:r>
+              <a:rPr lang="de-DE" sz="1200" dirty="0">
+                <a:effectLst/>
+                <a:latin typeface="Calibri" panose="020F0502020204030204" pitchFamily="34" charset="0"/>
+                <a:ea typeface="Times New Roman" panose="02020603050405020304" pitchFamily="18" charset="0"/>
+                <a:cs typeface="Times New Roman" panose="02020603050405020304" pitchFamily="18" charset="0"/>
+              </a:rPr>
+              <a:t>Die entfernten Spalten haben keinen Mehrwert geboten, da alle Informationen bereits in anderen Spalten vorhanden waren. Die konkreten Schritte sind im </a:t>
+            </a:r>
+            <a:r>
+              <a:rPr lang="de-DE" sz="1200" dirty="0" err="1">
+                <a:effectLst/>
+                <a:latin typeface="Calibri" panose="020F0502020204030204" pitchFamily="34" charset="0"/>
+                <a:ea typeface="Times New Roman" panose="02020603050405020304" pitchFamily="18" charset="0"/>
+                <a:cs typeface="Times New Roman" panose="02020603050405020304" pitchFamily="18" charset="0"/>
+              </a:rPr>
+              <a:t>DataWrangling.ipynb</a:t>
+            </a:r>
+            <a:r>
+              <a:rPr lang="de-DE" sz="1200" dirty="0">
+                <a:effectLst/>
+                <a:latin typeface="Calibri" panose="020F0502020204030204" pitchFamily="34" charset="0"/>
+                <a:ea typeface="Times New Roman" panose="02020603050405020304" pitchFamily="18" charset="0"/>
+                <a:cs typeface="Times New Roman" panose="02020603050405020304" pitchFamily="18" charset="0"/>
+              </a:rPr>
+              <a:t> nachzuvollziehen. </a:t>
+            </a:r>
+            <a:endParaRPr lang="en-US" dirty="0"/>
+          </a:p>
+          <a:p>
+            <a:endParaRPr lang="en-US" dirty="0"/>
           </a:p>
         </p:txBody>
       </p:sp>
@@ -5623,6 +6348,265 @@
           <a:p>
             <a:fld id="{7BAD68DA-F5B3-4CD9-A6B8-9D4E67AD83C3}" type="slidenum">
               <a:rPr lang="en-US" smtClean="0"/>
+              <a:t>6</a:t>
+            </a:fld>
+            <a:endParaRPr lang="en-US"/>
+          </a:p>
+        </p:txBody>
+      </p:sp>
+    </p:spTree>
+    <p:extLst>
+      <p:ext uri="{BB962C8B-B14F-4D97-AF65-F5344CB8AC3E}">
+        <p14:creationId xmlns:p14="http://schemas.microsoft.com/office/powerpoint/2010/main" val="2927535744"/>
+      </p:ext>
+    </p:extLst>
+  </p:cSld>
+  <p:clrMapOvr>
+    <a:masterClrMapping/>
+  </p:clrMapOvr>
+</p:notes>
+</file>
+
+<file path=ppt/notesSlides/notesSlide7.xml><?xml version="1.0" encoding="utf-8"?>
+<p:notes xmlns:a="http://schemas.openxmlformats.org/drawingml/2006/main" xmlns:r="http://schemas.openxmlformats.org/officeDocument/2006/relationships" xmlns:p="http://schemas.openxmlformats.org/presentationml/2006/main">
+  <p:cSld>
+    <p:spTree>
+      <p:nvGrpSpPr>
+        <p:cNvPr id="1" name=""/>
+        <p:cNvGrpSpPr/>
+        <p:nvPr/>
+      </p:nvGrpSpPr>
+      <p:grpSpPr>
+        <a:xfrm>
+          <a:off x="0" y="0"/>
+          <a:ext cx="0" cy="0"/>
+          <a:chOff x="0" y="0"/>
+          <a:chExt cx="0" cy="0"/>
+        </a:xfrm>
+      </p:grpSpPr>
+      <p:sp>
+        <p:nvSpPr>
+          <p:cNvPr id="2" name="Slide Image Placeholder 1"/>
+          <p:cNvSpPr>
+            <a:spLocks noGrp="1" noRot="1" noChangeAspect="1"/>
+          </p:cNvSpPr>
+          <p:nvPr>
+            <p:ph type="sldImg"/>
+          </p:nvPr>
+        </p:nvSpPr>
+        <p:spPr/>
+      </p:sp>
+      <p:sp>
+        <p:nvSpPr>
+          <p:cNvPr id="3" name="Notes Placeholder 2"/>
+          <p:cNvSpPr>
+            <a:spLocks noGrp="1"/>
+          </p:cNvSpPr>
+          <p:nvPr>
+            <p:ph type="body" idx="1"/>
+          </p:nvPr>
+        </p:nvSpPr>
+        <p:spPr/>
+        <p:txBody>
+          <a:bodyPr/>
+          <a:lstStyle/>
+          <a:p>
+            <a:endParaRPr lang="en-US"/>
+          </a:p>
+        </p:txBody>
+      </p:sp>
+      <p:sp>
+        <p:nvSpPr>
+          <p:cNvPr id="4" name="Slide Number Placeholder 3"/>
+          <p:cNvSpPr>
+            <a:spLocks noGrp="1"/>
+          </p:cNvSpPr>
+          <p:nvPr>
+            <p:ph type="sldNum" sz="quarter" idx="5"/>
+          </p:nvPr>
+        </p:nvSpPr>
+        <p:spPr/>
+        <p:txBody>
+          <a:bodyPr/>
+          <a:lstStyle/>
+          <a:p>
+            <a:fld id="{7BAD68DA-F5B3-4CD9-A6B8-9D4E67AD83C3}" type="slidenum">
+              <a:rPr lang="en-US" smtClean="0"/>
+              <a:t>7</a:t>
+            </a:fld>
+            <a:endParaRPr lang="en-US"/>
+          </a:p>
+        </p:txBody>
+      </p:sp>
+    </p:spTree>
+    <p:extLst>
+      <p:ext uri="{BB962C8B-B14F-4D97-AF65-F5344CB8AC3E}">
+        <p14:creationId xmlns:p14="http://schemas.microsoft.com/office/powerpoint/2010/main" val="487229981"/>
+      </p:ext>
+    </p:extLst>
+  </p:cSld>
+  <p:clrMapOvr>
+    <a:masterClrMapping/>
+  </p:clrMapOvr>
+</p:notes>
+</file>
+
+<file path=ppt/notesSlides/notesSlide8.xml><?xml version="1.0" encoding="utf-8"?>
+<p:notes xmlns:a="http://schemas.openxmlformats.org/drawingml/2006/main" xmlns:r="http://schemas.openxmlformats.org/officeDocument/2006/relationships" xmlns:p="http://schemas.openxmlformats.org/presentationml/2006/main">
+  <p:cSld>
+    <p:spTree>
+      <p:nvGrpSpPr>
+        <p:cNvPr id="1" name=""/>
+        <p:cNvGrpSpPr/>
+        <p:nvPr/>
+      </p:nvGrpSpPr>
+      <p:grpSpPr>
+        <a:xfrm>
+          <a:off x="0" y="0"/>
+          <a:ext cx="0" cy="0"/>
+          <a:chOff x="0" y="0"/>
+          <a:chExt cx="0" cy="0"/>
+        </a:xfrm>
+      </p:grpSpPr>
+      <p:sp>
+        <p:nvSpPr>
+          <p:cNvPr id="2" name="Slide Image Placeholder 1"/>
+          <p:cNvSpPr>
+            <a:spLocks noGrp="1" noRot="1" noChangeAspect="1"/>
+          </p:cNvSpPr>
+          <p:nvPr>
+            <p:ph type="sldImg"/>
+          </p:nvPr>
+        </p:nvSpPr>
+        <p:spPr/>
+      </p:sp>
+      <p:sp>
+        <p:nvSpPr>
+          <p:cNvPr id="3" name="Notes Placeholder 2"/>
+          <p:cNvSpPr>
+            <a:spLocks noGrp="1"/>
+          </p:cNvSpPr>
+          <p:nvPr>
+            <p:ph type="body" idx="1"/>
+          </p:nvPr>
+        </p:nvSpPr>
+        <p:spPr/>
+        <p:txBody>
+          <a:bodyPr/>
+          <a:lstStyle/>
+          <a:p>
+            <a:r>
+              <a:rPr lang="de-DE" dirty="0"/>
+              <a:t>Übersicht der Primär- und Sekundärschlüssel der einzelnen Datensätze.</a:t>
+            </a:r>
+          </a:p>
+          <a:p>
+            <a:r>
+              <a:rPr lang="en-US" dirty="0" err="1"/>
+              <a:t>Haupttabellen</a:t>
+            </a:r>
+            <a:r>
+              <a:rPr lang="en-US" dirty="0"/>
+              <a:t> für die </a:t>
+            </a:r>
+            <a:r>
+              <a:rPr lang="en-US" dirty="0" err="1"/>
+              <a:t>Auswertungen</a:t>
+            </a:r>
+            <a:r>
+              <a:rPr lang="en-US" dirty="0"/>
+              <a:t> </a:t>
+            </a:r>
+            <a:r>
+              <a:rPr lang="en-US" dirty="0" err="1"/>
+              <a:t>sind</a:t>
+            </a:r>
+            <a:r>
+              <a:rPr lang="en-US" dirty="0"/>
+              <a:t> Driver, races und constructor.</a:t>
+            </a:r>
+          </a:p>
+          <a:p>
+            <a:r>
+              <a:rPr lang="en-US" dirty="0"/>
+              <a:t>Die </a:t>
+            </a:r>
+            <a:r>
+              <a:rPr lang="en-US" dirty="0" err="1"/>
+              <a:t>Linien</a:t>
+            </a:r>
+            <a:r>
+              <a:rPr lang="en-US" dirty="0"/>
+              <a:t> </a:t>
+            </a:r>
+            <a:r>
+              <a:rPr lang="en-US" dirty="0" err="1"/>
+              <a:t>bilden</a:t>
+            </a:r>
+            <a:r>
+              <a:rPr lang="en-US" dirty="0"/>
+              <a:t> die </a:t>
+            </a:r>
+            <a:r>
+              <a:rPr lang="en-US" dirty="0" err="1"/>
+              <a:t>Kardinalitäten</a:t>
+            </a:r>
+            <a:r>
+              <a:rPr lang="en-US" dirty="0"/>
+              <a:t> </a:t>
+            </a:r>
+            <a:r>
+              <a:rPr lang="en-US" dirty="0" err="1"/>
+              <a:t>zwischen</a:t>
+            </a:r>
+            <a:r>
+              <a:rPr lang="en-US" dirty="0"/>
+              <a:t> den </a:t>
+            </a:r>
+            <a:r>
+              <a:rPr lang="en-US" dirty="0" err="1"/>
+              <a:t>Tabellen</a:t>
+            </a:r>
+            <a:r>
+              <a:rPr lang="en-US" dirty="0"/>
+              <a:t> ab, die in den Joins </a:t>
+            </a:r>
+            <a:r>
+              <a:rPr lang="en-US" dirty="0" err="1"/>
+              <a:t>berücksichtig</a:t>
+            </a:r>
+            <a:r>
+              <a:rPr lang="en-US" dirty="0"/>
+              <a:t> warden </a:t>
+            </a:r>
+            <a:r>
+              <a:rPr lang="en-US" dirty="0" err="1"/>
+              <a:t>müssen</a:t>
+            </a:r>
+            <a:r>
+              <a:rPr lang="en-US" dirty="0"/>
+              <a:t>.</a:t>
+            </a:r>
+          </a:p>
+        </p:txBody>
+      </p:sp>
+      <p:sp>
+        <p:nvSpPr>
+          <p:cNvPr id="4" name="Slide Number Placeholder 3"/>
+          <p:cNvSpPr>
+            <a:spLocks noGrp="1"/>
+          </p:cNvSpPr>
+          <p:nvPr>
+            <p:ph type="sldNum" sz="quarter" idx="5"/>
+          </p:nvPr>
+        </p:nvSpPr>
+        <p:spPr/>
+        <p:txBody>
+          <a:bodyPr/>
+          <a:lstStyle/>
+          <a:p>
+            <a:fld id="{7BAD68DA-F5B3-4CD9-A6B8-9D4E67AD83C3}" type="slidenum">
+              <a:rPr lang="en-US" smtClean="0"/>
               <a:t>8</a:t>
             </a:fld>
             <a:endParaRPr lang="en-US"/>
@@ -5633,6 +6617,299 @@
     <p:extLst>
       <p:ext uri="{BB962C8B-B14F-4D97-AF65-F5344CB8AC3E}">
         <p14:creationId xmlns:p14="http://schemas.microsoft.com/office/powerpoint/2010/main" val="3643796244"/>
+      </p:ext>
+    </p:extLst>
+  </p:cSld>
+  <p:clrMapOvr>
+    <a:masterClrMapping/>
+  </p:clrMapOvr>
+</p:notes>
+</file>
+
+<file path=ppt/notesSlides/notesSlide9.xml><?xml version="1.0" encoding="utf-8"?>
+<p:notes xmlns:a="http://schemas.openxmlformats.org/drawingml/2006/main" xmlns:r="http://schemas.openxmlformats.org/officeDocument/2006/relationships" xmlns:p="http://schemas.openxmlformats.org/presentationml/2006/main">
+  <p:cSld>
+    <p:spTree>
+      <p:nvGrpSpPr>
+        <p:cNvPr id="1" name=""/>
+        <p:cNvGrpSpPr/>
+        <p:nvPr/>
+      </p:nvGrpSpPr>
+      <p:grpSpPr>
+        <a:xfrm>
+          <a:off x="0" y="0"/>
+          <a:ext cx="0" cy="0"/>
+          <a:chOff x="0" y="0"/>
+          <a:chExt cx="0" cy="0"/>
+        </a:xfrm>
+      </p:grpSpPr>
+      <p:sp>
+        <p:nvSpPr>
+          <p:cNvPr id="2" name="Slide Image Placeholder 1"/>
+          <p:cNvSpPr>
+            <a:spLocks noGrp="1" noRot="1" noChangeAspect="1"/>
+          </p:cNvSpPr>
+          <p:nvPr>
+            <p:ph type="sldImg"/>
+          </p:nvPr>
+        </p:nvSpPr>
+        <p:spPr/>
+      </p:sp>
+      <p:sp>
+        <p:nvSpPr>
+          <p:cNvPr id="3" name="Notes Placeholder 2"/>
+          <p:cNvSpPr>
+            <a:spLocks noGrp="1"/>
+          </p:cNvSpPr>
+          <p:nvPr>
+            <p:ph type="body" idx="1"/>
+          </p:nvPr>
+        </p:nvSpPr>
+        <p:spPr/>
+        <p:txBody>
+          <a:bodyPr/>
+          <a:lstStyle/>
+          <a:p>
+            <a:pPr marL="0" marR="0">
+              <a:lnSpc>
+                <a:spcPct val="115000"/>
+              </a:lnSpc>
+              <a:spcBef>
+                <a:spcPts val="0"/>
+              </a:spcBef>
+              <a:spcAft>
+                <a:spcPts val="1000"/>
+              </a:spcAft>
+            </a:pPr>
+            <a:r>
+              <a:rPr lang="de-DE" sz="1200" dirty="0">
+                <a:effectLst/>
+                <a:latin typeface="Calibri" panose="020F0502020204030204" pitchFamily="34" charset="0"/>
+                <a:ea typeface="Times New Roman" panose="02020603050405020304" pitchFamily="18" charset="0"/>
+                <a:cs typeface="Times New Roman" panose="02020603050405020304" pitchFamily="18" charset="0"/>
+              </a:rPr>
+              <a:t>Im Abschnitt Daten haben wir angemerkt, dass in der Tabelle „</a:t>
+            </a:r>
+            <a:r>
+              <a:rPr lang="de-DE" sz="1200" dirty="0" err="1">
+                <a:effectLst/>
+                <a:latin typeface="Calibri" panose="020F0502020204030204" pitchFamily="34" charset="0"/>
+                <a:ea typeface="Times New Roman" panose="02020603050405020304" pitchFamily="18" charset="0"/>
+                <a:cs typeface="Times New Roman" panose="02020603050405020304" pitchFamily="18" charset="0"/>
+              </a:rPr>
+              <a:t>races</a:t>
+            </a:r>
+            <a:r>
+              <a:rPr lang="de-DE" sz="1200" dirty="0">
+                <a:effectLst/>
+                <a:latin typeface="Calibri" panose="020F0502020204030204" pitchFamily="34" charset="0"/>
+                <a:ea typeface="Times New Roman" panose="02020603050405020304" pitchFamily="18" charset="0"/>
+                <a:cs typeface="Times New Roman" panose="02020603050405020304" pitchFamily="18" charset="0"/>
+              </a:rPr>
+              <a:t>“ (in DWC 180_FormulaOneRaces) einige Werte fehlen. Konkret sind die Spalten I – R (fp1_date, fp1_time, …, </a:t>
+            </a:r>
+            <a:r>
+              <a:rPr lang="de-DE" sz="1200" dirty="0" err="1">
+                <a:effectLst/>
+                <a:latin typeface="Calibri" panose="020F0502020204030204" pitchFamily="34" charset="0"/>
+                <a:ea typeface="Times New Roman" panose="02020603050405020304" pitchFamily="18" charset="0"/>
+                <a:cs typeface="Times New Roman" panose="02020603050405020304" pitchFamily="18" charset="0"/>
+              </a:rPr>
+              <a:t>sprint_time</a:t>
+            </a:r>
+            <a:r>
+              <a:rPr lang="de-DE" sz="1200" dirty="0">
+                <a:effectLst/>
+                <a:latin typeface="Calibri" panose="020F0502020204030204" pitchFamily="34" charset="0"/>
+                <a:ea typeface="Times New Roman" panose="02020603050405020304" pitchFamily="18" charset="0"/>
+                <a:cs typeface="Times New Roman" panose="02020603050405020304" pitchFamily="18" charset="0"/>
+              </a:rPr>
+              <a:t>) nur mit 67 von 1103 Werten oder weniger befüllt. Aus diesem Grund haben wir hier keine Auswertungen erstellt, da nicht ausreichend Daten vorhanden sind. </a:t>
+            </a:r>
+            <a:br>
+              <a:rPr lang="de-DE" sz="1200" dirty="0">
+                <a:effectLst/>
+                <a:latin typeface="Calibri" panose="020F0502020204030204" pitchFamily="34" charset="0"/>
+                <a:ea typeface="Times New Roman" panose="02020603050405020304" pitchFamily="18" charset="0"/>
+                <a:cs typeface="Times New Roman" panose="02020603050405020304" pitchFamily="18" charset="0"/>
+              </a:rPr>
+            </a:br>
+            <a:r>
+              <a:rPr lang="de-DE" sz="1200" dirty="0">
+                <a:effectLst/>
+                <a:latin typeface="Calibri" panose="020F0502020204030204" pitchFamily="34" charset="0"/>
+                <a:ea typeface="Times New Roman" panose="02020603050405020304" pitchFamily="18" charset="0"/>
+                <a:cs typeface="Times New Roman" panose="02020603050405020304" pitchFamily="18" charset="0"/>
+              </a:rPr>
+              <a:t>Ähnliches gilt für die Tabelle „</a:t>
+            </a:r>
+            <a:r>
+              <a:rPr lang="de-DE" sz="1200" dirty="0" err="1">
+                <a:effectLst/>
+                <a:latin typeface="Calibri" panose="020F0502020204030204" pitchFamily="34" charset="0"/>
+                <a:ea typeface="Times New Roman" panose="02020603050405020304" pitchFamily="18" charset="0"/>
+                <a:cs typeface="Times New Roman" panose="02020603050405020304" pitchFamily="18" charset="0"/>
+              </a:rPr>
+              <a:t>qualifying</a:t>
+            </a:r>
+            <a:r>
+              <a:rPr lang="de-DE" sz="1200" dirty="0">
+                <a:effectLst/>
+                <a:latin typeface="Calibri" panose="020F0502020204030204" pitchFamily="34" charset="0"/>
+                <a:ea typeface="Times New Roman" panose="02020603050405020304" pitchFamily="18" charset="0"/>
+                <a:cs typeface="Times New Roman" panose="02020603050405020304" pitchFamily="18" charset="0"/>
+              </a:rPr>
+              <a:t>“ und „</a:t>
+            </a:r>
+            <a:r>
+              <a:rPr lang="de-DE" sz="1200" dirty="0" err="1">
+                <a:effectLst/>
+                <a:latin typeface="Calibri" panose="020F0502020204030204" pitchFamily="34" charset="0"/>
+                <a:ea typeface="Times New Roman" panose="02020603050405020304" pitchFamily="18" charset="0"/>
+                <a:cs typeface="Times New Roman" panose="02020603050405020304" pitchFamily="18" charset="0"/>
+              </a:rPr>
+              <a:t>sprint_results</a:t>
+            </a:r>
+            <a:r>
+              <a:rPr lang="de-DE" sz="1200" dirty="0">
+                <a:effectLst/>
+                <a:latin typeface="Calibri" panose="020F0502020204030204" pitchFamily="34" charset="0"/>
+                <a:ea typeface="Times New Roman" panose="02020603050405020304" pitchFamily="18" charset="0"/>
+                <a:cs typeface="Times New Roman" panose="02020603050405020304" pitchFamily="18" charset="0"/>
+              </a:rPr>
+              <a:t>“ – da hier viele Datenpunkte fehlen, oder zu wenige vorhanden sind (</a:t>
+            </a:r>
+            <a:r>
+              <a:rPr lang="de-DE" sz="1200" dirty="0" err="1">
+                <a:effectLst/>
+                <a:latin typeface="Calibri" panose="020F0502020204030204" pitchFamily="34" charset="0"/>
+                <a:ea typeface="Times New Roman" panose="02020603050405020304" pitchFamily="18" charset="0"/>
+                <a:cs typeface="Times New Roman" panose="02020603050405020304" pitchFamily="18" charset="0"/>
+              </a:rPr>
+              <a:t>sprint_results</a:t>
+            </a:r>
+            <a:r>
+              <a:rPr lang="de-DE" sz="1200" dirty="0">
+                <a:effectLst/>
+                <a:latin typeface="Calibri" panose="020F0502020204030204" pitchFamily="34" charset="0"/>
+                <a:ea typeface="Times New Roman" panose="02020603050405020304" pitchFamily="18" charset="0"/>
+                <a:cs typeface="Times New Roman" panose="02020603050405020304" pitchFamily="18" charset="0"/>
+              </a:rPr>
+              <a:t>) werden mit diesen Daten keine Auswertungen durchgeführt.</a:t>
+            </a:r>
+            <a:endParaRPr lang="en-US" sz="1200" dirty="0">
+              <a:effectLst/>
+              <a:latin typeface="Calibri" panose="020F0502020204030204" pitchFamily="34" charset="0"/>
+              <a:ea typeface="Times New Roman" panose="02020603050405020304" pitchFamily="18" charset="0"/>
+              <a:cs typeface="Times New Roman" panose="02020603050405020304" pitchFamily="18" charset="0"/>
+            </a:endParaRPr>
+          </a:p>
+          <a:p>
+            <a:pPr marL="0" marR="0">
+              <a:lnSpc>
+                <a:spcPct val="115000"/>
+              </a:lnSpc>
+              <a:spcBef>
+                <a:spcPts val="0"/>
+              </a:spcBef>
+              <a:spcAft>
+                <a:spcPts val="1000"/>
+              </a:spcAft>
+            </a:pPr>
+            <a:r>
+              <a:rPr lang="de-DE" sz="1200" dirty="0">
+                <a:effectLst/>
+                <a:latin typeface="Calibri" panose="020F0502020204030204" pitchFamily="34" charset="0"/>
+                <a:ea typeface="Times New Roman" panose="02020603050405020304" pitchFamily="18" charset="0"/>
+                <a:cs typeface="Times New Roman" panose="02020603050405020304" pitchFamily="18" charset="0"/>
+              </a:rPr>
+              <a:t>In der Tabelle „</a:t>
+            </a:r>
+            <a:r>
+              <a:rPr lang="de-DE" sz="1200" dirty="0" err="1">
+                <a:effectLst/>
+                <a:latin typeface="Calibri" panose="020F0502020204030204" pitchFamily="34" charset="0"/>
+                <a:ea typeface="Times New Roman" panose="02020603050405020304" pitchFamily="18" charset="0"/>
+                <a:cs typeface="Times New Roman" panose="02020603050405020304" pitchFamily="18" charset="0"/>
+              </a:rPr>
+              <a:t>results</a:t>
+            </a:r>
+            <a:r>
+              <a:rPr lang="de-DE" sz="1200" dirty="0">
+                <a:effectLst/>
+                <a:latin typeface="Calibri" panose="020F0502020204030204" pitchFamily="34" charset="0"/>
+                <a:ea typeface="Times New Roman" panose="02020603050405020304" pitchFamily="18" charset="0"/>
+                <a:cs typeface="Times New Roman" panose="02020603050405020304" pitchFamily="18" charset="0"/>
+              </a:rPr>
+              <a:t>“ ist die Zeit in zwei unterschiedlichen Formaten enthalten. Für den ersten Platz eines Rennens ist in Zeitformat in der Form HH:MM:SS.MS angegeben, alle weiteren Zeiten des gleichen Rennens in der Form +S.MS. Da die Transformation dieser Daten innerhalb von DWC nicht möglich ist, haben wir uns entschieden diese Daten nicht zu verwerten (siehe Anhang). </a:t>
+            </a:r>
+            <a:endParaRPr lang="en-US" sz="1200" dirty="0">
+              <a:effectLst/>
+              <a:latin typeface="Calibri" panose="020F0502020204030204" pitchFamily="34" charset="0"/>
+              <a:ea typeface="Times New Roman" panose="02020603050405020304" pitchFamily="18" charset="0"/>
+              <a:cs typeface="Times New Roman" panose="02020603050405020304" pitchFamily="18" charset="0"/>
+            </a:endParaRPr>
+          </a:p>
+          <a:p>
+            <a:pPr marL="0" marR="0">
+              <a:lnSpc>
+                <a:spcPct val="115000"/>
+              </a:lnSpc>
+              <a:spcBef>
+                <a:spcPts val="0"/>
+              </a:spcBef>
+              <a:spcAft>
+                <a:spcPts val="1000"/>
+              </a:spcAft>
+            </a:pPr>
+            <a:r>
+              <a:rPr lang="de-DE" sz="1200" dirty="0">
+                <a:effectLst/>
+                <a:latin typeface="Calibri" panose="020F0502020204030204" pitchFamily="34" charset="0"/>
+                <a:ea typeface="Times New Roman" panose="02020603050405020304" pitchFamily="18" charset="0"/>
+                <a:cs typeface="Times New Roman" panose="02020603050405020304" pitchFamily="18" charset="0"/>
+              </a:rPr>
+              <a:t>Beim Importieren der Daten sind einige Inhalte in Spalten, die einen Zeitwert enthalten, nicht korrekt erkannt worden, da diese nicht im H:MM:SS Format vorliegen, sondern M:SS.MS.. Deshalb wurden diese im String Format importiert.</a:t>
+            </a:r>
+            <a:endParaRPr lang="en-US" sz="1200" dirty="0">
+              <a:effectLst/>
+              <a:latin typeface="Calibri" panose="020F0502020204030204" pitchFamily="34" charset="0"/>
+              <a:ea typeface="Times New Roman" panose="02020603050405020304" pitchFamily="18" charset="0"/>
+              <a:cs typeface="Times New Roman" panose="02020603050405020304" pitchFamily="18" charset="0"/>
+            </a:endParaRPr>
+          </a:p>
+          <a:p>
+            <a:endParaRPr lang="en-US" dirty="0"/>
+          </a:p>
+        </p:txBody>
+      </p:sp>
+      <p:sp>
+        <p:nvSpPr>
+          <p:cNvPr id="4" name="Slide Number Placeholder 3"/>
+          <p:cNvSpPr>
+            <a:spLocks noGrp="1"/>
+          </p:cNvSpPr>
+          <p:nvPr>
+            <p:ph type="sldNum" sz="quarter" idx="5"/>
+          </p:nvPr>
+        </p:nvSpPr>
+        <p:spPr/>
+        <p:txBody>
+          <a:bodyPr/>
+          <a:lstStyle/>
+          <a:p>
+            <a:fld id="{7BAD68DA-F5B3-4CD9-A6B8-9D4E67AD83C3}" type="slidenum">
+              <a:rPr lang="en-US" smtClean="0"/>
+              <a:t>11</a:t>
+            </a:fld>
+            <a:endParaRPr lang="en-US"/>
+          </a:p>
+        </p:txBody>
+      </p:sp>
+    </p:spTree>
+    <p:extLst>
+      <p:ext uri="{BB962C8B-B14F-4D97-AF65-F5344CB8AC3E}">
+        <p14:creationId xmlns:p14="http://schemas.microsoft.com/office/powerpoint/2010/main" val="2149325905"/>
       </p:ext>
     </p:extLst>
   </p:cSld>
@@ -8991,7 +10268,7 @@
           <p:nvPr/>
         </p:nvPicPr>
         <p:blipFill rotWithShape="1">
-          <a:blip r:embed="rId2">
+          <a:blip r:embed="rId3">
             <a:alphaModFix amt="50000"/>
           </a:blip>
           <a:srcRect t="196" b="12594"/>
@@ -9537,7 +10814,7 @@
             </a:br>
             <a:r>
               <a:rPr lang="en-US" sz="8000" dirty="0"/>
-              <a:t>in DWC</a:t>
+              <a:t>DWC</a:t>
             </a:r>
           </a:p>
         </p:txBody>
@@ -9922,6 +11199,14 @@
 <file path=ppt/slides/slide11.xml><?xml version="1.0" encoding="utf-8"?>
 <p:sld xmlns:a="http://schemas.openxmlformats.org/drawingml/2006/main" xmlns:r="http://schemas.openxmlformats.org/officeDocument/2006/relationships" xmlns:p="http://schemas.openxmlformats.org/presentationml/2006/main">
   <p:cSld>
+    <p:bg>
+      <p:bgPr>
+        <a:solidFill>
+          <a:schemeClr val="bg1"/>
+        </a:solidFill>
+        <a:effectLst/>
+      </p:bgPr>
+    </p:bg>
     <p:spTree>
       <p:nvGrpSpPr>
         <p:cNvPr id="1" name=""/>
@@ -9936,6 +11221,66 @@
           <a:chExt cx="0" cy="0"/>
         </a:xfrm>
       </p:grpSpPr>
+      <p:sp useBgFill="1">
+        <p:nvSpPr>
+          <p:cNvPr id="24" name="Rectangle 23">
+            <a:extLst>
+              <a:ext uri="{FF2B5EF4-FFF2-40B4-BE49-F238E27FC236}">
+                <a16:creationId xmlns:a16="http://schemas.microsoft.com/office/drawing/2014/main" id="{8D1AA55E-40D5-461B-A5A8-4AE8AAB71B08}"/>
+              </a:ext>
+              <a:ext uri="{C183D7F6-B498-43B3-948B-1728B52AA6E4}">
+                <adec:decorative xmlns:adec="http://schemas.microsoft.com/office/drawing/2017/decorative" val="1"/>
+              </a:ext>
+            </a:extLst>
+          </p:cNvPr>
+          <p:cNvSpPr>
+            <a:spLocks noGrp="1" noRot="1" noChangeAspect="1" noMove="1" noResize="1" noEditPoints="1" noAdjustHandles="1" noChangeArrowheads="1" noChangeShapeType="1" noTextEdit="1"/>
+          </p:cNvSpPr>
+          <p:nvPr>
+            <p:extLst>
+              <p:ext uri="{386F3935-93C4-4BCD-93E2-E3B085C9AB24}">
+                <p16:designElem xmlns:p16="http://schemas.microsoft.com/office/powerpoint/2015/main" val="1"/>
+              </p:ext>
+            </p:extLst>
+          </p:nvPr>
+        </p:nvSpPr>
+        <p:spPr>
+          <a:xfrm>
+            <a:off x="0" y="0"/>
+            <a:ext cx="12192000" cy="6858000"/>
+          </a:xfrm>
+          <a:prstGeom prst="rect">
+            <a:avLst/>
+          </a:prstGeom>
+          <a:ln>
+            <a:noFill/>
+          </a:ln>
+        </p:spPr>
+        <p:style>
+          <a:lnRef idx="2">
+            <a:schemeClr val="accent1">
+              <a:shade val="50000"/>
+            </a:schemeClr>
+          </a:lnRef>
+          <a:fillRef idx="1">
+            <a:schemeClr val="accent1"/>
+          </a:fillRef>
+          <a:effectRef idx="0">
+            <a:schemeClr val="accent1"/>
+          </a:effectRef>
+          <a:fontRef idx="minor">
+            <a:schemeClr val="lt1"/>
+          </a:fontRef>
+        </p:style>
+        <p:txBody>
+          <a:bodyPr rtlCol="0" anchor="ctr"/>
+          <a:lstStyle/>
+          <a:p>
+            <a:pPr algn="ctr"/>
+            <a:endParaRPr lang="en-US" dirty="0"/>
+          </a:p>
+        </p:txBody>
+      </p:sp>
       <p:sp>
         <p:nvSpPr>
           <p:cNvPr id="2" name="Title 1">
@@ -9952,33 +11297,139 @@
             <p:ph type="title"/>
           </p:nvPr>
         </p:nvSpPr>
-        <p:spPr/>
+        <p:spPr>
+          <a:xfrm>
+            <a:off x="803776" y="1336390"/>
+            <a:ext cx="6190412" cy="1182927"/>
+          </a:xfrm>
+        </p:spPr>
         <p:txBody>
-          <a:bodyPr/>
+          <a:bodyPr anchor="b">
+            <a:noAutofit/>
+          </a:bodyPr>
           <a:lstStyle/>
           <a:p>
             <a:pPr lvl="0"/>
             <a:r>
-              <a:rPr lang="en-US" dirty="0" err="1"/>
-              <a:t>Prüfung</a:t>
-            </a:r>
-            <a:r>
-              <a:rPr lang="en-US" dirty="0"/>
-              <a:t> der </a:t>
-            </a:r>
-            <a:r>
-              <a:rPr lang="en-US" dirty="0" err="1"/>
+              <a:rPr lang="en-US" sz="5600"/>
               <a:t>Datenqualität</a:t>
             </a:r>
-            <a:r>
-              <a:rPr lang="en-US" dirty="0"/>
-              <a:t> für die </a:t>
-            </a:r>
-            <a:r>
-              <a:rPr lang="en-US" dirty="0" err="1"/>
-              <a:t>Analyse</a:t>
-            </a:r>
-            <a:endParaRPr lang="en-US" dirty="0"/>
+            <a:endParaRPr lang="en-US" sz="5600" dirty="0"/>
+          </a:p>
+        </p:txBody>
+      </p:sp>
+      <p:cxnSp>
+        <p:nvCxnSpPr>
+          <p:cNvPr id="26" name="Straight Connector 25">
+            <a:extLst>
+              <a:ext uri="{FF2B5EF4-FFF2-40B4-BE49-F238E27FC236}">
+                <a16:creationId xmlns:a16="http://schemas.microsoft.com/office/drawing/2014/main" id="{7EB498BD-8089-4626-91EA-4978EBEF535E}"/>
+              </a:ext>
+              <a:ext uri="{C183D7F6-B498-43B3-948B-1728B52AA6E4}">
+                <adec:decorative xmlns:adec="http://schemas.microsoft.com/office/drawing/2017/decorative" val="1"/>
+              </a:ext>
+            </a:extLst>
+          </p:cNvPr>
+          <p:cNvCxnSpPr>
+            <a:cxnSpLocks noGrp="1" noRot="1" noChangeAspect="1" noMove="1" noResize="1" noEditPoints="1" noAdjustHandles="1" noChangeArrowheads="1" noChangeShapeType="1"/>
+          </p:cNvCxnSpPr>
+          <p:nvPr>
+            <p:extLst>
+              <p:ext uri="{386F3935-93C4-4BCD-93E2-E3B085C9AB24}">
+                <p16:designElem xmlns:p16="http://schemas.microsoft.com/office/powerpoint/2015/main" val="1"/>
+              </p:ext>
+            </p:extLst>
+          </p:nvPr>
+        </p:nvCxnSpPr>
+        <p:spPr>
+          <a:xfrm>
+            <a:off x="0" y="806470"/>
+            <a:ext cx="7903723" cy="0"/>
+          </a:xfrm>
+          <a:prstGeom prst="line">
+            <a:avLst/>
+          </a:prstGeom>
+          <a:ln w="25400" cap="sq">
+            <a:gradFill flip="none" rotWithShape="1">
+              <a:gsLst>
+                <a:gs pos="0">
+                  <a:schemeClr val="accent1"/>
+                </a:gs>
+                <a:gs pos="100000">
+                  <a:schemeClr val="accent2"/>
+                </a:gs>
+              </a:gsLst>
+              <a:lin ang="10800000" scaled="0"/>
+              <a:tileRect/>
+            </a:gradFill>
+            <a:bevel/>
+          </a:ln>
+        </p:spPr>
+        <p:style>
+          <a:lnRef idx="1">
+            <a:schemeClr val="accent1"/>
+          </a:lnRef>
+          <a:fillRef idx="0">
+            <a:schemeClr val="accent1"/>
+          </a:fillRef>
+          <a:effectRef idx="0">
+            <a:schemeClr val="accent1"/>
+          </a:effectRef>
+          <a:fontRef idx="minor">
+            <a:schemeClr val="tx1"/>
+          </a:fontRef>
+        </p:style>
+      </p:cxnSp>
+      <p:sp>
+        <p:nvSpPr>
+          <p:cNvPr id="5" name="Footer Placeholder 4">
+            <a:extLst>
+              <a:ext uri="{FF2B5EF4-FFF2-40B4-BE49-F238E27FC236}">
+                <a16:creationId xmlns:a16="http://schemas.microsoft.com/office/drawing/2014/main" id="{04E00187-8D39-DD26-5838-9D9622664C5E}"/>
+              </a:ext>
+            </a:extLst>
+          </p:cNvPr>
+          <p:cNvSpPr>
+            <a:spLocks noGrp="1"/>
+          </p:cNvSpPr>
+          <p:nvPr>
+            <p:ph type="ftr" sz="quarter" idx="11"/>
+          </p:nvPr>
+        </p:nvSpPr>
+        <p:spPr>
+          <a:xfrm>
+            <a:off x="7962190" y="623907"/>
+            <a:ext cx="4114800" cy="365125"/>
+          </a:xfrm>
+        </p:spPr>
+        <p:txBody>
+          <a:bodyPr>
+            <a:normAutofit/>
+          </a:bodyPr>
+          <a:lstStyle/>
+          <a:p>
+            <a:pPr>
+              <a:spcAft>
+                <a:spcPts val="600"/>
+              </a:spcAft>
+            </a:pPr>
+            <a:r>
+              <a:rPr lang="de-DE">
+                <a:solidFill>
+                  <a:schemeClr val="tx1">
+                    <a:alpha val="60000"/>
+                  </a:schemeClr>
+                </a:solidFill>
+              </a:rPr>
+              <a:t>Formel 1</a:t>
+            </a:r>
+            <a:endParaRPr lang="en-US">
+              <a:solidFill>
+                <a:schemeClr val="tx1">
+                  <a:alpha val="60000"/>
+                </a:schemeClr>
+              </a:solidFill>
+            </a:endParaRPr>
           </a:p>
         </p:txBody>
       </p:sp>
@@ -9998,15 +11449,19 @@
             <p:ph idx="1"/>
           </p:nvPr>
         </p:nvSpPr>
-        <p:spPr/>
+        <p:spPr>
+          <a:xfrm>
+            <a:off x="803776" y="2829330"/>
+            <a:ext cx="6190412" cy="3344459"/>
+          </a:xfrm>
+        </p:spPr>
         <p:txBody>
-          <a:bodyPr/>
+          <a:bodyPr anchor="t">
+            <a:normAutofit/>
+          </a:bodyPr>
           <a:lstStyle/>
           <a:p>
             <a:pPr marL="0" marR="0">
-              <a:lnSpc>
-                <a:spcPct val="115000"/>
-              </a:lnSpc>
               <a:spcBef>
                 <a:spcPts val="0"/>
               </a:spcBef>
@@ -10015,13 +11470,22 @@
               </a:spcAft>
             </a:pPr>
             <a:r>
+              <a:rPr lang="de-DE" sz="1800" dirty="0" err="1">
+                <a:effectLst/>
+                <a:latin typeface="Calibri" panose="020F0502020204030204" pitchFamily="34" charset="0"/>
+                <a:ea typeface="Times New Roman" panose="02020603050405020304" pitchFamily="18" charset="0"/>
+                <a:cs typeface="Times New Roman" panose="02020603050405020304" pitchFamily="18" charset="0"/>
+              </a:rPr>
+              <a:t>races</a:t>
+            </a:r>
+            <a:r>
               <a:rPr lang="de-DE" sz="1800" dirty="0">
                 <a:effectLst/>
                 <a:latin typeface="Calibri" panose="020F0502020204030204" pitchFamily="34" charset="0"/>
                 <a:ea typeface="Times New Roman" panose="02020603050405020304" pitchFamily="18" charset="0"/>
                 <a:cs typeface="Times New Roman" panose="02020603050405020304" pitchFamily="18" charset="0"/>
               </a:rPr>
-              <a:t>Im Abschnitt Daten haben wir angemerkt, dass in der Tabelle „</a:t>
+              <a:t>, </a:t>
             </a:r>
             <a:r>
               <a:rPr lang="de-DE" sz="1800" dirty="0" err="1">
@@ -10030,7 +11494,7 @@
                 <a:ea typeface="Times New Roman" panose="02020603050405020304" pitchFamily="18" charset="0"/>
                 <a:cs typeface="Times New Roman" panose="02020603050405020304" pitchFamily="18" charset="0"/>
               </a:rPr>
-              <a:t>races</a:t>
+              <a:t>qualifying</a:t>
             </a:r>
             <a:r>
               <a:rPr lang="de-DE" sz="1800" dirty="0">
@@ -10039,7 +11503,7 @@
                 <a:ea typeface="Times New Roman" panose="02020603050405020304" pitchFamily="18" charset="0"/>
                 <a:cs typeface="Times New Roman" panose="02020603050405020304" pitchFamily="18" charset="0"/>
               </a:rPr>
-              <a:t>“ (in DWC 180_FormulaOneRaces) einige Werte fehlen. Konkret sind die Spalten I – R (fp1_date, fp1_time, …, </a:t>
+              <a:t> und </a:t>
             </a:r>
             <a:r>
               <a:rPr lang="de-DE" sz="1800" dirty="0" err="1">
@@ -10048,7 +11512,7 @@
                 <a:ea typeface="Times New Roman" panose="02020603050405020304" pitchFamily="18" charset="0"/>
                 <a:cs typeface="Times New Roman" panose="02020603050405020304" pitchFamily="18" charset="0"/>
               </a:rPr>
-              <a:t>sprint_time</a:t>
+              <a:t>sprint_results</a:t>
             </a:r>
             <a:r>
               <a:rPr lang="de-DE" sz="1800" dirty="0">
@@ -10057,16 +11521,35 @@
                 <a:ea typeface="Times New Roman" panose="02020603050405020304" pitchFamily="18" charset="0"/>
                 <a:cs typeface="Times New Roman" panose="02020603050405020304" pitchFamily="18" charset="0"/>
               </a:rPr>
-              <a:t>) nur mit 67 Werten oder weniger befüllt. Aus diesem Grund haben wir hier keine Auswertungen erstellt, da nicht ausreichend Daten vorhanden sind. </a:t>
-            </a:r>
-            <a:br>
+              <a:t> Tabellen nicht genutzt für Analysen, da Datenqualität zu schlecht (bis zu 94% </a:t>
+            </a:r>
+            <a:r>
+              <a:rPr lang="de-DE" sz="1800" dirty="0" err="1">
+                <a:effectLst/>
+                <a:latin typeface="Calibri" panose="020F0502020204030204" pitchFamily="34" charset="0"/>
+                <a:ea typeface="Times New Roman" panose="02020603050405020304" pitchFamily="18" charset="0"/>
+                <a:cs typeface="Times New Roman" panose="02020603050405020304" pitchFamily="18" charset="0"/>
+              </a:rPr>
+              <a:t>missing</a:t>
+            </a:r>
+            <a:r>
               <a:rPr lang="de-DE" sz="1800" dirty="0">
                 <a:effectLst/>
                 <a:latin typeface="Calibri" panose="020F0502020204030204" pitchFamily="34" charset="0"/>
                 <a:ea typeface="Times New Roman" panose="02020603050405020304" pitchFamily="18" charset="0"/>
                 <a:cs typeface="Times New Roman" panose="02020603050405020304" pitchFamily="18" charset="0"/>
               </a:rPr>
-            </a:br>
+              <a:t> </a:t>
+            </a:r>
+            <a:r>
+              <a:rPr lang="de-DE" sz="1800" dirty="0" err="1">
+                <a:effectLst/>
+                <a:latin typeface="Calibri" panose="020F0502020204030204" pitchFamily="34" charset="0"/>
+                <a:ea typeface="Times New Roman" panose="02020603050405020304" pitchFamily="18" charset="0"/>
+                <a:cs typeface="Times New Roman" panose="02020603050405020304" pitchFamily="18" charset="0"/>
+              </a:rPr>
+              <a:t>values</a:t>
+            </a:r>
             <a:r>
               <a:rPr lang="de-DE" sz="1800" dirty="0">
                 <a:effectLst/>
@@ -10074,74 +11557,11 @@
                 <a:ea typeface="Times New Roman" panose="02020603050405020304" pitchFamily="18" charset="0"/>
                 <a:cs typeface="Times New Roman" panose="02020603050405020304" pitchFamily="18" charset="0"/>
               </a:rPr>
-              <a:t>Ähnliches gilt für die Tabelle „</a:t>
-            </a:r>
-            <a:r>
-              <a:rPr lang="de-DE" sz="1800" dirty="0" err="1">
-                <a:effectLst/>
-                <a:latin typeface="Calibri" panose="020F0502020204030204" pitchFamily="34" charset="0"/>
-                <a:ea typeface="Times New Roman" panose="02020603050405020304" pitchFamily="18" charset="0"/>
-                <a:cs typeface="Times New Roman" panose="02020603050405020304" pitchFamily="18" charset="0"/>
-              </a:rPr>
-              <a:t>qualifying</a:t>
-            </a:r>
-            <a:r>
-              <a:rPr lang="de-DE" sz="1800" dirty="0">
-                <a:effectLst/>
-                <a:latin typeface="Calibri" panose="020F0502020204030204" pitchFamily="34" charset="0"/>
-                <a:ea typeface="Times New Roman" panose="02020603050405020304" pitchFamily="18" charset="0"/>
-                <a:cs typeface="Times New Roman" panose="02020603050405020304" pitchFamily="18" charset="0"/>
-              </a:rPr>
-              <a:t>“ und „</a:t>
-            </a:r>
-            <a:r>
-              <a:rPr lang="de-DE" sz="1800" dirty="0" err="1">
-                <a:effectLst/>
-                <a:latin typeface="Calibri" panose="020F0502020204030204" pitchFamily="34" charset="0"/>
-                <a:ea typeface="Times New Roman" panose="02020603050405020304" pitchFamily="18" charset="0"/>
-                <a:cs typeface="Times New Roman" panose="02020603050405020304" pitchFamily="18" charset="0"/>
-              </a:rPr>
-              <a:t>sprint_results</a:t>
-            </a:r>
-            <a:r>
-              <a:rPr lang="de-DE" sz="1800" dirty="0">
-                <a:effectLst/>
-                <a:latin typeface="Calibri" panose="020F0502020204030204" pitchFamily="34" charset="0"/>
-                <a:ea typeface="Times New Roman" panose="02020603050405020304" pitchFamily="18" charset="0"/>
-                <a:cs typeface="Times New Roman" panose="02020603050405020304" pitchFamily="18" charset="0"/>
-              </a:rPr>
-              <a:t>“ – da hier viele Datenpunkte fehlen, oder zu wenige vorhanden sind (</a:t>
-            </a:r>
-            <a:r>
-              <a:rPr lang="de-DE" sz="1800" dirty="0" err="1">
-                <a:effectLst/>
-                <a:latin typeface="Calibri" panose="020F0502020204030204" pitchFamily="34" charset="0"/>
-                <a:ea typeface="Times New Roman" panose="02020603050405020304" pitchFamily="18" charset="0"/>
-                <a:cs typeface="Times New Roman" panose="02020603050405020304" pitchFamily="18" charset="0"/>
-              </a:rPr>
-              <a:t>sprint_results</a:t>
-            </a:r>
-            <a:r>
-              <a:rPr lang="de-DE" sz="1800" dirty="0">
-                <a:effectLst/>
-                <a:latin typeface="Calibri" panose="020F0502020204030204" pitchFamily="34" charset="0"/>
-                <a:ea typeface="Times New Roman" panose="02020603050405020304" pitchFamily="18" charset="0"/>
-                <a:cs typeface="Times New Roman" panose="02020603050405020304" pitchFamily="18" charset="0"/>
-              </a:rPr>
-              <a:t>) werden mit diesen Daten keine Auswertungen durchgeführt.</a:t>
-            </a:r>
-            <a:endParaRPr lang="en-US" sz="1800" dirty="0">
-              <a:effectLst/>
-              <a:latin typeface="Calibri" panose="020F0502020204030204" pitchFamily="34" charset="0"/>
-              <a:ea typeface="Times New Roman" panose="02020603050405020304" pitchFamily="18" charset="0"/>
-              <a:cs typeface="Times New Roman" panose="02020603050405020304" pitchFamily="18" charset="0"/>
-            </a:endParaRPr>
+              <a:t>) </a:t>
+            </a:r>
           </a:p>
           <a:p>
             <a:pPr marL="0" marR="0">
-              <a:lnSpc>
-                <a:spcPct val="115000"/>
-              </a:lnSpc>
               <a:spcBef>
                 <a:spcPts val="0"/>
               </a:spcBef>
@@ -10156,7 +11576,7 @@
                 <a:ea typeface="Times New Roman" panose="02020603050405020304" pitchFamily="18" charset="0"/>
                 <a:cs typeface="Times New Roman" panose="02020603050405020304" pitchFamily="18" charset="0"/>
               </a:rPr>
-              <a:t>In der Tabelle „</a:t>
+              <a:t>Zwei unterschiedliche Zeitformate in einer Spalte in </a:t>
             </a:r>
             <a:r>
               <a:rPr lang="de-DE" sz="1800" dirty="0" err="1">
@@ -10174,20 +11594,11 @@
                 <a:ea typeface="Times New Roman" panose="02020603050405020304" pitchFamily="18" charset="0"/>
                 <a:cs typeface="Times New Roman" panose="02020603050405020304" pitchFamily="18" charset="0"/>
               </a:rPr>
-              <a:t>“ ist die Zeit in zwei unterschiedlichen Formaten enthalten. Für den ersten Platz eines Rennens ist in Zeitformat in der Form HH:MM:SS.MS angegeben, alle weiteren Zeiten des gleichen Rennens in der Form +S.MS. Da die Transformation dieser Daten innerhalb von DWC nicht möglich ist, haben wir uns entschieden diese Daten nicht zu verwerten (siehe Anhang). </a:t>
-            </a:r>
-            <a:endParaRPr lang="en-US" sz="1800" dirty="0">
-              <a:effectLst/>
-              <a:latin typeface="Calibri" panose="020F0502020204030204" pitchFamily="34" charset="0"/>
-              <a:ea typeface="Times New Roman" panose="02020603050405020304" pitchFamily="18" charset="0"/>
-              <a:cs typeface="Times New Roman" panose="02020603050405020304" pitchFamily="18" charset="0"/>
-            </a:endParaRPr>
+              <a:t> Tabelle (HH:MM:SS.MS und +S.MS). Transformation innerhalb von DWC nicht erfolgreich </a:t>
+            </a:r>
           </a:p>
           <a:p>
             <a:pPr marL="0" marR="0">
-              <a:lnSpc>
-                <a:spcPct val="115000"/>
-              </a:lnSpc>
               <a:spcBef>
                 <a:spcPts val="0"/>
               </a:spcBef>
@@ -10202,7 +11613,7 @@
                 <a:ea typeface="Times New Roman" panose="02020603050405020304" pitchFamily="18" charset="0"/>
                 <a:cs typeface="Times New Roman" panose="02020603050405020304" pitchFamily="18" charset="0"/>
               </a:rPr>
-              <a:t>Beim Importieren der Daten sind einige Inhalte in Spalten, die einen Zeitwert enthalten, nicht korrekt erkannt worden, da diese nicht im H:MM:SS Format vorliegen, sondern M:SS.MS.</a:t>
+              <a:t>Einige Zeitwert im String Format importiert, da in M:SS.MS vorliegend.</a:t>
             </a:r>
             <a:endParaRPr lang="en-US" sz="1800" dirty="0">
               <a:effectLst/>
@@ -10212,10 +11623,386 @@
             </a:endParaRPr>
           </a:p>
           <a:p>
-            <a:endParaRPr lang="en-US" dirty="0"/>
+            <a:endParaRPr lang="en-US" sz="1800" dirty="0"/>
           </a:p>
         </p:txBody>
       </p:sp>
+      <p:pic>
+        <p:nvPicPr>
+          <p:cNvPr id="12" name="Picture 11">
+            <a:extLst>
+              <a:ext uri="{FF2B5EF4-FFF2-40B4-BE49-F238E27FC236}">
+                <a16:creationId xmlns:a16="http://schemas.microsoft.com/office/drawing/2014/main" id="{681EDC01-DD13-E4F1-9135-752F56F50F37}"/>
+              </a:ext>
+            </a:extLst>
+          </p:cNvPr>
+          <p:cNvPicPr>
+            <a:picLocks noChangeAspect="1"/>
+          </p:cNvPicPr>
+          <p:nvPr/>
+        </p:nvPicPr>
+        <p:blipFill>
+          <a:blip r:embed="rId3"/>
+          <a:stretch>
+            <a:fillRect/>
+          </a:stretch>
+        </p:blipFill>
+        <p:spPr>
+          <a:xfrm>
+            <a:off x="7903723" y="2829330"/>
+            <a:ext cx="1945873" cy="2496351"/>
+          </a:xfrm>
+          <a:prstGeom prst="rect">
+            <a:avLst/>
+          </a:prstGeom>
+        </p:spPr>
+      </p:pic>
+      <p:grpSp>
+        <p:nvGrpSpPr>
+          <p:cNvPr id="28" name="Group 27">
+            <a:extLst>
+              <a:ext uri="{FF2B5EF4-FFF2-40B4-BE49-F238E27FC236}">
+                <a16:creationId xmlns:a16="http://schemas.microsoft.com/office/drawing/2014/main" id="{35A95ABC-C99A-4AEB-9147-1FCDBA559386}"/>
+              </a:ext>
+              <a:ext uri="{C183D7F6-B498-43B3-948B-1728B52AA6E4}">
+                <adec:decorative xmlns:adec="http://schemas.microsoft.com/office/drawing/2017/decorative" val="1"/>
+              </a:ext>
+            </a:extLst>
+          </p:cNvPr>
+          <p:cNvGrpSpPr>
+            <a:grpSpLocks noGrp="1" noUngrp="1" noRot="1" noChangeAspect="1" noMove="1" noResize="1"/>
+          </p:cNvGrpSpPr>
+          <p:nvPr>
+            <p:extLst>
+              <p:ext uri="{386F3935-93C4-4BCD-93E2-E3B085C9AB24}">
+                <p16:designElem xmlns:p16="http://schemas.microsoft.com/office/powerpoint/2015/main" val="1"/>
+              </p:ext>
+            </p:extLst>
+          </p:nvPr>
+        </p:nvGrpSpPr>
+        <p:grpSpPr>
+          <a:xfrm>
+            <a:off x="11191042" y="1755216"/>
+            <a:ext cx="289888" cy="613136"/>
+            <a:chOff x="11191042" y="1755216"/>
+            <a:chExt cx="289888" cy="613136"/>
+          </a:xfrm>
+        </p:grpSpPr>
+        <p:sp>
+          <p:nvSpPr>
+            <p:cNvPr id="29" name="Graphic 11">
+              <a:extLst>
+                <a:ext uri="{FF2B5EF4-FFF2-40B4-BE49-F238E27FC236}">
+                  <a16:creationId xmlns:a16="http://schemas.microsoft.com/office/drawing/2014/main" id="{6CB927A4-E432-4310-9CD5-E89FF5063179}"/>
+                </a:ext>
+                <a:ext uri="{C183D7F6-B498-43B3-948B-1728B52AA6E4}">
+                  <adec:decorative xmlns:adec="http://schemas.microsoft.com/office/drawing/2017/decorative" val="1"/>
+                </a:ext>
+              </a:extLst>
+            </p:cNvPr>
+            <p:cNvSpPr/>
+            <p:nvPr>
+              <p:extLst>
+                <p:ext uri="{386F3935-93C4-4BCD-93E2-E3B085C9AB24}">
+                  <p16:designElem xmlns:p16="http://schemas.microsoft.com/office/powerpoint/2015/main" val="1"/>
+                </p:ext>
+              </p:extLst>
+            </p:nvPr>
+          </p:nvSpPr>
+          <p:spPr>
+            <a:xfrm>
+              <a:off x="11191042" y="1755216"/>
+              <a:ext cx="139039" cy="139039"/>
+            </a:xfrm>
+            <a:custGeom>
+              <a:avLst/>
+              <a:gdLst>
+                <a:gd name="connsiteX0" fmla="*/ 129602 w 139039"/>
+                <a:gd name="connsiteY0" fmla="*/ 60082 h 139039"/>
+                <a:gd name="connsiteX1" fmla="*/ 78957 w 139039"/>
+                <a:gd name="connsiteY1" fmla="*/ 60082 h 139039"/>
+                <a:gd name="connsiteX2" fmla="*/ 78957 w 139039"/>
+                <a:gd name="connsiteY2" fmla="*/ 9437 h 139039"/>
+                <a:gd name="connsiteX3" fmla="*/ 69520 w 139039"/>
+                <a:gd name="connsiteY3" fmla="*/ 0 h 139039"/>
+                <a:gd name="connsiteX4" fmla="*/ 60082 w 139039"/>
+                <a:gd name="connsiteY4" fmla="*/ 9437 h 139039"/>
+                <a:gd name="connsiteX5" fmla="*/ 60082 w 139039"/>
+                <a:gd name="connsiteY5" fmla="*/ 60082 h 139039"/>
+                <a:gd name="connsiteX6" fmla="*/ 9437 w 139039"/>
+                <a:gd name="connsiteY6" fmla="*/ 60082 h 139039"/>
+                <a:gd name="connsiteX7" fmla="*/ 0 w 139039"/>
+                <a:gd name="connsiteY7" fmla="*/ 69520 h 139039"/>
+                <a:gd name="connsiteX8" fmla="*/ 9437 w 139039"/>
+                <a:gd name="connsiteY8" fmla="*/ 78957 h 139039"/>
+                <a:gd name="connsiteX9" fmla="*/ 60082 w 139039"/>
+                <a:gd name="connsiteY9" fmla="*/ 78957 h 139039"/>
+                <a:gd name="connsiteX10" fmla="*/ 60082 w 139039"/>
+                <a:gd name="connsiteY10" fmla="*/ 129602 h 139039"/>
+                <a:gd name="connsiteX11" fmla="*/ 69520 w 139039"/>
+                <a:gd name="connsiteY11" fmla="*/ 139039 h 139039"/>
+                <a:gd name="connsiteX12" fmla="*/ 78957 w 139039"/>
+                <a:gd name="connsiteY12" fmla="*/ 129602 h 139039"/>
+                <a:gd name="connsiteX13" fmla="*/ 78957 w 139039"/>
+                <a:gd name="connsiteY13" fmla="*/ 78957 h 139039"/>
+                <a:gd name="connsiteX14" fmla="*/ 129602 w 139039"/>
+                <a:gd name="connsiteY14" fmla="*/ 78957 h 139039"/>
+                <a:gd name="connsiteX15" fmla="*/ 139039 w 139039"/>
+                <a:gd name="connsiteY15" fmla="*/ 69520 h 139039"/>
+                <a:gd name="connsiteX16" fmla="*/ 129602 w 139039"/>
+                <a:gd name="connsiteY16" fmla="*/ 60082 h 139039"/>
+              </a:gdLst>
+              <a:ahLst/>
+              <a:cxnLst>
+                <a:cxn ang="0">
+                  <a:pos x="connsiteX0" y="connsiteY0"/>
+                </a:cxn>
+                <a:cxn ang="0">
+                  <a:pos x="connsiteX1" y="connsiteY1"/>
+                </a:cxn>
+                <a:cxn ang="0">
+                  <a:pos x="connsiteX2" y="connsiteY2"/>
+                </a:cxn>
+                <a:cxn ang="0">
+                  <a:pos x="connsiteX3" y="connsiteY3"/>
+                </a:cxn>
+                <a:cxn ang="0">
+                  <a:pos x="connsiteX4" y="connsiteY4"/>
+                </a:cxn>
+                <a:cxn ang="0">
+                  <a:pos x="connsiteX5" y="connsiteY5"/>
+                </a:cxn>
+                <a:cxn ang="0">
+                  <a:pos x="connsiteX6" y="connsiteY6"/>
+                </a:cxn>
+                <a:cxn ang="0">
+                  <a:pos x="connsiteX7" y="connsiteY7"/>
+                </a:cxn>
+                <a:cxn ang="0">
+                  <a:pos x="connsiteX8" y="connsiteY8"/>
+                </a:cxn>
+                <a:cxn ang="0">
+                  <a:pos x="connsiteX9" y="connsiteY9"/>
+                </a:cxn>
+                <a:cxn ang="0">
+                  <a:pos x="connsiteX10" y="connsiteY10"/>
+                </a:cxn>
+                <a:cxn ang="0">
+                  <a:pos x="connsiteX11" y="connsiteY11"/>
+                </a:cxn>
+                <a:cxn ang="0">
+                  <a:pos x="connsiteX12" y="connsiteY12"/>
+                </a:cxn>
+                <a:cxn ang="0">
+                  <a:pos x="connsiteX13" y="connsiteY13"/>
+                </a:cxn>
+                <a:cxn ang="0">
+                  <a:pos x="connsiteX14" y="connsiteY14"/>
+                </a:cxn>
+                <a:cxn ang="0">
+                  <a:pos x="connsiteX15" y="connsiteY15"/>
+                </a:cxn>
+                <a:cxn ang="0">
+                  <a:pos x="connsiteX16" y="connsiteY16"/>
+                </a:cxn>
+              </a:cxnLst>
+              <a:rect l="l" t="t" r="r" b="b"/>
+              <a:pathLst>
+                <a:path w="139039" h="139039">
+                  <a:moveTo>
+                    <a:pt x="129602" y="60082"/>
+                  </a:moveTo>
+                  <a:lnTo>
+                    <a:pt x="78957" y="60082"/>
+                  </a:lnTo>
+                  <a:lnTo>
+                    <a:pt x="78957" y="9437"/>
+                  </a:lnTo>
+                  <a:cubicBezTo>
+                    <a:pt x="78957" y="4225"/>
+                    <a:pt x="74731" y="0"/>
+                    <a:pt x="69520" y="0"/>
+                  </a:cubicBezTo>
+                  <a:cubicBezTo>
+                    <a:pt x="64308" y="0"/>
+                    <a:pt x="60082" y="4225"/>
+                    <a:pt x="60082" y="9437"/>
+                  </a:cubicBezTo>
+                  <a:lnTo>
+                    <a:pt x="60082" y="60082"/>
+                  </a:lnTo>
+                  <a:lnTo>
+                    <a:pt x="9437" y="60082"/>
+                  </a:lnTo>
+                  <a:cubicBezTo>
+                    <a:pt x="4225" y="60082"/>
+                    <a:pt x="0" y="64308"/>
+                    <a:pt x="0" y="69520"/>
+                  </a:cubicBezTo>
+                  <a:cubicBezTo>
+                    <a:pt x="0" y="74731"/>
+                    <a:pt x="4225" y="78957"/>
+                    <a:pt x="9437" y="78957"/>
+                  </a:cubicBezTo>
+                  <a:lnTo>
+                    <a:pt x="60082" y="78957"/>
+                  </a:lnTo>
+                  <a:lnTo>
+                    <a:pt x="60082" y="129602"/>
+                  </a:lnTo>
+                  <a:cubicBezTo>
+                    <a:pt x="60082" y="134814"/>
+                    <a:pt x="64308" y="139039"/>
+                    <a:pt x="69520" y="139039"/>
+                  </a:cubicBezTo>
+                  <a:cubicBezTo>
+                    <a:pt x="74731" y="139039"/>
+                    <a:pt x="78957" y="134814"/>
+                    <a:pt x="78957" y="129602"/>
+                  </a:cubicBezTo>
+                  <a:lnTo>
+                    <a:pt x="78957" y="78957"/>
+                  </a:lnTo>
+                  <a:lnTo>
+                    <a:pt x="129602" y="78957"/>
+                  </a:lnTo>
+                  <a:cubicBezTo>
+                    <a:pt x="134814" y="78957"/>
+                    <a:pt x="139039" y="74731"/>
+                    <a:pt x="139039" y="69520"/>
+                  </a:cubicBezTo>
+                  <a:cubicBezTo>
+                    <a:pt x="139039" y="64308"/>
+                    <a:pt x="134814" y="60082"/>
+                    <a:pt x="129602" y="60082"/>
+                  </a:cubicBezTo>
+                  <a:close/>
+                </a:path>
+              </a:pathLst>
+            </a:custGeom>
+            <a:solidFill>
+              <a:schemeClr val="accent1"/>
+            </a:solidFill>
+            <a:ln w="603" cap="flat">
+              <a:noFill/>
+              <a:prstDash val="solid"/>
+              <a:miter/>
+            </a:ln>
+          </p:spPr>
+          <p:txBody>
+            <a:bodyPr rtlCol="0" anchor="ctr"/>
+            <a:lstStyle/>
+            <a:p>
+              <a:endParaRPr lang="en-US"/>
+            </a:p>
+          </p:txBody>
+        </p:sp>
+        <p:sp>
+          <p:nvSpPr>
+            <p:cNvPr id="30" name="Graphic 10">
+              <a:extLst>
+                <a:ext uri="{FF2B5EF4-FFF2-40B4-BE49-F238E27FC236}">
+                  <a16:creationId xmlns:a16="http://schemas.microsoft.com/office/drawing/2014/main" id="{E3020543-B24B-4EC4-8FFC-8DD88EEA91A8}"/>
+                </a:ext>
+                <a:ext uri="{C183D7F6-B498-43B3-948B-1728B52AA6E4}">
+                  <adec:decorative xmlns:adec="http://schemas.microsoft.com/office/drawing/2017/decorative" val="1"/>
+                </a:ext>
+              </a:extLst>
+            </p:cNvPr>
+            <p:cNvSpPr/>
+            <p:nvPr>
+              <p:extLst>
+                <p:ext uri="{386F3935-93C4-4BCD-93E2-E3B085C9AB24}">
+                  <p16:designElem xmlns:p16="http://schemas.microsoft.com/office/powerpoint/2015/main" val="1"/>
+                </p:ext>
+              </p:extLst>
+            </p:nvPr>
+          </p:nvSpPr>
+          <p:spPr>
+            <a:xfrm>
+              <a:off x="11389792" y="2277214"/>
+              <a:ext cx="91138" cy="91138"/>
+            </a:xfrm>
+            <a:custGeom>
+              <a:avLst/>
+              <a:gdLst>
+                <a:gd name="connsiteX0" fmla="*/ 91138 w 91138"/>
+                <a:gd name="connsiteY0" fmla="*/ 45569 h 91138"/>
+                <a:gd name="connsiteX1" fmla="*/ 45569 w 91138"/>
+                <a:gd name="connsiteY1" fmla="*/ 91138 h 91138"/>
+                <a:gd name="connsiteX2" fmla="*/ 0 w 91138"/>
+                <a:gd name="connsiteY2" fmla="*/ 45569 h 91138"/>
+                <a:gd name="connsiteX3" fmla="*/ 45569 w 91138"/>
+                <a:gd name="connsiteY3" fmla="*/ 0 h 91138"/>
+                <a:gd name="connsiteX4" fmla="*/ 91138 w 91138"/>
+                <a:gd name="connsiteY4" fmla="*/ 45569 h 91138"/>
+              </a:gdLst>
+              <a:ahLst/>
+              <a:cxnLst>
+                <a:cxn ang="0">
+                  <a:pos x="connsiteX0" y="connsiteY0"/>
+                </a:cxn>
+                <a:cxn ang="0">
+                  <a:pos x="connsiteX1" y="connsiteY1"/>
+                </a:cxn>
+                <a:cxn ang="0">
+                  <a:pos x="connsiteX2" y="connsiteY2"/>
+                </a:cxn>
+                <a:cxn ang="0">
+                  <a:pos x="connsiteX3" y="connsiteY3"/>
+                </a:cxn>
+                <a:cxn ang="0">
+                  <a:pos x="connsiteX4" y="connsiteY4"/>
+                </a:cxn>
+              </a:cxnLst>
+              <a:rect l="l" t="t" r="r" b="b"/>
+              <a:pathLst>
+                <a:path w="91138" h="91138">
+                  <a:moveTo>
+                    <a:pt x="91138" y="45569"/>
+                  </a:moveTo>
+                  <a:cubicBezTo>
+                    <a:pt x="91138" y="70736"/>
+                    <a:pt x="70736" y="91138"/>
+                    <a:pt x="45569" y="91138"/>
+                  </a:cubicBezTo>
+                  <a:cubicBezTo>
+                    <a:pt x="20402" y="91138"/>
+                    <a:pt x="0" y="70736"/>
+                    <a:pt x="0" y="45569"/>
+                  </a:cubicBezTo>
+                  <a:cubicBezTo>
+                    <a:pt x="0" y="20402"/>
+                    <a:pt x="20402" y="0"/>
+                    <a:pt x="45569" y="0"/>
+                  </a:cubicBezTo>
+                  <a:cubicBezTo>
+                    <a:pt x="70736" y="0"/>
+                    <a:pt x="91138" y="20402"/>
+                    <a:pt x="91138" y="45569"/>
+                  </a:cubicBezTo>
+                  <a:close/>
+                </a:path>
+              </a:pathLst>
+            </a:custGeom>
+            <a:solidFill>
+              <a:schemeClr val="accent1"/>
+            </a:solidFill>
+            <a:ln w="422" cap="flat">
+              <a:noFill/>
+              <a:prstDash val="solid"/>
+              <a:miter/>
+            </a:ln>
+          </p:spPr>
+          <p:txBody>
+            <a:bodyPr rtlCol="0" anchor="ctr"/>
+            <a:lstStyle/>
+            <a:p>
+              <a:endParaRPr lang="en-US"/>
+            </a:p>
+          </p:txBody>
+        </p:sp>
+      </p:grpSp>
       <p:sp>
         <p:nvSpPr>
           <p:cNvPr id="4" name="Date Placeholder 3">
@@ -10232,45 +12019,45 @@
             <p:ph type="dt" sz="half" idx="10"/>
           </p:nvPr>
         </p:nvSpPr>
-        <p:spPr/>
+        <p:spPr>
+          <a:xfrm>
+            <a:off x="838200" y="6356350"/>
+            <a:ext cx="2743200" cy="365125"/>
+          </a:xfrm>
+        </p:spPr>
         <p:txBody>
-          <a:bodyPr/>
+          <a:bodyPr>
+            <a:normAutofit/>
+          </a:bodyPr>
           <a:lstStyle/>
           <a:p>
+            <a:pPr>
+              <a:spcAft>
+                <a:spcPts val="600"/>
+              </a:spcAft>
+            </a:pPr>
             <a:fld id="{615C672C-8BB3-41B4-B0FE-0881E05E57D5}" type="datetime1">
-              <a:rPr lang="en-US" smtClean="0"/>
+              <a:rPr lang="en-US">
+                <a:solidFill>
+                  <a:schemeClr val="tx1">
+                    <a:alpha val="60000"/>
+                  </a:schemeClr>
+                </a:solidFill>
+              </a:rPr>
+              <a:pPr>
+                <a:spcAft>
+                  <a:spcPts val="600"/>
+                </a:spcAft>
+              </a:pPr>
               <a:t>5/1/2023</a:t>
             </a:fld>
-            <a:endParaRPr lang="en-US"/>
-          </a:p>
-        </p:txBody>
-      </p:sp>
-      <p:sp>
-        <p:nvSpPr>
-          <p:cNvPr id="5" name="Footer Placeholder 4">
-            <a:extLst>
-              <a:ext uri="{FF2B5EF4-FFF2-40B4-BE49-F238E27FC236}">
-                <a16:creationId xmlns:a16="http://schemas.microsoft.com/office/drawing/2014/main" id="{04E00187-8D39-DD26-5838-9D9622664C5E}"/>
-              </a:ext>
-            </a:extLst>
-          </p:cNvPr>
-          <p:cNvSpPr>
-            <a:spLocks noGrp="1"/>
-          </p:cNvSpPr>
-          <p:nvPr>
-            <p:ph type="ftr" sz="quarter" idx="11"/>
-          </p:nvPr>
-        </p:nvSpPr>
-        <p:spPr/>
-        <p:txBody>
-          <a:bodyPr/>
-          <a:lstStyle/>
-          <a:p>
-            <a:r>
-              <a:rPr lang="de-DE"/>
-              <a:t>Formel 1</a:t>
-            </a:r>
-            <a:endParaRPr lang="en-US"/>
+            <a:endParaRPr lang="en-US">
+              <a:solidFill>
+                <a:schemeClr val="tx1">
+                  <a:alpha val="60000"/>
+                </a:schemeClr>
+              </a:solidFill>
+            </a:endParaRPr>
           </a:p>
         </p:txBody>
       </p:sp>
@@ -10290,25 +12077,54 @@
             <p:ph type="sldNum" sz="quarter" idx="12"/>
           </p:nvPr>
         </p:nvSpPr>
-        <p:spPr/>
+        <p:spPr>
+          <a:xfrm>
+            <a:off x="8610600" y="6356350"/>
+            <a:ext cx="2743200" cy="365125"/>
+          </a:xfrm>
+        </p:spPr>
         <p:txBody>
-          <a:bodyPr/>
+          <a:bodyPr>
+            <a:normAutofit/>
+          </a:bodyPr>
           <a:lstStyle/>
           <a:p>
+            <a:pPr>
+              <a:spcAft>
+                <a:spcPts val="600"/>
+              </a:spcAft>
+            </a:pPr>
             <a:fld id="{4A02C0CA-695B-4E24-A1D3-3DA5FEDE07AC}" type="slidenum">
-              <a:rPr lang="en-US" smtClean="0"/>
+              <a:rPr lang="en-US">
+                <a:solidFill>
+                  <a:schemeClr val="tx1">
+                    <a:alpha val="60000"/>
+                  </a:schemeClr>
+                </a:solidFill>
+              </a:rPr>
+              <a:pPr>
+                <a:spcAft>
+                  <a:spcPts val="600"/>
+                </a:spcAft>
+              </a:pPr>
               <a:t>11</a:t>
             </a:fld>
-            <a:endParaRPr lang="en-US"/>
+            <a:endParaRPr lang="en-US">
+              <a:solidFill>
+                <a:schemeClr val="tx1">
+                  <a:alpha val="60000"/>
+                </a:schemeClr>
+              </a:solidFill>
+            </a:endParaRPr>
           </a:p>
         </p:txBody>
       </p:sp>
       <p:pic>
         <p:nvPicPr>
-          <p:cNvPr id="13" name="Picture 12">
+          <p:cNvPr id="9" name="Picture 8">
             <a:extLst>
               <a:ext uri="{FF2B5EF4-FFF2-40B4-BE49-F238E27FC236}">
-                <a16:creationId xmlns:a16="http://schemas.microsoft.com/office/drawing/2014/main" id="{D3BD1FCA-D23D-36D6-BF8B-8DB9D5A02EEE}"/>
+                <a16:creationId xmlns:a16="http://schemas.microsoft.com/office/drawing/2014/main" id="{1979A8E1-F2C7-6074-4A78-57EF204819C0}"/>
               </a:ext>
             </a:extLst>
           </p:cNvPr>
@@ -10318,15 +12134,15 @@
           <p:nvPr/>
         </p:nvPicPr>
         <p:blipFill>
-          <a:blip r:embed="rId2"/>
+          <a:blip r:embed="rId4"/>
           <a:stretch>
             <a:fillRect/>
           </a:stretch>
         </p:blipFill>
         <p:spPr>
           <a:xfrm>
-            <a:off x="3215640" y="3018155"/>
-            <a:ext cx="5760720" cy="821690"/>
+            <a:off x="803776" y="5404051"/>
+            <a:ext cx="6843933" cy="975261"/>
           </a:xfrm>
           <a:prstGeom prst="rect">
             <a:avLst/>
@@ -10349,6 +12165,14 @@
 <file path=ppt/slides/slide12.xml><?xml version="1.0" encoding="utf-8"?>
 <p:sld xmlns:a="http://schemas.openxmlformats.org/drawingml/2006/main" xmlns:r="http://schemas.openxmlformats.org/officeDocument/2006/relationships" xmlns:p="http://schemas.openxmlformats.org/presentationml/2006/main">
   <p:cSld>
+    <p:bg>
+      <p:bgPr>
+        <a:solidFill>
+          <a:schemeClr val="bg1"/>
+        </a:solidFill>
+        <a:effectLst/>
+      </p:bgPr>
+    </p:bg>
     <p:spTree>
       <p:nvGrpSpPr>
         <p:cNvPr id="1" name=""/>
@@ -10363,6 +12187,66 @@
           <a:chExt cx="0" cy="0"/>
         </a:xfrm>
       </p:grpSpPr>
+      <p:sp useBgFill="1">
+        <p:nvSpPr>
+          <p:cNvPr id="17" name="Rectangle 16">
+            <a:extLst>
+              <a:ext uri="{FF2B5EF4-FFF2-40B4-BE49-F238E27FC236}">
+                <a16:creationId xmlns:a16="http://schemas.microsoft.com/office/drawing/2014/main" id="{8D1AA55E-40D5-461B-A5A8-4AE8AAB71B08}"/>
+              </a:ext>
+              <a:ext uri="{C183D7F6-B498-43B3-948B-1728B52AA6E4}">
+                <adec:decorative xmlns:adec="http://schemas.microsoft.com/office/drawing/2017/decorative" val="1"/>
+              </a:ext>
+            </a:extLst>
+          </p:cNvPr>
+          <p:cNvSpPr>
+            <a:spLocks noGrp="1" noRot="1" noChangeAspect="1" noMove="1" noResize="1" noEditPoints="1" noAdjustHandles="1" noChangeArrowheads="1" noChangeShapeType="1" noTextEdit="1"/>
+          </p:cNvSpPr>
+          <p:nvPr>
+            <p:extLst>
+              <p:ext uri="{386F3935-93C4-4BCD-93E2-E3B085C9AB24}">
+                <p16:designElem xmlns:p16="http://schemas.microsoft.com/office/powerpoint/2015/main" val="1"/>
+              </p:ext>
+            </p:extLst>
+          </p:nvPr>
+        </p:nvSpPr>
+        <p:spPr>
+          <a:xfrm>
+            <a:off x="0" y="0"/>
+            <a:ext cx="12192000" cy="6858000"/>
+          </a:xfrm>
+          <a:prstGeom prst="rect">
+            <a:avLst/>
+          </a:prstGeom>
+          <a:ln>
+            <a:noFill/>
+          </a:ln>
+        </p:spPr>
+        <p:style>
+          <a:lnRef idx="2">
+            <a:schemeClr val="accent1">
+              <a:shade val="50000"/>
+            </a:schemeClr>
+          </a:lnRef>
+          <a:fillRef idx="1">
+            <a:schemeClr val="accent1"/>
+          </a:fillRef>
+          <a:effectRef idx="0">
+            <a:schemeClr val="accent1"/>
+          </a:effectRef>
+          <a:fontRef idx="minor">
+            <a:schemeClr val="lt1"/>
+          </a:fontRef>
+        </p:style>
+        <p:txBody>
+          <a:bodyPr rtlCol="0" anchor="ctr"/>
+          <a:lstStyle/>
+          <a:p>
+            <a:pPr algn="ctr"/>
+            <a:endParaRPr lang="en-US" dirty="0"/>
+          </a:p>
+        </p:txBody>
+      </p:sp>
       <p:sp>
         <p:nvSpPr>
           <p:cNvPr id="2" name="Title 1">
@@ -10379,23 +12263,138 @@
             <p:ph type="title"/>
           </p:nvPr>
         </p:nvSpPr>
-        <p:spPr/>
+        <p:spPr>
+          <a:xfrm>
+            <a:off x="803776" y="1336390"/>
+            <a:ext cx="6190412" cy="1182927"/>
+          </a:xfrm>
+        </p:spPr>
         <p:txBody>
-          <a:bodyPr/>
+          <a:bodyPr anchor="b">
+            <a:normAutofit/>
+          </a:bodyPr>
           <a:lstStyle/>
           <a:p>
             <a:r>
-              <a:rPr lang="de-DE" dirty="0"/>
+              <a:rPr lang="de-DE" sz="5600" dirty="0"/>
               <a:t>Transformationen</a:t>
             </a:r>
-            <a:br>
-              <a:rPr lang="de-DE" dirty="0"/>
-            </a:br>
-            <a:r>
-              <a:rPr lang="de-DE" dirty="0"/>
-              <a:t>Screenshot Dimensional View </a:t>
-            </a:r>
-            <a:endParaRPr lang="en-US" dirty="0"/>
+            <a:endParaRPr lang="en-US" sz="5600" dirty="0"/>
+          </a:p>
+        </p:txBody>
+      </p:sp>
+      <p:cxnSp>
+        <p:nvCxnSpPr>
+          <p:cNvPr id="19" name="Straight Connector 18">
+            <a:extLst>
+              <a:ext uri="{FF2B5EF4-FFF2-40B4-BE49-F238E27FC236}">
+                <a16:creationId xmlns:a16="http://schemas.microsoft.com/office/drawing/2014/main" id="{7EB498BD-8089-4626-91EA-4978EBEF535E}"/>
+              </a:ext>
+              <a:ext uri="{C183D7F6-B498-43B3-948B-1728B52AA6E4}">
+                <adec:decorative xmlns:adec="http://schemas.microsoft.com/office/drawing/2017/decorative" val="1"/>
+              </a:ext>
+            </a:extLst>
+          </p:cNvPr>
+          <p:cNvCxnSpPr>
+            <a:cxnSpLocks noGrp="1" noRot="1" noChangeAspect="1" noMove="1" noResize="1" noEditPoints="1" noAdjustHandles="1" noChangeArrowheads="1" noChangeShapeType="1"/>
+          </p:cNvCxnSpPr>
+          <p:nvPr>
+            <p:extLst>
+              <p:ext uri="{386F3935-93C4-4BCD-93E2-E3B085C9AB24}">
+                <p16:designElem xmlns:p16="http://schemas.microsoft.com/office/powerpoint/2015/main" val="1"/>
+              </p:ext>
+            </p:extLst>
+          </p:nvPr>
+        </p:nvCxnSpPr>
+        <p:spPr>
+          <a:xfrm>
+            <a:off x="0" y="806470"/>
+            <a:ext cx="7903723" cy="0"/>
+          </a:xfrm>
+          <a:prstGeom prst="line">
+            <a:avLst/>
+          </a:prstGeom>
+          <a:ln w="25400" cap="sq">
+            <a:gradFill flip="none" rotWithShape="1">
+              <a:gsLst>
+                <a:gs pos="0">
+                  <a:schemeClr val="accent1"/>
+                </a:gs>
+                <a:gs pos="100000">
+                  <a:schemeClr val="accent2"/>
+                </a:gs>
+              </a:gsLst>
+              <a:lin ang="10800000" scaled="0"/>
+              <a:tileRect/>
+            </a:gradFill>
+            <a:bevel/>
+          </a:ln>
+        </p:spPr>
+        <p:style>
+          <a:lnRef idx="1">
+            <a:schemeClr val="accent1"/>
+          </a:lnRef>
+          <a:fillRef idx="0">
+            <a:schemeClr val="accent1"/>
+          </a:fillRef>
+          <a:effectRef idx="0">
+            <a:schemeClr val="accent1"/>
+          </a:effectRef>
+          <a:fontRef idx="minor">
+            <a:schemeClr val="tx1"/>
+          </a:fontRef>
+        </p:style>
+      </p:cxnSp>
+      <p:sp>
+        <p:nvSpPr>
+          <p:cNvPr id="5" name="Footer Placeholder 4">
+            <a:extLst>
+              <a:ext uri="{FF2B5EF4-FFF2-40B4-BE49-F238E27FC236}">
+                <a16:creationId xmlns:a16="http://schemas.microsoft.com/office/drawing/2014/main" id="{E3F8DEAA-97A7-E075-DB53-8DE3310504FE}"/>
+              </a:ext>
+            </a:extLst>
+          </p:cNvPr>
+          <p:cNvSpPr>
+            <a:spLocks noGrp="1"/>
+          </p:cNvSpPr>
+          <p:nvPr>
+            <p:ph type="ftr" sz="quarter" idx="11"/>
+          </p:nvPr>
+        </p:nvSpPr>
+        <p:spPr>
+          <a:xfrm>
+            <a:off x="7962190" y="623907"/>
+            <a:ext cx="4114800" cy="365125"/>
+          </a:xfrm>
+        </p:spPr>
+        <p:txBody>
+          <a:bodyPr>
+            <a:normAutofit/>
+          </a:bodyPr>
+          <a:lstStyle/>
+          <a:p>
+            <a:pPr>
+              <a:spcAft>
+                <a:spcPts val="600"/>
+              </a:spcAft>
+            </a:pPr>
+            <a:r>
+              <a:rPr lang="de-DE">
+                <a:solidFill>
+                  <a:schemeClr val="tx1">
+                    <a:alpha val="60000"/>
+                  </a:schemeClr>
+                </a:solidFill>
+              </a:rPr>
+              <a:t>Formel 1</a:t>
+            </a:r>
+            <a:endParaRPr lang="en-US">
+              <a:solidFill>
+                <a:schemeClr val="tx1">
+                  <a:alpha val="60000"/>
+                </a:schemeClr>
+              </a:solidFill>
+            </a:endParaRPr>
           </a:p>
         </p:txBody>
       </p:sp>
@@ -10415,17 +12414,19 @@
             <p:ph idx="1"/>
           </p:nvPr>
         </p:nvSpPr>
-        <p:spPr/>
+        <p:spPr>
+          <a:xfrm>
+            <a:off x="803776" y="2829330"/>
+            <a:ext cx="6190412" cy="3344459"/>
+          </a:xfrm>
+        </p:spPr>
         <p:txBody>
-          <a:bodyPr>
-            <a:normAutofit fontScale="77500" lnSpcReduction="20000"/>
+          <a:bodyPr anchor="t">
+            <a:normAutofit/>
           </a:bodyPr>
           <a:lstStyle/>
           <a:p>
             <a:pPr marL="0" marR="0">
-              <a:lnSpc>
-                <a:spcPct val="115000"/>
-              </a:lnSpc>
               <a:spcBef>
                 <a:spcPts val="0"/>
               </a:spcBef>
@@ -10440,7 +12441,24 @@
                 <a:ea typeface="Times New Roman" panose="02020603050405020304" pitchFamily="18" charset="0"/>
                 <a:cs typeface="Times New Roman" panose="02020603050405020304" pitchFamily="18" charset="0"/>
               </a:rPr>
-              <a:t>Aus diesem Grund haben wir diese Spalten als String importiert, nachdem die Fehlermeldung in DWC aufgetreten ist. Diese werden anschließend in DWC in das Format H:MM:SS transformiert, indem eine Berechnung genutzt wird:</a:t>
+              <a:t>String Spalten mit Zeitwerten in </a:t>
+            </a:r>
+            <a:r>
+              <a:rPr lang="de-DE" sz="1800" dirty="0">
+                <a:latin typeface="Calibri" panose="020F0502020204030204" pitchFamily="34" charset="0"/>
+                <a:ea typeface="Times New Roman" panose="02020603050405020304" pitchFamily="18" charset="0"/>
+                <a:cs typeface="Times New Roman" panose="02020603050405020304" pitchFamily="18" charset="0"/>
+              </a:rPr>
+              <a:t>H</a:t>
+            </a:r>
+            <a:r>
+              <a:rPr lang="de-DE" sz="1800" dirty="0">
+                <a:effectLst/>
+                <a:latin typeface="Calibri" panose="020F0502020204030204" pitchFamily="34" charset="0"/>
+                <a:ea typeface="Times New Roman" panose="02020603050405020304" pitchFamily="18" charset="0"/>
+                <a:cs typeface="Times New Roman" panose="02020603050405020304" pitchFamily="18" charset="0"/>
+              </a:rPr>
+              <a:t>H:MM:SS transformiert:</a:t>
             </a:r>
             <a:br>
               <a:rPr lang="de-DE" sz="1800" dirty="0">
@@ -10459,18 +12477,9 @@
               </a:rPr>
               <a:t>TO_TIME(CONCAT('00:0',SUBSTRING(SPALTENNAME,1,4)))</a:t>
             </a:r>
-            <a:endParaRPr lang="en-US" sz="1800" dirty="0">
-              <a:effectLst/>
-              <a:latin typeface="Calibri" panose="020F0502020204030204" pitchFamily="34" charset="0"/>
-              <a:ea typeface="Times New Roman" panose="02020603050405020304" pitchFamily="18" charset="0"/>
-              <a:cs typeface="Times New Roman" panose="02020603050405020304" pitchFamily="18" charset="0"/>
-            </a:endParaRPr>
           </a:p>
           <a:p>
             <a:pPr marL="0" marR="0">
-              <a:lnSpc>
-                <a:spcPct val="115000"/>
-              </a:lnSpc>
               <a:spcBef>
                 <a:spcPts val="0"/>
               </a:spcBef>
@@ -10485,50 +12494,42 @@
                 <a:ea typeface="Times New Roman" panose="02020603050405020304" pitchFamily="18" charset="0"/>
                 <a:cs typeface="Times New Roman" panose="02020603050405020304" pitchFamily="18" charset="0"/>
               </a:rPr>
-              <a:t>Die Zeitwerte sind zusätzlich als Millisekunden in den entsprechenden Spalten in Integer Werten vorhanden. Diese konnten auch nach mehrfachen Versuchen nicht in das Format H:MM:SS transformiert werden, da die in DWC vorhandenen Funktionen nicht ausreichend waren, um die Transformation durchzuführen. Die konkreten Schritte sind im Anhang aufgelistet.</a:t>
-            </a:r>
-            <a:br>
+              <a:t>Fehlerhafte </a:t>
+            </a:r>
+            <a:r>
+              <a:rPr lang="de-DE" sz="1800" dirty="0" err="1">
+                <a:effectLst/>
+                <a:latin typeface="Calibri" panose="020F0502020204030204" pitchFamily="34" charset="0"/>
+                <a:ea typeface="Times New Roman" panose="02020603050405020304" pitchFamily="18" charset="0"/>
+                <a:cs typeface="Times New Roman" panose="02020603050405020304" pitchFamily="18" charset="0"/>
+              </a:rPr>
+              <a:t>Floats</a:t>
+            </a:r>
+            <a:r>
               <a:rPr lang="de-DE" sz="1800" dirty="0">
                 <a:effectLst/>
                 <a:latin typeface="Calibri" panose="020F0502020204030204" pitchFamily="34" charset="0"/>
                 <a:ea typeface="Times New Roman" panose="02020603050405020304" pitchFamily="18" charset="0"/>
                 <a:cs typeface="Times New Roman" panose="02020603050405020304" pitchFamily="18" charset="0"/>
               </a:rPr>
-            </a:br>
-            <a:br>
+              <a:t> </a:t>
+            </a:r>
+            <a:r>
+              <a:rPr lang="de-DE" sz="1800" dirty="0">
+                <a:latin typeface="Calibri" panose="020F0502020204030204" pitchFamily="34" charset="0"/>
+                <a:ea typeface="Times New Roman" panose="02020603050405020304" pitchFamily="18" charset="0"/>
+                <a:cs typeface="Times New Roman" panose="02020603050405020304" pitchFamily="18" charset="0"/>
+              </a:rPr>
+              <a:t>bei Import korrigieren </a:t>
+            </a:r>
+            <a:r>
               <a:rPr lang="de-DE" sz="1800" dirty="0">
                 <a:effectLst/>
                 <a:latin typeface="Calibri" panose="020F0502020204030204" pitchFamily="34" charset="0"/>
                 <a:ea typeface="Times New Roman" panose="02020603050405020304" pitchFamily="18" charset="0"/>
                 <a:cs typeface="Times New Roman" panose="02020603050405020304" pitchFamily="18" charset="0"/>
               </a:rPr>
-            </a:br>
-            <a:r>
-              <a:rPr lang="de-DE" sz="1800" dirty="0">
-                <a:effectLst/>
-                <a:latin typeface="Calibri" panose="020F0502020204030204" pitchFamily="34" charset="0"/>
-                <a:ea typeface="Times New Roman" panose="02020603050405020304" pitchFamily="18" charset="0"/>
-                <a:cs typeface="Times New Roman" panose="02020603050405020304" pitchFamily="18" charset="0"/>
-              </a:rPr>
-              <a:t>Zusätzlich gibt es Spalten mit Zahlen, die auf den ersten Blick wie Integer aussehen, nach dem Import jedoch </a:t>
-            </a:r>
-            <a:r>
-              <a:rPr lang="de-DE" sz="1800" dirty="0" err="1">
-                <a:effectLst/>
-                <a:latin typeface="Calibri" panose="020F0502020204030204" pitchFamily="34" charset="0"/>
-                <a:ea typeface="Times New Roman" panose="02020603050405020304" pitchFamily="18" charset="0"/>
-                <a:cs typeface="Times New Roman" panose="02020603050405020304" pitchFamily="18" charset="0"/>
-              </a:rPr>
-              <a:t>Float</a:t>
-            </a:r>
-            <a:r>
-              <a:rPr lang="de-DE" sz="1800" dirty="0">
-                <a:effectLst/>
-                <a:latin typeface="Calibri" panose="020F0502020204030204" pitchFamily="34" charset="0"/>
-                <a:ea typeface="Times New Roman" panose="02020603050405020304" pitchFamily="18" charset="0"/>
-                <a:cs typeface="Times New Roman" panose="02020603050405020304" pitchFamily="18" charset="0"/>
-              </a:rPr>
-              <a:t> sind, was wir auch anpassen mussten (z.B. </a:t>
+              <a:t>(z.B. </a:t>
             </a:r>
             <a:r>
               <a:rPr lang="de-DE" sz="1800" dirty="0" err="1">
@@ -10571,71 +12572,42 @@
                 <a:ea typeface="Times New Roman" panose="02020603050405020304" pitchFamily="18" charset="0"/>
                 <a:cs typeface="Times New Roman" panose="02020603050405020304" pitchFamily="18" charset="0"/>
               </a:rPr>
-              <a:t>Zuerst haben wir die SQL Views 180_FormulaOneLapTimesGroupedView und 180_FormulaOnePitStopsGroupedView erstellt. In der ersten View haben wir pro Fahrer je Rennen die einzelnen Rundenzeiten und Rundenpositionen als Mittelwert aggregiert:</a:t>
-            </a:r>
-            <a:br>
+              <a:t>Aggregierte Sicht 180_FormulaOneAVGLapTimeAnalysis</a:t>
+            </a:r>
+          </a:p>
+          <a:p>
+            <a:pPr marL="0" marR="0" indent="0">
+              <a:spcBef>
+                <a:spcPts val="0"/>
+              </a:spcBef>
+              <a:spcAft>
+                <a:spcPts val="0"/>
+              </a:spcAft>
+              <a:buNone/>
+            </a:pPr>
+            <a:endParaRPr lang="de-DE" sz="1800" dirty="0">
+              <a:latin typeface="Calibri" panose="020F0502020204030204" pitchFamily="34" charset="0"/>
+              <a:ea typeface="Times New Roman" panose="02020603050405020304" pitchFamily="18" charset="0"/>
+              <a:cs typeface="Times New Roman" panose="02020603050405020304" pitchFamily="18" charset="0"/>
+            </a:endParaRPr>
+          </a:p>
+          <a:p>
+            <a:pPr marL="0" marR="0">
+              <a:spcBef>
+                <a:spcPts val="0"/>
+              </a:spcBef>
+              <a:spcAft>
+                <a:spcPts val="0"/>
+              </a:spcAft>
+            </a:pPr>
+            <a:r>
               <a:rPr lang="de-DE" sz="1800" dirty="0">
                 <a:effectLst/>
                 <a:latin typeface="Calibri" panose="020F0502020204030204" pitchFamily="34" charset="0"/>
                 <a:ea typeface="Times New Roman" panose="02020603050405020304" pitchFamily="18" charset="0"/>
                 <a:cs typeface="Times New Roman" panose="02020603050405020304" pitchFamily="18" charset="0"/>
               </a:rPr>
-            </a:br>
-            <a:r>
-              <a:rPr lang="de-DE" sz="1800" dirty="0">
-                <a:effectLst/>
-                <a:latin typeface="Calibri" panose="020F0502020204030204" pitchFamily="34" charset="0"/>
-                <a:ea typeface="Times New Roman" panose="02020603050405020304" pitchFamily="18" charset="0"/>
-                <a:cs typeface="Times New Roman" panose="02020603050405020304" pitchFamily="18" charset="0"/>
-                <a:hlinkClick r:id="rId2"/>
-              </a:rPr>
-              <a:t>https://help.sap.com/docs/SAP_HANA_PLATFORM/4fe29514fd584807ac9f2a04f6754767/20a61f29751910149f99f0300dd95cd9.html</a:t>
-            </a:r>
-            <a:endParaRPr lang="de-DE" sz="1800" dirty="0">
-              <a:effectLst/>
-              <a:latin typeface="Calibri" panose="020F0502020204030204" pitchFamily="34" charset="0"/>
-              <a:ea typeface="Times New Roman" panose="02020603050405020304" pitchFamily="18" charset="0"/>
-              <a:cs typeface="Times New Roman" panose="02020603050405020304" pitchFamily="18" charset="0"/>
-            </a:endParaRPr>
-          </a:p>
-          <a:p>
-            <a:pPr marL="0" marR="0">
-              <a:lnSpc>
-                <a:spcPct val="115000"/>
-              </a:lnSpc>
-              <a:spcBef>
-                <a:spcPts val="0"/>
-              </a:spcBef>
-              <a:spcAft>
-                <a:spcPts val="1000"/>
-              </a:spcAft>
-            </a:pPr>
-            <a:r>
-              <a:rPr lang="de-DE" sz="1800" dirty="0">
-                <a:effectLst/>
-                <a:latin typeface="Calibri" panose="020F0502020204030204" pitchFamily="34" charset="0"/>
-                <a:ea typeface="Times New Roman" panose="02020603050405020304" pitchFamily="18" charset="0"/>
-                <a:cs typeface="Times New Roman" panose="02020603050405020304" pitchFamily="18" charset="0"/>
-              </a:rPr>
-              <a:t>Hierbei konnten wir leider nur die durchschnittlichen Rundenzeiten in Millisekunden angeben, nicht im Format HH:MM:SS, da die Transformation nicht erfolgreich war (siehe oben). Als eine weitere Idee haben wir versucht die vorhandenen Zeitwerte in Millisekunden umzurechnen, diese Werte zu aggregieren und die Transformation rückgängig zu machen. Leider reicht dafür der Umfang der Funktionen in SAP </a:t>
-            </a:r>
-            <a:r>
-              <a:rPr lang="de-DE" sz="1800" dirty="0" err="1">
-                <a:effectLst/>
-                <a:latin typeface="Calibri" panose="020F0502020204030204" pitchFamily="34" charset="0"/>
-                <a:ea typeface="Times New Roman" panose="02020603050405020304" pitchFamily="18" charset="0"/>
-                <a:cs typeface="Times New Roman" panose="02020603050405020304" pitchFamily="18" charset="0"/>
-              </a:rPr>
-              <a:t>Datasphere</a:t>
-            </a:r>
-            <a:r>
-              <a:rPr lang="de-DE" sz="1800" dirty="0">
-                <a:effectLst/>
-                <a:latin typeface="Calibri" panose="020F0502020204030204" pitchFamily="34" charset="0"/>
-                <a:ea typeface="Times New Roman" panose="02020603050405020304" pitchFamily="18" charset="0"/>
-                <a:cs typeface="Times New Roman" panose="02020603050405020304" pitchFamily="18" charset="0"/>
-              </a:rPr>
-              <a:t> nicht aus (siehe Anhang).</a:t>
+              <a:t>Keine Umwandlung durchschnittliche Rundenzeiten von Millisekunden in HH:MM:SS</a:t>
             </a:r>
             <a:endParaRPr lang="en-US" sz="1800" dirty="0">
               <a:effectLst/>
@@ -10644,129 +12616,14 @@
               <a:cs typeface="Times New Roman" panose="02020603050405020304" pitchFamily="18" charset="0"/>
             </a:endParaRPr>
           </a:p>
-          <a:p>
-            <a:r>
-              <a:rPr lang="de-DE" sz="1800" dirty="0">
-                <a:effectLst/>
-                <a:latin typeface="Calibri" panose="020F0502020204030204" pitchFamily="34" charset="0"/>
-                <a:ea typeface="Times New Roman" panose="02020603050405020304" pitchFamily="18" charset="0"/>
-                <a:cs typeface="Times New Roman" panose="02020603050405020304" pitchFamily="18" charset="0"/>
-              </a:rPr>
-              <a:t>In der zweiten sind pro Fahrer je Rennen die Boxenstopps und durchschnittliche Dauer aggregiert:</a:t>
-            </a:r>
-            <a:br>
-              <a:rPr lang="de-DE" sz="1800" dirty="0">
-                <a:effectLst/>
-                <a:latin typeface="Calibri" panose="020F0502020204030204" pitchFamily="34" charset="0"/>
-                <a:ea typeface="Times New Roman" panose="02020603050405020304" pitchFamily="18" charset="0"/>
-                <a:cs typeface="Times New Roman" panose="02020603050405020304" pitchFamily="18" charset="0"/>
-              </a:rPr>
-            </a:br>
-            <a:endParaRPr lang="en-US" sz="1800" dirty="0">
-              <a:effectLst/>
-              <a:latin typeface="Calibri" panose="020F0502020204030204" pitchFamily="34" charset="0"/>
-              <a:ea typeface="Times New Roman" panose="02020603050405020304" pitchFamily="18" charset="0"/>
-              <a:cs typeface="Times New Roman" panose="02020603050405020304" pitchFamily="18" charset="0"/>
-            </a:endParaRPr>
-          </a:p>
-          <a:p>
-            <a:endParaRPr lang="en-US" dirty="0"/>
-          </a:p>
-        </p:txBody>
-      </p:sp>
-      <p:sp>
-        <p:nvSpPr>
-          <p:cNvPr id="4" name="Date Placeholder 3">
-            <a:extLst>
-              <a:ext uri="{FF2B5EF4-FFF2-40B4-BE49-F238E27FC236}">
-                <a16:creationId xmlns:a16="http://schemas.microsoft.com/office/drawing/2014/main" id="{57DB5354-6F1F-878B-16B9-FE29CB728488}"/>
-              </a:ext>
-            </a:extLst>
-          </p:cNvPr>
-          <p:cNvSpPr>
-            <a:spLocks noGrp="1"/>
-          </p:cNvSpPr>
-          <p:nvPr>
-            <p:ph type="dt" sz="half" idx="10"/>
-          </p:nvPr>
-        </p:nvSpPr>
-        <p:spPr/>
-        <p:txBody>
-          <a:bodyPr/>
-          <a:lstStyle/>
-          <a:p>
-            <a:fld id="{C09D2358-4BC9-4C6D-BAB7-840D5BFD5432}" type="datetime1">
-              <a:rPr lang="en-US" smtClean="0"/>
-              <a:t>5/1/2023</a:t>
-            </a:fld>
-            <a:endParaRPr lang="en-US"/>
-          </a:p>
-        </p:txBody>
-      </p:sp>
-      <p:sp>
-        <p:nvSpPr>
-          <p:cNvPr id="5" name="Footer Placeholder 4">
-            <a:extLst>
-              <a:ext uri="{FF2B5EF4-FFF2-40B4-BE49-F238E27FC236}">
-                <a16:creationId xmlns:a16="http://schemas.microsoft.com/office/drawing/2014/main" id="{E3F8DEAA-97A7-E075-DB53-8DE3310504FE}"/>
-              </a:ext>
-            </a:extLst>
-          </p:cNvPr>
-          <p:cNvSpPr>
-            <a:spLocks noGrp="1"/>
-          </p:cNvSpPr>
-          <p:nvPr>
-            <p:ph type="ftr" sz="quarter" idx="11"/>
-          </p:nvPr>
-        </p:nvSpPr>
-        <p:spPr/>
-        <p:txBody>
-          <a:bodyPr/>
-          <a:lstStyle/>
-          <a:p>
-            <a:r>
-              <a:rPr lang="de-DE"/>
-              <a:t>Formel 1</a:t>
-            </a:r>
-            <a:endParaRPr lang="en-US"/>
-          </a:p>
-        </p:txBody>
-      </p:sp>
-      <p:sp>
-        <p:nvSpPr>
-          <p:cNvPr id="6" name="Slide Number Placeholder 5">
-            <a:extLst>
-              <a:ext uri="{FF2B5EF4-FFF2-40B4-BE49-F238E27FC236}">
-                <a16:creationId xmlns:a16="http://schemas.microsoft.com/office/drawing/2014/main" id="{8B456B2A-F479-82C9-D5F6-F7C9824801F4}"/>
-              </a:ext>
-            </a:extLst>
-          </p:cNvPr>
-          <p:cNvSpPr>
-            <a:spLocks noGrp="1"/>
-          </p:cNvSpPr>
-          <p:nvPr>
-            <p:ph type="sldNum" sz="quarter" idx="12"/>
-          </p:nvPr>
-        </p:nvSpPr>
-        <p:spPr/>
-        <p:txBody>
-          <a:bodyPr/>
-          <a:lstStyle/>
-          <a:p>
-            <a:fld id="{4A02C0CA-695B-4E24-A1D3-3DA5FEDE07AC}" type="slidenum">
-              <a:rPr lang="en-US" smtClean="0"/>
-              <a:t>12</a:t>
-            </a:fld>
-            <a:endParaRPr lang="en-US"/>
-          </a:p>
         </p:txBody>
       </p:sp>
       <p:pic>
         <p:nvPicPr>
-          <p:cNvPr id="7" name="Picture 6">
+          <p:cNvPr id="11" name="Picture 10" descr="Text&#10;&#10;Description automatically generated">
             <a:extLst>
               <a:ext uri="{FF2B5EF4-FFF2-40B4-BE49-F238E27FC236}">
-                <a16:creationId xmlns:a16="http://schemas.microsoft.com/office/drawing/2014/main" id="{B94CB1EB-D240-ADF4-9686-7C29ADCEBEB1}"/>
+                <a16:creationId xmlns:a16="http://schemas.microsoft.com/office/drawing/2014/main" id="{686A7474-E3E3-2E9C-D7F2-B9A2D35E2653}"/>
               </a:ext>
             </a:extLst>
           </p:cNvPr>
@@ -10783,20 +12640,482 @@
         </p:blipFill>
         <p:spPr>
           <a:xfrm>
-            <a:off x="3215640" y="3086100"/>
-            <a:ext cx="5760720" cy="685800"/>
+            <a:off x="7903723" y="2829330"/>
+            <a:ext cx="3713081" cy="1021097"/>
           </a:xfrm>
           <a:prstGeom prst="rect">
             <a:avLst/>
           </a:prstGeom>
         </p:spPr>
       </p:pic>
+      <p:grpSp>
+        <p:nvGrpSpPr>
+          <p:cNvPr id="21" name="Group 20">
+            <a:extLst>
+              <a:ext uri="{FF2B5EF4-FFF2-40B4-BE49-F238E27FC236}">
+                <a16:creationId xmlns:a16="http://schemas.microsoft.com/office/drawing/2014/main" id="{35A95ABC-C99A-4AEB-9147-1FCDBA559386}"/>
+              </a:ext>
+              <a:ext uri="{C183D7F6-B498-43B3-948B-1728B52AA6E4}">
+                <adec:decorative xmlns:adec="http://schemas.microsoft.com/office/drawing/2017/decorative" val="1"/>
+              </a:ext>
+            </a:extLst>
+          </p:cNvPr>
+          <p:cNvGrpSpPr>
+            <a:grpSpLocks noGrp="1" noUngrp="1" noRot="1" noChangeAspect="1" noMove="1" noResize="1"/>
+          </p:cNvGrpSpPr>
+          <p:nvPr>
+            <p:extLst>
+              <p:ext uri="{386F3935-93C4-4BCD-93E2-E3B085C9AB24}">
+                <p16:designElem xmlns:p16="http://schemas.microsoft.com/office/powerpoint/2015/main" val="1"/>
+              </p:ext>
+            </p:extLst>
+          </p:nvPr>
+        </p:nvGrpSpPr>
+        <p:grpSpPr>
+          <a:xfrm>
+            <a:off x="11191042" y="1755216"/>
+            <a:ext cx="289888" cy="613136"/>
+            <a:chOff x="11191042" y="1755216"/>
+            <a:chExt cx="289888" cy="613136"/>
+          </a:xfrm>
+        </p:grpSpPr>
+        <p:sp>
+          <p:nvSpPr>
+            <p:cNvPr id="22" name="Graphic 11">
+              <a:extLst>
+                <a:ext uri="{FF2B5EF4-FFF2-40B4-BE49-F238E27FC236}">
+                  <a16:creationId xmlns:a16="http://schemas.microsoft.com/office/drawing/2014/main" id="{6CB927A4-E432-4310-9CD5-E89FF5063179}"/>
+                </a:ext>
+                <a:ext uri="{C183D7F6-B498-43B3-948B-1728B52AA6E4}">
+                  <adec:decorative xmlns:adec="http://schemas.microsoft.com/office/drawing/2017/decorative" val="1"/>
+                </a:ext>
+              </a:extLst>
+            </p:cNvPr>
+            <p:cNvSpPr/>
+            <p:nvPr>
+              <p:extLst>
+                <p:ext uri="{386F3935-93C4-4BCD-93E2-E3B085C9AB24}">
+                  <p16:designElem xmlns:p16="http://schemas.microsoft.com/office/powerpoint/2015/main" val="1"/>
+                </p:ext>
+              </p:extLst>
+            </p:nvPr>
+          </p:nvSpPr>
+          <p:spPr>
+            <a:xfrm>
+              <a:off x="11191042" y="1755216"/>
+              <a:ext cx="139039" cy="139039"/>
+            </a:xfrm>
+            <a:custGeom>
+              <a:avLst/>
+              <a:gdLst>
+                <a:gd name="connsiteX0" fmla="*/ 129602 w 139039"/>
+                <a:gd name="connsiteY0" fmla="*/ 60082 h 139039"/>
+                <a:gd name="connsiteX1" fmla="*/ 78957 w 139039"/>
+                <a:gd name="connsiteY1" fmla="*/ 60082 h 139039"/>
+                <a:gd name="connsiteX2" fmla="*/ 78957 w 139039"/>
+                <a:gd name="connsiteY2" fmla="*/ 9437 h 139039"/>
+                <a:gd name="connsiteX3" fmla="*/ 69520 w 139039"/>
+                <a:gd name="connsiteY3" fmla="*/ 0 h 139039"/>
+                <a:gd name="connsiteX4" fmla="*/ 60082 w 139039"/>
+                <a:gd name="connsiteY4" fmla="*/ 9437 h 139039"/>
+                <a:gd name="connsiteX5" fmla="*/ 60082 w 139039"/>
+                <a:gd name="connsiteY5" fmla="*/ 60082 h 139039"/>
+                <a:gd name="connsiteX6" fmla="*/ 9437 w 139039"/>
+                <a:gd name="connsiteY6" fmla="*/ 60082 h 139039"/>
+                <a:gd name="connsiteX7" fmla="*/ 0 w 139039"/>
+                <a:gd name="connsiteY7" fmla="*/ 69520 h 139039"/>
+                <a:gd name="connsiteX8" fmla="*/ 9437 w 139039"/>
+                <a:gd name="connsiteY8" fmla="*/ 78957 h 139039"/>
+                <a:gd name="connsiteX9" fmla="*/ 60082 w 139039"/>
+                <a:gd name="connsiteY9" fmla="*/ 78957 h 139039"/>
+                <a:gd name="connsiteX10" fmla="*/ 60082 w 139039"/>
+                <a:gd name="connsiteY10" fmla="*/ 129602 h 139039"/>
+                <a:gd name="connsiteX11" fmla="*/ 69520 w 139039"/>
+                <a:gd name="connsiteY11" fmla="*/ 139039 h 139039"/>
+                <a:gd name="connsiteX12" fmla="*/ 78957 w 139039"/>
+                <a:gd name="connsiteY12" fmla="*/ 129602 h 139039"/>
+                <a:gd name="connsiteX13" fmla="*/ 78957 w 139039"/>
+                <a:gd name="connsiteY13" fmla="*/ 78957 h 139039"/>
+                <a:gd name="connsiteX14" fmla="*/ 129602 w 139039"/>
+                <a:gd name="connsiteY14" fmla="*/ 78957 h 139039"/>
+                <a:gd name="connsiteX15" fmla="*/ 139039 w 139039"/>
+                <a:gd name="connsiteY15" fmla="*/ 69520 h 139039"/>
+                <a:gd name="connsiteX16" fmla="*/ 129602 w 139039"/>
+                <a:gd name="connsiteY16" fmla="*/ 60082 h 139039"/>
+              </a:gdLst>
+              <a:ahLst/>
+              <a:cxnLst>
+                <a:cxn ang="0">
+                  <a:pos x="connsiteX0" y="connsiteY0"/>
+                </a:cxn>
+                <a:cxn ang="0">
+                  <a:pos x="connsiteX1" y="connsiteY1"/>
+                </a:cxn>
+                <a:cxn ang="0">
+                  <a:pos x="connsiteX2" y="connsiteY2"/>
+                </a:cxn>
+                <a:cxn ang="0">
+                  <a:pos x="connsiteX3" y="connsiteY3"/>
+                </a:cxn>
+                <a:cxn ang="0">
+                  <a:pos x="connsiteX4" y="connsiteY4"/>
+                </a:cxn>
+                <a:cxn ang="0">
+                  <a:pos x="connsiteX5" y="connsiteY5"/>
+                </a:cxn>
+                <a:cxn ang="0">
+                  <a:pos x="connsiteX6" y="connsiteY6"/>
+                </a:cxn>
+                <a:cxn ang="0">
+                  <a:pos x="connsiteX7" y="connsiteY7"/>
+                </a:cxn>
+                <a:cxn ang="0">
+                  <a:pos x="connsiteX8" y="connsiteY8"/>
+                </a:cxn>
+                <a:cxn ang="0">
+                  <a:pos x="connsiteX9" y="connsiteY9"/>
+                </a:cxn>
+                <a:cxn ang="0">
+                  <a:pos x="connsiteX10" y="connsiteY10"/>
+                </a:cxn>
+                <a:cxn ang="0">
+                  <a:pos x="connsiteX11" y="connsiteY11"/>
+                </a:cxn>
+                <a:cxn ang="0">
+                  <a:pos x="connsiteX12" y="connsiteY12"/>
+                </a:cxn>
+                <a:cxn ang="0">
+                  <a:pos x="connsiteX13" y="connsiteY13"/>
+                </a:cxn>
+                <a:cxn ang="0">
+                  <a:pos x="connsiteX14" y="connsiteY14"/>
+                </a:cxn>
+                <a:cxn ang="0">
+                  <a:pos x="connsiteX15" y="connsiteY15"/>
+                </a:cxn>
+                <a:cxn ang="0">
+                  <a:pos x="connsiteX16" y="connsiteY16"/>
+                </a:cxn>
+              </a:cxnLst>
+              <a:rect l="l" t="t" r="r" b="b"/>
+              <a:pathLst>
+                <a:path w="139039" h="139039">
+                  <a:moveTo>
+                    <a:pt x="129602" y="60082"/>
+                  </a:moveTo>
+                  <a:lnTo>
+                    <a:pt x="78957" y="60082"/>
+                  </a:lnTo>
+                  <a:lnTo>
+                    <a:pt x="78957" y="9437"/>
+                  </a:lnTo>
+                  <a:cubicBezTo>
+                    <a:pt x="78957" y="4225"/>
+                    <a:pt x="74731" y="0"/>
+                    <a:pt x="69520" y="0"/>
+                  </a:cubicBezTo>
+                  <a:cubicBezTo>
+                    <a:pt x="64308" y="0"/>
+                    <a:pt x="60082" y="4225"/>
+                    <a:pt x="60082" y="9437"/>
+                  </a:cubicBezTo>
+                  <a:lnTo>
+                    <a:pt x="60082" y="60082"/>
+                  </a:lnTo>
+                  <a:lnTo>
+                    <a:pt x="9437" y="60082"/>
+                  </a:lnTo>
+                  <a:cubicBezTo>
+                    <a:pt x="4225" y="60082"/>
+                    <a:pt x="0" y="64308"/>
+                    <a:pt x="0" y="69520"/>
+                  </a:cubicBezTo>
+                  <a:cubicBezTo>
+                    <a:pt x="0" y="74731"/>
+                    <a:pt x="4225" y="78957"/>
+                    <a:pt x="9437" y="78957"/>
+                  </a:cubicBezTo>
+                  <a:lnTo>
+                    <a:pt x="60082" y="78957"/>
+                  </a:lnTo>
+                  <a:lnTo>
+                    <a:pt x="60082" y="129602"/>
+                  </a:lnTo>
+                  <a:cubicBezTo>
+                    <a:pt x="60082" y="134814"/>
+                    <a:pt x="64308" y="139039"/>
+                    <a:pt x="69520" y="139039"/>
+                  </a:cubicBezTo>
+                  <a:cubicBezTo>
+                    <a:pt x="74731" y="139039"/>
+                    <a:pt x="78957" y="134814"/>
+                    <a:pt x="78957" y="129602"/>
+                  </a:cubicBezTo>
+                  <a:lnTo>
+                    <a:pt x="78957" y="78957"/>
+                  </a:lnTo>
+                  <a:lnTo>
+                    <a:pt x="129602" y="78957"/>
+                  </a:lnTo>
+                  <a:cubicBezTo>
+                    <a:pt x="134814" y="78957"/>
+                    <a:pt x="139039" y="74731"/>
+                    <a:pt x="139039" y="69520"/>
+                  </a:cubicBezTo>
+                  <a:cubicBezTo>
+                    <a:pt x="139039" y="64308"/>
+                    <a:pt x="134814" y="60082"/>
+                    <a:pt x="129602" y="60082"/>
+                  </a:cubicBezTo>
+                  <a:close/>
+                </a:path>
+              </a:pathLst>
+            </a:custGeom>
+            <a:solidFill>
+              <a:schemeClr val="accent1"/>
+            </a:solidFill>
+            <a:ln w="603" cap="flat">
+              <a:noFill/>
+              <a:prstDash val="solid"/>
+              <a:miter/>
+            </a:ln>
+          </p:spPr>
+          <p:txBody>
+            <a:bodyPr rtlCol="0" anchor="ctr"/>
+            <a:lstStyle/>
+            <a:p>
+              <a:endParaRPr lang="en-US"/>
+            </a:p>
+          </p:txBody>
+        </p:sp>
+        <p:sp>
+          <p:nvSpPr>
+            <p:cNvPr id="23" name="Graphic 10">
+              <a:extLst>
+                <a:ext uri="{FF2B5EF4-FFF2-40B4-BE49-F238E27FC236}">
+                  <a16:creationId xmlns:a16="http://schemas.microsoft.com/office/drawing/2014/main" id="{E3020543-B24B-4EC4-8FFC-8DD88EEA91A8}"/>
+                </a:ext>
+                <a:ext uri="{C183D7F6-B498-43B3-948B-1728B52AA6E4}">
+                  <adec:decorative xmlns:adec="http://schemas.microsoft.com/office/drawing/2017/decorative" val="1"/>
+                </a:ext>
+              </a:extLst>
+            </p:cNvPr>
+            <p:cNvSpPr/>
+            <p:nvPr>
+              <p:extLst>
+                <p:ext uri="{386F3935-93C4-4BCD-93E2-E3B085C9AB24}">
+                  <p16:designElem xmlns:p16="http://schemas.microsoft.com/office/powerpoint/2015/main" val="1"/>
+                </p:ext>
+              </p:extLst>
+            </p:nvPr>
+          </p:nvSpPr>
+          <p:spPr>
+            <a:xfrm>
+              <a:off x="11389792" y="2277214"/>
+              <a:ext cx="91138" cy="91138"/>
+            </a:xfrm>
+            <a:custGeom>
+              <a:avLst/>
+              <a:gdLst>
+                <a:gd name="connsiteX0" fmla="*/ 91138 w 91138"/>
+                <a:gd name="connsiteY0" fmla="*/ 45569 h 91138"/>
+                <a:gd name="connsiteX1" fmla="*/ 45569 w 91138"/>
+                <a:gd name="connsiteY1" fmla="*/ 91138 h 91138"/>
+                <a:gd name="connsiteX2" fmla="*/ 0 w 91138"/>
+                <a:gd name="connsiteY2" fmla="*/ 45569 h 91138"/>
+                <a:gd name="connsiteX3" fmla="*/ 45569 w 91138"/>
+                <a:gd name="connsiteY3" fmla="*/ 0 h 91138"/>
+                <a:gd name="connsiteX4" fmla="*/ 91138 w 91138"/>
+                <a:gd name="connsiteY4" fmla="*/ 45569 h 91138"/>
+              </a:gdLst>
+              <a:ahLst/>
+              <a:cxnLst>
+                <a:cxn ang="0">
+                  <a:pos x="connsiteX0" y="connsiteY0"/>
+                </a:cxn>
+                <a:cxn ang="0">
+                  <a:pos x="connsiteX1" y="connsiteY1"/>
+                </a:cxn>
+                <a:cxn ang="0">
+                  <a:pos x="connsiteX2" y="connsiteY2"/>
+                </a:cxn>
+                <a:cxn ang="0">
+                  <a:pos x="connsiteX3" y="connsiteY3"/>
+                </a:cxn>
+                <a:cxn ang="0">
+                  <a:pos x="connsiteX4" y="connsiteY4"/>
+                </a:cxn>
+              </a:cxnLst>
+              <a:rect l="l" t="t" r="r" b="b"/>
+              <a:pathLst>
+                <a:path w="91138" h="91138">
+                  <a:moveTo>
+                    <a:pt x="91138" y="45569"/>
+                  </a:moveTo>
+                  <a:cubicBezTo>
+                    <a:pt x="91138" y="70736"/>
+                    <a:pt x="70736" y="91138"/>
+                    <a:pt x="45569" y="91138"/>
+                  </a:cubicBezTo>
+                  <a:cubicBezTo>
+                    <a:pt x="20402" y="91138"/>
+                    <a:pt x="0" y="70736"/>
+                    <a:pt x="0" y="45569"/>
+                  </a:cubicBezTo>
+                  <a:cubicBezTo>
+                    <a:pt x="0" y="20402"/>
+                    <a:pt x="20402" y="0"/>
+                    <a:pt x="45569" y="0"/>
+                  </a:cubicBezTo>
+                  <a:cubicBezTo>
+                    <a:pt x="70736" y="0"/>
+                    <a:pt x="91138" y="20402"/>
+                    <a:pt x="91138" y="45569"/>
+                  </a:cubicBezTo>
+                  <a:close/>
+                </a:path>
+              </a:pathLst>
+            </a:custGeom>
+            <a:solidFill>
+              <a:schemeClr val="accent1"/>
+            </a:solidFill>
+            <a:ln w="422" cap="flat">
+              <a:noFill/>
+              <a:prstDash val="solid"/>
+              <a:miter/>
+            </a:ln>
+          </p:spPr>
+          <p:txBody>
+            <a:bodyPr rtlCol="0" anchor="ctr"/>
+            <a:lstStyle/>
+            <a:p>
+              <a:endParaRPr lang="en-US"/>
+            </a:p>
+          </p:txBody>
+        </p:sp>
+      </p:grpSp>
+      <p:sp>
+        <p:nvSpPr>
+          <p:cNvPr id="4" name="Date Placeholder 3">
+            <a:extLst>
+              <a:ext uri="{FF2B5EF4-FFF2-40B4-BE49-F238E27FC236}">
+                <a16:creationId xmlns:a16="http://schemas.microsoft.com/office/drawing/2014/main" id="{57DB5354-6F1F-878B-16B9-FE29CB728488}"/>
+              </a:ext>
+            </a:extLst>
+          </p:cNvPr>
+          <p:cNvSpPr>
+            <a:spLocks noGrp="1"/>
+          </p:cNvSpPr>
+          <p:nvPr>
+            <p:ph type="dt" sz="half" idx="10"/>
+          </p:nvPr>
+        </p:nvSpPr>
+        <p:spPr>
+          <a:xfrm>
+            <a:off x="838200" y="6356350"/>
+            <a:ext cx="2743200" cy="365125"/>
+          </a:xfrm>
+        </p:spPr>
+        <p:txBody>
+          <a:bodyPr>
+            <a:normAutofit/>
+          </a:bodyPr>
+          <a:lstStyle/>
+          <a:p>
+            <a:pPr>
+              <a:spcAft>
+                <a:spcPts val="600"/>
+              </a:spcAft>
+            </a:pPr>
+            <a:fld id="{C09D2358-4BC9-4C6D-BAB7-840D5BFD5432}" type="datetime1">
+              <a:rPr lang="en-US">
+                <a:solidFill>
+                  <a:schemeClr val="tx1">
+                    <a:alpha val="60000"/>
+                  </a:schemeClr>
+                </a:solidFill>
+              </a:rPr>
+              <a:pPr>
+                <a:spcAft>
+                  <a:spcPts val="600"/>
+                </a:spcAft>
+              </a:pPr>
+              <a:t>5/1/2023</a:t>
+            </a:fld>
+            <a:endParaRPr lang="en-US">
+              <a:solidFill>
+                <a:schemeClr val="tx1">
+                  <a:alpha val="60000"/>
+                </a:schemeClr>
+              </a:solidFill>
+            </a:endParaRPr>
+          </a:p>
+        </p:txBody>
+      </p:sp>
+      <p:sp>
+        <p:nvSpPr>
+          <p:cNvPr id="6" name="Slide Number Placeholder 5">
+            <a:extLst>
+              <a:ext uri="{FF2B5EF4-FFF2-40B4-BE49-F238E27FC236}">
+                <a16:creationId xmlns:a16="http://schemas.microsoft.com/office/drawing/2014/main" id="{8B456B2A-F479-82C9-D5F6-F7C9824801F4}"/>
+              </a:ext>
+            </a:extLst>
+          </p:cNvPr>
+          <p:cNvSpPr>
+            <a:spLocks noGrp="1"/>
+          </p:cNvSpPr>
+          <p:nvPr>
+            <p:ph type="sldNum" sz="quarter" idx="12"/>
+          </p:nvPr>
+        </p:nvSpPr>
+        <p:spPr>
+          <a:xfrm>
+            <a:off x="8610600" y="6356350"/>
+            <a:ext cx="2743200" cy="365125"/>
+          </a:xfrm>
+        </p:spPr>
+        <p:txBody>
+          <a:bodyPr>
+            <a:normAutofit/>
+          </a:bodyPr>
+          <a:lstStyle/>
+          <a:p>
+            <a:pPr>
+              <a:spcAft>
+                <a:spcPts val="600"/>
+              </a:spcAft>
+            </a:pPr>
+            <a:fld id="{4A02C0CA-695B-4E24-A1D3-3DA5FEDE07AC}" type="slidenum">
+              <a:rPr lang="en-US">
+                <a:solidFill>
+                  <a:schemeClr val="tx1">
+                    <a:alpha val="60000"/>
+                  </a:schemeClr>
+                </a:solidFill>
+              </a:rPr>
+              <a:pPr>
+                <a:spcAft>
+                  <a:spcPts val="600"/>
+                </a:spcAft>
+              </a:pPr>
+              <a:t>12</a:t>
+            </a:fld>
+            <a:endParaRPr lang="en-US">
+              <a:solidFill>
+                <a:schemeClr val="tx1">
+                  <a:alpha val="60000"/>
+                </a:schemeClr>
+              </a:solidFill>
+            </a:endParaRPr>
+          </a:p>
+        </p:txBody>
+      </p:sp>
       <p:pic>
         <p:nvPicPr>
-          <p:cNvPr id="8" name="Picture 7">
+          <p:cNvPr id="12" name="Picture 11" descr="Text&#10;&#10;Description automatically generated with low confidence">
             <a:extLst>
               <a:ext uri="{FF2B5EF4-FFF2-40B4-BE49-F238E27FC236}">
-                <a16:creationId xmlns:a16="http://schemas.microsoft.com/office/drawing/2014/main" id="{62C512EC-8EB8-5618-CE24-22904C1E9492}"/>
+                <a16:creationId xmlns:a16="http://schemas.microsoft.com/office/drawing/2014/main" id="{BE83B7B9-B7F6-AC9A-AA14-CD67725CB54B}"/>
               </a:ext>
             </a:extLst>
           </p:cNvPr>
@@ -10813,8 +13132,8 @@
         </p:blipFill>
         <p:spPr>
           <a:xfrm>
-            <a:off x="3215640" y="2629376"/>
-            <a:ext cx="5760720" cy="389255"/>
+            <a:off x="7903723" y="3973174"/>
+            <a:ext cx="3713081" cy="854008"/>
           </a:xfrm>
           <a:prstGeom prst="rect">
             <a:avLst/>
@@ -10823,10 +13142,10 @@
       </p:pic>
       <p:pic>
         <p:nvPicPr>
-          <p:cNvPr id="9" name="Picture 8">
+          <p:cNvPr id="13" name="Picture 12">
             <a:extLst>
               <a:ext uri="{FF2B5EF4-FFF2-40B4-BE49-F238E27FC236}">
-                <a16:creationId xmlns:a16="http://schemas.microsoft.com/office/drawing/2014/main" id="{E89AF215-B438-592C-3CD3-B5FE6DAEA280}"/>
+                <a16:creationId xmlns:a16="http://schemas.microsoft.com/office/drawing/2014/main" id="{3A34C1B3-7B95-C9BB-15B9-DCBC6CF7A8C2}"/>
               </a:ext>
             </a:extLst>
           </p:cNvPr>
@@ -10843,38 +13162,8 @@
         </p:blipFill>
         <p:spPr>
           <a:xfrm>
-            <a:off x="3301365" y="4807109"/>
-            <a:ext cx="5760720" cy="334645"/>
-          </a:xfrm>
-          <a:prstGeom prst="rect">
-            <a:avLst/>
-          </a:prstGeom>
-        </p:spPr>
-      </p:pic>
-      <p:pic>
-        <p:nvPicPr>
-          <p:cNvPr id="10" name="Picture 9" descr="Table&#10;&#10;Description automatically generated">
-            <a:extLst>
-              <a:ext uri="{FF2B5EF4-FFF2-40B4-BE49-F238E27FC236}">
-                <a16:creationId xmlns:a16="http://schemas.microsoft.com/office/drawing/2014/main" id="{1092127C-C2DF-F0B5-1A31-2A91FEDA116D}"/>
-              </a:ext>
-            </a:extLst>
-          </p:cNvPr>
-          <p:cNvPicPr>
-            <a:picLocks noChangeAspect="1"/>
-          </p:cNvPicPr>
-          <p:nvPr/>
-        </p:nvPicPr>
-        <p:blipFill>
-          <a:blip r:embed="rId6"/>
-          <a:stretch>
-            <a:fillRect/>
-          </a:stretch>
-        </p:blipFill>
-        <p:spPr>
-          <a:xfrm>
-            <a:off x="3301365" y="5167313"/>
-            <a:ext cx="5760720" cy="786130"/>
+            <a:off x="803776" y="5571485"/>
+            <a:ext cx="6592866" cy="784865"/>
           </a:xfrm>
           <a:prstGeom prst="rect">
             <a:avLst/>
@@ -10897,6 +13186,894 @@
 <file path=ppt/slides/slide13.xml><?xml version="1.0" encoding="utf-8"?>
 <p:sld xmlns:a="http://schemas.openxmlformats.org/drawingml/2006/main" xmlns:r="http://schemas.openxmlformats.org/officeDocument/2006/relationships" xmlns:p="http://schemas.openxmlformats.org/presentationml/2006/main">
   <p:cSld>
+    <p:bg>
+      <p:bgPr>
+        <a:solidFill>
+          <a:schemeClr val="bg1"/>
+        </a:solidFill>
+        <a:effectLst/>
+      </p:bgPr>
+    </p:bg>
+    <p:spTree>
+      <p:nvGrpSpPr>
+        <p:cNvPr id="1" name=""/>
+        <p:cNvGrpSpPr/>
+        <p:nvPr/>
+      </p:nvGrpSpPr>
+      <p:grpSpPr>
+        <a:xfrm>
+          <a:off x="0" y="0"/>
+          <a:ext cx="0" cy="0"/>
+          <a:chOff x="0" y="0"/>
+          <a:chExt cx="0" cy="0"/>
+        </a:xfrm>
+      </p:grpSpPr>
+      <p:sp useBgFill="1">
+        <p:nvSpPr>
+          <p:cNvPr id="13" name="Rectangle 12">
+            <a:extLst>
+              <a:ext uri="{FF2B5EF4-FFF2-40B4-BE49-F238E27FC236}">
+                <a16:creationId xmlns:a16="http://schemas.microsoft.com/office/drawing/2014/main" id="{8D1AA55E-40D5-461B-A5A8-4AE8AAB71B08}"/>
+              </a:ext>
+              <a:ext uri="{C183D7F6-B498-43B3-948B-1728B52AA6E4}">
+                <adec:decorative xmlns:adec="http://schemas.microsoft.com/office/drawing/2017/decorative" val="1"/>
+              </a:ext>
+            </a:extLst>
+          </p:cNvPr>
+          <p:cNvSpPr>
+            <a:spLocks noGrp="1" noRot="1" noChangeAspect="1" noMove="1" noResize="1" noEditPoints="1" noAdjustHandles="1" noChangeArrowheads="1" noChangeShapeType="1" noTextEdit="1"/>
+          </p:cNvSpPr>
+          <p:nvPr>
+            <p:extLst>
+              <p:ext uri="{386F3935-93C4-4BCD-93E2-E3B085C9AB24}">
+                <p16:designElem xmlns:p16="http://schemas.microsoft.com/office/powerpoint/2015/main" val="1"/>
+              </p:ext>
+            </p:extLst>
+          </p:nvPr>
+        </p:nvSpPr>
+        <p:spPr>
+          <a:xfrm>
+            <a:off x="0" y="0"/>
+            <a:ext cx="12192000" cy="6858000"/>
+          </a:xfrm>
+          <a:prstGeom prst="rect">
+            <a:avLst/>
+          </a:prstGeom>
+          <a:ln>
+            <a:noFill/>
+          </a:ln>
+        </p:spPr>
+        <p:style>
+          <a:lnRef idx="2">
+            <a:schemeClr val="accent1">
+              <a:shade val="50000"/>
+            </a:schemeClr>
+          </a:lnRef>
+          <a:fillRef idx="1">
+            <a:schemeClr val="accent1"/>
+          </a:fillRef>
+          <a:effectRef idx="0">
+            <a:schemeClr val="accent1"/>
+          </a:effectRef>
+          <a:fontRef idx="minor">
+            <a:schemeClr val="lt1"/>
+          </a:fontRef>
+        </p:style>
+        <p:txBody>
+          <a:bodyPr rtlCol="0" anchor="ctr"/>
+          <a:lstStyle/>
+          <a:p>
+            <a:pPr algn="ctr"/>
+            <a:endParaRPr lang="en-US" dirty="0"/>
+          </a:p>
+        </p:txBody>
+      </p:sp>
+      <p:sp>
+        <p:nvSpPr>
+          <p:cNvPr id="2" name="Title 1">
+            <a:extLst>
+              <a:ext uri="{FF2B5EF4-FFF2-40B4-BE49-F238E27FC236}">
+                <a16:creationId xmlns:a16="http://schemas.microsoft.com/office/drawing/2014/main" id="{6F94EFDB-C276-86D8-F3F4-494E28B8047B}"/>
+              </a:ext>
+            </a:extLst>
+          </p:cNvPr>
+          <p:cNvSpPr>
+            <a:spLocks noGrp="1"/>
+          </p:cNvSpPr>
+          <p:nvPr>
+            <p:ph type="title"/>
+          </p:nvPr>
+        </p:nvSpPr>
+        <p:spPr>
+          <a:xfrm>
+            <a:off x="838200" y="1336390"/>
+            <a:ext cx="6155988" cy="1182927"/>
+          </a:xfrm>
+        </p:spPr>
+        <p:txBody>
+          <a:bodyPr anchor="b">
+            <a:normAutofit/>
+          </a:bodyPr>
+          <a:lstStyle/>
+          <a:p>
+            <a:r>
+              <a:rPr lang="de-DE" sz="5600" dirty="0"/>
+              <a:t>Dimensional Views</a:t>
+            </a:r>
+            <a:endParaRPr lang="en-US" sz="5600" dirty="0"/>
+          </a:p>
+        </p:txBody>
+      </p:sp>
+      <p:cxnSp>
+        <p:nvCxnSpPr>
+          <p:cNvPr id="15" name="Straight Connector 14">
+            <a:extLst>
+              <a:ext uri="{FF2B5EF4-FFF2-40B4-BE49-F238E27FC236}">
+                <a16:creationId xmlns:a16="http://schemas.microsoft.com/office/drawing/2014/main" id="{7EB498BD-8089-4626-91EA-4978EBEF535E}"/>
+              </a:ext>
+              <a:ext uri="{C183D7F6-B498-43B3-948B-1728B52AA6E4}">
+                <adec:decorative xmlns:adec="http://schemas.microsoft.com/office/drawing/2017/decorative" val="1"/>
+              </a:ext>
+            </a:extLst>
+          </p:cNvPr>
+          <p:cNvCxnSpPr>
+            <a:cxnSpLocks noGrp="1" noRot="1" noChangeAspect="1" noMove="1" noResize="1" noEditPoints="1" noAdjustHandles="1" noChangeArrowheads="1" noChangeShapeType="1"/>
+          </p:cNvCxnSpPr>
+          <p:nvPr>
+            <p:extLst>
+              <p:ext uri="{386F3935-93C4-4BCD-93E2-E3B085C9AB24}">
+                <p16:designElem xmlns:p16="http://schemas.microsoft.com/office/powerpoint/2015/main" val="1"/>
+              </p:ext>
+            </p:extLst>
+          </p:nvPr>
+        </p:nvCxnSpPr>
+        <p:spPr>
+          <a:xfrm>
+            <a:off x="0" y="806470"/>
+            <a:ext cx="7903723" cy="0"/>
+          </a:xfrm>
+          <a:prstGeom prst="line">
+            <a:avLst/>
+          </a:prstGeom>
+          <a:ln w="25400" cap="sq">
+            <a:gradFill flip="none" rotWithShape="1">
+              <a:gsLst>
+                <a:gs pos="0">
+                  <a:schemeClr val="accent1"/>
+                </a:gs>
+                <a:gs pos="100000">
+                  <a:schemeClr val="accent2"/>
+                </a:gs>
+              </a:gsLst>
+              <a:lin ang="10800000" scaled="0"/>
+              <a:tileRect/>
+            </a:gradFill>
+            <a:bevel/>
+          </a:ln>
+        </p:spPr>
+        <p:style>
+          <a:lnRef idx="1">
+            <a:schemeClr val="accent1"/>
+          </a:lnRef>
+          <a:fillRef idx="0">
+            <a:schemeClr val="accent1"/>
+          </a:fillRef>
+          <a:effectRef idx="0">
+            <a:schemeClr val="accent1"/>
+          </a:effectRef>
+          <a:fontRef idx="minor">
+            <a:schemeClr val="tx1"/>
+          </a:fontRef>
+        </p:style>
+      </p:cxnSp>
+      <p:sp>
+        <p:nvSpPr>
+          <p:cNvPr id="5" name="Footer Placeholder 4">
+            <a:extLst>
+              <a:ext uri="{FF2B5EF4-FFF2-40B4-BE49-F238E27FC236}">
+                <a16:creationId xmlns:a16="http://schemas.microsoft.com/office/drawing/2014/main" id="{949FB311-5C04-C5F4-FD7C-1D9DB63F057E}"/>
+              </a:ext>
+            </a:extLst>
+          </p:cNvPr>
+          <p:cNvSpPr>
+            <a:spLocks noGrp="1"/>
+          </p:cNvSpPr>
+          <p:nvPr>
+            <p:ph type="ftr" sz="quarter" idx="11"/>
+          </p:nvPr>
+        </p:nvSpPr>
+        <p:spPr>
+          <a:xfrm>
+            <a:off x="7962190" y="623907"/>
+            <a:ext cx="4114800" cy="365125"/>
+          </a:xfrm>
+        </p:spPr>
+        <p:txBody>
+          <a:bodyPr>
+            <a:normAutofit/>
+          </a:bodyPr>
+          <a:lstStyle/>
+          <a:p>
+            <a:pPr>
+              <a:spcAft>
+                <a:spcPts val="600"/>
+              </a:spcAft>
+            </a:pPr>
+            <a:r>
+              <a:rPr lang="de-DE">
+                <a:solidFill>
+                  <a:schemeClr val="tx1">
+                    <a:alpha val="60000"/>
+                  </a:schemeClr>
+                </a:solidFill>
+              </a:rPr>
+              <a:t>Formel 1</a:t>
+            </a:r>
+            <a:endParaRPr lang="en-US">
+              <a:solidFill>
+                <a:schemeClr val="tx1">
+                  <a:alpha val="60000"/>
+                </a:schemeClr>
+              </a:solidFill>
+            </a:endParaRPr>
+          </a:p>
+        </p:txBody>
+      </p:sp>
+      <p:sp>
+        <p:nvSpPr>
+          <p:cNvPr id="3" name="Content Placeholder 2">
+            <a:extLst>
+              <a:ext uri="{FF2B5EF4-FFF2-40B4-BE49-F238E27FC236}">
+                <a16:creationId xmlns:a16="http://schemas.microsoft.com/office/drawing/2014/main" id="{4428E749-22EF-AA5D-8750-FDCBE2CE7AAD}"/>
+              </a:ext>
+            </a:extLst>
+          </p:cNvPr>
+          <p:cNvSpPr>
+            <a:spLocks noGrp="1"/>
+          </p:cNvSpPr>
+          <p:nvPr>
+            <p:ph idx="1"/>
+          </p:nvPr>
+        </p:nvSpPr>
+        <p:spPr>
+          <a:xfrm>
+            <a:off x="803776" y="2829330"/>
+            <a:ext cx="6190412" cy="3344459"/>
+          </a:xfrm>
+        </p:spPr>
+        <p:txBody>
+          <a:bodyPr anchor="t">
+            <a:normAutofit/>
+          </a:bodyPr>
+          <a:lstStyle/>
+          <a:p>
+            <a:pPr marL="342900" marR="0" lvl="0" indent="-342900">
+              <a:spcBef>
+                <a:spcPts val="1200"/>
+              </a:spcBef>
+              <a:spcAft>
+                <a:spcPts val="0"/>
+              </a:spcAft>
+              <a:buFont typeface="Symbol" panose="05050102010706020507" pitchFamily="18" charset="2"/>
+              <a:buChar char=""/>
+            </a:pPr>
+            <a:r>
+              <a:rPr lang="de-DE" sz="1800" dirty="0">
+                <a:effectLst/>
+                <a:latin typeface="Calibri" panose="020F0502020204030204" pitchFamily="34" charset="0"/>
+                <a:ea typeface="Times New Roman" panose="02020603050405020304" pitchFamily="18" charset="0"/>
+                <a:cs typeface="Times New Roman" panose="02020603050405020304" pitchFamily="18" charset="0"/>
+              </a:rPr>
+              <a:t>180_FormulaOneStatusHierarchy </a:t>
+            </a:r>
+            <a:r>
+              <a:rPr lang="de-DE" sz="1800" dirty="0">
+                <a:solidFill>
+                  <a:schemeClr val="tx1">
+                    <a:alpha val="80000"/>
+                  </a:schemeClr>
+                </a:solidFill>
+                <a:effectLst/>
+                <a:latin typeface="Calibri" panose="020F0502020204030204" pitchFamily="34" charset="0"/>
+                <a:ea typeface="Times New Roman" panose="02020603050405020304" pitchFamily="18" charset="0"/>
+                <a:cs typeface="Times New Roman" panose="02020603050405020304" pitchFamily="18" charset="0"/>
+              </a:rPr>
+              <a:t>– Hierarchie von Status zu Konstrukteur, sowie Fahrer / Konstrukteur zu Land.</a:t>
+            </a:r>
+            <a:br>
+              <a:rPr lang="de-DE" sz="1800" dirty="0">
+                <a:solidFill>
+                  <a:schemeClr val="tx1">
+                    <a:alpha val="80000"/>
+                  </a:schemeClr>
+                </a:solidFill>
+                <a:effectLst/>
+                <a:latin typeface="Calibri" panose="020F0502020204030204" pitchFamily="34" charset="0"/>
+                <a:ea typeface="Times New Roman" panose="02020603050405020304" pitchFamily="18" charset="0"/>
+                <a:cs typeface="Times New Roman" panose="02020603050405020304" pitchFamily="18" charset="0"/>
+              </a:rPr>
+            </a:br>
+            <a:endParaRPr lang="en-US" sz="1800" dirty="0">
+              <a:solidFill>
+                <a:schemeClr val="tx1">
+                  <a:alpha val="80000"/>
+                </a:schemeClr>
+              </a:solidFill>
+              <a:effectLst/>
+              <a:latin typeface="Calibri" panose="020F0502020204030204" pitchFamily="34" charset="0"/>
+              <a:ea typeface="Times New Roman" panose="02020603050405020304" pitchFamily="18" charset="0"/>
+              <a:cs typeface="Times New Roman" panose="02020603050405020304" pitchFamily="18" charset="0"/>
+            </a:endParaRPr>
+          </a:p>
+          <a:p>
+            <a:pPr marL="342900" marR="0" lvl="0" indent="-342900">
+              <a:spcBef>
+                <a:spcPts val="0"/>
+              </a:spcBef>
+              <a:spcAft>
+                <a:spcPts val="1000"/>
+              </a:spcAft>
+              <a:buFont typeface="Symbol" panose="05050102010706020507" pitchFamily="18" charset="2"/>
+              <a:buChar char=""/>
+            </a:pPr>
+            <a:r>
+              <a:rPr lang="de-DE" sz="1800" dirty="0">
+                <a:solidFill>
+                  <a:schemeClr val="tx1">
+                    <a:alpha val="80000"/>
+                  </a:schemeClr>
+                </a:solidFill>
+                <a:effectLst/>
+                <a:latin typeface="Calibri" panose="020F0502020204030204" pitchFamily="34" charset="0"/>
+                <a:ea typeface="Times New Roman" panose="02020603050405020304" pitchFamily="18" charset="0"/>
+                <a:cs typeface="Times New Roman" panose="02020603050405020304" pitchFamily="18" charset="0"/>
+              </a:rPr>
+              <a:t>180_FormulaOneGeoDim – Dimensional View, zur Erstellung der Location Dimension.</a:t>
+            </a:r>
+            <a:endParaRPr lang="en-US" sz="1800" dirty="0">
+              <a:solidFill>
+                <a:schemeClr val="tx1">
+                  <a:alpha val="80000"/>
+                </a:schemeClr>
+              </a:solidFill>
+              <a:effectLst/>
+              <a:latin typeface="Calibri" panose="020F0502020204030204" pitchFamily="34" charset="0"/>
+              <a:ea typeface="Times New Roman" panose="02020603050405020304" pitchFamily="18" charset="0"/>
+              <a:cs typeface="Times New Roman" panose="02020603050405020304" pitchFamily="18" charset="0"/>
+            </a:endParaRPr>
+          </a:p>
+          <a:p>
+            <a:pPr marL="0" indent="0">
+              <a:buNone/>
+            </a:pPr>
+            <a:endParaRPr lang="en-US" sz="1800" dirty="0">
+              <a:solidFill>
+                <a:schemeClr val="tx1">
+                  <a:alpha val="80000"/>
+                </a:schemeClr>
+              </a:solidFill>
+            </a:endParaRPr>
+          </a:p>
+        </p:txBody>
+      </p:sp>
+      <p:pic>
+        <p:nvPicPr>
+          <p:cNvPr id="8" name="Picture 7">
+            <a:extLst>
+              <a:ext uri="{FF2B5EF4-FFF2-40B4-BE49-F238E27FC236}">
+                <a16:creationId xmlns:a16="http://schemas.microsoft.com/office/drawing/2014/main" id="{A183A1EB-6330-CF76-6318-C2E91BF1A1E4}"/>
+              </a:ext>
+            </a:extLst>
+          </p:cNvPr>
+          <p:cNvPicPr>
+            <a:picLocks noChangeAspect="1"/>
+          </p:cNvPicPr>
+          <p:nvPr/>
+        </p:nvPicPr>
+        <p:blipFill>
+          <a:blip r:embed="rId3"/>
+          <a:stretch>
+            <a:fillRect/>
+          </a:stretch>
+        </p:blipFill>
+        <p:spPr>
+          <a:xfrm>
+            <a:off x="838200" y="4369163"/>
+            <a:ext cx="6230990" cy="1682367"/>
+          </a:xfrm>
+          <a:prstGeom prst="rect">
+            <a:avLst/>
+          </a:prstGeom>
+        </p:spPr>
+      </p:pic>
+      <p:sp>
+        <p:nvSpPr>
+          <p:cNvPr id="17" name="Graphic 11">
+            <a:extLst>
+              <a:ext uri="{FF2B5EF4-FFF2-40B4-BE49-F238E27FC236}">
+                <a16:creationId xmlns:a16="http://schemas.microsoft.com/office/drawing/2014/main" id="{6CB927A4-E432-4310-9CD5-E89FF5063179}"/>
+              </a:ext>
+              <a:ext uri="{C183D7F6-B498-43B3-948B-1728B52AA6E4}">
+                <adec:decorative xmlns:adec="http://schemas.microsoft.com/office/drawing/2017/decorative" val="1"/>
+              </a:ext>
+            </a:extLst>
+          </p:cNvPr>
+          <p:cNvSpPr>
+            <a:spLocks noGrp="1" noRot="1" noChangeAspect="1" noMove="1" noResize="1" noEditPoints="1" noAdjustHandles="1" noChangeArrowheads="1" noChangeShapeType="1" noTextEdit="1"/>
+          </p:cNvSpPr>
+          <p:nvPr>
+            <p:extLst>
+              <p:ext uri="{386F3935-93C4-4BCD-93E2-E3B085C9AB24}">
+                <p16:designElem xmlns:p16="http://schemas.microsoft.com/office/powerpoint/2015/main" val="1"/>
+              </p:ext>
+            </p:extLst>
+          </p:nvPr>
+        </p:nvSpPr>
+        <p:spPr>
+          <a:xfrm>
+            <a:off x="10924552" y="1899284"/>
+            <a:ext cx="139039" cy="139039"/>
+          </a:xfrm>
+          <a:custGeom>
+            <a:avLst/>
+            <a:gdLst>
+              <a:gd name="connsiteX0" fmla="*/ 129602 w 139039"/>
+              <a:gd name="connsiteY0" fmla="*/ 60082 h 139039"/>
+              <a:gd name="connsiteX1" fmla="*/ 78957 w 139039"/>
+              <a:gd name="connsiteY1" fmla="*/ 60082 h 139039"/>
+              <a:gd name="connsiteX2" fmla="*/ 78957 w 139039"/>
+              <a:gd name="connsiteY2" fmla="*/ 9437 h 139039"/>
+              <a:gd name="connsiteX3" fmla="*/ 69520 w 139039"/>
+              <a:gd name="connsiteY3" fmla="*/ 0 h 139039"/>
+              <a:gd name="connsiteX4" fmla="*/ 60082 w 139039"/>
+              <a:gd name="connsiteY4" fmla="*/ 9437 h 139039"/>
+              <a:gd name="connsiteX5" fmla="*/ 60082 w 139039"/>
+              <a:gd name="connsiteY5" fmla="*/ 60082 h 139039"/>
+              <a:gd name="connsiteX6" fmla="*/ 9437 w 139039"/>
+              <a:gd name="connsiteY6" fmla="*/ 60082 h 139039"/>
+              <a:gd name="connsiteX7" fmla="*/ 0 w 139039"/>
+              <a:gd name="connsiteY7" fmla="*/ 69520 h 139039"/>
+              <a:gd name="connsiteX8" fmla="*/ 9437 w 139039"/>
+              <a:gd name="connsiteY8" fmla="*/ 78957 h 139039"/>
+              <a:gd name="connsiteX9" fmla="*/ 60082 w 139039"/>
+              <a:gd name="connsiteY9" fmla="*/ 78957 h 139039"/>
+              <a:gd name="connsiteX10" fmla="*/ 60082 w 139039"/>
+              <a:gd name="connsiteY10" fmla="*/ 129602 h 139039"/>
+              <a:gd name="connsiteX11" fmla="*/ 69520 w 139039"/>
+              <a:gd name="connsiteY11" fmla="*/ 139039 h 139039"/>
+              <a:gd name="connsiteX12" fmla="*/ 78957 w 139039"/>
+              <a:gd name="connsiteY12" fmla="*/ 129602 h 139039"/>
+              <a:gd name="connsiteX13" fmla="*/ 78957 w 139039"/>
+              <a:gd name="connsiteY13" fmla="*/ 78957 h 139039"/>
+              <a:gd name="connsiteX14" fmla="*/ 129602 w 139039"/>
+              <a:gd name="connsiteY14" fmla="*/ 78957 h 139039"/>
+              <a:gd name="connsiteX15" fmla="*/ 139039 w 139039"/>
+              <a:gd name="connsiteY15" fmla="*/ 69520 h 139039"/>
+              <a:gd name="connsiteX16" fmla="*/ 129602 w 139039"/>
+              <a:gd name="connsiteY16" fmla="*/ 60082 h 139039"/>
+            </a:gdLst>
+            <a:ahLst/>
+            <a:cxnLst>
+              <a:cxn ang="0">
+                <a:pos x="connsiteX0" y="connsiteY0"/>
+              </a:cxn>
+              <a:cxn ang="0">
+                <a:pos x="connsiteX1" y="connsiteY1"/>
+              </a:cxn>
+              <a:cxn ang="0">
+                <a:pos x="connsiteX2" y="connsiteY2"/>
+              </a:cxn>
+              <a:cxn ang="0">
+                <a:pos x="connsiteX3" y="connsiteY3"/>
+              </a:cxn>
+              <a:cxn ang="0">
+                <a:pos x="connsiteX4" y="connsiteY4"/>
+              </a:cxn>
+              <a:cxn ang="0">
+                <a:pos x="connsiteX5" y="connsiteY5"/>
+              </a:cxn>
+              <a:cxn ang="0">
+                <a:pos x="connsiteX6" y="connsiteY6"/>
+              </a:cxn>
+              <a:cxn ang="0">
+                <a:pos x="connsiteX7" y="connsiteY7"/>
+              </a:cxn>
+              <a:cxn ang="0">
+                <a:pos x="connsiteX8" y="connsiteY8"/>
+              </a:cxn>
+              <a:cxn ang="0">
+                <a:pos x="connsiteX9" y="connsiteY9"/>
+              </a:cxn>
+              <a:cxn ang="0">
+                <a:pos x="connsiteX10" y="connsiteY10"/>
+              </a:cxn>
+              <a:cxn ang="0">
+                <a:pos x="connsiteX11" y="connsiteY11"/>
+              </a:cxn>
+              <a:cxn ang="0">
+                <a:pos x="connsiteX12" y="connsiteY12"/>
+              </a:cxn>
+              <a:cxn ang="0">
+                <a:pos x="connsiteX13" y="connsiteY13"/>
+              </a:cxn>
+              <a:cxn ang="0">
+                <a:pos x="connsiteX14" y="connsiteY14"/>
+              </a:cxn>
+              <a:cxn ang="0">
+                <a:pos x="connsiteX15" y="connsiteY15"/>
+              </a:cxn>
+              <a:cxn ang="0">
+                <a:pos x="connsiteX16" y="connsiteY16"/>
+              </a:cxn>
+            </a:cxnLst>
+            <a:rect l="l" t="t" r="r" b="b"/>
+            <a:pathLst>
+              <a:path w="139039" h="139039">
+                <a:moveTo>
+                  <a:pt x="129602" y="60082"/>
+                </a:moveTo>
+                <a:lnTo>
+                  <a:pt x="78957" y="60082"/>
+                </a:lnTo>
+                <a:lnTo>
+                  <a:pt x="78957" y="9437"/>
+                </a:lnTo>
+                <a:cubicBezTo>
+                  <a:pt x="78957" y="4225"/>
+                  <a:pt x="74731" y="0"/>
+                  <a:pt x="69520" y="0"/>
+                </a:cubicBezTo>
+                <a:cubicBezTo>
+                  <a:pt x="64308" y="0"/>
+                  <a:pt x="60082" y="4225"/>
+                  <a:pt x="60082" y="9437"/>
+                </a:cubicBezTo>
+                <a:lnTo>
+                  <a:pt x="60082" y="60082"/>
+                </a:lnTo>
+                <a:lnTo>
+                  <a:pt x="9437" y="60082"/>
+                </a:lnTo>
+                <a:cubicBezTo>
+                  <a:pt x="4225" y="60082"/>
+                  <a:pt x="0" y="64308"/>
+                  <a:pt x="0" y="69520"/>
+                </a:cubicBezTo>
+                <a:cubicBezTo>
+                  <a:pt x="0" y="74731"/>
+                  <a:pt x="4225" y="78957"/>
+                  <a:pt x="9437" y="78957"/>
+                </a:cubicBezTo>
+                <a:lnTo>
+                  <a:pt x="60082" y="78957"/>
+                </a:lnTo>
+                <a:lnTo>
+                  <a:pt x="60082" y="129602"/>
+                </a:lnTo>
+                <a:cubicBezTo>
+                  <a:pt x="60082" y="134814"/>
+                  <a:pt x="64308" y="139039"/>
+                  <a:pt x="69520" y="139039"/>
+                </a:cubicBezTo>
+                <a:cubicBezTo>
+                  <a:pt x="74731" y="139039"/>
+                  <a:pt x="78957" y="134814"/>
+                  <a:pt x="78957" y="129602"/>
+                </a:cubicBezTo>
+                <a:lnTo>
+                  <a:pt x="78957" y="78957"/>
+                </a:lnTo>
+                <a:lnTo>
+                  <a:pt x="129602" y="78957"/>
+                </a:lnTo>
+                <a:cubicBezTo>
+                  <a:pt x="134814" y="78957"/>
+                  <a:pt x="139039" y="74731"/>
+                  <a:pt x="139039" y="69520"/>
+                </a:cubicBezTo>
+                <a:cubicBezTo>
+                  <a:pt x="139039" y="64308"/>
+                  <a:pt x="134814" y="60082"/>
+                  <a:pt x="129602" y="60082"/>
+                </a:cubicBezTo>
+                <a:close/>
+              </a:path>
+            </a:pathLst>
+          </a:custGeom>
+          <a:solidFill>
+            <a:schemeClr val="accent1"/>
+          </a:solidFill>
+          <a:ln w="603" cap="flat">
+            <a:noFill/>
+            <a:prstDash val="solid"/>
+            <a:miter/>
+          </a:ln>
+        </p:spPr>
+        <p:txBody>
+          <a:bodyPr rtlCol="0" anchor="ctr"/>
+          <a:lstStyle/>
+          <a:p>
+            <a:endParaRPr lang="en-US"/>
+          </a:p>
+        </p:txBody>
+      </p:sp>
+      <p:sp>
+        <p:nvSpPr>
+          <p:cNvPr id="19" name="Graphic 10">
+            <a:extLst>
+              <a:ext uri="{FF2B5EF4-FFF2-40B4-BE49-F238E27FC236}">
+                <a16:creationId xmlns:a16="http://schemas.microsoft.com/office/drawing/2014/main" id="{E3020543-B24B-4EC4-8FFC-8DD88EEA91A8}"/>
+              </a:ext>
+              <a:ext uri="{C183D7F6-B498-43B3-948B-1728B52AA6E4}">
+                <adec:decorative xmlns:adec="http://schemas.microsoft.com/office/drawing/2017/decorative" val="1"/>
+              </a:ext>
+            </a:extLst>
+          </p:cNvPr>
+          <p:cNvSpPr>
+            <a:spLocks noGrp="1" noRot="1" noChangeAspect="1" noMove="1" noResize="1" noEditPoints="1" noAdjustHandles="1" noChangeArrowheads="1" noChangeShapeType="1" noTextEdit="1"/>
+          </p:cNvSpPr>
+          <p:nvPr>
+            <p:extLst>
+              <p:ext uri="{386F3935-93C4-4BCD-93E2-E3B085C9AB24}">
+                <p16:designElem xmlns:p16="http://schemas.microsoft.com/office/powerpoint/2015/main" val="1"/>
+              </p:ext>
+            </p:extLst>
+          </p:nvPr>
+        </p:nvSpPr>
+        <p:spPr>
+          <a:xfrm>
+            <a:off x="11236862" y="2189928"/>
+            <a:ext cx="91138" cy="91138"/>
+          </a:xfrm>
+          <a:custGeom>
+            <a:avLst/>
+            <a:gdLst>
+              <a:gd name="connsiteX0" fmla="*/ 91138 w 91138"/>
+              <a:gd name="connsiteY0" fmla="*/ 45569 h 91138"/>
+              <a:gd name="connsiteX1" fmla="*/ 45569 w 91138"/>
+              <a:gd name="connsiteY1" fmla="*/ 91138 h 91138"/>
+              <a:gd name="connsiteX2" fmla="*/ 0 w 91138"/>
+              <a:gd name="connsiteY2" fmla="*/ 45569 h 91138"/>
+              <a:gd name="connsiteX3" fmla="*/ 45569 w 91138"/>
+              <a:gd name="connsiteY3" fmla="*/ 0 h 91138"/>
+              <a:gd name="connsiteX4" fmla="*/ 91138 w 91138"/>
+              <a:gd name="connsiteY4" fmla="*/ 45569 h 91138"/>
+            </a:gdLst>
+            <a:ahLst/>
+            <a:cxnLst>
+              <a:cxn ang="0">
+                <a:pos x="connsiteX0" y="connsiteY0"/>
+              </a:cxn>
+              <a:cxn ang="0">
+                <a:pos x="connsiteX1" y="connsiteY1"/>
+              </a:cxn>
+              <a:cxn ang="0">
+                <a:pos x="connsiteX2" y="connsiteY2"/>
+              </a:cxn>
+              <a:cxn ang="0">
+                <a:pos x="connsiteX3" y="connsiteY3"/>
+              </a:cxn>
+              <a:cxn ang="0">
+                <a:pos x="connsiteX4" y="connsiteY4"/>
+              </a:cxn>
+            </a:cxnLst>
+            <a:rect l="l" t="t" r="r" b="b"/>
+            <a:pathLst>
+              <a:path w="91138" h="91138">
+                <a:moveTo>
+                  <a:pt x="91138" y="45569"/>
+                </a:moveTo>
+                <a:cubicBezTo>
+                  <a:pt x="91138" y="70736"/>
+                  <a:pt x="70736" y="91138"/>
+                  <a:pt x="45569" y="91138"/>
+                </a:cubicBezTo>
+                <a:cubicBezTo>
+                  <a:pt x="20402" y="91138"/>
+                  <a:pt x="0" y="70736"/>
+                  <a:pt x="0" y="45569"/>
+                </a:cubicBezTo>
+                <a:cubicBezTo>
+                  <a:pt x="0" y="20402"/>
+                  <a:pt x="20402" y="0"/>
+                  <a:pt x="45569" y="0"/>
+                </a:cubicBezTo>
+                <a:cubicBezTo>
+                  <a:pt x="70736" y="0"/>
+                  <a:pt x="91138" y="20402"/>
+                  <a:pt x="91138" y="45569"/>
+                </a:cubicBezTo>
+                <a:close/>
+              </a:path>
+            </a:pathLst>
+          </a:custGeom>
+          <a:solidFill>
+            <a:schemeClr val="accent1"/>
+          </a:solidFill>
+          <a:ln w="422" cap="flat">
+            <a:noFill/>
+            <a:prstDash val="solid"/>
+            <a:miter/>
+          </a:ln>
+        </p:spPr>
+        <p:txBody>
+          <a:bodyPr rtlCol="0" anchor="ctr"/>
+          <a:lstStyle/>
+          <a:p>
+            <a:endParaRPr lang="en-US"/>
+          </a:p>
+        </p:txBody>
+      </p:sp>
+      <p:sp>
+        <p:nvSpPr>
+          <p:cNvPr id="4" name="Date Placeholder 3">
+            <a:extLst>
+              <a:ext uri="{FF2B5EF4-FFF2-40B4-BE49-F238E27FC236}">
+                <a16:creationId xmlns:a16="http://schemas.microsoft.com/office/drawing/2014/main" id="{D8E4175D-7986-F896-DD8D-E4FE2A68791F}"/>
+              </a:ext>
+            </a:extLst>
+          </p:cNvPr>
+          <p:cNvSpPr>
+            <a:spLocks noGrp="1"/>
+          </p:cNvSpPr>
+          <p:nvPr>
+            <p:ph type="dt" sz="half" idx="10"/>
+          </p:nvPr>
+        </p:nvSpPr>
+        <p:spPr>
+          <a:xfrm>
+            <a:off x="838200" y="6356350"/>
+            <a:ext cx="2743200" cy="365125"/>
+          </a:xfrm>
+        </p:spPr>
+        <p:txBody>
+          <a:bodyPr>
+            <a:normAutofit/>
+          </a:bodyPr>
+          <a:lstStyle/>
+          <a:p>
+            <a:pPr>
+              <a:spcAft>
+                <a:spcPts val="600"/>
+              </a:spcAft>
+            </a:pPr>
+            <a:fld id="{3C028EAF-51DD-4B07-914F-DAAE205F3D33}" type="datetime1">
+              <a:rPr lang="en-US">
+                <a:solidFill>
+                  <a:schemeClr val="tx1">
+                    <a:alpha val="60000"/>
+                  </a:schemeClr>
+                </a:solidFill>
+              </a:rPr>
+              <a:pPr>
+                <a:spcAft>
+                  <a:spcPts val="600"/>
+                </a:spcAft>
+              </a:pPr>
+              <a:t>5/1/2023</a:t>
+            </a:fld>
+            <a:endParaRPr lang="en-US">
+              <a:solidFill>
+                <a:schemeClr val="tx1">
+                  <a:alpha val="60000"/>
+                </a:schemeClr>
+              </a:solidFill>
+            </a:endParaRPr>
+          </a:p>
+        </p:txBody>
+      </p:sp>
+      <p:sp>
+        <p:nvSpPr>
+          <p:cNvPr id="6" name="Slide Number Placeholder 5">
+            <a:extLst>
+              <a:ext uri="{FF2B5EF4-FFF2-40B4-BE49-F238E27FC236}">
+                <a16:creationId xmlns:a16="http://schemas.microsoft.com/office/drawing/2014/main" id="{B06FE1BD-0F8E-28FB-3393-A6B93B8739A4}"/>
+              </a:ext>
+            </a:extLst>
+          </p:cNvPr>
+          <p:cNvSpPr>
+            <a:spLocks noGrp="1"/>
+          </p:cNvSpPr>
+          <p:nvPr>
+            <p:ph type="sldNum" sz="quarter" idx="12"/>
+          </p:nvPr>
+        </p:nvSpPr>
+        <p:spPr>
+          <a:xfrm>
+            <a:off x="8610600" y="6356350"/>
+            <a:ext cx="2743200" cy="365125"/>
+          </a:xfrm>
+        </p:spPr>
+        <p:txBody>
+          <a:bodyPr>
+            <a:normAutofit/>
+          </a:bodyPr>
+          <a:lstStyle/>
+          <a:p>
+            <a:pPr>
+              <a:spcAft>
+                <a:spcPts val="600"/>
+              </a:spcAft>
+            </a:pPr>
+            <a:fld id="{4A02C0CA-695B-4E24-A1D3-3DA5FEDE07AC}" type="slidenum">
+              <a:rPr lang="en-US">
+                <a:solidFill>
+                  <a:schemeClr val="tx1">
+                    <a:alpha val="60000"/>
+                  </a:schemeClr>
+                </a:solidFill>
+              </a:rPr>
+              <a:pPr>
+                <a:spcAft>
+                  <a:spcPts val="600"/>
+                </a:spcAft>
+              </a:pPr>
+              <a:t>13</a:t>
+            </a:fld>
+            <a:endParaRPr lang="en-US">
+              <a:solidFill>
+                <a:schemeClr val="tx1">
+                  <a:alpha val="60000"/>
+                </a:schemeClr>
+              </a:solidFill>
+            </a:endParaRPr>
+          </a:p>
+        </p:txBody>
+      </p:sp>
+      <p:pic>
+        <p:nvPicPr>
+          <p:cNvPr id="10" name="Picture 9">
+            <a:extLst>
+              <a:ext uri="{FF2B5EF4-FFF2-40B4-BE49-F238E27FC236}">
+                <a16:creationId xmlns:a16="http://schemas.microsoft.com/office/drawing/2014/main" id="{8D1BE97C-98E6-EC0E-4D0E-111B0956427A}"/>
+              </a:ext>
+            </a:extLst>
+          </p:cNvPr>
+          <p:cNvPicPr>
+            <a:picLocks noChangeAspect="1"/>
+          </p:cNvPicPr>
+          <p:nvPr/>
+        </p:nvPicPr>
+        <p:blipFill>
+          <a:blip r:embed="rId4"/>
+          <a:stretch>
+            <a:fillRect/>
+          </a:stretch>
+        </p:blipFill>
+        <p:spPr>
+          <a:xfrm>
+            <a:off x="7962190" y="2829330"/>
+            <a:ext cx="2606325" cy="3282687"/>
+          </a:xfrm>
+          <a:prstGeom prst="rect">
+            <a:avLst/>
+          </a:prstGeom>
+        </p:spPr>
+      </p:pic>
+    </p:spTree>
+    <p:extLst>
+      <p:ext uri="{BB962C8B-B14F-4D97-AF65-F5344CB8AC3E}">
+        <p14:creationId xmlns:p14="http://schemas.microsoft.com/office/powerpoint/2010/main" val="788108026"/>
+      </p:ext>
+    </p:extLst>
+  </p:cSld>
+  <p:clrMapOvr>
+    <a:masterClrMapping/>
+  </p:clrMapOvr>
+</p:sld>
+</file>
+
+<file path=ppt/slides/slide14.xml><?xml version="1.0" encoding="utf-8"?>
+<p:sld xmlns:a="http://schemas.openxmlformats.org/drawingml/2006/main" xmlns:r="http://schemas.openxmlformats.org/officeDocument/2006/relationships" xmlns:p="http://schemas.openxmlformats.org/presentationml/2006/main">
+  <p:cSld>
+    <p:bg>
+      <p:bgPr>
+        <a:solidFill>
+          <a:schemeClr val="bg1"/>
+        </a:solidFill>
+        <a:effectLst/>
+      </p:bgPr>
+    </p:bg>
     <p:spTree>
       <p:nvGrpSpPr>
         <p:cNvPr id="1" name=""/>
@@ -10913,10 +14090,77 @@
       </p:grpSpPr>
       <p:sp>
         <p:nvSpPr>
+          <p:cNvPr id="35" name="Rectangle 34">
+            <a:extLst>
+              <a:ext uri="{FF2B5EF4-FFF2-40B4-BE49-F238E27FC236}">
+                <a16:creationId xmlns:a16="http://schemas.microsoft.com/office/drawing/2014/main" id="{8D1AA55E-40D5-461B-A5A8-4AE8AAB71B08}"/>
+              </a:ext>
+              <a:ext uri="{C183D7F6-B498-43B3-948B-1728B52AA6E4}">
+                <adec:decorative xmlns:adec="http://schemas.microsoft.com/office/drawing/2017/decorative" val="1"/>
+              </a:ext>
+            </a:extLst>
+          </p:cNvPr>
+          <p:cNvSpPr>
+            <a:spLocks noGrp="1" noRot="1" noChangeAspect="1" noMove="1" noResize="1" noEditPoints="1" noAdjustHandles="1" noChangeArrowheads="1" noChangeShapeType="1" noTextEdit="1"/>
+          </p:cNvSpPr>
+          <p:nvPr>
+            <p:extLst>
+              <p:ext uri="{386F3935-93C4-4BCD-93E2-E3B085C9AB24}">
+                <p16:designElem xmlns:p16="http://schemas.microsoft.com/office/powerpoint/2015/main" val="1"/>
+              </p:ext>
+            </p:extLst>
+          </p:nvPr>
+        </p:nvSpPr>
+        <p:spPr>
+          <a:xfrm>
+            <a:off x="0" y="0"/>
+            <a:ext cx="12192000" cy="6858000"/>
+          </a:xfrm>
+          <a:prstGeom prst="rect">
+            <a:avLst/>
+          </a:prstGeom>
+          <a:solidFill>
+            <a:schemeClr val="bg1"/>
+          </a:solidFill>
+          <a:ln>
+            <a:noFill/>
+          </a:ln>
+        </p:spPr>
+        <p:style>
+          <a:lnRef idx="2">
+            <a:schemeClr val="accent1">
+              <a:shade val="50000"/>
+            </a:schemeClr>
+          </a:lnRef>
+          <a:fillRef idx="1">
+            <a:schemeClr val="accent1"/>
+          </a:fillRef>
+          <a:effectRef idx="0">
+            <a:schemeClr val="accent1"/>
+          </a:effectRef>
+          <a:fontRef idx="minor">
+            <a:schemeClr val="lt1"/>
+          </a:fontRef>
+        </p:style>
+        <p:txBody>
+          <a:bodyPr rtlCol="0" anchor="ctr"/>
+          <a:lstStyle/>
+          <a:p>
+            <a:pPr algn="ctr"/>
+            <a:endParaRPr lang="en-US" dirty="0">
+              <a:solidFill>
+                <a:schemeClr val="tx1"/>
+              </a:solidFill>
+            </a:endParaRPr>
+          </a:p>
+        </p:txBody>
+      </p:sp>
+      <p:sp>
+        <p:nvSpPr>
           <p:cNvPr id="2" name="Title 1">
             <a:extLst>
               <a:ext uri="{FF2B5EF4-FFF2-40B4-BE49-F238E27FC236}">
-                <a16:creationId xmlns:a16="http://schemas.microsoft.com/office/drawing/2014/main" id="{6F94EFDB-C276-86D8-F3F4-494E28B8047B}"/>
+                <a16:creationId xmlns:a16="http://schemas.microsoft.com/office/drawing/2014/main" id="{05B8351F-AF2F-FD7D-EAEC-04FFAD06F9FB}"/>
               </a:ext>
             </a:extLst>
           </p:cNvPr>
@@ -10927,31 +14171,138 @@
             <p:ph type="title"/>
           </p:nvPr>
         </p:nvSpPr>
-        <p:spPr/>
+        <p:spPr>
+          <a:xfrm>
+            <a:off x="803776" y="1336390"/>
+            <a:ext cx="6190412" cy="1182927"/>
+          </a:xfrm>
+        </p:spPr>
         <p:txBody>
-          <a:bodyPr/>
+          <a:bodyPr anchor="b">
+            <a:normAutofit/>
+          </a:bodyPr>
           <a:lstStyle/>
           <a:p>
             <a:r>
-              <a:rPr lang="de-DE" dirty="0"/>
-              <a:t>Dimensional Views</a:t>
-            </a:r>
-            <a:br>
-              <a:rPr lang="de-DE" dirty="0"/>
-            </a:br>
-            <a:r>
-              <a:rPr lang="de-DE" dirty="0"/>
-              <a:t>Screenshot </a:t>
-            </a:r>
-            <a:r>
-              <a:rPr lang="de-DE" dirty="0" err="1"/>
-              <a:t>Dim</a:t>
-            </a:r>
-            <a:r>
-              <a:rPr lang="de-DE" dirty="0"/>
-              <a:t> Views einfügen</a:t>
-            </a:r>
-            <a:endParaRPr lang="en-US" dirty="0"/>
+              <a:rPr lang="de-DE" sz="5600"/>
+              <a:t>Analytical Views</a:t>
+            </a:r>
+            <a:endParaRPr lang="en-US" sz="5600"/>
+          </a:p>
+        </p:txBody>
+      </p:sp>
+      <p:cxnSp>
+        <p:nvCxnSpPr>
+          <p:cNvPr id="37" name="Straight Connector 36">
+            <a:extLst>
+              <a:ext uri="{FF2B5EF4-FFF2-40B4-BE49-F238E27FC236}">
+                <a16:creationId xmlns:a16="http://schemas.microsoft.com/office/drawing/2014/main" id="{7EB498BD-8089-4626-91EA-4978EBEF535E}"/>
+              </a:ext>
+              <a:ext uri="{C183D7F6-B498-43B3-948B-1728B52AA6E4}">
+                <adec:decorative xmlns:adec="http://schemas.microsoft.com/office/drawing/2017/decorative" val="1"/>
+              </a:ext>
+            </a:extLst>
+          </p:cNvPr>
+          <p:cNvCxnSpPr>
+            <a:cxnSpLocks noGrp="1" noRot="1" noChangeAspect="1" noMove="1" noResize="1" noEditPoints="1" noAdjustHandles="1" noChangeArrowheads="1" noChangeShapeType="1"/>
+          </p:cNvCxnSpPr>
+          <p:nvPr>
+            <p:extLst>
+              <p:ext uri="{386F3935-93C4-4BCD-93E2-E3B085C9AB24}">
+                <p16:designElem xmlns:p16="http://schemas.microsoft.com/office/powerpoint/2015/main" val="1"/>
+              </p:ext>
+            </p:extLst>
+          </p:nvPr>
+        </p:nvCxnSpPr>
+        <p:spPr>
+          <a:xfrm>
+            <a:off x="11430" y="806470"/>
+            <a:ext cx="7903723" cy="0"/>
+          </a:xfrm>
+          <a:prstGeom prst="line">
+            <a:avLst/>
+          </a:prstGeom>
+          <a:ln w="25400" cap="sq">
+            <a:gradFill flip="none" rotWithShape="1">
+              <a:gsLst>
+                <a:gs pos="0">
+                  <a:schemeClr val="accent1"/>
+                </a:gs>
+                <a:gs pos="100000">
+                  <a:schemeClr val="accent2"/>
+                </a:gs>
+              </a:gsLst>
+              <a:lin ang="10800000" scaled="0"/>
+              <a:tileRect/>
+            </a:gradFill>
+            <a:bevel/>
+          </a:ln>
+        </p:spPr>
+        <p:style>
+          <a:lnRef idx="1">
+            <a:schemeClr val="accent1"/>
+          </a:lnRef>
+          <a:fillRef idx="0">
+            <a:schemeClr val="accent1"/>
+          </a:fillRef>
+          <a:effectRef idx="0">
+            <a:schemeClr val="accent1"/>
+          </a:effectRef>
+          <a:fontRef idx="minor">
+            <a:schemeClr val="tx1"/>
+          </a:fontRef>
+        </p:style>
+      </p:cxnSp>
+      <p:sp>
+        <p:nvSpPr>
+          <p:cNvPr id="5" name="Footer Placeholder 4">
+            <a:extLst>
+              <a:ext uri="{FF2B5EF4-FFF2-40B4-BE49-F238E27FC236}">
+                <a16:creationId xmlns:a16="http://schemas.microsoft.com/office/drawing/2014/main" id="{CE54B6B0-7E10-EF60-ED8C-7FBCD95777F3}"/>
+              </a:ext>
+            </a:extLst>
+          </p:cNvPr>
+          <p:cNvSpPr>
+            <a:spLocks noGrp="1"/>
+          </p:cNvSpPr>
+          <p:nvPr>
+            <p:ph type="ftr" sz="quarter" idx="11"/>
+          </p:nvPr>
+        </p:nvSpPr>
+        <p:spPr>
+          <a:xfrm>
+            <a:off x="7962190" y="623907"/>
+            <a:ext cx="4114800" cy="365125"/>
+          </a:xfrm>
+        </p:spPr>
+        <p:txBody>
+          <a:bodyPr>
+            <a:normAutofit/>
+          </a:bodyPr>
+          <a:lstStyle/>
+          <a:p>
+            <a:pPr>
+              <a:spcAft>
+                <a:spcPts val="600"/>
+              </a:spcAft>
+            </a:pPr>
+            <a:r>
+              <a:rPr lang="de-DE">
+                <a:solidFill>
+                  <a:schemeClr val="tx1">
+                    <a:alpha val="60000"/>
+                  </a:schemeClr>
+                </a:solidFill>
+              </a:rPr>
+              <a:t>Formel 1</a:t>
+            </a:r>
+            <a:endParaRPr lang="en-US">
+              <a:solidFill>
+                <a:schemeClr val="tx1">
+                  <a:alpha val="60000"/>
+                </a:schemeClr>
+              </a:solidFill>
+            </a:endParaRPr>
           </a:p>
         </p:txBody>
       </p:sp>
@@ -10960,7 +14311,7 @@
           <p:cNvPr id="3" name="Content Placeholder 2">
             <a:extLst>
               <a:ext uri="{FF2B5EF4-FFF2-40B4-BE49-F238E27FC236}">
-                <a16:creationId xmlns:a16="http://schemas.microsoft.com/office/drawing/2014/main" id="{4428E749-22EF-AA5D-8750-FDCBE2CE7AAD}"/>
+                <a16:creationId xmlns:a16="http://schemas.microsoft.com/office/drawing/2014/main" id="{91195078-68C4-CA6A-38C5-F4304173FA35}"/>
               </a:ext>
             </a:extLst>
           </p:cNvPr>
@@ -10971,15 +14322,19 @@
             <p:ph idx="1"/>
           </p:nvPr>
         </p:nvSpPr>
-        <p:spPr/>
+        <p:spPr>
+          <a:xfrm>
+            <a:off x="803776" y="2829330"/>
+            <a:ext cx="6190412" cy="3344459"/>
+          </a:xfrm>
+        </p:spPr>
         <p:txBody>
-          <a:bodyPr/>
+          <a:bodyPr anchor="t">
+            <a:normAutofit/>
+          </a:bodyPr>
           <a:lstStyle/>
           <a:p>
             <a:pPr marL="342900" marR="0" lvl="0" indent="-342900">
-              <a:lnSpc>
-                <a:spcPct val="115000"/>
-              </a:lnSpc>
               <a:spcBef>
                 <a:spcPts val="1200"/>
               </a:spcBef>
@@ -10996,7 +14351,7 @@
                 <a:ea typeface="Times New Roman" panose="02020603050405020304" pitchFamily="18" charset="0"/>
                 <a:cs typeface="Times New Roman" panose="02020603050405020304" pitchFamily="18" charset="0"/>
               </a:rPr>
-              <a:t>180_FormulaOneNationHierarchy– Dimensional View, bildet die Hierarchie von Driver und </a:t>
+              <a:t>180_FormulaOneDriverStandingsFirstAnalysis – </a:t>
             </a:r>
             <a:r>
               <a:rPr lang="de-DE" sz="1800" dirty="0" err="1">
@@ -11005,7 +14360,7 @@
                 <a:ea typeface="Times New Roman" panose="02020603050405020304" pitchFamily="18" charset="0"/>
                 <a:cs typeface="Times New Roman" panose="02020603050405020304" pitchFamily="18" charset="0"/>
               </a:rPr>
-              <a:t>Contsructor</a:t>
+              <a:t>FinalPosition</a:t>
             </a:r>
             <a:r>
               <a:rPr lang="de-DE" sz="1800" dirty="0">
@@ -11014,260 +14369,11 @@
                 <a:ea typeface="Times New Roman" panose="02020603050405020304" pitchFamily="18" charset="0"/>
                 <a:cs typeface="Times New Roman" panose="02020603050405020304" pitchFamily="18" charset="0"/>
               </a:rPr>
-              <a:t> zum Land ab.</a:t>
-            </a:r>
-            <a:endParaRPr lang="en-US" sz="1800" dirty="0">
-              <a:effectLst/>
-              <a:latin typeface="Calibri" panose="020F0502020204030204" pitchFamily="34" charset="0"/>
-              <a:ea typeface="Times New Roman" panose="02020603050405020304" pitchFamily="18" charset="0"/>
-              <a:cs typeface="Times New Roman" panose="02020603050405020304" pitchFamily="18" charset="0"/>
-            </a:endParaRPr>
+              <a:t> = 1 (Fahrer, die erster wurden im jeweiligen Rennen).</a:t>
+            </a:r>
           </a:p>
           <a:p>
             <a:pPr marL="342900" marR="0" lvl="0" indent="-342900">
-              <a:lnSpc>
-                <a:spcPct val="115000"/>
-              </a:lnSpc>
-              <a:spcBef>
-                <a:spcPts val="0"/>
-              </a:spcBef>
-              <a:spcAft>
-                <a:spcPts val="1000"/>
-              </a:spcAft>
-              <a:buFont typeface="Symbol" panose="05050102010706020507" pitchFamily="18" charset="2"/>
-              <a:buChar char=""/>
-            </a:pPr>
-            <a:r>
-              <a:rPr lang="de-DE" sz="1800" dirty="0">
-                <a:effectLst/>
-                <a:latin typeface="Calibri" panose="020F0502020204030204" pitchFamily="34" charset="0"/>
-                <a:ea typeface="Times New Roman" panose="02020603050405020304" pitchFamily="18" charset="0"/>
-                <a:cs typeface="Times New Roman" panose="02020603050405020304" pitchFamily="18" charset="0"/>
-              </a:rPr>
-              <a:t>180_FormulaOneGeoDim – Dimensional View, zur Erstellung der Location Dimension.</a:t>
-            </a:r>
-            <a:endParaRPr lang="en-US" sz="1800" dirty="0">
-              <a:effectLst/>
-              <a:latin typeface="Calibri" panose="020F0502020204030204" pitchFamily="34" charset="0"/>
-              <a:ea typeface="Times New Roman" panose="02020603050405020304" pitchFamily="18" charset="0"/>
-              <a:cs typeface="Times New Roman" panose="02020603050405020304" pitchFamily="18" charset="0"/>
-            </a:endParaRPr>
-          </a:p>
-          <a:p>
-            <a:endParaRPr lang="en-US" dirty="0"/>
-          </a:p>
-        </p:txBody>
-      </p:sp>
-      <p:sp>
-        <p:nvSpPr>
-          <p:cNvPr id="4" name="Date Placeholder 3">
-            <a:extLst>
-              <a:ext uri="{FF2B5EF4-FFF2-40B4-BE49-F238E27FC236}">
-                <a16:creationId xmlns:a16="http://schemas.microsoft.com/office/drawing/2014/main" id="{D8E4175D-7986-F896-DD8D-E4FE2A68791F}"/>
-              </a:ext>
-            </a:extLst>
-          </p:cNvPr>
-          <p:cNvSpPr>
-            <a:spLocks noGrp="1"/>
-          </p:cNvSpPr>
-          <p:nvPr>
-            <p:ph type="dt" sz="half" idx="10"/>
-          </p:nvPr>
-        </p:nvSpPr>
-        <p:spPr/>
-        <p:txBody>
-          <a:bodyPr/>
-          <a:lstStyle/>
-          <a:p>
-            <a:fld id="{3C028EAF-51DD-4B07-914F-DAAE205F3D33}" type="datetime1">
-              <a:rPr lang="en-US" smtClean="0"/>
-              <a:t>5/1/2023</a:t>
-            </a:fld>
-            <a:endParaRPr lang="en-US"/>
-          </a:p>
-        </p:txBody>
-      </p:sp>
-      <p:sp>
-        <p:nvSpPr>
-          <p:cNvPr id="5" name="Footer Placeholder 4">
-            <a:extLst>
-              <a:ext uri="{FF2B5EF4-FFF2-40B4-BE49-F238E27FC236}">
-                <a16:creationId xmlns:a16="http://schemas.microsoft.com/office/drawing/2014/main" id="{949FB311-5C04-C5F4-FD7C-1D9DB63F057E}"/>
-              </a:ext>
-            </a:extLst>
-          </p:cNvPr>
-          <p:cNvSpPr>
-            <a:spLocks noGrp="1"/>
-          </p:cNvSpPr>
-          <p:nvPr>
-            <p:ph type="ftr" sz="quarter" idx="11"/>
-          </p:nvPr>
-        </p:nvSpPr>
-        <p:spPr/>
-        <p:txBody>
-          <a:bodyPr/>
-          <a:lstStyle/>
-          <a:p>
-            <a:r>
-              <a:rPr lang="de-DE"/>
-              <a:t>Formel 1</a:t>
-            </a:r>
-            <a:endParaRPr lang="en-US"/>
-          </a:p>
-        </p:txBody>
-      </p:sp>
-      <p:sp>
-        <p:nvSpPr>
-          <p:cNvPr id="6" name="Slide Number Placeholder 5">
-            <a:extLst>
-              <a:ext uri="{FF2B5EF4-FFF2-40B4-BE49-F238E27FC236}">
-                <a16:creationId xmlns:a16="http://schemas.microsoft.com/office/drawing/2014/main" id="{B06FE1BD-0F8E-28FB-3393-A6B93B8739A4}"/>
-              </a:ext>
-            </a:extLst>
-          </p:cNvPr>
-          <p:cNvSpPr>
-            <a:spLocks noGrp="1"/>
-          </p:cNvSpPr>
-          <p:nvPr>
-            <p:ph type="sldNum" sz="quarter" idx="12"/>
-          </p:nvPr>
-        </p:nvSpPr>
-        <p:spPr/>
-        <p:txBody>
-          <a:bodyPr/>
-          <a:lstStyle/>
-          <a:p>
-            <a:fld id="{4A02C0CA-695B-4E24-A1D3-3DA5FEDE07AC}" type="slidenum">
-              <a:rPr lang="en-US" smtClean="0"/>
-              <a:t>13</a:t>
-            </a:fld>
-            <a:endParaRPr lang="en-US"/>
-          </a:p>
-        </p:txBody>
-      </p:sp>
-    </p:spTree>
-    <p:extLst>
-      <p:ext uri="{BB962C8B-B14F-4D97-AF65-F5344CB8AC3E}">
-        <p14:creationId xmlns:p14="http://schemas.microsoft.com/office/powerpoint/2010/main" val="788108026"/>
-      </p:ext>
-    </p:extLst>
-  </p:cSld>
-  <p:clrMapOvr>
-    <a:masterClrMapping/>
-  </p:clrMapOvr>
-</p:sld>
-</file>
-
-<file path=ppt/slides/slide14.xml><?xml version="1.0" encoding="utf-8"?>
-<p:sld xmlns:a="http://schemas.openxmlformats.org/drawingml/2006/main" xmlns:r="http://schemas.openxmlformats.org/officeDocument/2006/relationships" xmlns:p="http://schemas.openxmlformats.org/presentationml/2006/main">
-  <p:cSld>
-    <p:spTree>
-      <p:nvGrpSpPr>
-        <p:cNvPr id="1" name=""/>
-        <p:cNvGrpSpPr/>
-        <p:nvPr/>
-      </p:nvGrpSpPr>
-      <p:grpSpPr>
-        <a:xfrm>
-          <a:off x="0" y="0"/>
-          <a:ext cx="0" cy="0"/>
-          <a:chOff x="0" y="0"/>
-          <a:chExt cx="0" cy="0"/>
-        </a:xfrm>
-      </p:grpSpPr>
-      <p:sp>
-        <p:nvSpPr>
-          <p:cNvPr id="2" name="Title 1">
-            <a:extLst>
-              <a:ext uri="{FF2B5EF4-FFF2-40B4-BE49-F238E27FC236}">
-                <a16:creationId xmlns:a16="http://schemas.microsoft.com/office/drawing/2014/main" id="{05B8351F-AF2F-FD7D-EAEC-04FFAD06F9FB}"/>
-              </a:ext>
-            </a:extLst>
-          </p:cNvPr>
-          <p:cNvSpPr>
-            <a:spLocks noGrp="1"/>
-          </p:cNvSpPr>
-          <p:nvPr>
-            <p:ph type="title"/>
-          </p:nvPr>
-        </p:nvSpPr>
-        <p:spPr/>
-        <p:txBody>
-          <a:bodyPr>
-            <a:normAutofit/>
-          </a:bodyPr>
-          <a:lstStyle/>
-          <a:p>
-            <a:r>
-              <a:rPr lang="de-DE" dirty="0"/>
-              <a:t>Analytische Views</a:t>
-            </a:r>
-            <a:br>
-              <a:rPr lang="de-DE" dirty="0"/>
-            </a:br>
-            <a:r>
-              <a:rPr lang="de-DE" dirty="0"/>
-              <a:t>Screenshot SQL und </a:t>
-            </a:r>
-            <a:r>
-              <a:rPr lang="de-DE" dirty="0" err="1"/>
-              <a:t>Graphical</a:t>
-            </a:r>
-            <a:r>
-              <a:rPr lang="de-DE" dirty="0"/>
-              <a:t> View einfügen</a:t>
-            </a:r>
-            <a:endParaRPr lang="en-US" dirty="0"/>
-          </a:p>
-        </p:txBody>
-      </p:sp>
-      <p:sp>
-        <p:nvSpPr>
-          <p:cNvPr id="3" name="Content Placeholder 2">
-            <a:extLst>
-              <a:ext uri="{FF2B5EF4-FFF2-40B4-BE49-F238E27FC236}">
-                <a16:creationId xmlns:a16="http://schemas.microsoft.com/office/drawing/2014/main" id="{91195078-68C4-CA6A-38C5-F4304173FA35}"/>
-              </a:ext>
-            </a:extLst>
-          </p:cNvPr>
-          <p:cNvSpPr>
-            <a:spLocks noGrp="1"/>
-          </p:cNvSpPr>
-          <p:nvPr>
-            <p:ph idx="1"/>
-          </p:nvPr>
-        </p:nvSpPr>
-        <p:spPr/>
-        <p:txBody>
-          <a:bodyPr>
-            <a:normAutofit/>
-          </a:bodyPr>
-          <a:lstStyle/>
-          <a:p>
-            <a:pPr marL="0" marR="0" indent="0">
-              <a:lnSpc>
-                <a:spcPct val="115000"/>
-              </a:lnSpc>
-              <a:spcBef>
-                <a:spcPts val="0"/>
-              </a:spcBef>
-              <a:spcAft>
-                <a:spcPts val="1000"/>
-              </a:spcAft>
-              <a:buNone/>
-            </a:pPr>
-            <a:endParaRPr lang="en-US" sz="1800" dirty="0">
-              <a:effectLst/>
-              <a:latin typeface="Calibri" panose="020F0502020204030204" pitchFamily="34" charset="0"/>
-              <a:ea typeface="Times New Roman" panose="02020603050405020304" pitchFamily="18" charset="0"/>
-              <a:cs typeface="Times New Roman" panose="02020603050405020304" pitchFamily="18" charset="0"/>
-            </a:endParaRPr>
-          </a:p>
-          <a:p>
-            <a:pPr marL="342900" marR="0" lvl="0" indent="-342900">
-              <a:lnSpc>
-                <a:spcPct val="115000"/>
-              </a:lnSpc>
               <a:spcBef>
                 <a:spcPts val="1200"/>
               </a:spcBef>
@@ -11284,40 +14390,13 @@
                 <a:ea typeface="Times New Roman" panose="02020603050405020304" pitchFamily="18" charset="0"/>
                 <a:cs typeface="Times New Roman" panose="02020603050405020304" pitchFamily="18" charset="0"/>
               </a:rPr>
-              <a:t>180_FormulaOneDriverStandingsFirstAnalysis – Eingrenzung der oberen View auf </a:t>
-            </a:r>
-            <a:r>
-              <a:rPr lang="de-DE" sz="1800" dirty="0" err="1">
-                <a:effectLst/>
-                <a:latin typeface="Calibri" panose="020F0502020204030204" pitchFamily="34" charset="0"/>
-                <a:ea typeface="Times New Roman" panose="02020603050405020304" pitchFamily="18" charset="0"/>
-                <a:cs typeface="Times New Roman" panose="02020603050405020304" pitchFamily="18" charset="0"/>
-              </a:rPr>
-              <a:t>FinalPosition</a:t>
-            </a:r>
-            <a:r>
-              <a:rPr lang="de-DE" sz="1800" dirty="0">
-                <a:effectLst/>
-                <a:latin typeface="Calibri" panose="020F0502020204030204" pitchFamily="34" charset="0"/>
-                <a:ea typeface="Times New Roman" panose="02020603050405020304" pitchFamily="18" charset="0"/>
-                <a:cs typeface="Times New Roman" panose="02020603050405020304" pitchFamily="18" charset="0"/>
-              </a:rPr>
-              <a:t> = 1 (Fahrer, die erster wurden im jeweiligen Rennen). Hierarchien sind eingebaut.</a:t>
-            </a:r>
-            <a:endParaRPr lang="en-US" sz="1800" dirty="0">
-              <a:effectLst/>
-              <a:latin typeface="Calibri" panose="020F0502020204030204" pitchFamily="34" charset="0"/>
-              <a:ea typeface="Times New Roman" panose="02020603050405020304" pitchFamily="18" charset="0"/>
-              <a:cs typeface="Times New Roman" panose="02020603050405020304" pitchFamily="18" charset="0"/>
-            </a:endParaRPr>
+              <a:t>180_FormulaOneRaceResultsAnalysis –Rennergebnisse pro Fahrer und Konstrukteur.</a:t>
+            </a:r>
           </a:p>
           <a:p>
             <a:pPr marL="342900" marR="0" lvl="0" indent="-342900">
-              <a:lnSpc>
-                <a:spcPct val="115000"/>
-              </a:lnSpc>
               <a:spcBef>
-                <a:spcPts val="0"/>
+                <a:spcPts val="1200"/>
               </a:spcBef>
               <a:spcAft>
                 <a:spcPts val="0"/>
@@ -11332,10 +14411,9 @@
                 <a:ea typeface="Times New Roman" panose="02020603050405020304" pitchFamily="18" charset="0"/>
                 <a:cs typeface="Times New Roman" panose="02020603050405020304" pitchFamily="18" charset="0"/>
               </a:rPr>
-              <a:t>180_FormulaOneRaceResultsAnalysis – Analyse aller Rennergebnisse pro Fahrer und Konstrukteur auf jeder Strecke ab 1950 bis 2023.</a:t>
-            </a:r>
-            <a:endParaRPr lang="en-US" sz="1800" dirty="0">
-              <a:effectLst/>
+              <a:t>180_FormulaOneAVGLapTimeAnalysis –Durchschnittliche Rundenzeit pro Fahrer pro Strecke. </a:t>
+            </a:r>
+            <a:endParaRPr lang="de-DE" sz="1800" dirty="0">
               <a:latin typeface="Calibri" panose="020F0502020204030204" pitchFamily="34" charset="0"/>
               <a:ea typeface="Times New Roman" panose="02020603050405020304" pitchFamily="18" charset="0"/>
               <a:cs typeface="Times New Roman" panose="02020603050405020304" pitchFamily="18" charset="0"/>
@@ -11343,11 +14421,8 @@
           </a:p>
           <a:p>
             <a:pPr marL="342900" marR="0" lvl="0" indent="-342900">
-              <a:lnSpc>
-                <a:spcPct val="115000"/>
-              </a:lnSpc>
               <a:spcBef>
-                <a:spcPts val="0"/>
+                <a:spcPts val="1200"/>
               </a:spcBef>
               <a:spcAft>
                 <a:spcPts val="0"/>
@@ -11362,37 +14437,7 @@
                 <a:ea typeface="Times New Roman" panose="02020603050405020304" pitchFamily="18" charset="0"/>
                 <a:cs typeface="Times New Roman" panose="02020603050405020304" pitchFamily="18" charset="0"/>
               </a:rPr>
-              <a:t>180_FormulaOneAVGLapTimeAnalysis – Analyse der Durchschnittlichen Rundenzeit pro Fahrer pro Strecke. Auflistung der Jahre, um Werte vergleichbar zu machen.</a:t>
-            </a:r>
-            <a:endParaRPr lang="en-US" sz="1800" dirty="0">
-              <a:effectLst/>
-              <a:latin typeface="Calibri" panose="020F0502020204030204" pitchFamily="34" charset="0"/>
-              <a:ea typeface="Times New Roman" panose="02020603050405020304" pitchFamily="18" charset="0"/>
-              <a:cs typeface="Times New Roman" panose="02020603050405020304" pitchFamily="18" charset="0"/>
-            </a:endParaRPr>
-          </a:p>
-          <a:p>
-            <a:pPr marL="342900" marR="0" lvl="0" indent="-342900">
-              <a:lnSpc>
-                <a:spcPct val="115000"/>
-              </a:lnSpc>
-              <a:spcBef>
-                <a:spcPts val="0"/>
-              </a:spcBef>
-              <a:spcAft>
-                <a:spcPts val="1000"/>
-              </a:spcAft>
-              <a:buFont typeface="Symbol" panose="05050102010706020507" pitchFamily="18" charset="2"/>
-              <a:buChar char=""/>
-            </a:pPr>
-            <a:r>
-              <a:rPr lang="de-DE" sz="1800" dirty="0">
-                <a:effectLst/>
-                <a:latin typeface="Calibri" panose="020F0502020204030204" pitchFamily="34" charset="0"/>
-                <a:ea typeface="Times New Roman" panose="02020603050405020304" pitchFamily="18" charset="0"/>
-                <a:cs typeface="Times New Roman" panose="02020603050405020304" pitchFamily="18" charset="0"/>
-              </a:rPr>
-              <a:t>180_FormulaOneMapAnalysis – Mapping von </a:t>
+              <a:t>180_FormulaOneMapAnalysis – Assoziation von </a:t>
             </a:r>
             <a:r>
               <a:rPr lang="de-DE" sz="1800" dirty="0" err="1">
@@ -11401,47 +14446,427 @@
                 <a:ea typeface="Times New Roman" panose="02020603050405020304" pitchFamily="18" charset="0"/>
                 <a:cs typeface="Times New Roman" panose="02020603050405020304" pitchFamily="18" charset="0"/>
               </a:rPr>
-              <a:t>Longitude</a:t>
+              <a:t>GeoDim</a:t>
             </a:r>
             <a:r>
               <a:rPr lang="de-DE" sz="1800" dirty="0">
-                <a:effectLst/>
                 <a:latin typeface="Calibri" panose="020F0502020204030204" pitchFamily="34" charset="0"/>
                 <a:ea typeface="Times New Roman" panose="02020603050405020304" pitchFamily="18" charset="0"/>
                 <a:cs typeface="Times New Roman" panose="02020603050405020304" pitchFamily="18" charset="0"/>
               </a:rPr>
-              <a:t> und Latitude als </a:t>
-            </a:r>
-            <a:r>
-              <a:rPr lang="de-DE" sz="1800" dirty="0" err="1">
-                <a:effectLst/>
-                <a:latin typeface="Calibri" panose="020F0502020204030204" pitchFamily="34" charset="0"/>
-                <a:ea typeface="Times New Roman" panose="02020603050405020304" pitchFamily="18" charset="0"/>
-                <a:cs typeface="Times New Roman" panose="02020603050405020304" pitchFamily="18" charset="0"/>
-              </a:rPr>
-              <a:t>Geo</a:t>
-            </a:r>
-            <a:r>
-              <a:rPr lang="de-DE" sz="1800" dirty="0">
-                <a:effectLst/>
-                <a:latin typeface="Calibri" panose="020F0502020204030204" pitchFamily="34" charset="0"/>
-                <a:ea typeface="Times New Roman" panose="02020603050405020304" pitchFamily="18" charset="0"/>
-                <a:cs typeface="Times New Roman" panose="02020603050405020304" pitchFamily="18" charset="0"/>
-              </a:rPr>
-              <a:t> Koordinate, um eine Karte abbilden zu können.</a:t>
-            </a:r>
-            <a:endParaRPr lang="en-US" sz="1800" dirty="0">
-              <a:effectLst/>
-              <a:latin typeface="Calibri" panose="020F0502020204030204" pitchFamily="34" charset="0"/>
-              <a:ea typeface="Times New Roman" panose="02020603050405020304" pitchFamily="18" charset="0"/>
-              <a:cs typeface="Times New Roman" panose="02020603050405020304" pitchFamily="18" charset="0"/>
-            </a:endParaRPr>
-          </a:p>
-          <a:p>
-            <a:endParaRPr lang="en-US" dirty="0"/>
+              <a:t> zur Erstellung einer Karte.</a:t>
+            </a:r>
+            <a:endParaRPr lang="en-US" sz="1800" dirty="0"/>
           </a:p>
         </p:txBody>
       </p:sp>
+      <p:grpSp>
+        <p:nvGrpSpPr>
+          <p:cNvPr id="39" name="Group 38">
+            <a:extLst>
+              <a:ext uri="{FF2B5EF4-FFF2-40B4-BE49-F238E27FC236}">
+                <a16:creationId xmlns:a16="http://schemas.microsoft.com/office/drawing/2014/main" id="{4A52B06C-3838-48F3-8CF4-F4054598D9A8}"/>
+              </a:ext>
+              <a:ext uri="{C183D7F6-B498-43B3-948B-1728B52AA6E4}">
+                <adec:decorative xmlns:adec="http://schemas.microsoft.com/office/drawing/2017/decorative" val="1"/>
+              </a:ext>
+            </a:extLst>
+          </p:cNvPr>
+          <p:cNvGrpSpPr>
+            <a:grpSpLocks noGrp="1" noUngrp="1" noRot="1" noChangeAspect="1" noMove="1" noResize="1"/>
+          </p:cNvGrpSpPr>
+          <p:nvPr>
+            <p:extLst>
+              <p:ext uri="{386F3935-93C4-4BCD-93E2-E3B085C9AB24}">
+                <p16:designElem xmlns:p16="http://schemas.microsoft.com/office/powerpoint/2015/main" val="1"/>
+              </p:ext>
+            </p:extLst>
+          </p:nvPr>
+        </p:nvGrpSpPr>
+        <p:grpSpPr>
+          <a:xfrm>
+            <a:off x="7974401" y="3608452"/>
+            <a:ext cx="427516" cy="353137"/>
+            <a:chOff x="7974401" y="3608452"/>
+            <a:chExt cx="427516" cy="353137"/>
+          </a:xfrm>
+        </p:grpSpPr>
+        <p:sp>
+          <p:nvSpPr>
+            <p:cNvPr id="40" name="Graphic 11">
+              <a:extLst>
+                <a:ext uri="{FF2B5EF4-FFF2-40B4-BE49-F238E27FC236}">
+                  <a16:creationId xmlns:a16="http://schemas.microsoft.com/office/drawing/2014/main" id="{6CB927A4-E432-4310-9CD5-E89FF5063179}"/>
+                </a:ext>
+                <a:ext uri="{C183D7F6-B498-43B3-948B-1728B52AA6E4}">
+                  <adec:decorative xmlns:adec="http://schemas.microsoft.com/office/drawing/2017/decorative" val="1"/>
+                </a:ext>
+              </a:extLst>
+            </p:cNvPr>
+            <p:cNvSpPr/>
+            <p:nvPr>
+              <p:extLst>
+                <p:ext uri="{386F3935-93C4-4BCD-93E2-E3B085C9AB24}">
+                  <p16:designElem xmlns:p16="http://schemas.microsoft.com/office/powerpoint/2015/main" val="1"/>
+                </p:ext>
+              </p:extLst>
+            </p:nvPr>
+          </p:nvSpPr>
+          <p:spPr>
+            <a:xfrm>
+              <a:off x="8262878" y="3608452"/>
+              <a:ext cx="139039" cy="139039"/>
+            </a:xfrm>
+            <a:custGeom>
+              <a:avLst/>
+              <a:gdLst>
+                <a:gd name="connsiteX0" fmla="*/ 129602 w 139039"/>
+                <a:gd name="connsiteY0" fmla="*/ 60082 h 139039"/>
+                <a:gd name="connsiteX1" fmla="*/ 78957 w 139039"/>
+                <a:gd name="connsiteY1" fmla="*/ 60082 h 139039"/>
+                <a:gd name="connsiteX2" fmla="*/ 78957 w 139039"/>
+                <a:gd name="connsiteY2" fmla="*/ 9437 h 139039"/>
+                <a:gd name="connsiteX3" fmla="*/ 69520 w 139039"/>
+                <a:gd name="connsiteY3" fmla="*/ 0 h 139039"/>
+                <a:gd name="connsiteX4" fmla="*/ 60082 w 139039"/>
+                <a:gd name="connsiteY4" fmla="*/ 9437 h 139039"/>
+                <a:gd name="connsiteX5" fmla="*/ 60082 w 139039"/>
+                <a:gd name="connsiteY5" fmla="*/ 60082 h 139039"/>
+                <a:gd name="connsiteX6" fmla="*/ 9437 w 139039"/>
+                <a:gd name="connsiteY6" fmla="*/ 60082 h 139039"/>
+                <a:gd name="connsiteX7" fmla="*/ 0 w 139039"/>
+                <a:gd name="connsiteY7" fmla="*/ 69520 h 139039"/>
+                <a:gd name="connsiteX8" fmla="*/ 9437 w 139039"/>
+                <a:gd name="connsiteY8" fmla="*/ 78957 h 139039"/>
+                <a:gd name="connsiteX9" fmla="*/ 60082 w 139039"/>
+                <a:gd name="connsiteY9" fmla="*/ 78957 h 139039"/>
+                <a:gd name="connsiteX10" fmla="*/ 60082 w 139039"/>
+                <a:gd name="connsiteY10" fmla="*/ 129602 h 139039"/>
+                <a:gd name="connsiteX11" fmla="*/ 69520 w 139039"/>
+                <a:gd name="connsiteY11" fmla="*/ 139039 h 139039"/>
+                <a:gd name="connsiteX12" fmla="*/ 78957 w 139039"/>
+                <a:gd name="connsiteY12" fmla="*/ 129602 h 139039"/>
+                <a:gd name="connsiteX13" fmla="*/ 78957 w 139039"/>
+                <a:gd name="connsiteY13" fmla="*/ 78957 h 139039"/>
+                <a:gd name="connsiteX14" fmla="*/ 129602 w 139039"/>
+                <a:gd name="connsiteY14" fmla="*/ 78957 h 139039"/>
+                <a:gd name="connsiteX15" fmla="*/ 139039 w 139039"/>
+                <a:gd name="connsiteY15" fmla="*/ 69520 h 139039"/>
+                <a:gd name="connsiteX16" fmla="*/ 129602 w 139039"/>
+                <a:gd name="connsiteY16" fmla="*/ 60082 h 139039"/>
+              </a:gdLst>
+              <a:ahLst/>
+              <a:cxnLst>
+                <a:cxn ang="0">
+                  <a:pos x="connsiteX0" y="connsiteY0"/>
+                </a:cxn>
+                <a:cxn ang="0">
+                  <a:pos x="connsiteX1" y="connsiteY1"/>
+                </a:cxn>
+                <a:cxn ang="0">
+                  <a:pos x="connsiteX2" y="connsiteY2"/>
+                </a:cxn>
+                <a:cxn ang="0">
+                  <a:pos x="connsiteX3" y="connsiteY3"/>
+                </a:cxn>
+                <a:cxn ang="0">
+                  <a:pos x="connsiteX4" y="connsiteY4"/>
+                </a:cxn>
+                <a:cxn ang="0">
+                  <a:pos x="connsiteX5" y="connsiteY5"/>
+                </a:cxn>
+                <a:cxn ang="0">
+                  <a:pos x="connsiteX6" y="connsiteY6"/>
+                </a:cxn>
+                <a:cxn ang="0">
+                  <a:pos x="connsiteX7" y="connsiteY7"/>
+                </a:cxn>
+                <a:cxn ang="0">
+                  <a:pos x="connsiteX8" y="connsiteY8"/>
+                </a:cxn>
+                <a:cxn ang="0">
+                  <a:pos x="connsiteX9" y="connsiteY9"/>
+                </a:cxn>
+                <a:cxn ang="0">
+                  <a:pos x="connsiteX10" y="connsiteY10"/>
+                </a:cxn>
+                <a:cxn ang="0">
+                  <a:pos x="connsiteX11" y="connsiteY11"/>
+                </a:cxn>
+                <a:cxn ang="0">
+                  <a:pos x="connsiteX12" y="connsiteY12"/>
+                </a:cxn>
+                <a:cxn ang="0">
+                  <a:pos x="connsiteX13" y="connsiteY13"/>
+                </a:cxn>
+                <a:cxn ang="0">
+                  <a:pos x="connsiteX14" y="connsiteY14"/>
+                </a:cxn>
+                <a:cxn ang="0">
+                  <a:pos x="connsiteX15" y="connsiteY15"/>
+                </a:cxn>
+                <a:cxn ang="0">
+                  <a:pos x="connsiteX16" y="connsiteY16"/>
+                </a:cxn>
+              </a:cxnLst>
+              <a:rect l="l" t="t" r="r" b="b"/>
+              <a:pathLst>
+                <a:path w="139039" h="139039">
+                  <a:moveTo>
+                    <a:pt x="129602" y="60082"/>
+                  </a:moveTo>
+                  <a:lnTo>
+                    <a:pt x="78957" y="60082"/>
+                  </a:lnTo>
+                  <a:lnTo>
+                    <a:pt x="78957" y="9437"/>
+                  </a:lnTo>
+                  <a:cubicBezTo>
+                    <a:pt x="78957" y="4225"/>
+                    <a:pt x="74731" y="0"/>
+                    <a:pt x="69520" y="0"/>
+                  </a:cubicBezTo>
+                  <a:cubicBezTo>
+                    <a:pt x="64308" y="0"/>
+                    <a:pt x="60082" y="4225"/>
+                    <a:pt x="60082" y="9437"/>
+                  </a:cubicBezTo>
+                  <a:lnTo>
+                    <a:pt x="60082" y="60082"/>
+                  </a:lnTo>
+                  <a:lnTo>
+                    <a:pt x="9437" y="60082"/>
+                  </a:lnTo>
+                  <a:cubicBezTo>
+                    <a:pt x="4225" y="60082"/>
+                    <a:pt x="0" y="64308"/>
+                    <a:pt x="0" y="69520"/>
+                  </a:cubicBezTo>
+                  <a:cubicBezTo>
+                    <a:pt x="0" y="74731"/>
+                    <a:pt x="4225" y="78957"/>
+                    <a:pt x="9437" y="78957"/>
+                  </a:cubicBezTo>
+                  <a:lnTo>
+                    <a:pt x="60082" y="78957"/>
+                  </a:lnTo>
+                  <a:lnTo>
+                    <a:pt x="60082" y="129602"/>
+                  </a:lnTo>
+                  <a:cubicBezTo>
+                    <a:pt x="60082" y="134814"/>
+                    <a:pt x="64308" y="139039"/>
+                    <a:pt x="69520" y="139039"/>
+                  </a:cubicBezTo>
+                  <a:cubicBezTo>
+                    <a:pt x="74731" y="139039"/>
+                    <a:pt x="78957" y="134814"/>
+                    <a:pt x="78957" y="129602"/>
+                  </a:cubicBezTo>
+                  <a:lnTo>
+                    <a:pt x="78957" y="78957"/>
+                  </a:lnTo>
+                  <a:lnTo>
+                    <a:pt x="129602" y="78957"/>
+                  </a:lnTo>
+                  <a:cubicBezTo>
+                    <a:pt x="134814" y="78957"/>
+                    <a:pt x="139039" y="74731"/>
+                    <a:pt x="139039" y="69520"/>
+                  </a:cubicBezTo>
+                  <a:cubicBezTo>
+                    <a:pt x="139039" y="64308"/>
+                    <a:pt x="134814" y="60082"/>
+                    <a:pt x="129602" y="60082"/>
+                  </a:cubicBezTo>
+                  <a:close/>
+                </a:path>
+              </a:pathLst>
+            </a:custGeom>
+            <a:solidFill>
+              <a:schemeClr val="accent1"/>
+            </a:solidFill>
+            <a:ln w="603" cap="flat">
+              <a:noFill/>
+              <a:prstDash val="solid"/>
+              <a:miter/>
+            </a:ln>
+          </p:spPr>
+          <p:txBody>
+            <a:bodyPr rtlCol="0" anchor="ctr"/>
+            <a:lstStyle/>
+            <a:p>
+              <a:endParaRPr lang="en-US"/>
+            </a:p>
+          </p:txBody>
+        </p:sp>
+        <p:sp>
+          <p:nvSpPr>
+            <p:cNvPr id="41" name="Graphic 10">
+              <a:extLst>
+                <a:ext uri="{FF2B5EF4-FFF2-40B4-BE49-F238E27FC236}">
+                  <a16:creationId xmlns:a16="http://schemas.microsoft.com/office/drawing/2014/main" id="{E3020543-B24B-4EC4-8FFC-8DD88EEA91A8}"/>
+                </a:ext>
+                <a:ext uri="{C183D7F6-B498-43B3-948B-1728B52AA6E4}">
+                  <adec:decorative xmlns:adec="http://schemas.microsoft.com/office/drawing/2017/decorative" val="1"/>
+                </a:ext>
+              </a:extLst>
+            </p:cNvPr>
+            <p:cNvSpPr/>
+            <p:nvPr>
+              <p:extLst>
+                <p:ext uri="{386F3935-93C4-4BCD-93E2-E3B085C9AB24}">
+                  <p16:designElem xmlns:p16="http://schemas.microsoft.com/office/powerpoint/2015/main" val="1"/>
+                </p:ext>
+              </p:extLst>
+            </p:nvPr>
+          </p:nvSpPr>
+          <p:spPr>
+            <a:xfrm>
+              <a:off x="7974401" y="3870451"/>
+              <a:ext cx="91138" cy="91138"/>
+            </a:xfrm>
+            <a:custGeom>
+              <a:avLst/>
+              <a:gdLst>
+                <a:gd name="connsiteX0" fmla="*/ 91138 w 91138"/>
+                <a:gd name="connsiteY0" fmla="*/ 45569 h 91138"/>
+                <a:gd name="connsiteX1" fmla="*/ 45569 w 91138"/>
+                <a:gd name="connsiteY1" fmla="*/ 91138 h 91138"/>
+                <a:gd name="connsiteX2" fmla="*/ 0 w 91138"/>
+                <a:gd name="connsiteY2" fmla="*/ 45569 h 91138"/>
+                <a:gd name="connsiteX3" fmla="*/ 45569 w 91138"/>
+                <a:gd name="connsiteY3" fmla="*/ 0 h 91138"/>
+                <a:gd name="connsiteX4" fmla="*/ 91138 w 91138"/>
+                <a:gd name="connsiteY4" fmla="*/ 45569 h 91138"/>
+              </a:gdLst>
+              <a:ahLst/>
+              <a:cxnLst>
+                <a:cxn ang="0">
+                  <a:pos x="connsiteX0" y="connsiteY0"/>
+                </a:cxn>
+                <a:cxn ang="0">
+                  <a:pos x="connsiteX1" y="connsiteY1"/>
+                </a:cxn>
+                <a:cxn ang="0">
+                  <a:pos x="connsiteX2" y="connsiteY2"/>
+                </a:cxn>
+                <a:cxn ang="0">
+                  <a:pos x="connsiteX3" y="connsiteY3"/>
+                </a:cxn>
+                <a:cxn ang="0">
+                  <a:pos x="connsiteX4" y="connsiteY4"/>
+                </a:cxn>
+              </a:cxnLst>
+              <a:rect l="l" t="t" r="r" b="b"/>
+              <a:pathLst>
+                <a:path w="91138" h="91138">
+                  <a:moveTo>
+                    <a:pt x="91138" y="45569"/>
+                  </a:moveTo>
+                  <a:cubicBezTo>
+                    <a:pt x="91138" y="70736"/>
+                    <a:pt x="70736" y="91138"/>
+                    <a:pt x="45569" y="91138"/>
+                  </a:cubicBezTo>
+                  <a:cubicBezTo>
+                    <a:pt x="20402" y="91138"/>
+                    <a:pt x="0" y="70736"/>
+                    <a:pt x="0" y="45569"/>
+                  </a:cubicBezTo>
+                  <a:cubicBezTo>
+                    <a:pt x="0" y="20402"/>
+                    <a:pt x="20402" y="0"/>
+                    <a:pt x="45569" y="0"/>
+                  </a:cubicBezTo>
+                  <a:cubicBezTo>
+                    <a:pt x="70736" y="0"/>
+                    <a:pt x="91138" y="20402"/>
+                    <a:pt x="91138" y="45569"/>
+                  </a:cubicBezTo>
+                  <a:close/>
+                </a:path>
+              </a:pathLst>
+            </a:custGeom>
+            <a:solidFill>
+              <a:schemeClr val="accent1"/>
+            </a:solidFill>
+            <a:ln w="422" cap="flat">
+              <a:noFill/>
+              <a:prstDash val="solid"/>
+              <a:miter/>
+            </a:ln>
+          </p:spPr>
+          <p:txBody>
+            <a:bodyPr rtlCol="0" anchor="ctr"/>
+            <a:lstStyle/>
+            <a:p>
+              <a:endParaRPr lang="en-US"/>
+            </a:p>
+          </p:txBody>
+        </p:sp>
+      </p:grpSp>
+      <p:pic>
+        <p:nvPicPr>
+          <p:cNvPr id="7" name="Picture 6">
+            <a:extLst>
+              <a:ext uri="{FF2B5EF4-FFF2-40B4-BE49-F238E27FC236}">
+                <a16:creationId xmlns:a16="http://schemas.microsoft.com/office/drawing/2014/main" id="{677FC915-AF72-3072-9F67-3209D80F2F7C}"/>
+              </a:ext>
+            </a:extLst>
+          </p:cNvPr>
+          <p:cNvPicPr>
+            <a:picLocks noChangeAspect="1"/>
+          </p:cNvPicPr>
+          <p:nvPr/>
+        </p:nvPicPr>
+        <p:blipFill rotWithShape="1">
+          <a:blip r:embed="rId3"/>
+          <a:srcRect l="21975" r="55275"/>
+          <a:stretch/>
+        </p:blipFill>
+        <p:spPr>
+          <a:xfrm>
+            <a:off x="8610595" y="1227809"/>
+            <a:ext cx="3300386" cy="3300386"/>
+          </a:xfrm>
+          <a:custGeom>
+            <a:avLst/>
+            <a:gdLst/>
+            <a:ahLst/>
+            <a:cxnLst/>
+            <a:rect l="l" t="t" r="r" b="b"/>
+            <a:pathLst>
+              <a:path w="2457864" h="2457864">
+                <a:moveTo>
+                  <a:pt x="1228932" y="0"/>
+                </a:moveTo>
+                <a:cubicBezTo>
+                  <a:pt x="1907652" y="0"/>
+                  <a:pt x="2457864" y="550212"/>
+                  <a:pt x="2457864" y="1228932"/>
+                </a:cubicBezTo>
+                <a:cubicBezTo>
+                  <a:pt x="2457864" y="1907652"/>
+                  <a:pt x="1907652" y="2457864"/>
+                  <a:pt x="1228932" y="2457864"/>
+                </a:cubicBezTo>
+                <a:cubicBezTo>
+                  <a:pt x="550212" y="2457864"/>
+                  <a:pt x="0" y="1907652"/>
+                  <a:pt x="0" y="1228932"/>
+                </a:cubicBezTo>
+                <a:cubicBezTo>
+                  <a:pt x="0" y="550212"/>
+                  <a:pt x="550212" y="0"/>
+                  <a:pt x="1228932" y="0"/>
+                </a:cubicBezTo>
+                <a:close/>
+              </a:path>
+            </a:pathLst>
+          </a:custGeom>
+        </p:spPr>
+      </p:pic>
       <p:sp>
         <p:nvSpPr>
           <p:cNvPr id="4" name="Date Placeholder 3">
@@ -11458,45 +14883,45 @@
             <p:ph type="dt" sz="half" idx="10"/>
           </p:nvPr>
         </p:nvSpPr>
-        <p:spPr/>
+        <p:spPr>
+          <a:xfrm>
+            <a:off x="838200" y="6356350"/>
+            <a:ext cx="2743200" cy="365125"/>
+          </a:xfrm>
+        </p:spPr>
         <p:txBody>
-          <a:bodyPr/>
+          <a:bodyPr>
+            <a:normAutofit/>
+          </a:bodyPr>
           <a:lstStyle/>
           <a:p>
+            <a:pPr>
+              <a:spcAft>
+                <a:spcPts val="600"/>
+              </a:spcAft>
+            </a:pPr>
             <a:fld id="{AA26B459-5CF9-4FBD-A954-6AB72B68ECA7}" type="datetime1">
-              <a:rPr lang="en-US" smtClean="0"/>
+              <a:rPr lang="en-US">
+                <a:solidFill>
+                  <a:schemeClr val="tx1">
+                    <a:alpha val="60000"/>
+                  </a:schemeClr>
+                </a:solidFill>
+              </a:rPr>
+              <a:pPr>
+                <a:spcAft>
+                  <a:spcPts val="600"/>
+                </a:spcAft>
+              </a:pPr>
               <a:t>5/1/2023</a:t>
             </a:fld>
-            <a:endParaRPr lang="en-US"/>
-          </a:p>
-        </p:txBody>
-      </p:sp>
-      <p:sp>
-        <p:nvSpPr>
-          <p:cNvPr id="5" name="Footer Placeholder 4">
-            <a:extLst>
-              <a:ext uri="{FF2B5EF4-FFF2-40B4-BE49-F238E27FC236}">
-                <a16:creationId xmlns:a16="http://schemas.microsoft.com/office/drawing/2014/main" id="{CE54B6B0-7E10-EF60-ED8C-7FBCD95777F3}"/>
-              </a:ext>
-            </a:extLst>
-          </p:cNvPr>
-          <p:cNvSpPr>
-            <a:spLocks noGrp="1"/>
-          </p:cNvSpPr>
-          <p:nvPr>
-            <p:ph type="ftr" sz="quarter" idx="11"/>
-          </p:nvPr>
-        </p:nvSpPr>
-        <p:spPr/>
-        <p:txBody>
-          <a:bodyPr/>
-          <a:lstStyle/>
-          <a:p>
-            <a:r>
-              <a:rPr lang="de-DE"/>
-              <a:t>Formel 1</a:t>
-            </a:r>
-            <a:endParaRPr lang="en-US"/>
+            <a:endParaRPr lang="en-US">
+              <a:solidFill>
+                <a:schemeClr val="tx1">
+                  <a:alpha val="60000"/>
+                </a:schemeClr>
+              </a:solidFill>
+            </a:endParaRPr>
           </a:p>
         </p:txBody>
       </p:sp>
@@ -11516,19 +14941,109 @@
             <p:ph type="sldNum" sz="quarter" idx="12"/>
           </p:nvPr>
         </p:nvSpPr>
-        <p:spPr/>
+        <p:spPr>
+          <a:xfrm>
+            <a:off x="8610600" y="6356350"/>
+            <a:ext cx="2743200" cy="365125"/>
+          </a:xfrm>
+        </p:spPr>
         <p:txBody>
-          <a:bodyPr/>
+          <a:bodyPr>
+            <a:normAutofit/>
+          </a:bodyPr>
           <a:lstStyle/>
           <a:p>
+            <a:pPr>
+              <a:spcAft>
+                <a:spcPts val="600"/>
+              </a:spcAft>
+            </a:pPr>
             <a:fld id="{4A02C0CA-695B-4E24-A1D3-3DA5FEDE07AC}" type="slidenum">
-              <a:rPr lang="en-US" smtClean="0"/>
+              <a:rPr lang="en-US">
+                <a:solidFill>
+                  <a:schemeClr val="tx1">
+                    <a:alpha val="60000"/>
+                  </a:schemeClr>
+                </a:solidFill>
+              </a:rPr>
+              <a:pPr>
+                <a:spcAft>
+                  <a:spcPts val="600"/>
+                </a:spcAft>
+              </a:pPr>
               <a:t>14</a:t>
             </a:fld>
-            <a:endParaRPr lang="en-US"/>
+            <a:endParaRPr lang="en-US">
+              <a:solidFill>
+                <a:schemeClr val="tx1">
+                  <a:alpha val="60000"/>
+                </a:schemeClr>
+              </a:solidFill>
+            </a:endParaRPr>
           </a:p>
         </p:txBody>
       </p:sp>
+      <p:pic>
+        <p:nvPicPr>
+          <p:cNvPr id="8" name="Picture 7">
+            <a:extLst>
+              <a:ext uri="{FF2B5EF4-FFF2-40B4-BE49-F238E27FC236}">
+                <a16:creationId xmlns:a16="http://schemas.microsoft.com/office/drawing/2014/main" id="{B719899E-5DC6-3235-FDF9-E0C196C01EDF}"/>
+              </a:ext>
+            </a:extLst>
+          </p:cNvPr>
+          <p:cNvPicPr>
+            <a:picLocks noChangeAspect="1"/>
+          </p:cNvPicPr>
+          <p:nvPr/>
+        </p:nvPicPr>
+        <p:blipFill rotWithShape="1">
+          <a:blip r:embed="rId4"/>
+          <a:srcRect l="11957" r="3787" b="-7"/>
+          <a:stretch/>
+        </p:blipFill>
+        <p:spPr>
+          <a:xfrm>
+            <a:off x="7288230" y="4296585"/>
+            <a:ext cx="2324791" cy="2324791"/>
+          </a:xfrm>
+          <a:custGeom>
+            <a:avLst/>
+            <a:gdLst/>
+            <a:ahLst/>
+            <a:cxnLst/>
+            <a:rect l="l" t="t" r="r" b="b"/>
+            <a:pathLst>
+              <a:path w="2241934" h="2241934">
+                <a:moveTo>
+                  <a:pt x="1120967" y="0"/>
+                </a:moveTo>
+                <a:cubicBezTo>
+                  <a:pt x="1740060" y="0"/>
+                  <a:pt x="2241934" y="501874"/>
+                  <a:pt x="2241934" y="1120967"/>
+                </a:cubicBezTo>
+                <a:cubicBezTo>
+                  <a:pt x="2241934" y="1740060"/>
+                  <a:pt x="1740060" y="2241934"/>
+                  <a:pt x="1120967" y="2241934"/>
+                </a:cubicBezTo>
+                <a:cubicBezTo>
+                  <a:pt x="501874" y="2241934"/>
+                  <a:pt x="0" y="1740060"/>
+                  <a:pt x="0" y="1120967"/>
+                </a:cubicBezTo>
+                <a:cubicBezTo>
+                  <a:pt x="0" y="501874"/>
+                  <a:pt x="501874" y="0"/>
+                  <a:pt x="1120967" y="0"/>
+                </a:cubicBezTo>
+                <a:close/>
+              </a:path>
+            </a:pathLst>
+          </a:custGeom>
+        </p:spPr>
+      </p:pic>
     </p:spTree>
     <p:extLst>
       <p:ext uri="{BB962C8B-B14F-4D97-AF65-F5344CB8AC3E}">
@@ -14018,7 +17533,7 @@
             <p:ph idx="1"/>
             <p:extLst>
               <p:ext uri="{D42A27DB-BD31-4B8C-83A1-F6EECF244321}">
-                <p14:modId xmlns:p14="http://schemas.microsoft.com/office/powerpoint/2010/main" val="946812002"/>
+                <p14:modId xmlns:p14="http://schemas.microsoft.com/office/powerpoint/2010/main" val="4085499839"/>
               </p:ext>
             </p:extLst>
           </p:nvPr>
@@ -14029,7 +17544,7 @@
         </p:xfrm>
         <a:graphic>
           <a:graphicData uri="http://schemas.openxmlformats.org/drawingml/2006/diagram">
-            <dgm:relIds xmlns:dgm="http://schemas.openxmlformats.org/drawingml/2006/diagram" xmlns:r="http://schemas.openxmlformats.org/officeDocument/2006/relationships" r:dm="rId2" r:lo="rId3" r:qs="rId4" r:cs="rId5"/>
+            <dgm:relIds xmlns:dgm="http://schemas.openxmlformats.org/drawingml/2006/diagram" xmlns:r="http://schemas.openxmlformats.org/officeDocument/2006/relationships" r:dm="rId3" r:lo="rId4" r:qs="rId5" r:cs="rId6"/>
           </a:graphicData>
         </a:graphic>
       </p:graphicFrame>
@@ -15270,7 +18785,7 @@
                 <a:ea typeface="Times New Roman" panose="02020603050405020304" pitchFamily="18" charset="0"/>
                 <a:cs typeface="Times New Roman" panose="02020603050405020304" pitchFamily="18" charset="0"/>
               </a:rPr>
-              <a:t>Weltmeisterschaften Formel 1 (1950 bis 2023).</a:t>
+              <a:t>Weltmeisterschaften Formel 1 (1950 bis 2022).</a:t>
             </a:r>
             <a:br>
               <a:rPr lang="de-DE" sz="1800" dirty="0">
@@ -20139,33 +23654,15 @@
             </a:r>
             <a:r>
               <a:rPr lang="en-US" sz="1800" dirty="0"/>
-              <a:t> </a:t>
-            </a:r>
-            <a:r>
-              <a:rPr lang="en-US" sz="1800" dirty="0" err="1"/>
-              <a:t>Logisches</a:t>
-            </a:r>
-            <a:r>
-              <a:rPr lang="en-US" sz="1800" dirty="0"/>
-              <a:t> Modell in DWC</a:t>
-            </a:r>
-          </a:p>
-          <a:p>
+              <a:t> in DWC + </a:t>
+            </a:r>
             <a:r>
               <a:rPr lang="en-US" sz="1800" dirty="0" err="1"/>
               <a:t>Ergänzung</a:t>
             </a:r>
             <a:r>
               <a:rPr lang="en-US" sz="1800" dirty="0"/>
-              <a:t> um </a:t>
-            </a:r>
-            <a:r>
-              <a:rPr lang="en-US" sz="1800" dirty="0" err="1"/>
-              <a:t>erstellte</a:t>
-            </a:r>
-            <a:r>
-              <a:rPr lang="en-US" sz="1800" dirty="0"/>
-              <a:t> Views für </a:t>
+              <a:t> um Views für </a:t>
             </a:r>
             <a:r>
               <a:rPr lang="en-US" sz="1800" dirty="0" err="1"/>
@@ -20175,6 +23672,66 @@
           </a:p>
         </p:txBody>
       </p:sp>
+      <p:pic>
+        <p:nvPicPr>
+          <p:cNvPr id="17" name="Picture 16">
+            <a:extLst>
+              <a:ext uri="{FF2B5EF4-FFF2-40B4-BE49-F238E27FC236}">
+                <a16:creationId xmlns:a16="http://schemas.microsoft.com/office/drawing/2014/main" id="{D4D6D879-C89E-B569-DA9B-26A10F94BE1C}"/>
+              </a:ext>
+            </a:extLst>
+          </p:cNvPr>
+          <p:cNvPicPr>
+            <a:picLocks noChangeAspect="1"/>
+          </p:cNvPicPr>
+          <p:nvPr/>
+        </p:nvPicPr>
+        <p:blipFill>
+          <a:blip r:embed="rId2"/>
+          <a:stretch>
+            <a:fillRect/>
+          </a:stretch>
+        </p:blipFill>
+        <p:spPr>
+          <a:xfrm>
+            <a:off x="9054773" y="3381911"/>
+            <a:ext cx="2761907" cy="2362767"/>
+          </a:xfrm>
+          <a:prstGeom prst="rect">
+            <a:avLst/>
+          </a:prstGeom>
+        </p:spPr>
+      </p:pic>
+      <p:pic>
+        <p:nvPicPr>
+          <p:cNvPr id="24" name="Picture 23">
+            <a:extLst>
+              <a:ext uri="{FF2B5EF4-FFF2-40B4-BE49-F238E27FC236}">
+                <a16:creationId xmlns:a16="http://schemas.microsoft.com/office/drawing/2014/main" id="{428554BD-D67F-39E2-BFF0-86B7CF0900E0}"/>
+              </a:ext>
+            </a:extLst>
+          </p:cNvPr>
+          <p:cNvPicPr>
+            <a:picLocks noChangeAspect="1"/>
+          </p:cNvPicPr>
+          <p:nvPr/>
+        </p:nvPicPr>
+        <p:blipFill>
+          <a:blip r:embed="rId3"/>
+          <a:stretch>
+            <a:fillRect/>
+          </a:stretch>
+        </p:blipFill>
+        <p:spPr>
+          <a:xfrm>
+            <a:off x="73890" y="3111660"/>
+            <a:ext cx="8931564" cy="3655710"/>
+          </a:xfrm>
+          <a:prstGeom prst="rect">
+            <a:avLst/>
+          </a:prstGeom>
+        </p:spPr>
+      </p:pic>
     </p:spTree>
     <p:extLst>
       <p:ext uri="{BB962C8B-B14F-4D97-AF65-F5344CB8AC3E}">

--- a/Präsentation.pptx
+++ b/Präsentation.pptx
@@ -3796,7 +3796,7 @@
           <a:p>
             <a:fld id="{B699EEB3-672E-41AD-AF27-19E0A04A837A}" type="datetimeFigureOut">
               <a:rPr lang="en-US" smtClean="0"/>
-              <a:t>5/1/2023</a:t>
+              <a:t>5/2/2023</a:t>
             </a:fld>
             <a:endParaRPr lang="en-US"/>
           </a:p>
@@ -7066,7 +7066,7 @@
           <a:p>
             <a:fld id="{FB188550-3822-4E72-8518-357FC7BC8576}" type="datetime1">
               <a:rPr lang="en-US" smtClean="0"/>
-              <a:t>5/1/2023</a:t>
+              <a:t>5/2/2023</a:t>
             </a:fld>
             <a:endParaRPr lang="en-US"/>
           </a:p>
@@ -7268,7 +7268,7 @@
           <a:p>
             <a:fld id="{0D5EFCE2-676E-4A8C-B75B-56B27DA7CA23}" type="datetime1">
               <a:rPr lang="en-US" smtClean="0"/>
-              <a:t>5/1/2023</a:t>
+              <a:t>5/2/2023</a:t>
             </a:fld>
             <a:endParaRPr lang="en-US"/>
           </a:p>
@@ -7480,7 +7480,7 @@
           <a:p>
             <a:fld id="{C038A9A4-9F0E-4DBC-8123-F17B1F22CF0F}" type="datetime1">
               <a:rPr lang="en-US" smtClean="0"/>
-              <a:t>5/1/2023</a:t>
+              <a:t>5/2/2023</a:t>
             </a:fld>
             <a:endParaRPr lang="en-US"/>
           </a:p>
@@ -7682,7 +7682,7 @@
           <a:p>
             <a:fld id="{154CABC4-7B03-495A-9AFA-D4B9B0DC9A84}" type="datetime1">
               <a:rPr lang="en-US" smtClean="0"/>
-              <a:t>5/1/2023</a:t>
+              <a:t>5/2/2023</a:t>
             </a:fld>
             <a:endParaRPr lang="en-US"/>
           </a:p>
@@ -7961,7 +7961,7 @@
           <a:p>
             <a:fld id="{78192B49-66E0-4E1A-94F4-973D637B7DA2}" type="datetime1">
               <a:rPr lang="en-US" smtClean="0"/>
-              <a:t>5/1/2023</a:t>
+              <a:t>5/2/2023</a:t>
             </a:fld>
             <a:endParaRPr lang="en-US"/>
           </a:p>
@@ -8230,7 +8230,7 @@
           <a:p>
             <a:fld id="{2ECA240D-021D-4026-8FED-EFFD90335E41}" type="datetime1">
               <a:rPr lang="en-US" smtClean="0"/>
-              <a:t>5/1/2023</a:t>
+              <a:t>5/2/2023</a:t>
             </a:fld>
             <a:endParaRPr lang="en-US"/>
           </a:p>
@@ -8646,7 +8646,7 @@
           <a:p>
             <a:fld id="{B9F77142-2A5A-4429-B94C-6B1AC0BB33C7}" type="datetime1">
               <a:rPr lang="en-US" smtClean="0"/>
-              <a:t>5/1/2023</a:t>
+              <a:t>5/2/2023</a:t>
             </a:fld>
             <a:endParaRPr lang="en-US"/>
           </a:p>
@@ -8791,7 +8791,7 @@
           <a:p>
             <a:fld id="{D344FF2C-4999-425C-859C-90D84AE67B50}" type="datetime1">
               <a:rPr lang="en-US" smtClean="0"/>
-              <a:t>5/1/2023</a:t>
+              <a:t>5/2/2023</a:t>
             </a:fld>
             <a:endParaRPr lang="en-US"/>
           </a:p>
@@ -8908,7 +8908,7 @@
           <a:p>
             <a:fld id="{91A23E8F-5F80-4B65-91DE-6720E6D23E3A}" type="datetime1">
               <a:rPr lang="en-US" smtClean="0"/>
-              <a:t>5/1/2023</a:t>
+              <a:t>5/2/2023</a:t>
             </a:fld>
             <a:endParaRPr lang="en-US"/>
           </a:p>
@@ -9223,7 +9223,7 @@
           <a:p>
             <a:fld id="{70DECF2F-A177-4234-884F-D665E99597BF}" type="datetime1">
               <a:rPr lang="en-US" smtClean="0"/>
-              <a:t>5/1/2023</a:t>
+              <a:t>5/2/2023</a:t>
             </a:fld>
             <a:endParaRPr lang="en-US"/>
           </a:p>
@@ -9515,7 +9515,7 @@
           <a:p>
             <a:fld id="{E432B4FC-9111-4FA6-83D7-26158D9FFB01}" type="datetime1">
               <a:rPr lang="en-US" smtClean="0"/>
-              <a:t>5/1/2023</a:t>
+              <a:t>5/2/2023</a:t>
             </a:fld>
             <a:endParaRPr lang="en-US"/>
           </a:p>
@@ -9760,7 +9760,7 @@
           <a:p>
             <a:fld id="{108A961A-93B5-48C4-A464-A55C83187F94}" type="datetime1">
               <a:rPr lang="en-US" smtClean="0"/>
-              <a:t>5/1/2023</a:t>
+              <a:t>5/2/2023</a:t>
             </a:fld>
             <a:endParaRPr lang="en-US"/>
           </a:p>
@@ -10451,7 +10451,7 @@
                   <a:srgbClr val="FFFFFF"/>
                 </a:solidFill>
               </a:rPr>
-              <a:t>5/1/2023</a:t>
+              <a:t>5/2/2023</a:t>
             </a:fld>
             <a:endParaRPr lang="en-US">
               <a:solidFill>
@@ -11060,7 +11060,7 @@
                 </a:solidFill>
                 <a:latin typeface="Calibri" panose="020F0502020204030204"/>
               </a:rPr>
-              <a:t>5/1/2023</a:t>
+              <a:t>5/2/2023</a:t>
             </a:fld>
             <a:endParaRPr lang="en-US">
               <a:solidFill>
@@ -12049,7 +12049,7 @@
                   <a:spcPts val="600"/>
                 </a:spcAft>
               </a:pPr>
-              <a:t>5/1/2023</a:t>
+              <a:t>5/2/2023</a:t>
             </a:fld>
             <a:endParaRPr lang="en-US">
               <a:solidFill>
@@ -13040,7 +13040,7 @@
                   <a:spcPts val="600"/>
                 </a:spcAft>
               </a:pPr>
-              <a:t>5/1/2023</a:t>
+              <a:t>5/2/2023</a:t>
             </a:fld>
             <a:endParaRPr lang="en-US">
               <a:solidFill>
@@ -13950,7 +13950,7 @@
                   <a:spcPts val="600"/>
                 </a:spcAft>
               </a:pPr>
-              <a:t>5/1/2023</a:t>
+              <a:t>5/2/2023</a:t>
             </a:fld>
             <a:endParaRPr lang="en-US">
               <a:solidFill>
@@ -14913,7 +14913,7 @@
                   <a:spcPts val="600"/>
                 </a:spcAft>
               </a:pPr>
-              <a:t>5/1/2023</a:t>
+              <a:t>5/2/2023</a:t>
             </a:fld>
             <a:endParaRPr lang="en-US">
               <a:solidFill>
@@ -15504,7 +15504,7 @@
                 </a:solidFill>
                 <a:latin typeface="Calibri" panose="020F0502020204030204"/>
               </a:rPr>
-              <a:t>5/1/2023</a:t>
+              <a:t>5/2/2023</a:t>
             </a:fld>
             <a:endParaRPr lang="en-US">
               <a:solidFill>
@@ -16117,7 +16117,7 @@
                 </a:solidFill>
                 <a:latin typeface="Calibri" panose="020F0502020204030204"/>
               </a:rPr>
-              <a:t>5/1/2023</a:t>
+              <a:t>5/2/2023</a:t>
             </a:fld>
             <a:endParaRPr lang="en-US">
               <a:solidFill>
@@ -17190,7 +17190,7 @@
                   <a:spcPts val="600"/>
                 </a:spcAft>
               </a:pPr>
-              <a:t>5/1/2023</a:t>
+              <a:t>5/2/2023</a:t>
             </a:fld>
             <a:endParaRPr lang="en-US">
               <a:solidFill>
@@ -17695,7 +17695,7 @@
                 </a:spcAft>
                 <a:defRPr/>
               </a:pPr>
-              <a:t>5/1/2023</a:t>
+              <a:t>5/2/2023</a:t>
             </a:fld>
             <a:endParaRPr lang="en-US">
               <a:solidFill>
@@ -18354,7 +18354,7 @@
                 </a:solidFill>
                 <a:latin typeface="Calibri" panose="020F0502020204030204"/>
               </a:rPr>
-              <a:t>5/1/2023</a:t>
+              <a:t>5/2/2023</a:t>
             </a:fld>
             <a:endParaRPr lang="en-US">
               <a:solidFill>
@@ -19442,7 +19442,7 @@
                   <a:spcPts val="600"/>
                 </a:spcAft>
               </a:pPr>
-              <a:t>5/1/2023</a:t>
+              <a:t>5/2/2023</a:t>
             </a:fld>
             <a:endParaRPr lang="en-US" dirty="0">
               <a:solidFill>
@@ -20421,7 +20421,7 @@
                   <a:spcPts val="600"/>
                 </a:spcAft>
               </a:pPr>
-              <a:t>5/1/2023</a:t>
+              <a:t>5/2/2023</a:t>
             </a:fld>
             <a:endParaRPr lang="en-US">
               <a:solidFill>
@@ -20774,32 +20774,6 @@
             <a:normAutofit/>
           </a:bodyPr>
           <a:lstStyle/>
-          <a:p>
-            <a:pPr marL="0" marR="0" indent="0">
-              <a:spcBef>
-                <a:spcPts val="0"/>
-              </a:spcBef>
-              <a:spcAft>
-                <a:spcPts val="1000"/>
-              </a:spcAft>
-              <a:buNone/>
-            </a:pPr>
-            <a:r>
-              <a:rPr lang="de-DE" sz="1800" dirty="0">
-                <a:effectLst/>
-                <a:latin typeface="Calibri" panose="020F0502020204030204" pitchFamily="34" charset="0"/>
-                <a:ea typeface="Times New Roman" panose="02020603050405020304" pitchFamily="18" charset="0"/>
-                <a:cs typeface="Times New Roman" panose="02020603050405020304" pitchFamily="18" charset="0"/>
-              </a:rPr>
-              <a:t>Folgende Anpassungen haben wir vorgenommen:</a:t>
-            </a:r>
-            <a:endParaRPr lang="en-US" sz="1800" dirty="0">
-              <a:effectLst/>
-              <a:latin typeface="Calibri" panose="020F0502020204030204" pitchFamily="34" charset="0"/>
-              <a:ea typeface="Times New Roman" panose="02020603050405020304" pitchFamily="18" charset="0"/>
-              <a:cs typeface="Times New Roman" panose="02020603050405020304" pitchFamily="18" charset="0"/>
-            </a:endParaRPr>
-          </a:p>
           <a:p>
             <a:pPr marR="0" lvl="0">
               <a:spcBef>
@@ -21426,7 +21400,7 @@
                   <a:spcPts val="600"/>
                 </a:spcAft>
               </a:pPr>
-              <a:t>5/1/2023</a:t>
+              <a:t>5/2/2023</a:t>
             </a:fld>
             <a:endParaRPr lang="en-US">
               <a:solidFill>
@@ -22047,7 +22021,7 @@
                 </a:solidFill>
                 <a:latin typeface="Calibri" panose="020F0502020204030204"/>
               </a:rPr>
-              <a:t>5/1/2023</a:t>
+              <a:t>5/2/2023</a:t>
             </a:fld>
             <a:endParaRPr lang="en-US">
               <a:solidFill>
@@ -22815,7 +22789,7 @@
                   </a:schemeClr>
                 </a:solidFill>
               </a:rPr>
-              <a:t>5/1/2023</a:t>
+              <a:t>5/2/2023</a:t>
             </a:fld>
             <a:endParaRPr lang="en-US">
               <a:solidFill>
@@ -23550,7 +23524,7 @@
                   </a:schemeClr>
                 </a:solidFill>
               </a:rPr>
-              <a:t>5/1/2023</a:t>
+              <a:t>5/2/2023</a:t>
             </a:fld>
             <a:endParaRPr lang="en-US">
               <a:solidFill>
